--- a/e3/doc/2020_csg2-PMT-E3-rev-1.pptx
+++ b/e3/doc/2020_csg2-PMT-E3-rev-1.pptx
@@ -2,18 +2,25 @@
 <file path=ppt/presentation.xml><?xml version="1.0" encoding="utf-8"?>
 <p:presentation xmlns:a="http://schemas.openxmlformats.org/drawingml/2006/main" xmlns:r="http://schemas.openxmlformats.org/officeDocument/2006/relationships" xmlns:p="http://schemas.openxmlformats.org/presentationml/2006/main" saveSubsetFonts="1">
   <p:sldMasterIdLst>
-    <p:sldMasterId id="2147483648" r:id="rId1"/>
+    <p:sldMasterId id="2147483725" r:id="rId1"/>
   </p:sldMasterIdLst>
   <p:sldIdLst>
     <p:sldId id="256" r:id="rId2"/>
+    <p:sldId id="257" r:id="rId3"/>
+    <p:sldId id="265" r:id="rId4"/>
+    <p:sldId id="266" r:id="rId5"/>
+    <p:sldId id="263" r:id="rId6"/>
+    <p:sldId id="259" r:id="rId7"/>
+    <p:sldId id="260" r:id="rId8"/>
+    <p:sldId id="264" r:id="rId9"/>
   </p:sldIdLst>
   <p:sldSz cx="12192000" cy="6858000"/>
   <p:notesSz cx="6858000" cy="9144000"/>
   <p:defaultTextStyle>
     <a:defPPr>
-      <a:defRPr lang="fr-FR"/>
+      <a:defRPr lang="en-US"/>
     </a:defPPr>
-    <a:lvl1pPr marL="0" algn="l" defTabSz="914400" rtl="0" eaLnBrk="1" latinLnBrk="0" hangingPunct="1">
+    <a:lvl1pPr marL="0" algn="l" defTabSz="457200" rtl="0" eaLnBrk="1" latinLnBrk="0" hangingPunct="1">
       <a:defRPr sz="1800" kern="1200">
         <a:solidFill>
           <a:schemeClr val="tx1"/>
@@ -23,7 +30,7 @@
         <a:cs typeface="+mn-cs"/>
       </a:defRPr>
     </a:lvl1pPr>
-    <a:lvl2pPr marL="457200" algn="l" defTabSz="914400" rtl="0" eaLnBrk="1" latinLnBrk="0" hangingPunct="1">
+    <a:lvl2pPr marL="457200" algn="l" defTabSz="457200" rtl="0" eaLnBrk="1" latinLnBrk="0" hangingPunct="1">
       <a:defRPr sz="1800" kern="1200">
         <a:solidFill>
           <a:schemeClr val="tx1"/>
@@ -33,7 +40,7 @@
         <a:cs typeface="+mn-cs"/>
       </a:defRPr>
     </a:lvl2pPr>
-    <a:lvl3pPr marL="914400" algn="l" defTabSz="914400" rtl="0" eaLnBrk="1" latinLnBrk="0" hangingPunct="1">
+    <a:lvl3pPr marL="914400" algn="l" defTabSz="457200" rtl="0" eaLnBrk="1" latinLnBrk="0" hangingPunct="1">
       <a:defRPr sz="1800" kern="1200">
         <a:solidFill>
           <a:schemeClr val="tx1"/>
@@ -43,7 +50,7 @@
         <a:cs typeface="+mn-cs"/>
       </a:defRPr>
     </a:lvl3pPr>
-    <a:lvl4pPr marL="1371600" algn="l" defTabSz="914400" rtl="0" eaLnBrk="1" latinLnBrk="0" hangingPunct="1">
+    <a:lvl4pPr marL="1371600" algn="l" defTabSz="457200" rtl="0" eaLnBrk="1" latinLnBrk="0" hangingPunct="1">
       <a:defRPr sz="1800" kern="1200">
         <a:solidFill>
           <a:schemeClr val="tx1"/>
@@ -53,7 +60,7 @@
         <a:cs typeface="+mn-cs"/>
       </a:defRPr>
     </a:lvl4pPr>
-    <a:lvl5pPr marL="1828800" algn="l" defTabSz="914400" rtl="0" eaLnBrk="1" latinLnBrk="0" hangingPunct="1">
+    <a:lvl5pPr marL="1828800" algn="l" defTabSz="457200" rtl="0" eaLnBrk="1" latinLnBrk="0" hangingPunct="1">
       <a:defRPr sz="1800" kern="1200">
         <a:solidFill>
           <a:schemeClr val="tx1"/>
@@ -63,7 +70,7 @@
         <a:cs typeface="+mn-cs"/>
       </a:defRPr>
     </a:lvl5pPr>
-    <a:lvl6pPr marL="2286000" algn="l" defTabSz="914400" rtl="0" eaLnBrk="1" latinLnBrk="0" hangingPunct="1">
+    <a:lvl6pPr marL="2286000" algn="l" defTabSz="457200" rtl="0" eaLnBrk="1" latinLnBrk="0" hangingPunct="1">
       <a:defRPr sz="1800" kern="1200">
         <a:solidFill>
           <a:schemeClr val="tx1"/>
@@ -73,7 +80,7 @@
         <a:cs typeface="+mn-cs"/>
       </a:defRPr>
     </a:lvl6pPr>
-    <a:lvl7pPr marL="2743200" algn="l" defTabSz="914400" rtl="0" eaLnBrk="1" latinLnBrk="0" hangingPunct="1">
+    <a:lvl7pPr marL="2743200" algn="l" defTabSz="457200" rtl="0" eaLnBrk="1" latinLnBrk="0" hangingPunct="1">
       <a:defRPr sz="1800" kern="1200">
         <a:solidFill>
           <a:schemeClr val="tx1"/>
@@ -83,7 +90,7 @@
         <a:cs typeface="+mn-cs"/>
       </a:defRPr>
     </a:lvl7pPr>
-    <a:lvl8pPr marL="3200400" algn="l" defTabSz="914400" rtl="0" eaLnBrk="1" latinLnBrk="0" hangingPunct="1">
+    <a:lvl8pPr marL="3200400" algn="l" defTabSz="457200" rtl="0" eaLnBrk="1" latinLnBrk="0" hangingPunct="1">
       <a:defRPr sz="1800" kern="1200">
         <a:solidFill>
           <a:schemeClr val="tx1"/>
@@ -93,7 +100,7 @@
         <a:cs typeface="+mn-cs"/>
       </a:defRPr>
     </a:lvl8pPr>
-    <a:lvl9pPr marL="3657600" algn="l" defTabSz="914400" rtl="0" eaLnBrk="1" latinLnBrk="0" hangingPunct="1">
+    <a:lvl9pPr marL="3657600" algn="l" defTabSz="457200" rtl="0" eaLnBrk="1" latinLnBrk="0" hangingPunct="1">
       <a:defRPr sz="1800" kern="1200">
         <a:solidFill>
           <a:schemeClr val="tx1"/>
@@ -104,6 +111,11 @@
       </a:defRPr>
     </a:lvl9pPr>
   </p:defaultTextStyle>
+  <p:extLst>
+    <p:ext uri="{EFAFB233-063F-42B5-8137-9DF3F51BA10A}">
+      <p15:sldGuideLst xmlns:p15="http://schemas.microsoft.com/office/powerpoint/2012/main"/>
+    </p:ext>
+  </p:extLst>
 </p:presentation>
 </file>
 
@@ -126,13 +138,7 @@
       </p:grpSpPr>
       <p:sp>
         <p:nvSpPr>
-          <p:cNvPr id="2" name="Titre 1">
-            <a:extLst>
-              <a:ext uri="{FF2B5EF4-FFF2-40B4-BE49-F238E27FC236}">
-                <a16:creationId xmlns:a16="http://schemas.microsoft.com/office/drawing/2014/main" id="{59E8E61D-45ED-4F2D-A58F-60260D5EDF63}"/>
-              </a:ext>
-            </a:extLst>
-          </p:cNvPr>
+          <p:cNvPr id="2" name="Title 1"/>
           <p:cNvSpPr>
             <a:spLocks noGrp="1"/>
           </p:cNvSpPr>
@@ -142,15 +148,17 @@
         </p:nvSpPr>
         <p:spPr>
           <a:xfrm>
-            <a:off x="1524000" y="1122363"/>
-            <a:ext cx="9144000" cy="2387600"/>
+            <a:off x="2589213" y="2514600"/>
+            <a:ext cx="8915399" cy="2262781"/>
           </a:xfrm>
         </p:spPr>
         <p:txBody>
-          <a:bodyPr anchor="b"/>
+          <a:bodyPr anchor="b">
+            <a:normAutofit/>
+          </a:bodyPr>
           <a:lstStyle>
-            <a:lvl1pPr algn="ctr">
-              <a:defRPr sz="6000"/>
+            <a:lvl1pPr>
+              <a:defRPr sz="5400"/>
             </a:lvl1pPr>
           </a:lstStyle>
           <a:p>
@@ -158,18 +166,13 @@
               <a:rPr lang="fr-FR"/>
               <a:t>Modifiez le style du titre</a:t>
             </a:r>
-          </a:p>
-        </p:txBody>
-      </p:sp>
-      <p:sp>
-        <p:nvSpPr>
-          <p:cNvPr id="3" name="Sous-titre 2">
-            <a:extLst>
-              <a:ext uri="{FF2B5EF4-FFF2-40B4-BE49-F238E27FC236}">
-                <a16:creationId xmlns:a16="http://schemas.microsoft.com/office/drawing/2014/main" id="{486E55AF-4B06-4A84-B11A-2FD657E84CC0}"/>
-              </a:ext>
-            </a:extLst>
-          </p:cNvPr>
+            <a:endParaRPr lang="en-US" dirty="0"/>
+          </a:p>
+        </p:txBody>
+      </p:sp>
+      <p:sp>
+        <p:nvSpPr>
+          <p:cNvPr id="3" name="Subtitle 2"/>
           <p:cNvSpPr>
             <a:spLocks noGrp="1"/>
           </p:cNvSpPr>
@@ -179,48 +182,103 @@
         </p:nvSpPr>
         <p:spPr>
           <a:xfrm>
-            <a:off x="1524000" y="3602038"/>
-            <a:ext cx="9144000" cy="1655762"/>
+            <a:off x="2589213" y="4777379"/>
+            <a:ext cx="8915399" cy="1126283"/>
           </a:xfrm>
         </p:spPr>
         <p:txBody>
-          <a:bodyPr/>
+          <a:bodyPr anchor="t"/>
           <a:lstStyle>
-            <a:lvl1pPr marL="0" indent="0" algn="ctr">
-              <a:buNone/>
-              <a:defRPr sz="2400"/>
+            <a:lvl1pPr marL="0" indent="0" algn="l">
+              <a:buNone/>
+              <a:defRPr>
+                <a:solidFill>
+                  <a:schemeClr val="tx1">
+                    <a:lumMod val="65000"/>
+                    <a:lumOff val="35000"/>
+                  </a:schemeClr>
+                </a:solidFill>
+              </a:defRPr>
             </a:lvl1pPr>
             <a:lvl2pPr marL="457200" indent="0" algn="ctr">
               <a:buNone/>
-              <a:defRPr sz="2000"/>
+              <a:defRPr>
+                <a:solidFill>
+                  <a:schemeClr val="tx1">
+                    <a:tint val="75000"/>
+                  </a:schemeClr>
+                </a:solidFill>
+              </a:defRPr>
             </a:lvl2pPr>
             <a:lvl3pPr marL="914400" indent="0" algn="ctr">
               <a:buNone/>
-              <a:defRPr sz="1800"/>
+              <a:defRPr>
+                <a:solidFill>
+                  <a:schemeClr val="tx1">
+                    <a:tint val="75000"/>
+                  </a:schemeClr>
+                </a:solidFill>
+              </a:defRPr>
             </a:lvl3pPr>
             <a:lvl4pPr marL="1371600" indent="0" algn="ctr">
               <a:buNone/>
-              <a:defRPr sz="1600"/>
+              <a:defRPr>
+                <a:solidFill>
+                  <a:schemeClr val="tx1">
+                    <a:tint val="75000"/>
+                  </a:schemeClr>
+                </a:solidFill>
+              </a:defRPr>
             </a:lvl4pPr>
             <a:lvl5pPr marL="1828800" indent="0" algn="ctr">
               <a:buNone/>
-              <a:defRPr sz="1600"/>
+              <a:defRPr>
+                <a:solidFill>
+                  <a:schemeClr val="tx1">
+                    <a:tint val="75000"/>
+                  </a:schemeClr>
+                </a:solidFill>
+              </a:defRPr>
             </a:lvl5pPr>
             <a:lvl6pPr marL="2286000" indent="0" algn="ctr">
               <a:buNone/>
-              <a:defRPr sz="1600"/>
+              <a:defRPr>
+                <a:solidFill>
+                  <a:schemeClr val="tx1">
+                    <a:tint val="75000"/>
+                  </a:schemeClr>
+                </a:solidFill>
+              </a:defRPr>
             </a:lvl6pPr>
             <a:lvl7pPr marL="2743200" indent="0" algn="ctr">
               <a:buNone/>
-              <a:defRPr sz="1600"/>
+              <a:defRPr>
+                <a:solidFill>
+                  <a:schemeClr val="tx1">
+                    <a:tint val="75000"/>
+                  </a:schemeClr>
+                </a:solidFill>
+              </a:defRPr>
             </a:lvl7pPr>
             <a:lvl8pPr marL="3200400" indent="0" algn="ctr">
               <a:buNone/>
-              <a:defRPr sz="1600"/>
+              <a:defRPr>
+                <a:solidFill>
+                  <a:schemeClr val="tx1">
+                    <a:tint val="75000"/>
+                  </a:schemeClr>
+                </a:solidFill>
+              </a:defRPr>
             </a:lvl8pPr>
             <a:lvl9pPr marL="3657600" indent="0" algn="ctr">
               <a:buNone/>
-              <a:defRPr sz="1600"/>
+              <a:defRPr>
+                <a:solidFill>
+                  <a:schemeClr val="tx1">
+                    <a:tint val="75000"/>
+                  </a:schemeClr>
+                </a:solidFill>
+              </a:defRPr>
             </a:lvl9pPr>
           </a:lstStyle>
           <a:p>
@@ -228,18 +286,13 @@
               <a:rPr lang="fr-FR"/>
               <a:t>Modifiez le style des sous-titres du masque</a:t>
             </a:r>
-          </a:p>
-        </p:txBody>
-      </p:sp>
-      <p:sp>
-        <p:nvSpPr>
-          <p:cNvPr id="4" name="Espace réservé de la date 3">
-            <a:extLst>
-              <a:ext uri="{FF2B5EF4-FFF2-40B4-BE49-F238E27FC236}">
-                <a16:creationId xmlns:a16="http://schemas.microsoft.com/office/drawing/2014/main" id="{A0B95AA3-3869-4031-A355-A866ED28D6B7}"/>
-              </a:ext>
-            </a:extLst>
-          </p:cNvPr>
+            <a:endParaRPr lang="en-US" dirty="0"/>
+          </a:p>
+        </p:txBody>
+      </p:sp>
+      <p:sp>
+        <p:nvSpPr>
+          <p:cNvPr id="4" name="Date Placeholder 3"/>
           <p:cNvSpPr>
             <a:spLocks noGrp="1"/>
           </p:cNvSpPr>
@@ -254,7 +307,7 @@
           <a:p>
             <a:fld id="{7A47CF09-9538-47D9-9371-EDA44274715E}" type="datetimeFigureOut">
               <a:rPr lang="fr-FR" smtClean="0"/>
-              <a:t>26/03/2020</a:t>
+              <a:t>29/03/2020</a:t>
             </a:fld>
             <a:endParaRPr lang="fr-FR"/>
           </a:p>
@@ -262,13 +315,7 @@
       </p:sp>
       <p:sp>
         <p:nvSpPr>
-          <p:cNvPr id="5" name="Espace réservé du pied de page 4">
-            <a:extLst>
-              <a:ext uri="{FF2B5EF4-FFF2-40B4-BE49-F238E27FC236}">
-                <a16:creationId xmlns:a16="http://schemas.microsoft.com/office/drawing/2014/main" id="{1284BA64-C255-4A16-9B07-39E49B103D84}"/>
-              </a:ext>
-            </a:extLst>
-          </p:cNvPr>
+          <p:cNvPr id="5" name="Footer Placeholder 4"/>
           <p:cNvSpPr>
             <a:spLocks noGrp="1"/>
           </p:cNvSpPr>
@@ -287,13 +334,89 @@
       </p:sp>
       <p:sp>
         <p:nvSpPr>
-          <p:cNvPr id="6" name="Espace réservé du numéro de diapositive 5">
-            <a:extLst>
-              <a:ext uri="{FF2B5EF4-FFF2-40B4-BE49-F238E27FC236}">
-                <a16:creationId xmlns:a16="http://schemas.microsoft.com/office/drawing/2014/main" id="{F5D885F0-29F9-4A14-8DE3-1EB6CE4C1AC4}"/>
-              </a:ext>
-            </a:extLst>
-          </p:cNvPr>
+          <p:cNvPr id="7" name="Freeform 6"/>
+          <p:cNvSpPr/>
+          <p:nvPr/>
+        </p:nvSpPr>
+        <p:spPr bwMode="auto">
+          <a:xfrm>
+            <a:off x="0" y="4323810"/>
+            <a:ext cx="1744652" cy="778589"/>
+          </a:xfrm>
+          <a:custGeom>
+            <a:avLst/>
+            <a:gdLst/>
+            <a:ahLst/>
+            <a:cxnLst/>
+            <a:rect l="0" t="0" r="r" b="b"/>
+            <a:pathLst>
+              <a:path w="372" h="166">
+                <a:moveTo>
+                  <a:pt x="287" y="166"/>
+                </a:moveTo>
+                <a:cubicBezTo>
+                  <a:pt x="290" y="166"/>
+                  <a:pt x="292" y="165"/>
+                  <a:pt x="293" y="164"/>
+                </a:cubicBezTo>
+                <a:cubicBezTo>
+                  <a:pt x="293" y="163"/>
+                  <a:pt x="294" y="163"/>
+                  <a:pt x="294" y="163"/>
+                </a:cubicBezTo>
+                <a:cubicBezTo>
+                  <a:pt x="370" y="87"/>
+                  <a:pt x="370" y="87"/>
+                  <a:pt x="370" y="87"/>
+                </a:cubicBezTo>
+                <a:cubicBezTo>
+                  <a:pt x="372" y="85"/>
+                  <a:pt x="372" y="81"/>
+                  <a:pt x="370" y="78"/>
+                </a:cubicBezTo>
+                <a:cubicBezTo>
+                  <a:pt x="294" y="3"/>
+                  <a:pt x="294" y="3"/>
+                  <a:pt x="294" y="3"/>
+                </a:cubicBezTo>
+                <a:cubicBezTo>
+                  <a:pt x="294" y="2"/>
+                  <a:pt x="293" y="2"/>
+                  <a:pt x="293" y="2"/>
+                </a:cubicBezTo>
+                <a:cubicBezTo>
+                  <a:pt x="292" y="1"/>
+                  <a:pt x="290" y="0"/>
+                  <a:pt x="287" y="0"/>
+                </a:cubicBezTo>
+                <a:cubicBezTo>
+                  <a:pt x="0" y="0"/>
+                  <a:pt x="0" y="0"/>
+                  <a:pt x="0" y="0"/>
+                </a:cubicBezTo>
+                <a:cubicBezTo>
+                  <a:pt x="0" y="166"/>
+                  <a:pt x="0" y="166"/>
+                  <a:pt x="0" y="166"/>
+                </a:cubicBezTo>
+                <a:lnTo>
+                  <a:pt x="287" y="166"/>
+                </a:lnTo>
+                <a:close/>
+              </a:path>
+            </a:pathLst>
+          </a:custGeom>
+          <a:solidFill>
+            <a:schemeClr val="accent1"/>
+          </a:solidFill>
+          <a:ln>
+            <a:noFill/>
+          </a:ln>
+        </p:spPr>
+      </p:sp>
+      <p:sp>
+        <p:nvSpPr>
+          <p:cNvPr id="6" name="Slide Number Placeholder 5"/>
           <p:cNvSpPr>
             <a:spLocks noGrp="1"/>
           </p:cNvSpPr>
@@ -301,7 +424,12 @@
             <p:ph type="sldNum" sz="quarter" idx="12"/>
           </p:nvPr>
         </p:nvSpPr>
-        <p:spPr/>
+        <p:spPr>
+          <a:xfrm>
+            <a:off x="531812" y="4529540"/>
+            <a:ext cx="779767" cy="365125"/>
+          </a:xfrm>
+        </p:spPr>
         <p:txBody>
           <a:bodyPr/>
           <a:lstStyle/>
@@ -317,7 +445,7 @@
     </p:spTree>
     <p:extLst>
       <p:ext uri="{BB962C8B-B14F-4D97-AF65-F5344CB8AC3E}">
-        <p14:creationId xmlns:p14="http://schemas.microsoft.com/office/powerpoint/2010/main" val="3241919934"/>
+        <p14:creationId xmlns:p14="http://schemas.microsoft.com/office/powerpoint/2010/main" val="2771572392"/>
       </p:ext>
     </p:extLst>
   </p:cSld>
@@ -328,6 +456,1797 @@
 </file>
 
 <file path=ppt/slideLayouts/slideLayout10.xml><?xml version="1.0" encoding="utf-8"?>
+<p:sldLayout xmlns:a="http://schemas.openxmlformats.org/drawingml/2006/main" xmlns:r="http://schemas.openxmlformats.org/officeDocument/2006/relationships" xmlns:p="http://schemas.openxmlformats.org/presentationml/2006/main" preserve="1">
+  <p:cSld name="Titre et légende">
+    <p:spTree>
+      <p:nvGrpSpPr>
+        <p:cNvPr id="1" name=""/>
+        <p:cNvGrpSpPr/>
+        <p:nvPr/>
+      </p:nvGrpSpPr>
+      <p:grpSpPr>
+        <a:xfrm>
+          <a:off x="0" y="0"/>
+          <a:ext cx="0" cy="0"/>
+          <a:chOff x="0" y="0"/>
+          <a:chExt cx="0" cy="0"/>
+        </a:xfrm>
+      </p:grpSpPr>
+      <p:sp>
+        <p:nvSpPr>
+          <p:cNvPr id="2" name="Title 1"/>
+          <p:cNvSpPr>
+            <a:spLocks noGrp="1"/>
+          </p:cNvSpPr>
+          <p:nvPr>
+            <p:ph type="title"/>
+          </p:nvPr>
+        </p:nvSpPr>
+        <p:spPr>
+          <a:xfrm>
+            <a:off x="2589212" y="609600"/>
+            <a:ext cx="8915399" cy="3117040"/>
+          </a:xfrm>
+        </p:spPr>
+        <p:txBody>
+          <a:bodyPr anchor="ctr">
+            <a:normAutofit/>
+          </a:bodyPr>
+          <a:lstStyle>
+            <a:lvl1pPr algn="l">
+              <a:defRPr sz="4800" b="0" cap="none"/>
+            </a:lvl1pPr>
+          </a:lstStyle>
+          <a:p>
+            <a:r>
+              <a:rPr lang="fr-FR"/>
+              <a:t>Modifiez le style du titre</a:t>
+            </a:r>
+            <a:endParaRPr lang="en-US" dirty="0"/>
+          </a:p>
+        </p:txBody>
+      </p:sp>
+      <p:sp>
+        <p:nvSpPr>
+          <p:cNvPr id="3" name="Text Placeholder 2"/>
+          <p:cNvSpPr>
+            <a:spLocks noGrp="1"/>
+          </p:cNvSpPr>
+          <p:nvPr>
+            <p:ph type="body" idx="1"/>
+          </p:nvPr>
+        </p:nvSpPr>
+        <p:spPr>
+          <a:xfrm>
+            <a:off x="2589212" y="4354046"/>
+            <a:ext cx="8915399" cy="1555864"/>
+          </a:xfrm>
+        </p:spPr>
+        <p:txBody>
+          <a:bodyPr anchor="ctr">
+            <a:normAutofit/>
+          </a:bodyPr>
+          <a:lstStyle>
+            <a:lvl1pPr marL="0" indent="0" algn="l">
+              <a:buNone/>
+              <a:defRPr sz="1800">
+                <a:solidFill>
+                  <a:schemeClr val="tx1">
+                    <a:lumMod val="65000"/>
+                    <a:lumOff val="35000"/>
+                  </a:schemeClr>
+                </a:solidFill>
+              </a:defRPr>
+            </a:lvl1pPr>
+            <a:lvl2pPr marL="457200" indent="0">
+              <a:buNone/>
+              <a:defRPr sz="1800">
+                <a:solidFill>
+                  <a:schemeClr val="tx1">
+                    <a:tint val="75000"/>
+                  </a:schemeClr>
+                </a:solidFill>
+              </a:defRPr>
+            </a:lvl2pPr>
+            <a:lvl3pPr marL="914400" indent="0">
+              <a:buNone/>
+              <a:defRPr sz="1600">
+                <a:solidFill>
+                  <a:schemeClr val="tx1">
+                    <a:tint val="75000"/>
+                  </a:schemeClr>
+                </a:solidFill>
+              </a:defRPr>
+            </a:lvl3pPr>
+            <a:lvl4pPr marL="1371600" indent="0">
+              <a:buNone/>
+              <a:defRPr sz="1400">
+                <a:solidFill>
+                  <a:schemeClr val="tx1">
+                    <a:tint val="75000"/>
+                  </a:schemeClr>
+                </a:solidFill>
+              </a:defRPr>
+            </a:lvl4pPr>
+            <a:lvl5pPr marL="1828800" indent="0">
+              <a:buNone/>
+              <a:defRPr sz="1400">
+                <a:solidFill>
+                  <a:schemeClr val="tx1">
+                    <a:tint val="75000"/>
+                  </a:schemeClr>
+                </a:solidFill>
+              </a:defRPr>
+            </a:lvl5pPr>
+            <a:lvl6pPr marL="2286000" indent="0">
+              <a:buNone/>
+              <a:defRPr sz="1400">
+                <a:solidFill>
+                  <a:schemeClr val="tx1">
+                    <a:tint val="75000"/>
+                  </a:schemeClr>
+                </a:solidFill>
+              </a:defRPr>
+            </a:lvl6pPr>
+            <a:lvl7pPr marL="2743200" indent="0">
+              <a:buNone/>
+              <a:defRPr sz="1400">
+                <a:solidFill>
+                  <a:schemeClr val="tx1">
+                    <a:tint val="75000"/>
+                  </a:schemeClr>
+                </a:solidFill>
+              </a:defRPr>
+            </a:lvl7pPr>
+            <a:lvl8pPr marL="3200400" indent="0">
+              <a:buNone/>
+              <a:defRPr sz="1400">
+                <a:solidFill>
+                  <a:schemeClr val="tx1">
+                    <a:tint val="75000"/>
+                  </a:schemeClr>
+                </a:solidFill>
+              </a:defRPr>
+            </a:lvl8pPr>
+            <a:lvl9pPr marL="3657600" indent="0">
+              <a:buNone/>
+              <a:defRPr sz="1400">
+                <a:solidFill>
+                  <a:schemeClr val="tx1">
+                    <a:tint val="75000"/>
+                  </a:schemeClr>
+                </a:solidFill>
+              </a:defRPr>
+            </a:lvl9pPr>
+          </a:lstStyle>
+          <a:p>
+            <a:pPr lvl="0"/>
+            <a:r>
+              <a:rPr lang="fr-FR"/>
+              <a:t>Cliquez pour modifier les styles du texte du masque</a:t>
+            </a:r>
+          </a:p>
+        </p:txBody>
+      </p:sp>
+      <p:sp>
+        <p:nvSpPr>
+          <p:cNvPr id="4" name="Date Placeholder 3"/>
+          <p:cNvSpPr>
+            <a:spLocks noGrp="1"/>
+          </p:cNvSpPr>
+          <p:nvPr>
+            <p:ph type="dt" sz="half" idx="10"/>
+          </p:nvPr>
+        </p:nvSpPr>
+        <p:spPr/>
+        <p:txBody>
+          <a:bodyPr/>
+          <a:lstStyle/>
+          <a:p>
+            <a:fld id="{7A47CF09-9538-47D9-9371-EDA44274715E}" type="datetimeFigureOut">
+              <a:rPr lang="fr-FR" smtClean="0"/>
+              <a:t>29/03/2020</a:t>
+            </a:fld>
+            <a:endParaRPr lang="fr-FR"/>
+          </a:p>
+        </p:txBody>
+      </p:sp>
+      <p:sp>
+        <p:nvSpPr>
+          <p:cNvPr id="5" name="Footer Placeholder 4"/>
+          <p:cNvSpPr>
+            <a:spLocks noGrp="1"/>
+          </p:cNvSpPr>
+          <p:nvPr>
+            <p:ph type="ftr" sz="quarter" idx="11"/>
+          </p:nvPr>
+        </p:nvSpPr>
+        <p:spPr/>
+        <p:txBody>
+          <a:bodyPr/>
+          <a:lstStyle/>
+          <a:p>
+            <a:endParaRPr lang="fr-FR"/>
+          </a:p>
+        </p:txBody>
+      </p:sp>
+      <p:sp>
+        <p:nvSpPr>
+          <p:cNvPr id="9" name="Freeform 11"/>
+          <p:cNvSpPr/>
+          <p:nvPr/>
+        </p:nvSpPr>
+        <p:spPr bwMode="auto">
+          <a:xfrm flipV="1">
+            <a:off x="-4189" y="3178175"/>
+            <a:ext cx="1588527" cy="507297"/>
+          </a:xfrm>
+          <a:custGeom>
+            <a:avLst/>
+            <a:gdLst/>
+            <a:ahLst/>
+            <a:cxnLst/>
+            <a:rect l="l" t="t" r="r" b="b"/>
+            <a:pathLst>
+              <a:path w="9248" h="10000">
+                <a:moveTo>
+                  <a:pt x="9248" y="4701"/>
+                </a:moveTo>
+                <a:lnTo>
+                  <a:pt x="7915" y="188"/>
+                </a:lnTo>
+                <a:cubicBezTo>
+                  <a:pt x="7906" y="156"/>
+                  <a:pt x="7895" y="126"/>
+                  <a:pt x="7886" y="94"/>
+                </a:cubicBezTo>
+                <a:cubicBezTo>
+                  <a:pt x="7859" y="0"/>
+                  <a:pt x="7831" y="0"/>
+                  <a:pt x="7803" y="0"/>
+                </a:cubicBezTo>
+                <a:lnTo>
+                  <a:pt x="7275" y="0"/>
+                </a:lnTo>
+                <a:lnTo>
+                  <a:pt x="0" y="70"/>
+                </a:lnTo>
+                <a:cubicBezTo>
+                  <a:pt x="8" y="3380"/>
+                  <a:pt x="17" y="6690"/>
+                  <a:pt x="25" y="10000"/>
+                </a:cubicBezTo>
+                <a:lnTo>
+                  <a:pt x="7275" y="9966"/>
+                </a:lnTo>
+                <a:lnTo>
+                  <a:pt x="7803" y="9966"/>
+                </a:lnTo>
+                <a:cubicBezTo>
+                  <a:pt x="7831" y="9966"/>
+                  <a:pt x="7859" y="9872"/>
+                  <a:pt x="7886" y="9872"/>
+                </a:cubicBezTo>
+                <a:cubicBezTo>
+                  <a:pt x="7886" y="9778"/>
+                  <a:pt x="7915" y="9778"/>
+                  <a:pt x="7915" y="9778"/>
+                </a:cubicBezTo>
+                <a:lnTo>
+                  <a:pt x="9248" y="5265"/>
+                </a:lnTo>
+                <a:cubicBezTo>
+                  <a:pt x="9303" y="5077"/>
+                  <a:pt x="9303" y="4889"/>
+                  <a:pt x="9248" y="4701"/>
+                </a:cubicBezTo>
+                <a:close/>
+              </a:path>
+            </a:pathLst>
+          </a:custGeom>
+          <a:solidFill>
+            <a:schemeClr val="accent1"/>
+          </a:solidFill>
+          <a:ln>
+            <a:noFill/>
+          </a:ln>
+        </p:spPr>
+      </p:sp>
+      <p:sp>
+        <p:nvSpPr>
+          <p:cNvPr id="6" name="Slide Number Placeholder 5"/>
+          <p:cNvSpPr>
+            <a:spLocks noGrp="1"/>
+          </p:cNvSpPr>
+          <p:nvPr>
+            <p:ph type="sldNum" sz="quarter" idx="12"/>
+          </p:nvPr>
+        </p:nvSpPr>
+        <p:spPr>
+          <a:xfrm>
+            <a:off x="531812" y="3244139"/>
+            <a:ext cx="779767" cy="365125"/>
+          </a:xfrm>
+        </p:spPr>
+        <p:txBody>
+          <a:bodyPr/>
+          <a:lstStyle/>
+          <a:p>
+            <a:fld id="{928890C0-1FFE-41DA-AC0C-FAB01775EA8E}" type="slidenum">
+              <a:rPr lang="fr-FR" smtClean="0"/>
+              <a:t>‹N°›</a:t>
+            </a:fld>
+            <a:endParaRPr lang="fr-FR"/>
+          </a:p>
+        </p:txBody>
+      </p:sp>
+    </p:spTree>
+    <p:extLst>
+      <p:ext uri="{BB962C8B-B14F-4D97-AF65-F5344CB8AC3E}">
+        <p14:creationId xmlns:p14="http://schemas.microsoft.com/office/powerpoint/2010/main" val="714914964"/>
+      </p:ext>
+    </p:extLst>
+  </p:cSld>
+  <p:clrMapOvr>
+    <a:masterClrMapping/>
+  </p:clrMapOvr>
+</p:sldLayout>
+</file>
+
+<file path=ppt/slideLayouts/slideLayout11.xml><?xml version="1.0" encoding="utf-8"?>
+<p:sldLayout xmlns:a="http://schemas.openxmlformats.org/drawingml/2006/main" xmlns:r="http://schemas.openxmlformats.org/officeDocument/2006/relationships" xmlns:p="http://schemas.openxmlformats.org/presentationml/2006/main" preserve="1">
+  <p:cSld name="Citation avec légende">
+    <p:spTree>
+      <p:nvGrpSpPr>
+        <p:cNvPr id="1" name=""/>
+        <p:cNvGrpSpPr/>
+        <p:nvPr/>
+      </p:nvGrpSpPr>
+      <p:grpSpPr>
+        <a:xfrm>
+          <a:off x="0" y="0"/>
+          <a:ext cx="0" cy="0"/>
+          <a:chOff x="0" y="0"/>
+          <a:chExt cx="0" cy="0"/>
+        </a:xfrm>
+      </p:grpSpPr>
+      <p:sp>
+        <p:nvSpPr>
+          <p:cNvPr id="2" name="Title 1"/>
+          <p:cNvSpPr>
+            <a:spLocks noGrp="1"/>
+          </p:cNvSpPr>
+          <p:nvPr>
+            <p:ph type="title"/>
+          </p:nvPr>
+        </p:nvSpPr>
+        <p:spPr>
+          <a:xfrm>
+            <a:off x="2849949" y="609600"/>
+            <a:ext cx="8393926" cy="2895600"/>
+          </a:xfrm>
+        </p:spPr>
+        <p:txBody>
+          <a:bodyPr anchor="ctr">
+            <a:normAutofit/>
+          </a:bodyPr>
+          <a:lstStyle>
+            <a:lvl1pPr algn="l">
+              <a:defRPr sz="4800" b="0" cap="none"/>
+            </a:lvl1pPr>
+          </a:lstStyle>
+          <a:p>
+            <a:r>
+              <a:rPr lang="fr-FR"/>
+              <a:t>Modifiez le style du titre</a:t>
+            </a:r>
+            <a:endParaRPr lang="en-US" dirty="0"/>
+          </a:p>
+        </p:txBody>
+      </p:sp>
+      <p:sp>
+        <p:nvSpPr>
+          <p:cNvPr id="13" name="Text Placeholder 9"/>
+          <p:cNvSpPr>
+            <a:spLocks noGrp="1"/>
+          </p:cNvSpPr>
+          <p:nvPr>
+            <p:ph type="body" sz="quarter" idx="13"/>
+          </p:nvPr>
+        </p:nvSpPr>
+        <p:spPr>
+          <a:xfrm>
+            <a:off x="3275012" y="3505200"/>
+            <a:ext cx="7536554" cy="381000"/>
+          </a:xfrm>
+        </p:spPr>
+        <p:txBody>
+          <a:bodyPr anchor="ctr">
+            <a:noAutofit/>
+          </a:bodyPr>
+          <a:lstStyle>
+            <a:lvl1pPr marL="0" indent="0">
+              <a:buFontTx/>
+              <a:buNone/>
+              <a:defRPr sz="1600">
+                <a:solidFill>
+                  <a:schemeClr val="tx1">
+                    <a:lumMod val="50000"/>
+                    <a:lumOff val="50000"/>
+                  </a:schemeClr>
+                </a:solidFill>
+              </a:defRPr>
+            </a:lvl1pPr>
+            <a:lvl2pPr marL="457200" indent="0">
+              <a:buFontTx/>
+              <a:buNone/>
+              <a:defRPr/>
+            </a:lvl2pPr>
+            <a:lvl3pPr marL="914400" indent="0">
+              <a:buFontTx/>
+              <a:buNone/>
+              <a:defRPr/>
+            </a:lvl3pPr>
+            <a:lvl4pPr marL="1371600" indent="0">
+              <a:buFontTx/>
+              <a:buNone/>
+              <a:defRPr/>
+            </a:lvl4pPr>
+            <a:lvl5pPr marL="1828800" indent="0">
+              <a:buFontTx/>
+              <a:buNone/>
+              <a:defRPr/>
+            </a:lvl5pPr>
+          </a:lstStyle>
+          <a:p>
+            <a:pPr lvl="0"/>
+            <a:r>
+              <a:rPr lang="fr-FR"/>
+              <a:t>Cliquez pour modifier les styles du texte du masque</a:t>
+            </a:r>
+          </a:p>
+        </p:txBody>
+      </p:sp>
+      <p:sp>
+        <p:nvSpPr>
+          <p:cNvPr id="3" name="Text Placeholder 2"/>
+          <p:cNvSpPr>
+            <a:spLocks noGrp="1"/>
+          </p:cNvSpPr>
+          <p:nvPr>
+            <p:ph type="body" idx="1"/>
+          </p:nvPr>
+        </p:nvSpPr>
+        <p:spPr>
+          <a:xfrm>
+            <a:off x="2589212" y="4354046"/>
+            <a:ext cx="8915399" cy="1555864"/>
+          </a:xfrm>
+        </p:spPr>
+        <p:txBody>
+          <a:bodyPr anchor="ctr">
+            <a:normAutofit/>
+          </a:bodyPr>
+          <a:lstStyle>
+            <a:lvl1pPr marL="0" indent="0" algn="l">
+              <a:buNone/>
+              <a:defRPr sz="1800">
+                <a:solidFill>
+                  <a:schemeClr val="tx1">
+                    <a:lumMod val="65000"/>
+                    <a:lumOff val="35000"/>
+                  </a:schemeClr>
+                </a:solidFill>
+              </a:defRPr>
+            </a:lvl1pPr>
+            <a:lvl2pPr marL="457200" indent="0">
+              <a:buNone/>
+              <a:defRPr sz="1800">
+                <a:solidFill>
+                  <a:schemeClr val="tx1">
+                    <a:tint val="75000"/>
+                  </a:schemeClr>
+                </a:solidFill>
+              </a:defRPr>
+            </a:lvl2pPr>
+            <a:lvl3pPr marL="914400" indent="0">
+              <a:buNone/>
+              <a:defRPr sz="1600">
+                <a:solidFill>
+                  <a:schemeClr val="tx1">
+                    <a:tint val="75000"/>
+                  </a:schemeClr>
+                </a:solidFill>
+              </a:defRPr>
+            </a:lvl3pPr>
+            <a:lvl4pPr marL="1371600" indent="0">
+              <a:buNone/>
+              <a:defRPr sz="1400">
+                <a:solidFill>
+                  <a:schemeClr val="tx1">
+                    <a:tint val="75000"/>
+                  </a:schemeClr>
+                </a:solidFill>
+              </a:defRPr>
+            </a:lvl4pPr>
+            <a:lvl5pPr marL="1828800" indent="0">
+              <a:buNone/>
+              <a:defRPr sz="1400">
+                <a:solidFill>
+                  <a:schemeClr val="tx1">
+                    <a:tint val="75000"/>
+                  </a:schemeClr>
+                </a:solidFill>
+              </a:defRPr>
+            </a:lvl5pPr>
+            <a:lvl6pPr marL="2286000" indent="0">
+              <a:buNone/>
+              <a:defRPr sz="1400">
+                <a:solidFill>
+                  <a:schemeClr val="tx1">
+                    <a:tint val="75000"/>
+                  </a:schemeClr>
+                </a:solidFill>
+              </a:defRPr>
+            </a:lvl6pPr>
+            <a:lvl7pPr marL="2743200" indent="0">
+              <a:buNone/>
+              <a:defRPr sz="1400">
+                <a:solidFill>
+                  <a:schemeClr val="tx1">
+                    <a:tint val="75000"/>
+                  </a:schemeClr>
+                </a:solidFill>
+              </a:defRPr>
+            </a:lvl7pPr>
+            <a:lvl8pPr marL="3200400" indent="0">
+              <a:buNone/>
+              <a:defRPr sz="1400">
+                <a:solidFill>
+                  <a:schemeClr val="tx1">
+                    <a:tint val="75000"/>
+                  </a:schemeClr>
+                </a:solidFill>
+              </a:defRPr>
+            </a:lvl8pPr>
+            <a:lvl9pPr marL="3657600" indent="0">
+              <a:buNone/>
+              <a:defRPr sz="1400">
+                <a:solidFill>
+                  <a:schemeClr val="tx1">
+                    <a:tint val="75000"/>
+                  </a:schemeClr>
+                </a:solidFill>
+              </a:defRPr>
+            </a:lvl9pPr>
+          </a:lstStyle>
+          <a:p>
+            <a:pPr lvl="0"/>
+            <a:r>
+              <a:rPr lang="fr-FR"/>
+              <a:t>Cliquez pour modifier les styles du texte du masque</a:t>
+            </a:r>
+          </a:p>
+        </p:txBody>
+      </p:sp>
+      <p:sp>
+        <p:nvSpPr>
+          <p:cNvPr id="4" name="Date Placeholder 3"/>
+          <p:cNvSpPr>
+            <a:spLocks noGrp="1"/>
+          </p:cNvSpPr>
+          <p:nvPr>
+            <p:ph type="dt" sz="half" idx="10"/>
+          </p:nvPr>
+        </p:nvSpPr>
+        <p:spPr/>
+        <p:txBody>
+          <a:bodyPr/>
+          <a:lstStyle/>
+          <a:p>
+            <a:fld id="{7A47CF09-9538-47D9-9371-EDA44274715E}" type="datetimeFigureOut">
+              <a:rPr lang="fr-FR" smtClean="0"/>
+              <a:t>29/03/2020</a:t>
+            </a:fld>
+            <a:endParaRPr lang="fr-FR"/>
+          </a:p>
+        </p:txBody>
+      </p:sp>
+      <p:sp>
+        <p:nvSpPr>
+          <p:cNvPr id="5" name="Footer Placeholder 4"/>
+          <p:cNvSpPr>
+            <a:spLocks noGrp="1"/>
+          </p:cNvSpPr>
+          <p:nvPr>
+            <p:ph type="ftr" sz="quarter" idx="11"/>
+          </p:nvPr>
+        </p:nvSpPr>
+        <p:spPr/>
+        <p:txBody>
+          <a:bodyPr/>
+          <a:lstStyle/>
+          <a:p>
+            <a:endParaRPr lang="fr-FR"/>
+          </a:p>
+        </p:txBody>
+      </p:sp>
+      <p:sp>
+        <p:nvSpPr>
+          <p:cNvPr id="11" name="Freeform 11"/>
+          <p:cNvSpPr/>
+          <p:nvPr/>
+        </p:nvSpPr>
+        <p:spPr bwMode="auto">
+          <a:xfrm flipV="1">
+            <a:off x="-4189" y="3178175"/>
+            <a:ext cx="1588527" cy="507297"/>
+          </a:xfrm>
+          <a:custGeom>
+            <a:avLst/>
+            <a:gdLst/>
+            <a:ahLst/>
+            <a:cxnLst/>
+            <a:rect l="l" t="t" r="r" b="b"/>
+            <a:pathLst>
+              <a:path w="9248" h="10000">
+                <a:moveTo>
+                  <a:pt x="9248" y="4701"/>
+                </a:moveTo>
+                <a:lnTo>
+                  <a:pt x="7915" y="188"/>
+                </a:lnTo>
+                <a:cubicBezTo>
+                  <a:pt x="7906" y="156"/>
+                  <a:pt x="7895" y="126"/>
+                  <a:pt x="7886" y="94"/>
+                </a:cubicBezTo>
+                <a:cubicBezTo>
+                  <a:pt x="7859" y="0"/>
+                  <a:pt x="7831" y="0"/>
+                  <a:pt x="7803" y="0"/>
+                </a:cubicBezTo>
+                <a:lnTo>
+                  <a:pt x="7275" y="0"/>
+                </a:lnTo>
+                <a:lnTo>
+                  <a:pt x="0" y="70"/>
+                </a:lnTo>
+                <a:cubicBezTo>
+                  <a:pt x="8" y="3380"/>
+                  <a:pt x="17" y="6690"/>
+                  <a:pt x="25" y="10000"/>
+                </a:cubicBezTo>
+                <a:lnTo>
+                  <a:pt x="7275" y="9966"/>
+                </a:lnTo>
+                <a:lnTo>
+                  <a:pt x="7803" y="9966"/>
+                </a:lnTo>
+                <a:cubicBezTo>
+                  <a:pt x="7831" y="9966"/>
+                  <a:pt x="7859" y="9872"/>
+                  <a:pt x="7886" y="9872"/>
+                </a:cubicBezTo>
+                <a:cubicBezTo>
+                  <a:pt x="7886" y="9778"/>
+                  <a:pt x="7915" y="9778"/>
+                  <a:pt x="7915" y="9778"/>
+                </a:cubicBezTo>
+                <a:lnTo>
+                  <a:pt x="9248" y="5265"/>
+                </a:lnTo>
+                <a:cubicBezTo>
+                  <a:pt x="9303" y="5077"/>
+                  <a:pt x="9303" y="4889"/>
+                  <a:pt x="9248" y="4701"/>
+                </a:cubicBezTo>
+                <a:close/>
+              </a:path>
+            </a:pathLst>
+          </a:custGeom>
+          <a:solidFill>
+            <a:schemeClr val="accent1"/>
+          </a:solidFill>
+          <a:ln>
+            <a:noFill/>
+          </a:ln>
+        </p:spPr>
+      </p:sp>
+      <p:sp>
+        <p:nvSpPr>
+          <p:cNvPr id="6" name="Slide Number Placeholder 5"/>
+          <p:cNvSpPr>
+            <a:spLocks noGrp="1"/>
+          </p:cNvSpPr>
+          <p:nvPr>
+            <p:ph type="sldNum" sz="quarter" idx="12"/>
+          </p:nvPr>
+        </p:nvSpPr>
+        <p:spPr>
+          <a:xfrm>
+            <a:off x="531812" y="3244139"/>
+            <a:ext cx="779767" cy="365125"/>
+          </a:xfrm>
+        </p:spPr>
+        <p:txBody>
+          <a:bodyPr/>
+          <a:lstStyle/>
+          <a:p>
+            <a:fld id="{928890C0-1FFE-41DA-AC0C-FAB01775EA8E}" type="slidenum">
+              <a:rPr lang="fr-FR" smtClean="0"/>
+              <a:t>‹N°›</a:t>
+            </a:fld>
+            <a:endParaRPr lang="fr-FR"/>
+          </a:p>
+        </p:txBody>
+      </p:sp>
+      <p:sp>
+        <p:nvSpPr>
+          <p:cNvPr id="14" name="TextBox 13"/>
+          <p:cNvSpPr txBox="1"/>
+          <p:nvPr/>
+        </p:nvSpPr>
+        <p:spPr>
+          <a:xfrm>
+            <a:off x="2467652" y="648005"/>
+            <a:ext cx="609600" cy="584776"/>
+          </a:xfrm>
+          <a:prstGeom prst="rect">
+            <a:avLst/>
+          </a:prstGeom>
+        </p:spPr>
+        <p:txBody>
+          <a:bodyPr vert="horz" lIns="91440" tIns="45720" rIns="91440" bIns="45720" rtlCol="0" anchor="ctr">
+            <a:noAutofit/>
+          </a:bodyPr>
+          <a:lstStyle/>
+          <a:p>
+            <a:pPr lvl="0"/>
+            <a:r>
+              <a:rPr lang="en-US" sz="8000" baseline="0" dirty="0">
+                <a:ln w="3175" cmpd="sng">
+                  <a:noFill/>
+                </a:ln>
+                <a:solidFill>
+                  <a:schemeClr val="accent1"/>
+                </a:solidFill>
+                <a:effectLst/>
+                <a:latin typeface="Arial"/>
+              </a:rPr>
+              <a:t>“</a:t>
+            </a:r>
+          </a:p>
+        </p:txBody>
+      </p:sp>
+      <p:sp>
+        <p:nvSpPr>
+          <p:cNvPr id="15" name="TextBox 14"/>
+          <p:cNvSpPr txBox="1"/>
+          <p:nvPr/>
+        </p:nvSpPr>
+        <p:spPr>
+          <a:xfrm>
+            <a:off x="11114852" y="2905306"/>
+            <a:ext cx="609600" cy="584776"/>
+          </a:xfrm>
+          <a:prstGeom prst="rect">
+            <a:avLst/>
+          </a:prstGeom>
+        </p:spPr>
+        <p:txBody>
+          <a:bodyPr vert="horz" lIns="91440" tIns="45720" rIns="91440" bIns="45720" rtlCol="0" anchor="ctr">
+            <a:noAutofit/>
+          </a:bodyPr>
+          <a:lstStyle/>
+          <a:p>
+            <a:pPr lvl="0"/>
+            <a:r>
+              <a:rPr lang="en-US" sz="8000" baseline="0" dirty="0">
+                <a:ln w="3175" cmpd="sng">
+                  <a:noFill/>
+                </a:ln>
+                <a:solidFill>
+                  <a:schemeClr val="accent1"/>
+                </a:solidFill>
+                <a:effectLst/>
+                <a:latin typeface="Arial"/>
+              </a:rPr>
+              <a:t>”</a:t>
+            </a:r>
+          </a:p>
+        </p:txBody>
+      </p:sp>
+    </p:spTree>
+    <p:extLst>
+      <p:ext uri="{BB962C8B-B14F-4D97-AF65-F5344CB8AC3E}">
+        <p14:creationId xmlns:p14="http://schemas.microsoft.com/office/powerpoint/2010/main" val="2170891503"/>
+      </p:ext>
+    </p:extLst>
+  </p:cSld>
+  <p:clrMapOvr>
+    <a:masterClrMapping/>
+  </p:clrMapOvr>
+</p:sldLayout>
+</file>
+
+<file path=ppt/slideLayouts/slideLayout12.xml><?xml version="1.0" encoding="utf-8"?>
+<p:sldLayout xmlns:a="http://schemas.openxmlformats.org/drawingml/2006/main" xmlns:r="http://schemas.openxmlformats.org/officeDocument/2006/relationships" xmlns:p="http://schemas.openxmlformats.org/presentationml/2006/main" preserve="1">
+  <p:cSld name="Carte nom">
+    <p:spTree>
+      <p:nvGrpSpPr>
+        <p:cNvPr id="1" name=""/>
+        <p:cNvGrpSpPr/>
+        <p:nvPr/>
+      </p:nvGrpSpPr>
+      <p:grpSpPr>
+        <a:xfrm>
+          <a:off x="0" y="0"/>
+          <a:ext cx="0" cy="0"/>
+          <a:chOff x="0" y="0"/>
+          <a:chExt cx="0" cy="0"/>
+        </a:xfrm>
+      </p:grpSpPr>
+      <p:sp>
+        <p:nvSpPr>
+          <p:cNvPr id="2" name="Title 1"/>
+          <p:cNvSpPr>
+            <a:spLocks noGrp="1"/>
+          </p:cNvSpPr>
+          <p:nvPr>
+            <p:ph type="title"/>
+          </p:nvPr>
+        </p:nvSpPr>
+        <p:spPr>
+          <a:xfrm>
+            <a:off x="2589213" y="2438400"/>
+            <a:ext cx="8915400" cy="2724845"/>
+          </a:xfrm>
+        </p:spPr>
+        <p:txBody>
+          <a:bodyPr anchor="b">
+            <a:normAutofit/>
+          </a:bodyPr>
+          <a:lstStyle>
+            <a:lvl1pPr algn="l">
+              <a:defRPr sz="4800" b="0"/>
+            </a:lvl1pPr>
+          </a:lstStyle>
+          <a:p>
+            <a:r>
+              <a:rPr lang="fr-FR"/>
+              <a:t>Modifiez le style du titre</a:t>
+            </a:r>
+            <a:endParaRPr lang="en-US" dirty="0"/>
+          </a:p>
+        </p:txBody>
+      </p:sp>
+      <p:sp>
+        <p:nvSpPr>
+          <p:cNvPr id="4" name="Text Placeholder 3"/>
+          <p:cNvSpPr>
+            <a:spLocks noGrp="1"/>
+          </p:cNvSpPr>
+          <p:nvPr>
+            <p:ph type="body" sz="half" idx="2"/>
+          </p:nvPr>
+        </p:nvSpPr>
+        <p:spPr>
+          <a:xfrm>
+            <a:off x="2589213" y="5181600"/>
+            <a:ext cx="8915400" cy="729622"/>
+          </a:xfrm>
+        </p:spPr>
+        <p:txBody>
+          <a:bodyPr vert="horz" lIns="91440" tIns="45720" rIns="91440" bIns="45720" rtlCol="0" anchor="t">
+            <a:normAutofit/>
+          </a:bodyPr>
+          <a:lstStyle>
+            <a:lvl1pPr>
+              <a:buNone/>
+              <a:defRPr lang="en-US">
+                <a:solidFill>
+                  <a:schemeClr val="tx1">
+                    <a:lumMod val="65000"/>
+                    <a:lumOff val="35000"/>
+                  </a:schemeClr>
+                </a:solidFill>
+              </a:defRPr>
+            </a:lvl1pPr>
+          </a:lstStyle>
+          <a:p>
+            <a:pPr marL="0" lvl="0" indent="0">
+              <a:buNone/>
+            </a:pPr>
+            <a:r>
+              <a:rPr lang="fr-FR"/>
+              <a:t>Cliquez pour modifier les styles du texte du masque</a:t>
+            </a:r>
+          </a:p>
+        </p:txBody>
+      </p:sp>
+      <p:sp>
+        <p:nvSpPr>
+          <p:cNvPr id="5" name="Date Placeholder 4"/>
+          <p:cNvSpPr>
+            <a:spLocks noGrp="1"/>
+          </p:cNvSpPr>
+          <p:nvPr>
+            <p:ph type="dt" sz="half" idx="10"/>
+          </p:nvPr>
+        </p:nvSpPr>
+        <p:spPr/>
+        <p:txBody>
+          <a:bodyPr/>
+          <a:lstStyle/>
+          <a:p>
+            <a:fld id="{7A47CF09-9538-47D9-9371-EDA44274715E}" type="datetimeFigureOut">
+              <a:rPr lang="fr-FR" smtClean="0"/>
+              <a:t>29/03/2020</a:t>
+            </a:fld>
+            <a:endParaRPr lang="fr-FR"/>
+          </a:p>
+        </p:txBody>
+      </p:sp>
+      <p:sp>
+        <p:nvSpPr>
+          <p:cNvPr id="6" name="Footer Placeholder 5"/>
+          <p:cNvSpPr>
+            <a:spLocks noGrp="1"/>
+          </p:cNvSpPr>
+          <p:nvPr>
+            <p:ph type="ftr" sz="quarter" idx="11"/>
+          </p:nvPr>
+        </p:nvSpPr>
+        <p:spPr/>
+        <p:txBody>
+          <a:bodyPr/>
+          <a:lstStyle/>
+          <a:p>
+            <a:endParaRPr lang="fr-FR"/>
+          </a:p>
+        </p:txBody>
+      </p:sp>
+      <p:sp>
+        <p:nvSpPr>
+          <p:cNvPr id="9" name="Freeform 11"/>
+          <p:cNvSpPr/>
+          <p:nvPr/>
+        </p:nvSpPr>
+        <p:spPr bwMode="auto">
+          <a:xfrm flipV="1">
+            <a:off x="-4189" y="4911725"/>
+            <a:ext cx="1588527" cy="507297"/>
+          </a:xfrm>
+          <a:custGeom>
+            <a:avLst/>
+            <a:gdLst/>
+            <a:ahLst/>
+            <a:cxnLst/>
+            <a:rect l="l" t="t" r="r" b="b"/>
+            <a:pathLst>
+              <a:path w="9248" h="10000">
+                <a:moveTo>
+                  <a:pt x="9248" y="4701"/>
+                </a:moveTo>
+                <a:lnTo>
+                  <a:pt x="7915" y="188"/>
+                </a:lnTo>
+                <a:cubicBezTo>
+                  <a:pt x="7906" y="156"/>
+                  <a:pt x="7895" y="126"/>
+                  <a:pt x="7886" y="94"/>
+                </a:cubicBezTo>
+                <a:cubicBezTo>
+                  <a:pt x="7859" y="0"/>
+                  <a:pt x="7831" y="0"/>
+                  <a:pt x="7803" y="0"/>
+                </a:cubicBezTo>
+                <a:lnTo>
+                  <a:pt x="7275" y="0"/>
+                </a:lnTo>
+                <a:lnTo>
+                  <a:pt x="0" y="70"/>
+                </a:lnTo>
+                <a:cubicBezTo>
+                  <a:pt x="8" y="3380"/>
+                  <a:pt x="17" y="6690"/>
+                  <a:pt x="25" y="10000"/>
+                </a:cubicBezTo>
+                <a:lnTo>
+                  <a:pt x="7275" y="9966"/>
+                </a:lnTo>
+                <a:lnTo>
+                  <a:pt x="7803" y="9966"/>
+                </a:lnTo>
+                <a:cubicBezTo>
+                  <a:pt x="7831" y="9966"/>
+                  <a:pt x="7859" y="9872"/>
+                  <a:pt x="7886" y="9872"/>
+                </a:cubicBezTo>
+                <a:cubicBezTo>
+                  <a:pt x="7886" y="9778"/>
+                  <a:pt x="7915" y="9778"/>
+                  <a:pt x="7915" y="9778"/>
+                </a:cubicBezTo>
+                <a:lnTo>
+                  <a:pt x="9248" y="5265"/>
+                </a:lnTo>
+                <a:cubicBezTo>
+                  <a:pt x="9303" y="5077"/>
+                  <a:pt x="9303" y="4889"/>
+                  <a:pt x="9248" y="4701"/>
+                </a:cubicBezTo>
+                <a:close/>
+              </a:path>
+            </a:pathLst>
+          </a:custGeom>
+          <a:solidFill>
+            <a:schemeClr val="accent1"/>
+          </a:solidFill>
+          <a:ln>
+            <a:noFill/>
+          </a:ln>
+        </p:spPr>
+      </p:sp>
+      <p:sp>
+        <p:nvSpPr>
+          <p:cNvPr id="7" name="Slide Number Placeholder 6"/>
+          <p:cNvSpPr>
+            <a:spLocks noGrp="1"/>
+          </p:cNvSpPr>
+          <p:nvPr>
+            <p:ph type="sldNum" sz="quarter" idx="12"/>
+          </p:nvPr>
+        </p:nvSpPr>
+        <p:spPr>
+          <a:xfrm>
+            <a:off x="531812" y="4983087"/>
+            <a:ext cx="779767" cy="365125"/>
+          </a:xfrm>
+        </p:spPr>
+        <p:txBody>
+          <a:bodyPr/>
+          <a:lstStyle/>
+          <a:p>
+            <a:fld id="{928890C0-1FFE-41DA-AC0C-FAB01775EA8E}" type="slidenum">
+              <a:rPr lang="fr-FR" smtClean="0"/>
+              <a:t>‹N°›</a:t>
+            </a:fld>
+            <a:endParaRPr lang="fr-FR"/>
+          </a:p>
+        </p:txBody>
+      </p:sp>
+    </p:spTree>
+    <p:extLst>
+      <p:ext uri="{BB962C8B-B14F-4D97-AF65-F5344CB8AC3E}">
+        <p14:creationId xmlns:p14="http://schemas.microsoft.com/office/powerpoint/2010/main" val="3157376256"/>
+      </p:ext>
+    </p:extLst>
+  </p:cSld>
+  <p:clrMapOvr>
+    <a:masterClrMapping/>
+  </p:clrMapOvr>
+</p:sldLayout>
+</file>
+
+<file path=ppt/slideLayouts/slideLayout13.xml><?xml version="1.0" encoding="utf-8"?>
+<p:sldLayout xmlns:a="http://schemas.openxmlformats.org/drawingml/2006/main" xmlns:r="http://schemas.openxmlformats.org/officeDocument/2006/relationships" xmlns:p="http://schemas.openxmlformats.org/presentationml/2006/main" preserve="1">
+  <p:cSld name="Carte nom citation">
+    <p:spTree>
+      <p:nvGrpSpPr>
+        <p:cNvPr id="1" name=""/>
+        <p:cNvGrpSpPr/>
+        <p:nvPr/>
+      </p:nvGrpSpPr>
+      <p:grpSpPr>
+        <a:xfrm>
+          <a:off x="0" y="0"/>
+          <a:ext cx="0" cy="0"/>
+          <a:chOff x="0" y="0"/>
+          <a:chExt cx="0" cy="0"/>
+        </a:xfrm>
+      </p:grpSpPr>
+      <p:sp>
+        <p:nvSpPr>
+          <p:cNvPr id="12" name="Title 1"/>
+          <p:cNvSpPr>
+            <a:spLocks noGrp="1"/>
+          </p:cNvSpPr>
+          <p:nvPr>
+            <p:ph type="title"/>
+          </p:nvPr>
+        </p:nvSpPr>
+        <p:spPr>
+          <a:xfrm>
+            <a:off x="2849949" y="609600"/>
+            <a:ext cx="8393926" cy="2895600"/>
+          </a:xfrm>
+        </p:spPr>
+        <p:txBody>
+          <a:bodyPr anchor="ctr">
+            <a:normAutofit/>
+          </a:bodyPr>
+          <a:lstStyle>
+            <a:lvl1pPr algn="l">
+              <a:defRPr sz="4800" b="0" cap="none"/>
+            </a:lvl1pPr>
+          </a:lstStyle>
+          <a:p>
+            <a:r>
+              <a:rPr lang="fr-FR"/>
+              <a:t>Modifiez le style du titre</a:t>
+            </a:r>
+            <a:endParaRPr lang="en-US" dirty="0"/>
+          </a:p>
+        </p:txBody>
+      </p:sp>
+      <p:sp>
+        <p:nvSpPr>
+          <p:cNvPr id="21" name="Text Placeholder 9"/>
+          <p:cNvSpPr>
+            <a:spLocks noGrp="1"/>
+          </p:cNvSpPr>
+          <p:nvPr>
+            <p:ph type="body" sz="quarter" idx="13"/>
+          </p:nvPr>
+        </p:nvSpPr>
+        <p:spPr>
+          <a:xfrm>
+            <a:off x="2589212" y="4343400"/>
+            <a:ext cx="8915400" cy="838200"/>
+          </a:xfrm>
+        </p:spPr>
+        <p:txBody>
+          <a:bodyPr anchor="b">
+            <a:noAutofit/>
+          </a:bodyPr>
+          <a:lstStyle>
+            <a:lvl1pPr marL="0" indent="0">
+              <a:buFontTx/>
+              <a:buNone/>
+              <a:defRPr sz="2400">
+                <a:solidFill>
+                  <a:schemeClr val="accent1"/>
+                </a:solidFill>
+              </a:defRPr>
+            </a:lvl1pPr>
+            <a:lvl2pPr marL="457200" indent="0">
+              <a:buFontTx/>
+              <a:buNone/>
+              <a:defRPr/>
+            </a:lvl2pPr>
+            <a:lvl3pPr marL="914400" indent="0">
+              <a:buFontTx/>
+              <a:buNone/>
+              <a:defRPr/>
+            </a:lvl3pPr>
+            <a:lvl4pPr marL="1371600" indent="0">
+              <a:buFontTx/>
+              <a:buNone/>
+              <a:defRPr/>
+            </a:lvl4pPr>
+            <a:lvl5pPr marL="1828800" indent="0">
+              <a:buFontTx/>
+              <a:buNone/>
+              <a:defRPr/>
+            </a:lvl5pPr>
+          </a:lstStyle>
+          <a:p>
+            <a:pPr lvl="0"/>
+            <a:r>
+              <a:rPr lang="fr-FR"/>
+              <a:t>Cliquez pour modifier les styles du texte du masque</a:t>
+            </a:r>
+          </a:p>
+        </p:txBody>
+      </p:sp>
+      <p:sp>
+        <p:nvSpPr>
+          <p:cNvPr id="4" name="Text Placeholder 3"/>
+          <p:cNvSpPr>
+            <a:spLocks noGrp="1"/>
+          </p:cNvSpPr>
+          <p:nvPr>
+            <p:ph type="body" sz="half" idx="2"/>
+          </p:nvPr>
+        </p:nvSpPr>
+        <p:spPr>
+          <a:xfrm>
+            <a:off x="2589213" y="5181600"/>
+            <a:ext cx="8915400" cy="729622"/>
+          </a:xfrm>
+        </p:spPr>
+        <p:txBody>
+          <a:bodyPr vert="horz" lIns="91440" tIns="45720" rIns="91440" bIns="45720" rtlCol="0" anchor="t">
+            <a:normAutofit/>
+          </a:bodyPr>
+          <a:lstStyle>
+            <a:lvl1pPr>
+              <a:buNone/>
+              <a:defRPr lang="en-US">
+                <a:solidFill>
+                  <a:schemeClr val="tx1">
+                    <a:lumMod val="65000"/>
+                    <a:lumOff val="35000"/>
+                  </a:schemeClr>
+                </a:solidFill>
+              </a:defRPr>
+            </a:lvl1pPr>
+          </a:lstStyle>
+          <a:p>
+            <a:pPr marL="0" lvl="0" indent="0">
+              <a:buNone/>
+            </a:pPr>
+            <a:r>
+              <a:rPr lang="fr-FR"/>
+              <a:t>Cliquez pour modifier les styles du texte du masque</a:t>
+            </a:r>
+          </a:p>
+        </p:txBody>
+      </p:sp>
+      <p:sp>
+        <p:nvSpPr>
+          <p:cNvPr id="5" name="Date Placeholder 4"/>
+          <p:cNvSpPr>
+            <a:spLocks noGrp="1"/>
+          </p:cNvSpPr>
+          <p:nvPr>
+            <p:ph type="dt" sz="half" idx="10"/>
+          </p:nvPr>
+        </p:nvSpPr>
+        <p:spPr/>
+        <p:txBody>
+          <a:bodyPr/>
+          <a:lstStyle/>
+          <a:p>
+            <a:fld id="{7A47CF09-9538-47D9-9371-EDA44274715E}" type="datetimeFigureOut">
+              <a:rPr lang="fr-FR" smtClean="0"/>
+              <a:t>29/03/2020</a:t>
+            </a:fld>
+            <a:endParaRPr lang="fr-FR"/>
+          </a:p>
+        </p:txBody>
+      </p:sp>
+      <p:sp>
+        <p:nvSpPr>
+          <p:cNvPr id="6" name="Footer Placeholder 5"/>
+          <p:cNvSpPr>
+            <a:spLocks noGrp="1"/>
+          </p:cNvSpPr>
+          <p:nvPr>
+            <p:ph type="ftr" sz="quarter" idx="11"/>
+          </p:nvPr>
+        </p:nvSpPr>
+        <p:spPr/>
+        <p:txBody>
+          <a:bodyPr/>
+          <a:lstStyle/>
+          <a:p>
+            <a:endParaRPr lang="fr-FR"/>
+          </a:p>
+        </p:txBody>
+      </p:sp>
+      <p:sp>
+        <p:nvSpPr>
+          <p:cNvPr id="11" name="Freeform 11"/>
+          <p:cNvSpPr/>
+          <p:nvPr/>
+        </p:nvSpPr>
+        <p:spPr bwMode="auto">
+          <a:xfrm flipV="1">
+            <a:off x="-4189" y="4911725"/>
+            <a:ext cx="1588527" cy="507297"/>
+          </a:xfrm>
+          <a:custGeom>
+            <a:avLst/>
+            <a:gdLst/>
+            <a:ahLst/>
+            <a:cxnLst/>
+            <a:rect l="l" t="t" r="r" b="b"/>
+            <a:pathLst>
+              <a:path w="9248" h="10000">
+                <a:moveTo>
+                  <a:pt x="9248" y="4701"/>
+                </a:moveTo>
+                <a:lnTo>
+                  <a:pt x="7915" y="188"/>
+                </a:lnTo>
+                <a:cubicBezTo>
+                  <a:pt x="7906" y="156"/>
+                  <a:pt x="7895" y="126"/>
+                  <a:pt x="7886" y="94"/>
+                </a:cubicBezTo>
+                <a:cubicBezTo>
+                  <a:pt x="7859" y="0"/>
+                  <a:pt x="7831" y="0"/>
+                  <a:pt x="7803" y="0"/>
+                </a:cubicBezTo>
+                <a:lnTo>
+                  <a:pt x="7275" y="0"/>
+                </a:lnTo>
+                <a:lnTo>
+                  <a:pt x="0" y="70"/>
+                </a:lnTo>
+                <a:cubicBezTo>
+                  <a:pt x="8" y="3380"/>
+                  <a:pt x="17" y="6690"/>
+                  <a:pt x="25" y="10000"/>
+                </a:cubicBezTo>
+                <a:lnTo>
+                  <a:pt x="7275" y="9966"/>
+                </a:lnTo>
+                <a:lnTo>
+                  <a:pt x="7803" y="9966"/>
+                </a:lnTo>
+                <a:cubicBezTo>
+                  <a:pt x="7831" y="9966"/>
+                  <a:pt x="7859" y="9872"/>
+                  <a:pt x="7886" y="9872"/>
+                </a:cubicBezTo>
+                <a:cubicBezTo>
+                  <a:pt x="7886" y="9778"/>
+                  <a:pt x="7915" y="9778"/>
+                  <a:pt x="7915" y="9778"/>
+                </a:cubicBezTo>
+                <a:lnTo>
+                  <a:pt x="9248" y="5265"/>
+                </a:lnTo>
+                <a:cubicBezTo>
+                  <a:pt x="9303" y="5077"/>
+                  <a:pt x="9303" y="4889"/>
+                  <a:pt x="9248" y="4701"/>
+                </a:cubicBezTo>
+                <a:close/>
+              </a:path>
+            </a:pathLst>
+          </a:custGeom>
+          <a:solidFill>
+            <a:schemeClr val="accent1"/>
+          </a:solidFill>
+          <a:ln>
+            <a:noFill/>
+          </a:ln>
+        </p:spPr>
+      </p:sp>
+      <p:sp>
+        <p:nvSpPr>
+          <p:cNvPr id="7" name="Slide Number Placeholder 6"/>
+          <p:cNvSpPr>
+            <a:spLocks noGrp="1"/>
+          </p:cNvSpPr>
+          <p:nvPr>
+            <p:ph type="sldNum" sz="quarter" idx="12"/>
+          </p:nvPr>
+        </p:nvSpPr>
+        <p:spPr>
+          <a:xfrm>
+            <a:off x="531812" y="4983087"/>
+            <a:ext cx="779767" cy="365125"/>
+          </a:xfrm>
+        </p:spPr>
+        <p:txBody>
+          <a:bodyPr/>
+          <a:lstStyle/>
+          <a:p>
+            <a:fld id="{928890C0-1FFE-41DA-AC0C-FAB01775EA8E}" type="slidenum">
+              <a:rPr lang="fr-FR" smtClean="0"/>
+              <a:t>‹N°›</a:t>
+            </a:fld>
+            <a:endParaRPr lang="fr-FR"/>
+          </a:p>
+        </p:txBody>
+      </p:sp>
+      <p:sp>
+        <p:nvSpPr>
+          <p:cNvPr id="17" name="TextBox 16"/>
+          <p:cNvSpPr txBox="1"/>
+          <p:nvPr/>
+        </p:nvSpPr>
+        <p:spPr>
+          <a:xfrm>
+            <a:off x="2467652" y="648005"/>
+            <a:ext cx="609600" cy="584776"/>
+          </a:xfrm>
+          <a:prstGeom prst="rect">
+            <a:avLst/>
+          </a:prstGeom>
+        </p:spPr>
+        <p:txBody>
+          <a:bodyPr vert="horz" lIns="91440" tIns="45720" rIns="91440" bIns="45720" rtlCol="0" anchor="ctr">
+            <a:noAutofit/>
+          </a:bodyPr>
+          <a:lstStyle/>
+          <a:p>
+            <a:pPr lvl="0"/>
+            <a:r>
+              <a:rPr lang="en-US" sz="8000" baseline="0" dirty="0">
+                <a:ln w="3175" cmpd="sng">
+                  <a:noFill/>
+                </a:ln>
+                <a:solidFill>
+                  <a:schemeClr val="accent1"/>
+                </a:solidFill>
+                <a:effectLst/>
+                <a:latin typeface="Arial"/>
+              </a:rPr>
+              <a:t>“</a:t>
+            </a:r>
+          </a:p>
+        </p:txBody>
+      </p:sp>
+      <p:sp>
+        <p:nvSpPr>
+          <p:cNvPr id="18" name="TextBox 17"/>
+          <p:cNvSpPr txBox="1"/>
+          <p:nvPr/>
+        </p:nvSpPr>
+        <p:spPr>
+          <a:xfrm>
+            <a:off x="11114852" y="2905306"/>
+            <a:ext cx="609600" cy="584776"/>
+          </a:xfrm>
+          <a:prstGeom prst="rect">
+            <a:avLst/>
+          </a:prstGeom>
+        </p:spPr>
+        <p:txBody>
+          <a:bodyPr vert="horz" lIns="91440" tIns="45720" rIns="91440" bIns="45720" rtlCol="0" anchor="ctr">
+            <a:noAutofit/>
+          </a:bodyPr>
+          <a:lstStyle/>
+          <a:p>
+            <a:pPr lvl="0"/>
+            <a:r>
+              <a:rPr lang="en-US" sz="8000" baseline="0" dirty="0">
+                <a:ln w="3175" cmpd="sng">
+                  <a:noFill/>
+                </a:ln>
+                <a:solidFill>
+                  <a:schemeClr val="accent1"/>
+                </a:solidFill>
+                <a:effectLst/>
+                <a:latin typeface="Arial"/>
+              </a:rPr>
+              <a:t>”</a:t>
+            </a:r>
+          </a:p>
+        </p:txBody>
+      </p:sp>
+    </p:spTree>
+    <p:extLst>
+      <p:ext uri="{BB962C8B-B14F-4D97-AF65-F5344CB8AC3E}">
+        <p14:creationId xmlns:p14="http://schemas.microsoft.com/office/powerpoint/2010/main" val="894735498"/>
+      </p:ext>
+    </p:extLst>
+  </p:cSld>
+  <p:clrMapOvr>
+    <a:masterClrMapping/>
+  </p:clrMapOvr>
+</p:sldLayout>
+</file>
+
+<file path=ppt/slideLayouts/slideLayout14.xml><?xml version="1.0" encoding="utf-8"?>
+<p:sldLayout xmlns:a="http://schemas.openxmlformats.org/drawingml/2006/main" xmlns:r="http://schemas.openxmlformats.org/officeDocument/2006/relationships" xmlns:p="http://schemas.openxmlformats.org/presentationml/2006/main" preserve="1">
+  <p:cSld name="Vrai ou faux">
+    <p:spTree>
+      <p:nvGrpSpPr>
+        <p:cNvPr id="1" name=""/>
+        <p:cNvGrpSpPr/>
+        <p:nvPr/>
+      </p:nvGrpSpPr>
+      <p:grpSpPr>
+        <a:xfrm>
+          <a:off x="0" y="0"/>
+          <a:ext cx="0" cy="0"/>
+          <a:chOff x="0" y="0"/>
+          <a:chExt cx="0" cy="0"/>
+        </a:xfrm>
+      </p:grpSpPr>
+      <p:sp>
+        <p:nvSpPr>
+          <p:cNvPr id="2" name="Title 1"/>
+          <p:cNvSpPr>
+            <a:spLocks noGrp="1"/>
+          </p:cNvSpPr>
+          <p:nvPr>
+            <p:ph type="title"/>
+          </p:nvPr>
+        </p:nvSpPr>
+        <p:spPr>
+          <a:xfrm>
+            <a:off x="2589212" y="627407"/>
+            <a:ext cx="8915399" cy="2880020"/>
+          </a:xfrm>
+        </p:spPr>
+        <p:txBody>
+          <a:bodyPr anchor="ctr">
+            <a:normAutofit/>
+          </a:bodyPr>
+          <a:lstStyle>
+            <a:lvl1pPr algn="l">
+              <a:defRPr sz="4800" b="0"/>
+            </a:lvl1pPr>
+          </a:lstStyle>
+          <a:p>
+            <a:r>
+              <a:rPr lang="fr-FR"/>
+              <a:t>Modifiez le style du titre</a:t>
+            </a:r>
+            <a:endParaRPr lang="en-US" dirty="0"/>
+          </a:p>
+        </p:txBody>
+      </p:sp>
+      <p:sp>
+        <p:nvSpPr>
+          <p:cNvPr id="21" name="Text Placeholder 9"/>
+          <p:cNvSpPr>
+            <a:spLocks noGrp="1"/>
+          </p:cNvSpPr>
+          <p:nvPr>
+            <p:ph type="body" sz="quarter" idx="13"/>
+          </p:nvPr>
+        </p:nvSpPr>
+        <p:spPr>
+          <a:xfrm>
+            <a:off x="2589212" y="4343400"/>
+            <a:ext cx="8915400" cy="838200"/>
+          </a:xfrm>
+        </p:spPr>
+        <p:txBody>
+          <a:bodyPr anchor="b">
+            <a:noAutofit/>
+          </a:bodyPr>
+          <a:lstStyle>
+            <a:lvl1pPr marL="0" indent="0">
+              <a:buFontTx/>
+              <a:buNone/>
+              <a:defRPr sz="2400">
+                <a:solidFill>
+                  <a:schemeClr val="accent1"/>
+                </a:solidFill>
+              </a:defRPr>
+            </a:lvl1pPr>
+            <a:lvl2pPr marL="457200" indent="0">
+              <a:buFontTx/>
+              <a:buNone/>
+              <a:defRPr/>
+            </a:lvl2pPr>
+            <a:lvl3pPr marL="914400" indent="0">
+              <a:buFontTx/>
+              <a:buNone/>
+              <a:defRPr/>
+            </a:lvl3pPr>
+            <a:lvl4pPr marL="1371600" indent="0">
+              <a:buFontTx/>
+              <a:buNone/>
+              <a:defRPr/>
+            </a:lvl4pPr>
+            <a:lvl5pPr marL="1828800" indent="0">
+              <a:buFontTx/>
+              <a:buNone/>
+              <a:defRPr/>
+            </a:lvl5pPr>
+          </a:lstStyle>
+          <a:p>
+            <a:pPr lvl="0"/>
+            <a:r>
+              <a:rPr lang="fr-FR"/>
+              <a:t>Cliquez pour modifier les styles du texte du masque</a:t>
+            </a:r>
+          </a:p>
+        </p:txBody>
+      </p:sp>
+      <p:sp>
+        <p:nvSpPr>
+          <p:cNvPr id="4" name="Text Placeholder 3"/>
+          <p:cNvSpPr>
+            <a:spLocks noGrp="1"/>
+          </p:cNvSpPr>
+          <p:nvPr>
+            <p:ph type="body" sz="half" idx="2"/>
+          </p:nvPr>
+        </p:nvSpPr>
+        <p:spPr>
+          <a:xfrm>
+            <a:off x="2589213" y="5181600"/>
+            <a:ext cx="8915400" cy="729622"/>
+          </a:xfrm>
+        </p:spPr>
+        <p:txBody>
+          <a:bodyPr vert="horz" lIns="91440" tIns="45720" rIns="91440" bIns="45720" rtlCol="0" anchor="t">
+            <a:normAutofit/>
+          </a:bodyPr>
+          <a:lstStyle>
+            <a:lvl1pPr>
+              <a:buNone/>
+              <a:defRPr lang="en-US">
+                <a:solidFill>
+                  <a:schemeClr val="tx1">
+                    <a:lumMod val="65000"/>
+                    <a:lumOff val="35000"/>
+                  </a:schemeClr>
+                </a:solidFill>
+              </a:defRPr>
+            </a:lvl1pPr>
+          </a:lstStyle>
+          <a:p>
+            <a:pPr marL="0" lvl="0" indent="0">
+              <a:buNone/>
+            </a:pPr>
+            <a:r>
+              <a:rPr lang="fr-FR"/>
+              <a:t>Cliquez pour modifier les styles du texte du masque</a:t>
+            </a:r>
+          </a:p>
+        </p:txBody>
+      </p:sp>
+      <p:sp>
+        <p:nvSpPr>
+          <p:cNvPr id="5" name="Date Placeholder 4"/>
+          <p:cNvSpPr>
+            <a:spLocks noGrp="1"/>
+          </p:cNvSpPr>
+          <p:nvPr>
+            <p:ph type="dt" sz="half" idx="10"/>
+          </p:nvPr>
+        </p:nvSpPr>
+        <p:spPr/>
+        <p:txBody>
+          <a:bodyPr/>
+          <a:lstStyle/>
+          <a:p>
+            <a:fld id="{7A47CF09-9538-47D9-9371-EDA44274715E}" type="datetimeFigureOut">
+              <a:rPr lang="fr-FR" smtClean="0"/>
+              <a:t>29/03/2020</a:t>
+            </a:fld>
+            <a:endParaRPr lang="fr-FR"/>
+          </a:p>
+        </p:txBody>
+      </p:sp>
+      <p:sp>
+        <p:nvSpPr>
+          <p:cNvPr id="6" name="Footer Placeholder 5"/>
+          <p:cNvSpPr>
+            <a:spLocks noGrp="1"/>
+          </p:cNvSpPr>
+          <p:nvPr>
+            <p:ph type="ftr" sz="quarter" idx="11"/>
+          </p:nvPr>
+        </p:nvSpPr>
+        <p:spPr/>
+        <p:txBody>
+          <a:bodyPr/>
+          <a:lstStyle/>
+          <a:p>
+            <a:endParaRPr lang="fr-FR"/>
+          </a:p>
+        </p:txBody>
+      </p:sp>
+      <p:sp>
+        <p:nvSpPr>
+          <p:cNvPr id="9" name="Freeform 11"/>
+          <p:cNvSpPr/>
+          <p:nvPr/>
+        </p:nvSpPr>
+        <p:spPr bwMode="auto">
+          <a:xfrm flipV="1">
+            <a:off x="-4189" y="4911725"/>
+            <a:ext cx="1588527" cy="507297"/>
+          </a:xfrm>
+          <a:custGeom>
+            <a:avLst/>
+            <a:gdLst/>
+            <a:ahLst/>
+            <a:cxnLst/>
+            <a:rect l="l" t="t" r="r" b="b"/>
+            <a:pathLst>
+              <a:path w="9248" h="10000">
+                <a:moveTo>
+                  <a:pt x="9248" y="4701"/>
+                </a:moveTo>
+                <a:lnTo>
+                  <a:pt x="7915" y="188"/>
+                </a:lnTo>
+                <a:cubicBezTo>
+                  <a:pt x="7906" y="156"/>
+                  <a:pt x="7895" y="126"/>
+                  <a:pt x="7886" y="94"/>
+                </a:cubicBezTo>
+                <a:cubicBezTo>
+                  <a:pt x="7859" y="0"/>
+                  <a:pt x="7831" y="0"/>
+                  <a:pt x="7803" y="0"/>
+                </a:cubicBezTo>
+                <a:lnTo>
+                  <a:pt x="7275" y="0"/>
+                </a:lnTo>
+                <a:lnTo>
+                  <a:pt x="0" y="70"/>
+                </a:lnTo>
+                <a:cubicBezTo>
+                  <a:pt x="8" y="3380"/>
+                  <a:pt x="17" y="6690"/>
+                  <a:pt x="25" y="10000"/>
+                </a:cubicBezTo>
+                <a:lnTo>
+                  <a:pt x="7275" y="9966"/>
+                </a:lnTo>
+                <a:lnTo>
+                  <a:pt x="7803" y="9966"/>
+                </a:lnTo>
+                <a:cubicBezTo>
+                  <a:pt x="7831" y="9966"/>
+                  <a:pt x="7859" y="9872"/>
+                  <a:pt x="7886" y="9872"/>
+                </a:cubicBezTo>
+                <a:cubicBezTo>
+                  <a:pt x="7886" y="9778"/>
+                  <a:pt x="7915" y="9778"/>
+                  <a:pt x="7915" y="9778"/>
+                </a:cubicBezTo>
+                <a:lnTo>
+                  <a:pt x="9248" y="5265"/>
+                </a:lnTo>
+                <a:cubicBezTo>
+                  <a:pt x="9303" y="5077"/>
+                  <a:pt x="9303" y="4889"/>
+                  <a:pt x="9248" y="4701"/>
+                </a:cubicBezTo>
+                <a:close/>
+              </a:path>
+            </a:pathLst>
+          </a:custGeom>
+          <a:solidFill>
+            <a:schemeClr val="accent1"/>
+          </a:solidFill>
+          <a:ln>
+            <a:noFill/>
+          </a:ln>
+        </p:spPr>
+      </p:sp>
+      <p:sp>
+        <p:nvSpPr>
+          <p:cNvPr id="7" name="Slide Number Placeholder 6"/>
+          <p:cNvSpPr>
+            <a:spLocks noGrp="1"/>
+          </p:cNvSpPr>
+          <p:nvPr>
+            <p:ph type="sldNum" sz="quarter" idx="12"/>
+          </p:nvPr>
+        </p:nvSpPr>
+        <p:spPr>
+          <a:xfrm>
+            <a:off x="531812" y="4983087"/>
+            <a:ext cx="779767" cy="365125"/>
+          </a:xfrm>
+        </p:spPr>
+        <p:txBody>
+          <a:bodyPr/>
+          <a:lstStyle/>
+          <a:p>
+            <a:fld id="{928890C0-1FFE-41DA-AC0C-FAB01775EA8E}" type="slidenum">
+              <a:rPr lang="fr-FR" smtClean="0"/>
+              <a:t>‹N°›</a:t>
+            </a:fld>
+            <a:endParaRPr lang="fr-FR"/>
+          </a:p>
+        </p:txBody>
+      </p:sp>
+    </p:spTree>
+    <p:extLst>
+      <p:ext uri="{BB962C8B-B14F-4D97-AF65-F5344CB8AC3E}">
+        <p14:creationId xmlns:p14="http://schemas.microsoft.com/office/powerpoint/2010/main" val="1216092558"/>
+      </p:ext>
+    </p:extLst>
+  </p:cSld>
+  <p:clrMapOvr>
+    <a:masterClrMapping/>
+  </p:clrMapOvr>
+</p:sldLayout>
+</file>
+
+<file path=ppt/slideLayouts/slideLayout15.xml><?xml version="1.0" encoding="utf-8"?>
 <p:sldLayout xmlns:a="http://schemas.openxmlformats.org/drawingml/2006/main" xmlns:r="http://schemas.openxmlformats.org/officeDocument/2006/relationships" xmlns:p="http://schemas.openxmlformats.org/presentationml/2006/main" type="vertTx" preserve="1">
   <p:cSld name="Titre et texte vertical">
     <p:spTree>
@@ -346,13 +2265,7 @@
       </p:grpSpPr>
       <p:sp>
         <p:nvSpPr>
-          <p:cNvPr id="2" name="Titre 1">
-            <a:extLst>
-              <a:ext uri="{FF2B5EF4-FFF2-40B4-BE49-F238E27FC236}">
-                <a16:creationId xmlns:a16="http://schemas.microsoft.com/office/drawing/2014/main" id="{DFC477A2-4FDD-464E-85C8-DBBC1D6FE1A2}"/>
-              </a:ext>
-            </a:extLst>
-          </p:cNvPr>
+          <p:cNvPr id="2" name="Title 1"/>
           <p:cNvSpPr>
             <a:spLocks noGrp="1"/>
           </p:cNvSpPr>
@@ -369,18 +2282,13 @@
               <a:rPr lang="fr-FR"/>
               <a:t>Modifiez le style du titre</a:t>
             </a:r>
-          </a:p>
-        </p:txBody>
-      </p:sp>
-      <p:sp>
-        <p:nvSpPr>
-          <p:cNvPr id="3" name="Espace réservé du texte vertical 2">
-            <a:extLst>
-              <a:ext uri="{FF2B5EF4-FFF2-40B4-BE49-F238E27FC236}">
-                <a16:creationId xmlns:a16="http://schemas.microsoft.com/office/drawing/2014/main" id="{9C3AEDF2-6038-49F7-BF83-BDA6D7FB4738}"/>
-              </a:ext>
-            </a:extLst>
-          </p:cNvPr>
+            <a:endParaRPr lang="en-US" dirty="0"/>
+          </a:p>
+        </p:txBody>
+      </p:sp>
+      <p:sp>
+        <p:nvSpPr>
+          <p:cNvPr id="3" name="Vertical Text Placeholder 2"/>
           <p:cNvSpPr>
             <a:spLocks noGrp="1"/>
           </p:cNvSpPr>
@@ -390,7 +2298,7 @@
         </p:nvSpPr>
         <p:spPr/>
         <p:txBody>
-          <a:bodyPr vert="eaVert"/>
+          <a:bodyPr vert="eaVert" anchor="t"/>
           <a:lstStyle/>
           <a:p>
             <a:pPr lvl="0"/>
@@ -426,18 +2334,13 @@
               <a:rPr lang="fr-FR"/>
               <a:t>Cinquième niveau</a:t>
             </a:r>
-          </a:p>
-        </p:txBody>
-      </p:sp>
-      <p:sp>
-        <p:nvSpPr>
-          <p:cNvPr id="4" name="Espace réservé de la date 3">
-            <a:extLst>
-              <a:ext uri="{FF2B5EF4-FFF2-40B4-BE49-F238E27FC236}">
-                <a16:creationId xmlns:a16="http://schemas.microsoft.com/office/drawing/2014/main" id="{5603568B-753F-4F58-9C5C-5EDB8E03254F}"/>
-              </a:ext>
-            </a:extLst>
-          </p:cNvPr>
+            <a:endParaRPr lang="en-US" dirty="0"/>
+          </a:p>
+        </p:txBody>
+      </p:sp>
+      <p:sp>
+        <p:nvSpPr>
+          <p:cNvPr id="4" name="Date Placeholder 3"/>
           <p:cNvSpPr>
             <a:spLocks noGrp="1"/>
           </p:cNvSpPr>
@@ -452,7 +2355,7 @@
           <a:p>
             <a:fld id="{7A47CF09-9538-47D9-9371-EDA44274715E}" type="datetimeFigureOut">
               <a:rPr lang="fr-FR" smtClean="0"/>
-              <a:t>26/03/2020</a:t>
+              <a:t>29/03/2020</a:t>
             </a:fld>
             <a:endParaRPr lang="fr-FR"/>
           </a:p>
@@ -460,13 +2363,7 @@
       </p:sp>
       <p:sp>
         <p:nvSpPr>
-          <p:cNvPr id="5" name="Espace réservé du pied de page 4">
-            <a:extLst>
-              <a:ext uri="{FF2B5EF4-FFF2-40B4-BE49-F238E27FC236}">
-                <a16:creationId xmlns:a16="http://schemas.microsoft.com/office/drawing/2014/main" id="{EFFB42A1-BEA1-4543-B7C1-61392847A083}"/>
-              </a:ext>
-            </a:extLst>
-          </p:cNvPr>
+          <p:cNvPr id="5" name="Footer Placeholder 4"/>
           <p:cNvSpPr>
             <a:spLocks noGrp="1"/>
           </p:cNvSpPr>
@@ -485,13 +2382,89 @@
       </p:sp>
       <p:sp>
         <p:nvSpPr>
-          <p:cNvPr id="6" name="Espace réservé du numéro de diapositive 5">
-            <a:extLst>
-              <a:ext uri="{FF2B5EF4-FFF2-40B4-BE49-F238E27FC236}">
-                <a16:creationId xmlns:a16="http://schemas.microsoft.com/office/drawing/2014/main" id="{4E09C800-8DE0-485B-AB28-9787C219936E}"/>
-              </a:ext>
-            </a:extLst>
-          </p:cNvPr>
+          <p:cNvPr id="8" name="Freeform 11"/>
+          <p:cNvSpPr/>
+          <p:nvPr/>
+        </p:nvSpPr>
+        <p:spPr bwMode="auto">
+          <a:xfrm flipV="1">
+            <a:off x="-4189" y="714375"/>
+            <a:ext cx="1588527" cy="507297"/>
+          </a:xfrm>
+          <a:custGeom>
+            <a:avLst/>
+            <a:gdLst/>
+            <a:ahLst/>
+            <a:cxnLst/>
+            <a:rect l="l" t="t" r="r" b="b"/>
+            <a:pathLst>
+              <a:path w="9248" h="10000">
+                <a:moveTo>
+                  <a:pt x="9248" y="4701"/>
+                </a:moveTo>
+                <a:lnTo>
+                  <a:pt x="7915" y="188"/>
+                </a:lnTo>
+                <a:cubicBezTo>
+                  <a:pt x="7906" y="156"/>
+                  <a:pt x="7895" y="126"/>
+                  <a:pt x="7886" y="94"/>
+                </a:cubicBezTo>
+                <a:cubicBezTo>
+                  <a:pt x="7859" y="0"/>
+                  <a:pt x="7831" y="0"/>
+                  <a:pt x="7803" y="0"/>
+                </a:cubicBezTo>
+                <a:lnTo>
+                  <a:pt x="7275" y="0"/>
+                </a:lnTo>
+                <a:lnTo>
+                  <a:pt x="0" y="70"/>
+                </a:lnTo>
+                <a:cubicBezTo>
+                  <a:pt x="8" y="3380"/>
+                  <a:pt x="17" y="6690"/>
+                  <a:pt x="25" y="10000"/>
+                </a:cubicBezTo>
+                <a:lnTo>
+                  <a:pt x="7275" y="9966"/>
+                </a:lnTo>
+                <a:lnTo>
+                  <a:pt x="7803" y="9966"/>
+                </a:lnTo>
+                <a:cubicBezTo>
+                  <a:pt x="7831" y="9966"/>
+                  <a:pt x="7859" y="9872"/>
+                  <a:pt x="7886" y="9872"/>
+                </a:cubicBezTo>
+                <a:cubicBezTo>
+                  <a:pt x="7886" y="9778"/>
+                  <a:pt x="7915" y="9778"/>
+                  <a:pt x="7915" y="9778"/>
+                </a:cubicBezTo>
+                <a:lnTo>
+                  <a:pt x="9248" y="5265"/>
+                </a:lnTo>
+                <a:cubicBezTo>
+                  <a:pt x="9303" y="5077"/>
+                  <a:pt x="9303" y="4889"/>
+                  <a:pt x="9248" y="4701"/>
+                </a:cubicBezTo>
+                <a:close/>
+              </a:path>
+            </a:pathLst>
+          </a:custGeom>
+          <a:solidFill>
+            <a:schemeClr val="accent1"/>
+          </a:solidFill>
+          <a:ln>
+            <a:noFill/>
+          </a:ln>
+        </p:spPr>
+      </p:sp>
+      <p:sp>
+        <p:nvSpPr>
+          <p:cNvPr id="6" name="Slide Number Placeholder 5"/>
           <p:cNvSpPr>
             <a:spLocks noGrp="1"/>
           </p:cNvSpPr>
@@ -515,7 +2488,7 @@
     </p:spTree>
     <p:extLst>
       <p:ext uri="{BB962C8B-B14F-4D97-AF65-F5344CB8AC3E}">
-        <p14:creationId xmlns:p14="http://schemas.microsoft.com/office/powerpoint/2010/main" val="2634014165"/>
+        <p14:creationId xmlns:p14="http://schemas.microsoft.com/office/powerpoint/2010/main" val="573282694"/>
       </p:ext>
     </p:extLst>
   </p:cSld>
@@ -525,7 +2498,7 @@
 </p:sldLayout>
 </file>
 
-<file path=ppt/slideLayouts/slideLayout11.xml><?xml version="1.0" encoding="utf-8"?>
+<file path=ppt/slideLayouts/slideLayout16.xml><?xml version="1.0" encoding="utf-8"?>
 <p:sldLayout xmlns:a="http://schemas.openxmlformats.org/drawingml/2006/main" xmlns:r="http://schemas.openxmlformats.org/officeDocument/2006/relationships" xmlns:p="http://schemas.openxmlformats.org/presentationml/2006/main" type="vertTitleAndTx" preserve="1">
   <p:cSld name="Titre vertical et texte">
     <p:spTree>
@@ -544,13 +2517,7 @@
       </p:grpSpPr>
       <p:sp>
         <p:nvSpPr>
-          <p:cNvPr id="2" name="Titre vertical 1">
-            <a:extLst>
-              <a:ext uri="{FF2B5EF4-FFF2-40B4-BE49-F238E27FC236}">
-                <a16:creationId xmlns:a16="http://schemas.microsoft.com/office/drawing/2014/main" id="{2BC1378F-59D0-4C17-BF8B-87DE7AB855C1}"/>
-              </a:ext>
-            </a:extLst>
-          </p:cNvPr>
+          <p:cNvPr id="2" name="Vertical Title 1"/>
           <p:cNvSpPr>
             <a:spLocks noGrp="1"/>
           </p:cNvSpPr>
@@ -560,47 +2527,42 @@
         </p:nvSpPr>
         <p:spPr>
           <a:xfrm>
-            <a:off x="8724900" y="365125"/>
-            <a:ext cx="2628900" cy="5811838"/>
+            <a:off x="9294812" y="627405"/>
+            <a:ext cx="2207601" cy="5283817"/>
           </a:xfrm>
         </p:spPr>
         <p:txBody>
+          <a:bodyPr vert="eaVert" anchor="ctr"/>
+          <a:lstStyle/>
+          <a:p>
+            <a:r>
+              <a:rPr lang="fr-FR"/>
+              <a:t>Modifiez le style du titre</a:t>
+            </a:r>
+            <a:endParaRPr lang="en-US" dirty="0"/>
+          </a:p>
+        </p:txBody>
+      </p:sp>
+      <p:sp>
+        <p:nvSpPr>
+          <p:cNvPr id="3" name="Vertical Text Placeholder 2"/>
+          <p:cNvSpPr>
+            <a:spLocks noGrp="1"/>
+          </p:cNvSpPr>
+          <p:nvPr>
+            <p:ph type="body" orient="vert" idx="1"/>
+          </p:nvPr>
+        </p:nvSpPr>
+        <p:spPr>
+          <a:xfrm>
+            <a:off x="2589212" y="627405"/>
+            <a:ext cx="6477000" cy="5283817"/>
+          </a:xfrm>
+        </p:spPr>
+        <p:txBody>
           <a:bodyPr vert="eaVert"/>
           <a:lstStyle/>
           <a:p>
-            <a:r>
-              <a:rPr lang="fr-FR"/>
-              <a:t>Modifiez le style du titre</a:t>
-            </a:r>
-          </a:p>
-        </p:txBody>
-      </p:sp>
-      <p:sp>
-        <p:nvSpPr>
-          <p:cNvPr id="3" name="Espace réservé du texte vertical 2">
-            <a:extLst>
-              <a:ext uri="{FF2B5EF4-FFF2-40B4-BE49-F238E27FC236}">
-                <a16:creationId xmlns:a16="http://schemas.microsoft.com/office/drawing/2014/main" id="{1CF576BB-A18A-47AD-9562-F6633932767C}"/>
-              </a:ext>
-            </a:extLst>
-          </p:cNvPr>
-          <p:cNvSpPr>
-            <a:spLocks noGrp="1"/>
-          </p:cNvSpPr>
-          <p:nvPr>
-            <p:ph type="body" orient="vert" idx="1"/>
-          </p:nvPr>
-        </p:nvSpPr>
-        <p:spPr>
-          <a:xfrm>
-            <a:off x="838200" y="365125"/>
-            <a:ext cx="7734300" cy="5811838"/>
-          </a:xfrm>
-        </p:spPr>
-        <p:txBody>
-          <a:bodyPr vert="eaVert"/>
-          <a:lstStyle/>
-          <a:p>
             <a:pPr lvl="0"/>
             <a:r>
               <a:rPr lang="fr-FR"/>
@@ -634,18 +2596,13 @@
               <a:rPr lang="fr-FR"/>
               <a:t>Cinquième niveau</a:t>
             </a:r>
-          </a:p>
-        </p:txBody>
-      </p:sp>
-      <p:sp>
-        <p:nvSpPr>
-          <p:cNvPr id="4" name="Espace réservé de la date 3">
-            <a:extLst>
-              <a:ext uri="{FF2B5EF4-FFF2-40B4-BE49-F238E27FC236}">
-                <a16:creationId xmlns:a16="http://schemas.microsoft.com/office/drawing/2014/main" id="{5216C33F-F6DB-4F02-8C68-C1F07DD0FD8E}"/>
-              </a:ext>
-            </a:extLst>
-          </p:cNvPr>
+            <a:endParaRPr lang="en-US" dirty="0"/>
+          </a:p>
+        </p:txBody>
+      </p:sp>
+      <p:sp>
+        <p:nvSpPr>
+          <p:cNvPr id="4" name="Date Placeholder 3"/>
           <p:cNvSpPr>
             <a:spLocks noGrp="1"/>
           </p:cNvSpPr>
@@ -660,7 +2617,7 @@
           <a:p>
             <a:fld id="{7A47CF09-9538-47D9-9371-EDA44274715E}" type="datetimeFigureOut">
               <a:rPr lang="fr-FR" smtClean="0"/>
-              <a:t>26/03/2020</a:t>
+              <a:t>29/03/2020</a:t>
             </a:fld>
             <a:endParaRPr lang="fr-FR"/>
           </a:p>
@@ -668,13 +2625,7 @@
       </p:sp>
       <p:sp>
         <p:nvSpPr>
-          <p:cNvPr id="5" name="Espace réservé du pied de page 4">
-            <a:extLst>
-              <a:ext uri="{FF2B5EF4-FFF2-40B4-BE49-F238E27FC236}">
-                <a16:creationId xmlns:a16="http://schemas.microsoft.com/office/drawing/2014/main" id="{E7D6B06D-1313-4669-869A-41144FF39D5A}"/>
-              </a:ext>
-            </a:extLst>
-          </p:cNvPr>
+          <p:cNvPr id="5" name="Footer Placeholder 4"/>
           <p:cNvSpPr>
             <a:spLocks noGrp="1"/>
           </p:cNvSpPr>
@@ -693,13 +2644,89 @@
       </p:sp>
       <p:sp>
         <p:nvSpPr>
-          <p:cNvPr id="6" name="Espace réservé du numéro de diapositive 5">
-            <a:extLst>
-              <a:ext uri="{FF2B5EF4-FFF2-40B4-BE49-F238E27FC236}">
-                <a16:creationId xmlns:a16="http://schemas.microsoft.com/office/drawing/2014/main" id="{F8F94E60-DC0F-43A3-9A88-47ABA66FE96D}"/>
-              </a:ext>
-            </a:extLst>
-          </p:cNvPr>
+          <p:cNvPr id="8" name="Freeform 11"/>
+          <p:cNvSpPr/>
+          <p:nvPr/>
+        </p:nvSpPr>
+        <p:spPr bwMode="auto">
+          <a:xfrm flipV="1">
+            <a:off x="-4189" y="714375"/>
+            <a:ext cx="1588527" cy="507297"/>
+          </a:xfrm>
+          <a:custGeom>
+            <a:avLst/>
+            <a:gdLst/>
+            <a:ahLst/>
+            <a:cxnLst/>
+            <a:rect l="l" t="t" r="r" b="b"/>
+            <a:pathLst>
+              <a:path w="9248" h="10000">
+                <a:moveTo>
+                  <a:pt x="9248" y="4701"/>
+                </a:moveTo>
+                <a:lnTo>
+                  <a:pt x="7915" y="188"/>
+                </a:lnTo>
+                <a:cubicBezTo>
+                  <a:pt x="7906" y="156"/>
+                  <a:pt x="7895" y="126"/>
+                  <a:pt x="7886" y="94"/>
+                </a:cubicBezTo>
+                <a:cubicBezTo>
+                  <a:pt x="7859" y="0"/>
+                  <a:pt x="7831" y="0"/>
+                  <a:pt x="7803" y="0"/>
+                </a:cubicBezTo>
+                <a:lnTo>
+                  <a:pt x="7275" y="0"/>
+                </a:lnTo>
+                <a:lnTo>
+                  <a:pt x="0" y="70"/>
+                </a:lnTo>
+                <a:cubicBezTo>
+                  <a:pt x="8" y="3380"/>
+                  <a:pt x="17" y="6690"/>
+                  <a:pt x="25" y="10000"/>
+                </a:cubicBezTo>
+                <a:lnTo>
+                  <a:pt x="7275" y="9966"/>
+                </a:lnTo>
+                <a:lnTo>
+                  <a:pt x="7803" y="9966"/>
+                </a:lnTo>
+                <a:cubicBezTo>
+                  <a:pt x="7831" y="9966"/>
+                  <a:pt x="7859" y="9872"/>
+                  <a:pt x="7886" y="9872"/>
+                </a:cubicBezTo>
+                <a:cubicBezTo>
+                  <a:pt x="7886" y="9778"/>
+                  <a:pt x="7915" y="9778"/>
+                  <a:pt x="7915" y="9778"/>
+                </a:cubicBezTo>
+                <a:lnTo>
+                  <a:pt x="9248" y="5265"/>
+                </a:lnTo>
+                <a:cubicBezTo>
+                  <a:pt x="9303" y="5077"/>
+                  <a:pt x="9303" y="4889"/>
+                  <a:pt x="9248" y="4701"/>
+                </a:cubicBezTo>
+                <a:close/>
+              </a:path>
+            </a:pathLst>
+          </a:custGeom>
+          <a:solidFill>
+            <a:schemeClr val="accent1"/>
+          </a:solidFill>
+          <a:ln>
+            <a:noFill/>
+          </a:ln>
+        </p:spPr>
+      </p:sp>
+      <p:sp>
+        <p:nvSpPr>
+          <p:cNvPr id="6" name="Slide Number Placeholder 5"/>
           <p:cNvSpPr>
             <a:spLocks noGrp="1"/>
           </p:cNvSpPr>
@@ -723,7 +2750,7 @@
     </p:spTree>
     <p:extLst>
       <p:ext uri="{BB962C8B-B14F-4D97-AF65-F5344CB8AC3E}">
-        <p14:creationId xmlns:p14="http://schemas.microsoft.com/office/powerpoint/2010/main" val="1378306339"/>
+        <p14:creationId xmlns:p14="http://schemas.microsoft.com/office/powerpoint/2010/main" val="1850911561"/>
       </p:ext>
     </p:extLst>
   </p:cSld>
@@ -752,13 +2779,7 @@
       </p:grpSpPr>
       <p:sp>
         <p:nvSpPr>
-          <p:cNvPr id="2" name="Titre 1">
-            <a:extLst>
-              <a:ext uri="{FF2B5EF4-FFF2-40B4-BE49-F238E27FC236}">
-                <a16:creationId xmlns:a16="http://schemas.microsoft.com/office/drawing/2014/main" id="{96C710EF-B8BE-4392-A60D-A9550EFF1A8E}"/>
-              </a:ext>
-            </a:extLst>
-          </p:cNvPr>
+          <p:cNvPr id="2" name="Title 1"/>
           <p:cNvSpPr>
             <a:spLocks noGrp="1"/>
           </p:cNvSpPr>
@@ -766,7 +2787,12 @@
             <p:ph type="title"/>
           </p:nvPr>
         </p:nvSpPr>
-        <p:spPr/>
+        <p:spPr>
+          <a:xfrm>
+            <a:off x="2592925" y="624110"/>
+            <a:ext cx="8911687" cy="1280890"/>
+          </a:xfrm>
+        </p:spPr>
         <p:txBody>
           <a:bodyPr/>
           <a:lstStyle/>
@@ -775,18 +2801,13 @@
               <a:rPr lang="fr-FR"/>
               <a:t>Modifiez le style du titre</a:t>
             </a:r>
-          </a:p>
-        </p:txBody>
-      </p:sp>
-      <p:sp>
-        <p:nvSpPr>
-          <p:cNvPr id="3" name="Espace réservé du contenu 2">
-            <a:extLst>
-              <a:ext uri="{FF2B5EF4-FFF2-40B4-BE49-F238E27FC236}">
-                <a16:creationId xmlns:a16="http://schemas.microsoft.com/office/drawing/2014/main" id="{4D9EEDA7-7249-4C43-8A4E-1B3AA77DF272}"/>
-              </a:ext>
-            </a:extLst>
-          </p:cNvPr>
+            <a:endParaRPr lang="en-US" dirty="0"/>
+          </a:p>
+        </p:txBody>
+      </p:sp>
+      <p:sp>
+        <p:nvSpPr>
+          <p:cNvPr id="3" name="Content Placeholder 2"/>
           <p:cNvSpPr>
             <a:spLocks noGrp="1"/>
           </p:cNvSpPr>
@@ -794,7 +2815,12 @@
             <p:ph idx="1"/>
           </p:nvPr>
         </p:nvSpPr>
-        <p:spPr/>
+        <p:spPr>
+          <a:xfrm>
+            <a:off x="2589212" y="2133600"/>
+            <a:ext cx="8915400" cy="3777622"/>
+          </a:xfrm>
+        </p:spPr>
         <p:txBody>
           <a:bodyPr/>
           <a:lstStyle/>
@@ -832,18 +2858,13 @@
               <a:rPr lang="fr-FR"/>
               <a:t>Cinquième niveau</a:t>
             </a:r>
-          </a:p>
-        </p:txBody>
-      </p:sp>
-      <p:sp>
-        <p:nvSpPr>
-          <p:cNvPr id="4" name="Espace réservé de la date 3">
-            <a:extLst>
-              <a:ext uri="{FF2B5EF4-FFF2-40B4-BE49-F238E27FC236}">
-                <a16:creationId xmlns:a16="http://schemas.microsoft.com/office/drawing/2014/main" id="{7CAC846D-C12C-422A-B73F-0800428B4CB0}"/>
-              </a:ext>
-            </a:extLst>
-          </p:cNvPr>
+            <a:endParaRPr lang="en-US" dirty="0"/>
+          </a:p>
+        </p:txBody>
+      </p:sp>
+      <p:sp>
+        <p:nvSpPr>
+          <p:cNvPr id="4" name="Date Placeholder 3"/>
           <p:cNvSpPr>
             <a:spLocks noGrp="1"/>
           </p:cNvSpPr>
@@ -858,7 +2879,7 @@
           <a:p>
             <a:fld id="{7A47CF09-9538-47D9-9371-EDA44274715E}" type="datetimeFigureOut">
               <a:rPr lang="fr-FR" smtClean="0"/>
-              <a:t>26/03/2020</a:t>
+              <a:t>29/03/2020</a:t>
             </a:fld>
             <a:endParaRPr lang="fr-FR"/>
           </a:p>
@@ -866,13 +2887,7 @@
       </p:sp>
       <p:sp>
         <p:nvSpPr>
-          <p:cNvPr id="5" name="Espace réservé du pied de page 4">
-            <a:extLst>
-              <a:ext uri="{FF2B5EF4-FFF2-40B4-BE49-F238E27FC236}">
-                <a16:creationId xmlns:a16="http://schemas.microsoft.com/office/drawing/2014/main" id="{1AC3D4AF-CD09-46DC-A6FD-8ED8454D3A8C}"/>
-              </a:ext>
-            </a:extLst>
-          </p:cNvPr>
+          <p:cNvPr id="5" name="Footer Placeholder 4"/>
           <p:cNvSpPr>
             <a:spLocks noGrp="1"/>
           </p:cNvSpPr>
@@ -891,13 +2906,89 @@
       </p:sp>
       <p:sp>
         <p:nvSpPr>
-          <p:cNvPr id="6" name="Espace réservé du numéro de diapositive 5">
-            <a:extLst>
-              <a:ext uri="{FF2B5EF4-FFF2-40B4-BE49-F238E27FC236}">
-                <a16:creationId xmlns:a16="http://schemas.microsoft.com/office/drawing/2014/main" id="{EAD8DAB0-3F78-46B0-B374-BE70D7DD4E0B}"/>
-              </a:ext>
-            </a:extLst>
-          </p:cNvPr>
+          <p:cNvPr id="8" name="Freeform 11"/>
+          <p:cNvSpPr/>
+          <p:nvPr/>
+        </p:nvSpPr>
+        <p:spPr bwMode="auto">
+          <a:xfrm flipV="1">
+            <a:off x="-4189" y="714375"/>
+            <a:ext cx="1588527" cy="507297"/>
+          </a:xfrm>
+          <a:custGeom>
+            <a:avLst/>
+            <a:gdLst/>
+            <a:ahLst/>
+            <a:cxnLst/>
+            <a:rect l="l" t="t" r="r" b="b"/>
+            <a:pathLst>
+              <a:path w="9248" h="10000">
+                <a:moveTo>
+                  <a:pt x="9248" y="4701"/>
+                </a:moveTo>
+                <a:lnTo>
+                  <a:pt x="7915" y="188"/>
+                </a:lnTo>
+                <a:cubicBezTo>
+                  <a:pt x="7906" y="156"/>
+                  <a:pt x="7895" y="126"/>
+                  <a:pt x="7886" y="94"/>
+                </a:cubicBezTo>
+                <a:cubicBezTo>
+                  <a:pt x="7859" y="0"/>
+                  <a:pt x="7831" y="0"/>
+                  <a:pt x="7803" y="0"/>
+                </a:cubicBezTo>
+                <a:lnTo>
+                  <a:pt x="7275" y="0"/>
+                </a:lnTo>
+                <a:lnTo>
+                  <a:pt x="0" y="70"/>
+                </a:lnTo>
+                <a:cubicBezTo>
+                  <a:pt x="8" y="3380"/>
+                  <a:pt x="17" y="6690"/>
+                  <a:pt x="25" y="10000"/>
+                </a:cubicBezTo>
+                <a:lnTo>
+                  <a:pt x="7275" y="9966"/>
+                </a:lnTo>
+                <a:lnTo>
+                  <a:pt x="7803" y="9966"/>
+                </a:lnTo>
+                <a:cubicBezTo>
+                  <a:pt x="7831" y="9966"/>
+                  <a:pt x="7859" y="9872"/>
+                  <a:pt x="7886" y="9872"/>
+                </a:cubicBezTo>
+                <a:cubicBezTo>
+                  <a:pt x="7886" y="9778"/>
+                  <a:pt x="7915" y="9778"/>
+                  <a:pt x="7915" y="9778"/>
+                </a:cubicBezTo>
+                <a:lnTo>
+                  <a:pt x="9248" y="5265"/>
+                </a:lnTo>
+                <a:cubicBezTo>
+                  <a:pt x="9303" y="5077"/>
+                  <a:pt x="9303" y="4889"/>
+                  <a:pt x="9248" y="4701"/>
+                </a:cubicBezTo>
+                <a:close/>
+              </a:path>
+            </a:pathLst>
+          </a:custGeom>
+          <a:solidFill>
+            <a:schemeClr val="accent1"/>
+          </a:solidFill>
+          <a:ln>
+            <a:noFill/>
+          </a:ln>
+        </p:spPr>
+      </p:sp>
+      <p:sp>
+        <p:nvSpPr>
+          <p:cNvPr id="6" name="Slide Number Placeholder 5"/>
           <p:cNvSpPr>
             <a:spLocks noGrp="1"/>
           </p:cNvSpPr>
@@ -921,7 +3012,7 @@
     </p:spTree>
     <p:extLst>
       <p:ext uri="{BB962C8B-B14F-4D97-AF65-F5344CB8AC3E}">
-        <p14:creationId xmlns:p14="http://schemas.microsoft.com/office/powerpoint/2010/main" val="3870473818"/>
+        <p14:creationId xmlns:p14="http://schemas.microsoft.com/office/powerpoint/2010/main" val="3558338395"/>
       </p:ext>
     </p:extLst>
   </p:cSld>
@@ -950,13 +3041,7 @@
       </p:grpSpPr>
       <p:sp>
         <p:nvSpPr>
-          <p:cNvPr id="2" name="Titre 1">
-            <a:extLst>
-              <a:ext uri="{FF2B5EF4-FFF2-40B4-BE49-F238E27FC236}">
-                <a16:creationId xmlns:a16="http://schemas.microsoft.com/office/drawing/2014/main" id="{8B81A94D-FDF0-4B63-9D37-F567994FDDED}"/>
-              </a:ext>
-            </a:extLst>
-          </p:cNvPr>
+          <p:cNvPr id="2" name="Title 1"/>
           <p:cNvSpPr>
             <a:spLocks noGrp="1"/>
           </p:cNvSpPr>
@@ -966,15 +3051,15 @@
         </p:nvSpPr>
         <p:spPr>
           <a:xfrm>
-            <a:off x="831850" y="1709738"/>
-            <a:ext cx="10515600" cy="2852737"/>
+            <a:off x="2589212" y="2058750"/>
+            <a:ext cx="8915399" cy="1468800"/>
           </a:xfrm>
         </p:spPr>
         <p:txBody>
           <a:bodyPr anchor="b"/>
           <a:lstStyle>
-            <a:lvl1pPr>
-              <a:defRPr sz="6000"/>
+            <a:lvl1pPr algn="l">
+              <a:defRPr sz="4000" b="0" cap="none"/>
             </a:lvl1pPr>
           </a:lstStyle>
           <a:p>
@@ -982,18 +3067,13 @@
               <a:rPr lang="fr-FR"/>
               <a:t>Modifiez le style du titre</a:t>
             </a:r>
-          </a:p>
-        </p:txBody>
-      </p:sp>
-      <p:sp>
-        <p:nvSpPr>
-          <p:cNvPr id="3" name="Espace réservé du texte 2">
-            <a:extLst>
-              <a:ext uri="{FF2B5EF4-FFF2-40B4-BE49-F238E27FC236}">
-                <a16:creationId xmlns:a16="http://schemas.microsoft.com/office/drawing/2014/main" id="{57EE4104-4649-4919-8700-E43DE05D1F2A}"/>
-              </a:ext>
-            </a:extLst>
-          </p:cNvPr>
+            <a:endParaRPr lang="en-US" dirty="0"/>
+          </a:p>
+        </p:txBody>
+      </p:sp>
+      <p:sp>
+        <p:nvSpPr>
+          <p:cNvPr id="3" name="Text Placeholder 2"/>
           <p:cNvSpPr>
             <a:spLocks noGrp="1"/>
           </p:cNvSpPr>
@@ -1003,26 +3083,27 @@
         </p:nvSpPr>
         <p:spPr>
           <a:xfrm>
-            <a:off x="831850" y="4589463"/>
-            <a:ext cx="10515600" cy="1500187"/>
+            <a:off x="2589212" y="3530129"/>
+            <a:ext cx="8915399" cy="860400"/>
           </a:xfrm>
         </p:spPr>
         <p:txBody>
-          <a:bodyPr/>
+          <a:bodyPr anchor="t"/>
           <a:lstStyle>
-            <a:lvl1pPr marL="0" indent="0">
-              <a:buNone/>
-              <a:defRPr sz="2400">
+            <a:lvl1pPr marL="0" indent="0" algn="l">
+              <a:buNone/>
+              <a:defRPr sz="2000">
                 <a:solidFill>
                   <a:schemeClr val="tx1">
-                    <a:tint val="75000"/>
+                    <a:lumMod val="65000"/>
+                    <a:lumOff val="35000"/>
                   </a:schemeClr>
                 </a:solidFill>
               </a:defRPr>
             </a:lvl1pPr>
             <a:lvl2pPr marL="457200" indent="0">
               <a:buNone/>
-              <a:defRPr sz="2000">
+              <a:defRPr sz="1800">
                 <a:solidFill>
                   <a:schemeClr val="tx1">
                     <a:tint val="75000"/>
@@ -1032,7 +3113,7 @@
             </a:lvl2pPr>
             <a:lvl3pPr marL="914400" indent="0">
               <a:buNone/>
-              <a:defRPr sz="1800">
+              <a:defRPr sz="1600">
                 <a:solidFill>
                   <a:schemeClr val="tx1">
                     <a:tint val="75000"/>
@@ -1042,7 +3123,7 @@
             </a:lvl3pPr>
             <a:lvl4pPr marL="1371600" indent="0">
               <a:buNone/>
-              <a:defRPr sz="1600">
+              <a:defRPr sz="1400">
                 <a:solidFill>
                   <a:schemeClr val="tx1">
                     <a:tint val="75000"/>
@@ -1052,7 +3133,7 @@
             </a:lvl4pPr>
             <a:lvl5pPr marL="1828800" indent="0">
               <a:buNone/>
-              <a:defRPr sz="1600">
+              <a:defRPr sz="1400">
                 <a:solidFill>
                   <a:schemeClr val="tx1">
                     <a:tint val="75000"/>
@@ -1062,7 +3143,7 @@
             </a:lvl5pPr>
             <a:lvl6pPr marL="2286000" indent="0">
               <a:buNone/>
-              <a:defRPr sz="1600">
+              <a:defRPr sz="1400">
                 <a:solidFill>
                   <a:schemeClr val="tx1">
                     <a:tint val="75000"/>
@@ -1072,7 +3153,7 @@
             </a:lvl6pPr>
             <a:lvl7pPr marL="2743200" indent="0">
               <a:buNone/>
-              <a:defRPr sz="1600">
+              <a:defRPr sz="1400">
                 <a:solidFill>
                   <a:schemeClr val="tx1">
                     <a:tint val="75000"/>
@@ -1082,7 +3163,7 @@
             </a:lvl7pPr>
             <a:lvl8pPr marL="3200400" indent="0">
               <a:buNone/>
-              <a:defRPr sz="1600">
+              <a:defRPr sz="1400">
                 <a:solidFill>
                   <a:schemeClr val="tx1">
                     <a:tint val="75000"/>
@@ -1092,7 +3173,7 @@
             </a:lvl8pPr>
             <a:lvl9pPr marL="3657600" indent="0">
               <a:buNone/>
-              <a:defRPr sz="1600">
+              <a:defRPr sz="1400">
                 <a:solidFill>
                   <a:schemeClr val="tx1">
                     <a:tint val="75000"/>
@@ -1112,13 +3193,7 @@
       </p:sp>
       <p:sp>
         <p:nvSpPr>
-          <p:cNvPr id="4" name="Espace réservé de la date 3">
-            <a:extLst>
-              <a:ext uri="{FF2B5EF4-FFF2-40B4-BE49-F238E27FC236}">
-                <a16:creationId xmlns:a16="http://schemas.microsoft.com/office/drawing/2014/main" id="{9D0A5F60-42AE-4005-BA6C-F7107D6F960B}"/>
-              </a:ext>
-            </a:extLst>
-          </p:cNvPr>
+          <p:cNvPr id="4" name="Date Placeholder 3"/>
           <p:cNvSpPr>
             <a:spLocks noGrp="1"/>
           </p:cNvSpPr>
@@ -1133,7 +3208,7 @@
           <a:p>
             <a:fld id="{7A47CF09-9538-47D9-9371-EDA44274715E}" type="datetimeFigureOut">
               <a:rPr lang="fr-FR" smtClean="0"/>
-              <a:t>26/03/2020</a:t>
+              <a:t>29/03/2020</a:t>
             </a:fld>
             <a:endParaRPr lang="fr-FR"/>
           </a:p>
@@ -1141,13 +3216,7 @@
       </p:sp>
       <p:sp>
         <p:nvSpPr>
-          <p:cNvPr id="5" name="Espace réservé du pied de page 4">
-            <a:extLst>
-              <a:ext uri="{FF2B5EF4-FFF2-40B4-BE49-F238E27FC236}">
-                <a16:creationId xmlns:a16="http://schemas.microsoft.com/office/drawing/2014/main" id="{FDBEE8D5-2EE0-4511-99A2-970C3608C4DD}"/>
-              </a:ext>
-            </a:extLst>
-          </p:cNvPr>
+          <p:cNvPr id="5" name="Footer Placeholder 4"/>
           <p:cNvSpPr>
             <a:spLocks noGrp="1"/>
           </p:cNvSpPr>
@@ -1166,13 +3235,89 @@
       </p:sp>
       <p:sp>
         <p:nvSpPr>
-          <p:cNvPr id="6" name="Espace réservé du numéro de diapositive 5">
-            <a:extLst>
-              <a:ext uri="{FF2B5EF4-FFF2-40B4-BE49-F238E27FC236}">
-                <a16:creationId xmlns:a16="http://schemas.microsoft.com/office/drawing/2014/main" id="{2A9AB3DF-AEF9-44E7-9316-F90846C1B36A}"/>
-              </a:ext>
-            </a:extLst>
-          </p:cNvPr>
+          <p:cNvPr id="9" name="Freeform 11"/>
+          <p:cNvSpPr/>
+          <p:nvPr/>
+        </p:nvSpPr>
+        <p:spPr bwMode="auto">
+          <a:xfrm flipV="1">
+            <a:off x="-4189" y="3178175"/>
+            <a:ext cx="1588527" cy="507297"/>
+          </a:xfrm>
+          <a:custGeom>
+            <a:avLst/>
+            <a:gdLst/>
+            <a:ahLst/>
+            <a:cxnLst/>
+            <a:rect l="l" t="t" r="r" b="b"/>
+            <a:pathLst>
+              <a:path w="9248" h="10000">
+                <a:moveTo>
+                  <a:pt x="9248" y="4701"/>
+                </a:moveTo>
+                <a:lnTo>
+                  <a:pt x="7915" y="188"/>
+                </a:lnTo>
+                <a:cubicBezTo>
+                  <a:pt x="7906" y="156"/>
+                  <a:pt x="7895" y="126"/>
+                  <a:pt x="7886" y="94"/>
+                </a:cubicBezTo>
+                <a:cubicBezTo>
+                  <a:pt x="7859" y="0"/>
+                  <a:pt x="7831" y="0"/>
+                  <a:pt x="7803" y="0"/>
+                </a:cubicBezTo>
+                <a:lnTo>
+                  <a:pt x="7275" y="0"/>
+                </a:lnTo>
+                <a:lnTo>
+                  <a:pt x="0" y="70"/>
+                </a:lnTo>
+                <a:cubicBezTo>
+                  <a:pt x="8" y="3380"/>
+                  <a:pt x="17" y="6690"/>
+                  <a:pt x="25" y="10000"/>
+                </a:cubicBezTo>
+                <a:lnTo>
+                  <a:pt x="7275" y="9966"/>
+                </a:lnTo>
+                <a:lnTo>
+                  <a:pt x="7803" y="9966"/>
+                </a:lnTo>
+                <a:cubicBezTo>
+                  <a:pt x="7831" y="9966"/>
+                  <a:pt x="7859" y="9872"/>
+                  <a:pt x="7886" y="9872"/>
+                </a:cubicBezTo>
+                <a:cubicBezTo>
+                  <a:pt x="7886" y="9778"/>
+                  <a:pt x="7915" y="9778"/>
+                  <a:pt x="7915" y="9778"/>
+                </a:cubicBezTo>
+                <a:lnTo>
+                  <a:pt x="9248" y="5265"/>
+                </a:lnTo>
+                <a:cubicBezTo>
+                  <a:pt x="9303" y="5077"/>
+                  <a:pt x="9303" y="4889"/>
+                  <a:pt x="9248" y="4701"/>
+                </a:cubicBezTo>
+                <a:close/>
+              </a:path>
+            </a:pathLst>
+          </a:custGeom>
+          <a:solidFill>
+            <a:schemeClr val="accent1"/>
+          </a:solidFill>
+          <a:ln>
+            <a:noFill/>
+          </a:ln>
+        </p:spPr>
+      </p:sp>
+      <p:sp>
+        <p:nvSpPr>
+          <p:cNvPr id="6" name="Slide Number Placeholder 5"/>
           <p:cNvSpPr>
             <a:spLocks noGrp="1"/>
           </p:cNvSpPr>
@@ -1180,7 +3325,12 @@
             <p:ph type="sldNum" sz="quarter" idx="12"/>
           </p:nvPr>
         </p:nvSpPr>
-        <p:spPr/>
+        <p:spPr>
+          <a:xfrm>
+            <a:off x="531812" y="3244139"/>
+            <a:ext cx="779767" cy="365125"/>
+          </a:xfrm>
+        </p:spPr>
         <p:txBody>
           <a:bodyPr/>
           <a:lstStyle/>
@@ -1196,7 +3346,7 @@
     </p:spTree>
     <p:extLst>
       <p:ext uri="{BB962C8B-B14F-4D97-AF65-F5344CB8AC3E}">
-        <p14:creationId xmlns:p14="http://schemas.microsoft.com/office/powerpoint/2010/main" val="841753432"/>
+        <p14:creationId xmlns:p14="http://schemas.microsoft.com/office/powerpoint/2010/main" val="1144590671"/>
       </p:ext>
     </p:extLst>
   </p:cSld>
@@ -1225,13 +3375,7 @@
       </p:grpSpPr>
       <p:sp>
         <p:nvSpPr>
-          <p:cNvPr id="2" name="Titre 1">
-            <a:extLst>
-              <a:ext uri="{FF2B5EF4-FFF2-40B4-BE49-F238E27FC236}">
-                <a16:creationId xmlns:a16="http://schemas.microsoft.com/office/drawing/2014/main" id="{2611F834-4B79-4E54-A94B-7716F05B1C3C}"/>
-              </a:ext>
-            </a:extLst>
-          </p:cNvPr>
+          <p:cNvPr id="8" name="Title 7"/>
           <p:cNvSpPr>
             <a:spLocks noGrp="1"/>
           </p:cNvSpPr>
@@ -1248,18 +3392,13 @@
               <a:rPr lang="fr-FR"/>
               <a:t>Modifiez le style du titre</a:t>
             </a:r>
-          </a:p>
-        </p:txBody>
-      </p:sp>
-      <p:sp>
-        <p:nvSpPr>
-          <p:cNvPr id="3" name="Espace réservé du contenu 2">
-            <a:extLst>
-              <a:ext uri="{FF2B5EF4-FFF2-40B4-BE49-F238E27FC236}">
-                <a16:creationId xmlns:a16="http://schemas.microsoft.com/office/drawing/2014/main" id="{265E8CF4-FA19-4D13-AFFB-ABFD48AA0C28}"/>
-              </a:ext>
-            </a:extLst>
-          </p:cNvPr>
+            <a:endParaRPr lang="en-US" dirty="0"/>
+          </a:p>
+        </p:txBody>
+      </p:sp>
+      <p:sp>
+        <p:nvSpPr>
+          <p:cNvPr id="3" name="Content Placeholder 2"/>
           <p:cNvSpPr>
             <a:spLocks noGrp="1"/>
           </p:cNvSpPr>
@@ -1269,183 +3408,252 @@
         </p:nvSpPr>
         <p:spPr>
           <a:xfrm>
-            <a:off x="838200" y="1825625"/>
-            <a:ext cx="5181600" cy="4351338"/>
+            <a:off x="2589212" y="2133600"/>
+            <a:ext cx="4313864" cy="3777622"/>
           </a:xfrm>
         </p:spPr>
         <p:txBody>
+          <a:bodyPr>
+            <a:normAutofit/>
+          </a:bodyPr>
+          <a:lstStyle/>
+          <a:p>
+            <a:pPr lvl="0"/>
+            <a:r>
+              <a:rPr lang="fr-FR"/>
+              <a:t>Cliquez pour modifier les styles du texte du masque</a:t>
+            </a:r>
+          </a:p>
+          <a:p>
+            <a:pPr lvl="1"/>
+            <a:r>
+              <a:rPr lang="fr-FR"/>
+              <a:t>Deuxième niveau</a:t>
+            </a:r>
+          </a:p>
+          <a:p>
+            <a:pPr lvl="2"/>
+            <a:r>
+              <a:rPr lang="fr-FR"/>
+              <a:t>Troisième niveau</a:t>
+            </a:r>
+          </a:p>
+          <a:p>
+            <a:pPr lvl="3"/>
+            <a:r>
+              <a:rPr lang="fr-FR"/>
+              <a:t>Quatrième niveau</a:t>
+            </a:r>
+          </a:p>
+          <a:p>
+            <a:pPr lvl="4"/>
+            <a:r>
+              <a:rPr lang="fr-FR"/>
+              <a:t>Cinquième niveau</a:t>
+            </a:r>
+            <a:endParaRPr lang="en-US" dirty="0"/>
+          </a:p>
+        </p:txBody>
+      </p:sp>
+      <p:sp>
+        <p:nvSpPr>
+          <p:cNvPr id="4" name="Content Placeholder 3"/>
+          <p:cNvSpPr>
+            <a:spLocks noGrp="1"/>
+          </p:cNvSpPr>
+          <p:nvPr>
+            <p:ph sz="half" idx="2"/>
+          </p:nvPr>
+        </p:nvSpPr>
+        <p:spPr>
+          <a:xfrm>
+            <a:off x="7190747" y="2126222"/>
+            <a:ext cx="4313864" cy="3777622"/>
+          </a:xfrm>
+        </p:spPr>
+        <p:txBody>
+          <a:bodyPr>
+            <a:normAutofit/>
+          </a:bodyPr>
+          <a:lstStyle/>
+          <a:p>
+            <a:pPr lvl="0"/>
+            <a:r>
+              <a:rPr lang="fr-FR"/>
+              <a:t>Cliquez pour modifier les styles du texte du masque</a:t>
+            </a:r>
+          </a:p>
+          <a:p>
+            <a:pPr lvl="1"/>
+            <a:r>
+              <a:rPr lang="fr-FR"/>
+              <a:t>Deuxième niveau</a:t>
+            </a:r>
+          </a:p>
+          <a:p>
+            <a:pPr lvl="2"/>
+            <a:r>
+              <a:rPr lang="fr-FR"/>
+              <a:t>Troisième niveau</a:t>
+            </a:r>
+          </a:p>
+          <a:p>
+            <a:pPr lvl="3"/>
+            <a:r>
+              <a:rPr lang="fr-FR"/>
+              <a:t>Quatrième niveau</a:t>
+            </a:r>
+          </a:p>
+          <a:p>
+            <a:pPr lvl="4"/>
+            <a:r>
+              <a:rPr lang="fr-FR"/>
+              <a:t>Cinquième niveau</a:t>
+            </a:r>
+            <a:endParaRPr lang="en-US" dirty="0"/>
+          </a:p>
+        </p:txBody>
+      </p:sp>
+      <p:sp>
+        <p:nvSpPr>
+          <p:cNvPr id="5" name="Date Placeholder 4"/>
+          <p:cNvSpPr>
+            <a:spLocks noGrp="1"/>
+          </p:cNvSpPr>
+          <p:nvPr>
+            <p:ph type="dt" sz="half" idx="10"/>
+          </p:nvPr>
+        </p:nvSpPr>
+        <p:spPr/>
+        <p:txBody>
           <a:bodyPr/>
           <a:lstStyle/>
           <a:p>
-            <a:pPr lvl="0"/>
-            <a:r>
-              <a:rPr lang="fr-FR"/>
-              <a:t>Cliquez pour modifier les styles du texte du masque</a:t>
-            </a:r>
-          </a:p>
-          <a:p>
-            <a:pPr lvl="1"/>
-            <a:r>
-              <a:rPr lang="fr-FR"/>
-              <a:t>Deuxième niveau</a:t>
-            </a:r>
-          </a:p>
-          <a:p>
-            <a:pPr lvl="2"/>
-            <a:r>
-              <a:rPr lang="fr-FR"/>
-              <a:t>Troisième niveau</a:t>
-            </a:r>
-          </a:p>
-          <a:p>
-            <a:pPr lvl="3"/>
-            <a:r>
-              <a:rPr lang="fr-FR"/>
-              <a:t>Quatrième niveau</a:t>
-            </a:r>
-          </a:p>
-          <a:p>
-            <a:pPr lvl="4"/>
-            <a:r>
-              <a:rPr lang="fr-FR"/>
-              <a:t>Cinquième niveau</a:t>
-            </a:r>
-          </a:p>
-        </p:txBody>
-      </p:sp>
-      <p:sp>
-        <p:nvSpPr>
-          <p:cNvPr id="4" name="Espace réservé du contenu 3">
-            <a:extLst>
-              <a:ext uri="{FF2B5EF4-FFF2-40B4-BE49-F238E27FC236}">
-                <a16:creationId xmlns:a16="http://schemas.microsoft.com/office/drawing/2014/main" id="{306C8163-598E-4C88-A121-3E1E3EB58C90}"/>
-              </a:ext>
-            </a:extLst>
-          </p:cNvPr>
-          <p:cNvSpPr>
-            <a:spLocks noGrp="1"/>
-          </p:cNvSpPr>
-          <p:nvPr>
-            <p:ph sz="half" idx="2"/>
+            <a:fld id="{7A47CF09-9538-47D9-9371-EDA44274715E}" type="datetimeFigureOut">
+              <a:rPr lang="fr-FR" smtClean="0"/>
+              <a:t>29/03/2020</a:t>
+            </a:fld>
+            <a:endParaRPr lang="fr-FR"/>
+          </a:p>
+        </p:txBody>
+      </p:sp>
+      <p:sp>
+        <p:nvSpPr>
+          <p:cNvPr id="6" name="Footer Placeholder 5"/>
+          <p:cNvSpPr>
+            <a:spLocks noGrp="1"/>
+          </p:cNvSpPr>
+          <p:nvPr>
+            <p:ph type="ftr" sz="quarter" idx="11"/>
+          </p:nvPr>
+        </p:nvSpPr>
+        <p:spPr/>
+        <p:txBody>
+          <a:bodyPr/>
+          <a:lstStyle/>
+          <a:p>
+            <a:endParaRPr lang="fr-FR"/>
+          </a:p>
+        </p:txBody>
+      </p:sp>
+      <p:sp>
+        <p:nvSpPr>
+          <p:cNvPr id="10" name="Freeform 11"/>
+          <p:cNvSpPr/>
+          <p:nvPr/>
+        </p:nvSpPr>
+        <p:spPr bwMode="auto">
+          <a:xfrm flipV="1">
+            <a:off x="-4189" y="714375"/>
+            <a:ext cx="1588527" cy="507297"/>
+          </a:xfrm>
+          <a:custGeom>
+            <a:avLst/>
+            <a:gdLst/>
+            <a:ahLst/>
+            <a:cxnLst/>
+            <a:rect l="l" t="t" r="r" b="b"/>
+            <a:pathLst>
+              <a:path w="9248" h="10000">
+                <a:moveTo>
+                  <a:pt x="9248" y="4701"/>
+                </a:moveTo>
+                <a:lnTo>
+                  <a:pt x="7915" y="188"/>
+                </a:lnTo>
+                <a:cubicBezTo>
+                  <a:pt x="7906" y="156"/>
+                  <a:pt x="7895" y="126"/>
+                  <a:pt x="7886" y="94"/>
+                </a:cubicBezTo>
+                <a:cubicBezTo>
+                  <a:pt x="7859" y="0"/>
+                  <a:pt x="7831" y="0"/>
+                  <a:pt x="7803" y="0"/>
+                </a:cubicBezTo>
+                <a:lnTo>
+                  <a:pt x="7275" y="0"/>
+                </a:lnTo>
+                <a:lnTo>
+                  <a:pt x="0" y="70"/>
+                </a:lnTo>
+                <a:cubicBezTo>
+                  <a:pt x="8" y="3380"/>
+                  <a:pt x="17" y="6690"/>
+                  <a:pt x="25" y="10000"/>
+                </a:cubicBezTo>
+                <a:lnTo>
+                  <a:pt x="7275" y="9966"/>
+                </a:lnTo>
+                <a:lnTo>
+                  <a:pt x="7803" y="9966"/>
+                </a:lnTo>
+                <a:cubicBezTo>
+                  <a:pt x="7831" y="9966"/>
+                  <a:pt x="7859" y="9872"/>
+                  <a:pt x="7886" y="9872"/>
+                </a:cubicBezTo>
+                <a:cubicBezTo>
+                  <a:pt x="7886" y="9778"/>
+                  <a:pt x="7915" y="9778"/>
+                  <a:pt x="7915" y="9778"/>
+                </a:cubicBezTo>
+                <a:lnTo>
+                  <a:pt x="9248" y="5265"/>
+                </a:lnTo>
+                <a:cubicBezTo>
+                  <a:pt x="9303" y="5077"/>
+                  <a:pt x="9303" y="4889"/>
+                  <a:pt x="9248" y="4701"/>
+                </a:cubicBezTo>
+                <a:close/>
+              </a:path>
+            </a:pathLst>
+          </a:custGeom>
+          <a:solidFill>
+            <a:schemeClr val="accent1"/>
+          </a:solidFill>
+          <a:ln>
+            <a:noFill/>
+          </a:ln>
+        </p:spPr>
+      </p:sp>
+      <p:sp>
+        <p:nvSpPr>
+          <p:cNvPr id="11" name="Slide Number Placeholder 5"/>
+          <p:cNvSpPr>
+            <a:spLocks noGrp="1"/>
+          </p:cNvSpPr>
+          <p:nvPr>
+            <p:ph type="sldNum" sz="quarter" idx="12"/>
           </p:nvPr>
         </p:nvSpPr>
         <p:spPr>
           <a:xfrm>
-            <a:off x="6172200" y="1825625"/>
-            <a:ext cx="5181600" cy="4351338"/>
+            <a:off x="531812" y="787782"/>
+            <a:ext cx="779767" cy="365125"/>
           </a:xfrm>
         </p:spPr>
-        <p:txBody>
-          <a:bodyPr/>
-          <a:lstStyle/>
-          <a:p>
-            <a:pPr lvl="0"/>
-            <a:r>
-              <a:rPr lang="fr-FR"/>
-              <a:t>Cliquez pour modifier les styles du texte du masque</a:t>
-            </a:r>
-          </a:p>
-          <a:p>
-            <a:pPr lvl="1"/>
-            <a:r>
-              <a:rPr lang="fr-FR"/>
-              <a:t>Deuxième niveau</a:t>
-            </a:r>
-          </a:p>
-          <a:p>
-            <a:pPr lvl="2"/>
-            <a:r>
-              <a:rPr lang="fr-FR"/>
-              <a:t>Troisième niveau</a:t>
-            </a:r>
-          </a:p>
-          <a:p>
-            <a:pPr lvl="3"/>
-            <a:r>
-              <a:rPr lang="fr-FR"/>
-              <a:t>Quatrième niveau</a:t>
-            </a:r>
-          </a:p>
-          <a:p>
-            <a:pPr lvl="4"/>
-            <a:r>
-              <a:rPr lang="fr-FR"/>
-              <a:t>Cinquième niveau</a:t>
-            </a:r>
-          </a:p>
-        </p:txBody>
-      </p:sp>
-      <p:sp>
-        <p:nvSpPr>
-          <p:cNvPr id="5" name="Espace réservé de la date 4">
-            <a:extLst>
-              <a:ext uri="{FF2B5EF4-FFF2-40B4-BE49-F238E27FC236}">
-                <a16:creationId xmlns:a16="http://schemas.microsoft.com/office/drawing/2014/main" id="{087976D0-E4F8-4A05-94F9-732B2D90898C}"/>
-              </a:ext>
-            </a:extLst>
-          </p:cNvPr>
-          <p:cNvSpPr>
-            <a:spLocks noGrp="1"/>
-          </p:cNvSpPr>
-          <p:nvPr>
-            <p:ph type="dt" sz="half" idx="10"/>
-          </p:nvPr>
-        </p:nvSpPr>
-        <p:spPr/>
-        <p:txBody>
-          <a:bodyPr/>
-          <a:lstStyle/>
-          <a:p>
-            <a:fld id="{7A47CF09-9538-47D9-9371-EDA44274715E}" type="datetimeFigureOut">
-              <a:rPr lang="fr-FR" smtClean="0"/>
-              <a:t>26/03/2020</a:t>
-            </a:fld>
-            <a:endParaRPr lang="fr-FR"/>
-          </a:p>
-        </p:txBody>
-      </p:sp>
-      <p:sp>
-        <p:nvSpPr>
-          <p:cNvPr id="6" name="Espace réservé du pied de page 5">
-            <a:extLst>
-              <a:ext uri="{FF2B5EF4-FFF2-40B4-BE49-F238E27FC236}">
-                <a16:creationId xmlns:a16="http://schemas.microsoft.com/office/drawing/2014/main" id="{9C2521F0-3564-4A06-9391-BDE553C4CF54}"/>
-              </a:ext>
-            </a:extLst>
-          </p:cNvPr>
-          <p:cNvSpPr>
-            <a:spLocks noGrp="1"/>
-          </p:cNvSpPr>
-          <p:nvPr>
-            <p:ph type="ftr" sz="quarter" idx="11"/>
-          </p:nvPr>
-        </p:nvSpPr>
-        <p:spPr/>
-        <p:txBody>
-          <a:bodyPr/>
-          <a:lstStyle/>
-          <a:p>
-            <a:endParaRPr lang="fr-FR"/>
-          </a:p>
-        </p:txBody>
-      </p:sp>
-      <p:sp>
-        <p:nvSpPr>
-          <p:cNvPr id="7" name="Espace réservé du numéro de diapositive 6">
-            <a:extLst>
-              <a:ext uri="{FF2B5EF4-FFF2-40B4-BE49-F238E27FC236}">
-                <a16:creationId xmlns:a16="http://schemas.microsoft.com/office/drawing/2014/main" id="{B80B1DD5-8A76-4273-BCD2-C8E46769C90E}"/>
-              </a:ext>
-            </a:extLst>
-          </p:cNvPr>
-          <p:cNvSpPr>
-            <a:spLocks noGrp="1"/>
-          </p:cNvSpPr>
-          <p:nvPr>
-            <p:ph type="sldNum" sz="quarter" idx="12"/>
-          </p:nvPr>
-        </p:nvSpPr>
-        <p:spPr/>
         <p:txBody>
           <a:bodyPr/>
           <a:lstStyle/>
@@ -1461,7 +3669,7 @@
     </p:spTree>
     <p:extLst>
       <p:ext uri="{BB962C8B-B14F-4D97-AF65-F5344CB8AC3E}">
-        <p14:creationId xmlns:p14="http://schemas.microsoft.com/office/powerpoint/2010/main" val="29938978"/>
+        <p14:creationId xmlns:p14="http://schemas.microsoft.com/office/powerpoint/2010/main" val="3439906138"/>
       </p:ext>
     </p:extLst>
   </p:cSld>
@@ -1490,65 +3698,51 @@
       </p:grpSpPr>
       <p:sp>
         <p:nvSpPr>
-          <p:cNvPr id="2" name="Titre 1">
-            <a:extLst>
-              <a:ext uri="{FF2B5EF4-FFF2-40B4-BE49-F238E27FC236}">
-                <a16:creationId xmlns:a16="http://schemas.microsoft.com/office/drawing/2014/main" id="{DB192D95-834E-4423-BC2D-1CB410034E08}"/>
-              </a:ext>
-            </a:extLst>
-          </p:cNvPr>
+          <p:cNvPr id="10" name="Title 9"/>
           <p:cNvSpPr>
             <a:spLocks noGrp="1"/>
           </p:cNvSpPr>
           <p:nvPr>
             <p:ph type="title"/>
+          </p:nvPr>
+        </p:nvSpPr>
+        <p:spPr/>
+        <p:txBody>
+          <a:bodyPr/>
+          <a:lstStyle/>
+          <a:p>
+            <a:r>
+              <a:rPr lang="fr-FR"/>
+              <a:t>Modifiez le style du titre</a:t>
+            </a:r>
+            <a:endParaRPr lang="en-US" dirty="0"/>
+          </a:p>
+        </p:txBody>
+      </p:sp>
+      <p:sp>
+        <p:nvSpPr>
+          <p:cNvPr id="3" name="Text Placeholder 2"/>
+          <p:cNvSpPr>
+            <a:spLocks noGrp="1"/>
+          </p:cNvSpPr>
+          <p:nvPr>
+            <p:ph type="body" idx="1"/>
           </p:nvPr>
         </p:nvSpPr>
         <p:spPr>
           <a:xfrm>
-            <a:off x="839788" y="365125"/>
-            <a:ext cx="10515600" cy="1325563"/>
+            <a:off x="2939373" y="1972703"/>
+            <a:ext cx="3992732" cy="576262"/>
           </a:xfrm>
         </p:spPr>
         <p:txBody>
-          <a:bodyPr/>
-          <a:lstStyle/>
-          <a:p>
-            <a:r>
-              <a:rPr lang="fr-FR"/>
-              <a:t>Modifiez le style du titre</a:t>
-            </a:r>
-          </a:p>
-        </p:txBody>
-      </p:sp>
-      <p:sp>
-        <p:nvSpPr>
-          <p:cNvPr id="3" name="Espace réservé du texte 2">
-            <a:extLst>
-              <a:ext uri="{FF2B5EF4-FFF2-40B4-BE49-F238E27FC236}">
-                <a16:creationId xmlns:a16="http://schemas.microsoft.com/office/drawing/2014/main" id="{C80E0970-87EB-4198-89C5-ED830319EDFD}"/>
-              </a:ext>
-            </a:extLst>
-          </p:cNvPr>
-          <p:cNvSpPr>
-            <a:spLocks noGrp="1"/>
-          </p:cNvSpPr>
-          <p:nvPr>
-            <p:ph type="body" idx="1"/>
-          </p:nvPr>
-        </p:nvSpPr>
-        <p:spPr>
-          <a:xfrm>
-            <a:off x="839788" y="1681163"/>
-            <a:ext cx="5157787" cy="823912"/>
-          </a:xfrm>
-        </p:spPr>
-        <p:txBody>
-          <a:bodyPr anchor="b"/>
+          <a:bodyPr anchor="b">
+            <a:noAutofit/>
+          </a:bodyPr>
           <a:lstStyle>
             <a:lvl1pPr marL="0" indent="0">
               <a:buNone/>
-              <a:defRPr sz="2400" b="1"/>
+              <a:defRPr sz="2400" b="0"/>
             </a:lvl1pPr>
             <a:lvl2pPr marL="457200" indent="0">
               <a:buNone/>
@@ -1594,13 +3788,7 @@
       </p:sp>
       <p:sp>
         <p:nvSpPr>
-          <p:cNvPr id="4" name="Espace réservé du contenu 3">
-            <a:extLst>
-              <a:ext uri="{FF2B5EF4-FFF2-40B4-BE49-F238E27FC236}">
-                <a16:creationId xmlns:a16="http://schemas.microsoft.com/office/drawing/2014/main" id="{380B003A-5ABB-4079-A0BB-64F2ED3542A1}"/>
-              </a:ext>
-            </a:extLst>
-          </p:cNvPr>
+          <p:cNvPr id="4" name="Content Placeholder 3"/>
           <p:cNvSpPr>
             <a:spLocks noGrp="1"/>
           </p:cNvSpPr>
@@ -1610,12 +3798,14 @@
         </p:nvSpPr>
         <p:spPr>
           <a:xfrm>
-            <a:off x="839788" y="2505075"/>
-            <a:ext cx="5157787" cy="3684588"/>
+            <a:off x="2589212" y="2548966"/>
+            <a:ext cx="4342893" cy="3354060"/>
           </a:xfrm>
         </p:spPr>
         <p:txBody>
-          <a:bodyPr/>
+          <a:bodyPr>
+            <a:normAutofit/>
+          </a:bodyPr>
           <a:lstStyle/>
           <a:p>
             <a:pPr lvl="0"/>
@@ -1651,18 +3841,13 @@
               <a:rPr lang="fr-FR"/>
               <a:t>Cinquième niveau</a:t>
             </a:r>
-          </a:p>
-        </p:txBody>
-      </p:sp>
-      <p:sp>
-        <p:nvSpPr>
-          <p:cNvPr id="5" name="Espace réservé du texte 4">
-            <a:extLst>
-              <a:ext uri="{FF2B5EF4-FFF2-40B4-BE49-F238E27FC236}">
-                <a16:creationId xmlns:a16="http://schemas.microsoft.com/office/drawing/2014/main" id="{D4401EE9-9AD6-443C-87E8-B237AF246D3F}"/>
-              </a:ext>
-            </a:extLst>
-          </p:cNvPr>
+            <a:endParaRPr lang="en-US" dirty="0"/>
+          </a:p>
+        </p:txBody>
+      </p:sp>
+      <p:sp>
+        <p:nvSpPr>
+          <p:cNvPr id="5" name="Text Placeholder 4"/>
           <p:cNvSpPr>
             <a:spLocks noGrp="1"/>
           </p:cNvSpPr>
@@ -1672,16 +3857,18 @@
         </p:nvSpPr>
         <p:spPr>
           <a:xfrm>
-            <a:off x="6172200" y="1681163"/>
-            <a:ext cx="5183188" cy="823912"/>
+            <a:off x="7506629" y="1969475"/>
+            <a:ext cx="3999001" cy="576262"/>
           </a:xfrm>
         </p:spPr>
         <p:txBody>
-          <a:bodyPr anchor="b"/>
+          <a:bodyPr anchor="b">
+            <a:noAutofit/>
+          </a:bodyPr>
           <a:lstStyle>
             <a:lvl1pPr marL="0" indent="0">
               <a:buNone/>
-              <a:defRPr sz="2400" b="1"/>
+              <a:defRPr sz="2400" b="0"/>
             </a:lvl1pPr>
             <a:lvl2pPr marL="457200" indent="0">
               <a:buNone/>
@@ -1727,13 +3914,7 @@
       </p:sp>
       <p:sp>
         <p:nvSpPr>
-          <p:cNvPr id="6" name="Espace réservé du contenu 5">
-            <a:extLst>
-              <a:ext uri="{FF2B5EF4-FFF2-40B4-BE49-F238E27FC236}">
-                <a16:creationId xmlns:a16="http://schemas.microsoft.com/office/drawing/2014/main" id="{B3364792-5C11-4E6E-9AA4-D369538609AD}"/>
-              </a:ext>
-            </a:extLst>
-          </p:cNvPr>
+          <p:cNvPr id="6" name="Content Placeholder 5"/>
           <p:cNvSpPr>
             <a:spLocks noGrp="1"/>
           </p:cNvSpPr>
@@ -1743,64 +3924,84 @@
         </p:nvSpPr>
         <p:spPr>
           <a:xfrm>
-            <a:off x="6172200" y="2505075"/>
-            <a:ext cx="5183188" cy="3684588"/>
+            <a:off x="7166957" y="2545738"/>
+            <a:ext cx="4338674" cy="3354060"/>
           </a:xfrm>
         </p:spPr>
         <p:txBody>
+          <a:bodyPr>
+            <a:normAutofit/>
+          </a:bodyPr>
+          <a:lstStyle/>
+          <a:p>
+            <a:pPr lvl="0"/>
+            <a:r>
+              <a:rPr lang="fr-FR"/>
+              <a:t>Cliquez pour modifier les styles du texte du masque</a:t>
+            </a:r>
+          </a:p>
+          <a:p>
+            <a:pPr lvl="1"/>
+            <a:r>
+              <a:rPr lang="fr-FR"/>
+              <a:t>Deuxième niveau</a:t>
+            </a:r>
+          </a:p>
+          <a:p>
+            <a:pPr lvl="2"/>
+            <a:r>
+              <a:rPr lang="fr-FR"/>
+              <a:t>Troisième niveau</a:t>
+            </a:r>
+          </a:p>
+          <a:p>
+            <a:pPr lvl="3"/>
+            <a:r>
+              <a:rPr lang="fr-FR"/>
+              <a:t>Quatrième niveau</a:t>
+            </a:r>
+          </a:p>
+          <a:p>
+            <a:pPr lvl="4"/>
+            <a:r>
+              <a:rPr lang="fr-FR"/>
+              <a:t>Cinquième niveau</a:t>
+            </a:r>
+            <a:endParaRPr lang="en-US" dirty="0"/>
+          </a:p>
+        </p:txBody>
+      </p:sp>
+      <p:sp>
+        <p:nvSpPr>
+          <p:cNvPr id="7" name="Date Placeholder 6"/>
+          <p:cNvSpPr>
+            <a:spLocks noGrp="1"/>
+          </p:cNvSpPr>
+          <p:nvPr>
+            <p:ph type="dt" sz="half" idx="10"/>
+          </p:nvPr>
+        </p:nvSpPr>
+        <p:spPr/>
+        <p:txBody>
           <a:bodyPr/>
           <a:lstStyle/>
           <a:p>
-            <a:pPr lvl="0"/>
-            <a:r>
-              <a:rPr lang="fr-FR"/>
-              <a:t>Cliquez pour modifier les styles du texte du masque</a:t>
-            </a:r>
-          </a:p>
-          <a:p>
-            <a:pPr lvl="1"/>
-            <a:r>
-              <a:rPr lang="fr-FR"/>
-              <a:t>Deuxième niveau</a:t>
-            </a:r>
-          </a:p>
-          <a:p>
-            <a:pPr lvl="2"/>
-            <a:r>
-              <a:rPr lang="fr-FR"/>
-              <a:t>Troisième niveau</a:t>
-            </a:r>
-          </a:p>
-          <a:p>
-            <a:pPr lvl="3"/>
-            <a:r>
-              <a:rPr lang="fr-FR"/>
-              <a:t>Quatrième niveau</a:t>
-            </a:r>
-          </a:p>
-          <a:p>
-            <a:pPr lvl="4"/>
-            <a:r>
-              <a:rPr lang="fr-FR"/>
-              <a:t>Cinquième niveau</a:t>
-            </a:r>
-          </a:p>
-        </p:txBody>
-      </p:sp>
-      <p:sp>
-        <p:nvSpPr>
-          <p:cNvPr id="7" name="Espace réservé de la date 6">
-            <a:extLst>
-              <a:ext uri="{FF2B5EF4-FFF2-40B4-BE49-F238E27FC236}">
-                <a16:creationId xmlns:a16="http://schemas.microsoft.com/office/drawing/2014/main" id="{2E3E42C7-3EF6-44FB-9958-24941337CBB1}"/>
-              </a:ext>
-            </a:extLst>
-          </p:cNvPr>
-          <p:cNvSpPr>
-            <a:spLocks noGrp="1"/>
-          </p:cNvSpPr>
-          <p:nvPr>
-            <p:ph type="dt" sz="half" idx="10"/>
+            <a:fld id="{7A47CF09-9538-47D9-9371-EDA44274715E}" type="datetimeFigureOut">
+              <a:rPr lang="fr-FR" smtClean="0"/>
+              <a:t>29/03/2020</a:t>
+            </a:fld>
+            <a:endParaRPr lang="fr-FR"/>
+          </a:p>
+        </p:txBody>
+      </p:sp>
+      <p:sp>
+        <p:nvSpPr>
+          <p:cNvPr id="8" name="Footer Placeholder 7"/>
+          <p:cNvSpPr>
+            <a:spLocks noGrp="1"/>
+          </p:cNvSpPr>
+          <p:nvPr>
+            <p:ph type="ftr" sz="quarter" idx="11"/>
           </p:nvPr>
         </p:nvSpPr>
         <p:spPr/>
@@ -1808,48 +4009,95 @@
           <a:bodyPr/>
           <a:lstStyle/>
           <a:p>
-            <a:fld id="{7A47CF09-9538-47D9-9371-EDA44274715E}" type="datetimeFigureOut">
-              <a:rPr lang="fr-FR" smtClean="0"/>
-              <a:t>26/03/2020</a:t>
-            </a:fld>
             <a:endParaRPr lang="fr-FR"/>
           </a:p>
         </p:txBody>
       </p:sp>
       <p:sp>
         <p:nvSpPr>
-          <p:cNvPr id="8" name="Espace réservé du pied de page 7">
-            <a:extLst>
-              <a:ext uri="{FF2B5EF4-FFF2-40B4-BE49-F238E27FC236}">
-                <a16:creationId xmlns:a16="http://schemas.microsoft.com/office/drawing/2014/main" id="{E750A415-C59C-4A93-9715-A05A7545B6BB}"/>
-              </a:ext>
-            </a:extLst>
-          </p:cNvPr>
-          <p:cNvSpPr>
-            <a:spLocks noGrp="1"/>
-          </p:cNvSpPr>
-          <p:nvPr>
-            <p:ph type="ftr" sz="quarter" idx="11"/>
-          </p:nvPr>
-        </p:nvSpPr>
-        <p:spPr/>
-        <p:txBody>
-          <a:bodyPr/>
-          <a:lstStyle/>
-          <a:p>
-            <a:endParaRPr lang="fr-FR"/>
-          </a:p>
-        </p:txBody>
-      </p:sp>
-      <p:sp>
-        <p:nvSpPr>
-          <p:cNvPr id="9" name="Espace réservé du numéro de diapositive 8">
-            <a:extLst>
-              <a:ext uri="{FF2B5EF4-FFF2-40B4-BE49-F238E27FC236}">
-                <a16:creationId xmlns:a16="http://schemas.microsoft.com/office/drawing/2014/main" id="{87DCDE36-7E01-41CF-A0BE-F9329E931286}"/>
-              </a:ext>
-            </a:extLst>
-          </p:cNvPr>
+          <p:cNvPr id="12" name="Freeform 11"/>
+          <p:cNvSpPr/>
+          <p:nvPr/>
+        </p:nvSpPr>
+        <p:spPr bwMode="auto">
+          <a:xfrm flipV="1">
+            <a:off x="-4189" y="714375"/>
+            <a:ext cx="1588527" cy="507297"/>
+          </a:xfrm>
+          <a:custGeom>
+            <a:avLst/>
+            <a:gdLst/>
+            <a:ahLst/>
+            <a:cxnLst/>
+            <a:rect l="l" t="t" r="r" b="b"/>
+            <a:pathLst>
+              <a:path w="9248" h="10000">
+                <a:moveTo>
+                  <a:pt x="9248" y="4701"/>
+                </a:moveTo>
+                <a:lnTo>
+                  <a:pt x="7915" y="188"/>
+                </a:lnTo>
+                <a:cubicBezTo>
+                  <a:pt x="7906" y="156"/>
+                  <a:pt x="7895" y="126"/>
+                  <a:pt x="7886" y="94"/>
+                </a:cubicBezTo>
+                <a:cubicBezTo>
+                  <a:pt x="7859" y="0"/>
+                  <a:pt x="7831" y="0"/>
+                  <a:pt x="7803" y="0"/>
+                </a:cubicBezTo>
+                <a:lnTo>
+                  <a:pt x="7275" y="0"/>
+                </a:lnTo>
+                <a:lnTo>
+                  <a:pt x="0" y="70"/>
+                </a:lnTo>
+                <a:cubicBezTo>
+                  <a:pt x="8" y="3380"/>
+                  <a:pt x="17" y="6690"/>
+                  <a:pt x="25" y="10000"/>
+                </a:cubicBezTo>
+                <a:lnTo>
+                  <a:pt x="7275" y="9966"/>
+                </a:lnTo>
+                <a:lnTo>
+                  <a:pt x="7803" y="9966"/>
+                </a:lnTo>
+                <a:cubicBezTo>
+                  <a:pt x="7831" y="9966"/>
+                  <a:pt x="7859" y="9872"/>
+                  <a:pt x="7886" y="9872"/>
+                </a:cubicBezTo>
+                <a:cubicBezTo>
+                  <a:pt x="7886" y="9778"/>
+                  <a:pt x="7915" y="9778"/>
+                  <a:pt x="7915" y="9778"/>
+                </a:cubicBezTo>
+                <a:lnTo>
+                  <a:pt x="9248" y="5265"/>
+                </a:lnTo>
+                <a:cubicBezTo>
+                  <a:pt x="9303" y="5077"/>
+                  <a:pt x="9303" y="4889"/>
+                  <a:pt x="9248" y="4701"/>
+                </a:cubicBezTo>
+                <a:close/>
+              </a:path>
+            </a:pathLst>
+          </a:custGeom>
+          <a:solidFill>
+            <a:schemeClr val="accent1"/>
+          </a:solidFill>
+          <a:ln>
+            <a:noFill/>
+          </a:ln>
+        </p:spPr>
+      </p:sp>
+      <p:sp>
+        <p:nvSpPr>
+          <p:cNvPr id="13" name="Slide Number Placeholder 5"/>
           <p:cNvSpPr>
             <a:spLocks noGrp="1"/>
           </p:cNvSpPr>
@@ -1857,7 +4105,12 @@
             <p:ph type="sldNum" sz="quarter" idx="12"/>
           </p:nvPr>
         </p:nvSpPr>
-        <p:spPr/>
+        <p:spPr>
+          <a:xfrm>
+            <a:off x="531812" y="787782"/>
+            <a:ext cx="779767" cy="365125"/>
+          </a:xfrm>
+        </p:spPr>
         <p:txBody>
           <a:bodyPr/>
           <a:lstStyle/>
@@ -1873,7 +4126,7 @@
     </p:spTree>
     <p:extLst>
       <p:ext uri="{BB962C8B-B14F-4D97-AF65-F5344CB8AC3E}">
-        <p14:creationId xmlns:p14="http://schemas.microsoft.com/office/powerpoint/2010/main" val="3016485025"/>
+        <p14:creationId xmlns:p14="http://schemas.microsoft.com/office/powerpoint/2010/main" val="1019131981"/>
       </p:ext>
     </p:extLst>
   </p:cSld>
@@ -1902,13 +4155,7 @@
       </p:grpSpPr>
       <p:sp>
         <p:nvSpPr>
-          <p:cNvPr id="2" name="Titre 1">
-            <a:extLst>
-              <a:ext uri="{FF2B5EF4-FFF2-40B4-BE49-F238E27FC236}">
-                <a16:creationId xmlns:a16="http://schemas.microsoft.com/office/drawing/2014/main" id="{70968531-B8F0-4D41-8BA5-3230FA8C0343}"/>
-              </a:ext>
-            </a:extLst>
-          </p:cNvPr>
+          <p:cNvPr id="2" name="Title 1"/>
           <p:cNvSpPr>
             <a:spLocks noGrp="1"/>
           </p:cNvSpPr>
@@ -1925,18 +4172,13 @@
               <a:rPr lang="fr-FR"/>
               <a:t>Modifiez le style du titre</a:t>
             </a:r>
-          </a:p>
-        </p:txBody>
-      </p:sp>
-      <p:sp>
-        <p:nvSpPr>
-          <p:cNvPr id="3" name="Espace réservé de la date 2">
-            <a:extLst>
-              <a:ext uri="{FF2B5EF4-FFF2-40B4-BE49-F238E27FC236}">
-                <a16:creationId xmlns:a16="http://schemas.microsoft.com/office/drawing/2014/main" id="{6E137206-8AE8-4112-AA80-EA22A7D5D3BB}"/>
-              </a:ext>
-            </a:extLst>
-          </p:cNvPr>
+            <a:endParaRPr lang="en-US" dirty="0"/>
+          </a:p>
+        </p:txBody>
+      </p:sp>
+      <p:sp>
+        <p:nvSpPr>
+          <p:cNvPr id="3" name="Date Placeholder 2"/>
           <p:cNvSpPr>
             <a:spLocks noGrp="1"/>
           </p:cNvSpPr>
@@ -1951,7 +4193,7 @@
           <a:p>
             <a:fld id="{7A47CF09-9538-47D9-9371-EDA44274715E}" type="datetimeFigureOut">
               <a:rPr lang="fr-FR" smtClean="0"/>
-              <a:t>26/03/2020</a:t>
+              <a:t>29/03/2020</a:t>
             </a:fld>
             <a:endParaRPr lang="fr-FR"/>
           </a:p>
@@ -1959,13 +4201,7 @@
       </p:sp>
       <p:sp>
         <p:nvSpPr>
-          <p:cNvPr id="4" name="Espace réservé du pied de page 3">
-            <a:extLst>
-              <a:ext uri="{FF2B5EF4-FFF2-40B4-BE49-F238E27FC236}">
-                <a16:creationId xmlns:a16="http://schemas.microsoft.com/office/drawing/2014/main" id="{5DF2678D-3F8F-4604-8F70-71DAB9217254}"/>
-              </a:ext>
-            </a:extLst>
-          </p:cNvPr>
+          <p:cNvPr id="4" name="Footer Placeholder 3"/>
           <p:cNvSpPr>
             <a:spLocks noGrp="1"/>
           </p:cNvSpPr>
@@ -1984,13 +4220,89 @@
       </p:sp>
       <p:sp>
         <p:nvSpPr>
-          <p:cNvPr id="5" name="Espace réservé du numéro de diapositive 4">
-            <a:extLst>
-              <a:ext uri="{FF2B5EF4-FFF2-40B4-BE49-F238E27FC236}">
-                <a16:creationId xmlns:a16="http://schemas.microsoft.com/office/drawing/2014/main" id="{B150CB94-A904-4DAD-BFB2-453CD1DDC0D4}"/>
-              </a:ext>
-            </a:extLst>
-          </p:cNvPr>
+          <p:cNvPr id="7" name="Freeform 11"/>
+          <p:cNvSpPr/>
+          <p:nvPr/>
+        </p:nvSpPr>
+        <p:spPr bwMode="auto">
+          <a:xfrm flipV="1">
+            <a:off x="-4189" y="714375"/>
+            <a:ext cx="1588527" cy="507297"/>
+          </a:xfrm>
+          <a:custGeom>
+            <a:avLst/>
+            <a:gdLst/>
+            <a:ahLst/>
+            <a:cxnLst/>
+            <a:rect l="l" t="t" r="r" b="b"/>
+            <a:pathLst>
+              <a:path w="9248" h="10000">
+                <a:moveTo>
+                  <a:pt x="9248" y="4701"/>
+                </a:moveTo>
+                <a:lnTo>
+                  <a:pt x="7915" y="188"/>
+                </a:lnTo>
+                <a:cubicBezTo>
+                  <a:pt x="7906" y="156"/>
+                  <a:pt x="7895" y="126"/>
+                  <a:pt x="7886" y="94"/>
+                </a:cubicBezTo>
+                <a:cubicBezTo>
+                  <a:pt x="7859" y="0"/>
+                  <a:pt x="7831" y="0"/>
+                  <a:pt x="7803" y="0"/>
+                </a:cubicBezTo>
+                <a:lnTo>
+                  <a:pt x="7275" y="0"/>
+                </a:lnTo>
+                <a:lnTo>
+                  <a:pt x="0" y="70"/>
+                </a:lnTo>
+                <a:cubicBezTo>
+                  <a:pt x="8" y="3380"/>
+                  <a:pt x="17" y="6690"/>
+                  <a:pt x="25" y="10000"/>
+                </a:cubicBezTo>
+                <a:lnTo>
+                  <a:pt x="7275" y="9966"/>
+                </a:lnTo>
+                <a:lnTo>
+                  <a:pt x="7803" y="9966"/>
+                </a:lnTo>
+                <a:cubicBezTo>
+                  <a:pt x="7831" y="9966"/>
+                  <a:pt x="7859" y="9872"/>
+                  <a:pt x="7886" y="9872"/>
+                </a:cubicBezTo>
+                <a:cubicBezTo>
+                  <a:pt x="7886" y="9778"/>
+                  <a:pt x="7915" y="9778"/>
+                  <a:pt x="7915" y="9778"/>
+                </a:cubicBezTo>
+                <a:lnTo>
+                  <a:pt x="9248" y="5265"/>
+                </a:lnTo>
+                <a:cubicBezTo>
+                  <a:pt x="9303" y="5077"/>
+                  <a:pt x="9303" y="4889"/>
+                  <a:pt x="9248" y="4701"/>
+                </a:cubicBezTo>
+                <a:close/>
+              </a:path>
+            </a:pathLst>
+          </a:custGeom>
+          <a:solidFill>
+            <a:schemeClr val="accent1"/>
+          </a:solidFill>
+          <a:ln>
+            <a:noFill/>
+          </a:ln>
+        </p:spPr>
+      </p:sp>
+      <p:sp>
+        <p:nvSpPr>
+          <p:cNvPr id="5" name="Slide Number Placeholder 4"/>
           <p:cNvSpPr>
             <a:spLocks noGrp="1"/>
           </p:cNvSpPr>
@@ -2014,7 +4326,7 @@
     </p:spTree>
     <p:extLst>
       <p:ext uri="{BB962C8B-B14F-4D97-AF65-F5344CB8AC3E}">
-        <p14:creationId xmlns:p14="http://schemas.microsoft.com/office/powerpoint/2010/main" val="1065664088"/>
+        <p14:creationId xmlns:p14="http://schemas.microsoft.com/office/powerpoint/2010/main" val="1921828459"/>
       </p:ext>
     </p:extLst>
   </p:cSld>
@@ -2043,13 +4355,7 @@
       </p:grpSpPr>
       <p:sp>
         <p:nvSpPr>
-          <p:cNvPr id="2" name="Espace réservé de la date 1">
-            <a:extLst>
-              <a:ext uri="{FF2B5EF4-FFF2-40B4-BE49-F238E27FC236}">
-                <a16:creationId xmlns:a16="http://schemas.microsoft.com/office/drawing/2014/main" id="{BE9EC84B-62BB-478C-AE3E-D32AAFC1DA84}"/>
-              </a:ext>
-            </a:extLst>
-          </p:cNvPr>
+          <p:cNvPr id="2" name="Date Placeholder 1"/>
           <p:cNvSpPr>
             <a:spLocks noGrp="1"/>
           </p:cNvSpPr>
@@ -2064,7 +4370,7 @@
           <a:p>
             <a:fld id="{7A47CF09-9538-47D9-9371-EDA44274715E}" type="datetimeFigureOut">
               <a:rPr lang="fr-FR" smtClean="0"/>
-              <a:t>26/03/2020</a:t>
+              <a:t>29/03/2020</a:t>
             </a:fld>
             <a:endParaRPr lang="fr-FR"/>
           </a:p>
@@ -2072,13 +4378,7 @@
       </p:sp>
       <p:sp>
         <p:nvSpPr>
-          <p:cNvPr id="3" name="Espace réservé du pied de page 2">
-            <a:extLst>
-              <a:ext uri="{FF2B5EF4-FFF2-40B4-BE49-F238E27FC236}">
-                <a16:creationId xmlns:a16="http://schemas.microsoft.com/office/drawing/2014/main" id="{145F6577-5F1A-42B4-A754-65211F8C5658}"/>
-              </a:ext>
-            </a:extLst>
-          </p:cNvPr>
+          <p:cNvPr id="3" name="Footer Placeholder 2"/>
           <p:cNvSpPr>
             <a:spLocks noGrp="1"/>
           </p:cNvSpPr>
@@ -2097,13 +4397,89 @@
       </p:sp>
       <p:sp>
         <p:nvSpPr>
-          <p:cNvPr id="4" name="Espace réservé du numéro de diapositive 3">
-            <a:extLst>
-              <a:ext uri="{FF2B5EF4-FFF2-40B4-BE49-F238E27FC236}">
-                <a16:creationId xmlns:a16="http://schemas.microsoft.com/office/drawing/2014/main" id="{72735D16-7B4F-4943-8C15-96349CED6003}"/>
-              </a:ext>
-            </a:extLst>
-          </p:cNvPr>
+          <p:cNvPr id="6" name="Freeform 11"/>
+          <p:cNvSpPr/>
+          <p:nvPr/>
+        </p:nvSpPr>
+        <p:spPr bwMode="auto">
+          <a:xfrm flipV="1">
+            <a:off x="-4189" y="714375"/>
+            <a:ext cx="1588527" cy="507297"/>
+          </a:xfrm>
+          <a:custGeom>
+            <a:avLst/>
+            <a:gdLst/>
+            <a:ahLst/>
+            <a:cxnLst/>
+            <a:rect l="l" t="t" r="r" b="b"/>
+            <a:pathLst>
+              <a:path w="9248" h="10000">
+                <a:moveTo>
+                  <a:pt x="9248" y="4701"/>
+                </a:moveTo>
+                <a:lnTo>
+                  <a:pt x="7915" y="188"/>
+                </a:lnTo>
+                <a:cubicBezTo>
+                  <a:pt x="7906" y="156"/>
+                  <a:pt x="7895" y="126"/>
+                  <a:pt x="7886" y="94"/>
+                </a:cubicBezTo>
+                <a:cubicBezTo>
+                  <a:pt x="7859" y="0"/>
+                  <a:pt x="7831" y="0"/>
+                  <a:pt x="7803" y="0"/>
+                </a:cubicBezTo>
+                <a:lnTo>
+                  <a:pt x="7275" y="0"/>
+                </a:lnTo>
+                <a:lnTo>
+                  <a:pt x="0" y="70"/>
+                </a:lnTo>
+                <a:cubicBezTo>
+                  <a:pt x="8" y="3380"/>
+                  <a:pt x="17" y="6690"/>
+                  <a:pt x="25" y="10000"/>
+                </a:cubicBezTo>
+                <a:lnTo>
+                  <a:pt x="7275" y="9966"/>
+                </a:lnTo>
+                <a:lnTo>
+                  <a:pt x="7803" y="9966"/>
+                </a:lnTo>
+                <a:cubicBezTo>
+                  <a:pt x="7831" y="9966"/>
+                  <a:pt x="7859" y="9872"/>
+                  <a:pt x="7886" y="9872"/>
+                </a:cubicBezTo>
+                <a:cubicBezTo>
+                  <a:pt x="7886" y="9778"/>
+                  <a:pt x="7915" y="9778"/>
+                  <a:pt x="7915" y="9778"/>
+                </a:cubicBezTo>
+                <a:lnTo>
+                  <a:pt x="9248" y="5265"/>
+                </a:lnTo>
+                <a:cubicBezTo>
+                  <a:pt x="9303" y="5077"/>
+                  <a:pt x="9303" y="4889"/>
+                  <a:pt x="9248" y="4701"/>
+                </a:cubicBezTo>
+                <a:close/>
+              </a:path>
+            </a:pathLst>
+          </a:custGeom>
+          <a:solidFill>
+            <a:schemeClr val="accent1"/>
+          </a:solidFill>
+          <a:ln>
+            <a:noFill/>
+          </a:ln>
+        </p:spPr>
+      </p:sp>
+      <p:sp>
+        <p:nvSpPr>
+          <p:cNvPr id="4" name="Slide Number Placeholder 3"/>
           <p:cNvSpPr>
             <a:spLocks noGrp="1"/>
           </p:cNvSpPr>
@@ -2127,7 +4503,7 @@
     </p:spTree>
     <p:extLst>
       <p:ext uri="{BB962C8B-B14F-4D97-AF65-F5344CB8AC3E}">
-        <p14:creationId xmlns:p14="http://schemas.microsoft.com/office/powerpoint/2010/main" val="2045675914"/>
+        <p14:creationId xmlns:p14="http://schemas.microsoft.com/office/powerpoint/2010/main" val="3595626151"/>
       </p:ext>
     </p:extLst>
   </p:cSld>
@@ -2156,13 +4532,7 @@
       </p:grpSpPr>
       <p:sp>
         <p:nvSpPr>
-          <p:cNvPr id="2" name="Titre 1">
-            <a:extLst>
-              <a:ext uri="{FF2B5EF4-FFF2-40B4-BE49-F238E27FC236}">
-                <a16:creationId xmlns:a16="http://schemas.microsoft.com/office/drawing/2014/main" id="{D113F668-2067-4AA7-ABBB-7E832013178A}"/>
-              </a:ext>
-            </a:extLst>
-          </p:cNvPr>
+          <p:cNvPr id="2" name="Title 1"/>
           <p:cNvSpPr>
             <a:spLocks noGrp="1"/>
           </p:cNvSpPr>
@@ -2172,15 +4542,15 @@
         </p:nvSpPr>
         <p:spPr>
           <a:xfrm>
-            <a:off x="839788" y="457200"/>
-            <a:ext cx="3932237" cy="1600200"/>
+            <a:off x="2589212" y="446088"/>
+            <a:ext cx="3505199" cy="976312"/>
           </a:xfrm>
         </p:spPr>
         <p:txBody>
           <a:bodyPr anchor="b"/>
           <a:lstStyle>
-            <a:lvl1pPr>
-              <a:defRPr sz="3200"/>
+            <a:lvl1pPr algn="l">
+              <a:defRPr sz="2000" b="0"/>
             </a:lvl1pPr>
           </a:lstStyle>
           <a:p>
@@ -2188,18 +4558,13 @@
               <a:rPr lang="fr-FR"/>
               <a:t>Modifiez le style du titre</a:t>
             </a:r>
-          </a:p>
-        </p:txBody>
-      </p:sp>
-      <p:sp>
-        <p:nvSpPr>
-          <p:cNvPr id="3" name="Espace réservé du contenu 2">
-            <a:extLst>
-              <a:ext uri="{FF2B5EF4-FFF2-40B4-BE49-F238E27FC236}">
-                <a16:creationId xmlns:a16="http://schemas.microsoft.com/office/drawing/2014/main" id="{324645EB-BD0B-4F22-92BA-362C5A749B77}"/>
-              </a:ext>
-            </a:extLst>
-          </p:cNvPr>
+            <a:endParaRPr lang="en-US" dirty="0"/>
+          </a:p>
+        </p:txBody>
+      </p:sp>
+      <p:sp>
+        <p:nvSpPr>
+          <p:cNvPr id="3" name="Content Placeholder 2"/>
           <p:cNvSpPr>
             <a:spLocks noGrp="1"/>
           </p:cNvSpPr>
@@ -2209,41 +4574,15 @@
         </p:nvSpPr>
         <p:spPr>
           <a:xfrm>
-            <a:off x="5183188" y="987425"/>
-            <a:ext cx="6172200" cy="4873625"/>
+            <a:off x="6323012" y="446088"/>
+            <a:ext cx="5181600" cy="5414963"/>
           </a:xfrm>
         </p:spPr>
         <p:txBody>
-          <a:bodyPr/>
-          <a:lstStyle>
-            <a:lvl1pPr>
-              <a:defRPr sz="3200"/>
-            </a:lvl1pPr>
-            <a:lvl2pPr>
-              <a:defRPr sz="2800"/>
-            </a:lvl2pPr>
-            <a:lvl3pPr>
-              <a:defRPr sz="2400"/>
-            </a:lvl3pPr>
-            <a:lvl4pPr>
-              <a:defRPr sz="2000"/>
-            </a:lvl4pPr>
-            <a:lvl5pPr>
-              <a:defRPr sz="2000"/>
-            </a:lvl5pPr>
-            <a:lvl6pPr>
-              <a:defRPr sz="2000"/>
-            </a:lvl6pPr>
-            <a:lvl7pPr>
-              <a:defRPr sz="2000"/>
-            </a:lvl7pPr>
-            <a:lvl8pPr>
-              <a:defRPr sz="2000"/>
-            </a:lvl8pPr>
-            <a:lvl9pPr>
-              <a:defRPr sz="2000"/>
-            </a:lvl9pPr>
-          </a:lstStyle>
+          <a:bodyPr anchor="ctr">
+            <a:normAutofit/>
+          </a:bodyPr>
+          <a:lstStyle/>
           <a:p>
             <a:pPr lvl="0"/>
             <a:r>
@@ -2278,18 +4617,13 @@
               <a:rPr lang="fr-FR"/>
               <a:t>Cinquième niveau</a:t>
             </a:r>
-          </a:p>
-        </p:txBody>
-      </p:sp>
-      <p:sp>
-        <p:nvSpPr>
-          <p:cNvPr id="4" name="Espace réservé du texte 3">
-            <a:extLst>
-              <a:ext uri="{FF2B5EF4-FFF2-40B4-BE49-F238E27FC236}">
-                <a16:creationId xmlns:a16="http://schemas.microsoft.com/office/drawing/2014/main" id="{43C8673B-A233-4B83-BFEB-18D5E58D4FD5}"/>
-              </a:ext>
-            </a:extLst>
-          </p:cNvPr>
+            <a:endParaRPr lang="en-US" dirty="0"/>
+          </a:p>
+        </p:txBody>
+      </p:sp>
+      <p:sp>
+        <p:nvSpPr>
+          <p:cNvPr id="4" name="Text Placeholder 3"/>
           <p:cNvSpPr>
             <a:spLocks noGrp="1"/>
           </p:cNvSpPr>
@@ -2299,8 +4633,8 @@
         </p:nvSpPr>
         <p:spPr>
           <a:xfrm>
-            <a:off x="839788" y="2057400"/>
-            <a:ext cx="3932237" cy="3811588"/>
+            <a:off x="2589212" y="1598613"/>
+            <a:ext cx="3505199" cy="4262436"/>
           </a:xfrm>
         </p:spPr>
         <p:txBody>
@@ -2308,39 +4642,39 @@
           <a:lstStyle>
             <a:lvl1pPr marL="0" indent="0">
               <a:buNone/>
-              <a:defRPr sz="1600"/>
+              <a:defRPr sz="1400"/>
             </a:lvl1pPr>
             <a:lvl2pPr marL="457200" indent="0">
               <a:buNone/>
-              <a:defRPr sz="1400"/>
+              <a:defRPr sz="1200"/>
             </a:lvl2pPr>
             <a:lvl3pPr marL="914400" indent="0">
               <a:buNone/>
-              <a:defRPr sz="1200"/>
+              <a:defRPr sz="1000"/>
             </a:lvl3pPr>
             <a:lvl4pPr marL="1371600" indent="0">
               <a:buNone/>
-              <a:defRPr sz="1000"/>
+              <a:defRPr sz="900"/>
             </a:lvl4pPr>
             <a:lvl5pPr marL="1828800" indent="0">
               <a:buNone/>
-              <a:defRPr sz="1000"/>
+              <a:defRPr sz="900"/>
             </a:lvl5pPr>
             <a:lvl6pPr marL="2286000" indent="0">
               <a:buNone/>
-              <a:defRPr sz="1000"/>
+              <a:defRPr sz="900"/>
             </a:lvl6pPr>
             <a:lvl7pPr marL="2743200" indent="0">
               <a:buNone/>
-              <a:defRPr sz="1000"/>
+              <a:defRPr sz="900"/>
             </a:lvl7pPr>
             <a:lvl8pPr marL="3200400" indent="0">
               <a:buNone/>
-              <a:defRPr sz="1000"/>
+              <a:defRPr sz="900"/>
             </a:lvl8pPr>
             <a:lvl9pPr marL="3657600" indent="0">
               <a:buNone/>
-              <a:defRPr sz="1000"/>
+              <a:defRPr sz="900"/>
             </a:lvl9pPr>
           </a:lstStyle>
           <a:p>
@@ -2354,13 +4688,7 @@
       </p:sp>
       <p:sp>
         <p:nvSpPr>
-          <p:cNvPr id="5" name="Espace réservé de la date 4">
-            <a:extLst>
-              <a:ext uri="{FF2B5EF4-FFF2-40B4-BE49-F238E27FC236}">
-                <a16:creationId xmlns:a16="http://schemas.microsoft.com/office/drawing/2014/main" id="{41A971AC-8CAC-4C8E-A811-199416F0FCDD}"/>
-              </a:ext>
-            </a:extLst>
-          </p:cNvPr>
+          <p:cNvPr id="5" name="Date Placeholder 4"/>
           <p:cNvSpPr>
             <a:spLocks noGrp="1"/>
           </p:cNvSpPr>
@@ -2375,7 +4703,7 @@
           <a:p>
             <a:fld id="{7A47CF09-9538-47D9-9371-EDA44274715E}" type="datetimeFigureOut">
               <a:rPr lang="fr-FR" smtClean="0"/>
-              <a:t>26/03/2020</a:t>
+              <a:t>29/03/2020</a:t>
             </a:fld>
             <a:endParaRPr lang="fr-FR"/>
           </a:p>
@@ -2383,13 +4711,7 @@
       </p:sp>
       <p:sp>
         <p:nvSpPr>
-          <p:cNvPr id="6" name="Espace réservé du pied de page 5">
-            <a:extLst>
-              <a:ext uri="{FF2B5EF4-FFF2-40B4-BE49-F238E27FC236}">
-                <a16:creationId xmlns:a16="http://schemas.microsoft.com/office/drawing/2014/main" id="{434DDA9A-9DBC-4777-87FA-BDFA42ECED89}"/>
-              </a:ext>
-            </a:extLst>
-          </p:cNvPr>
+          <p:cNvPr id="6" name="Footer Placeholder 5"/>
           <p:cNvSpPr>
             <a:spLocks noGrp="1"/>
           </p:cNvSpPr>
@@ -2408,13 +4730,89 @@
       </p:sp>
       <p:sp>
         <p:nvSpPr>
-          <p:cNvPr id="7" name="Espace réservé du numéro de diapositive 6">
-            <a:extLst>
-              <a:ext uri="{FF2B5EF4-FFF2-40B4-BE49-F238E27FC236}">
-                <a16:creationId xmlns:a16="http://schemas.microsoft.com/office/drawing/2014/main" id="{ED257D4B-249B-4CDF-BC46-97800584DA8D}"/>
-              </a:ext>
-            </a:extLst>
-          </p:cNvPr>
+          <p:cNvPr id="9" name="Freeform 11"/>
+          <p:cNvSpPr/>
+          <p:nvPr/>
+        </p:nvSpPr>
+        <p:spPr bwMode="auto">
+          <a:xfrm flipV="1">
+            <a:off x="-4189" y="714375"/>
+            <a:ext cx="1588527" cy="507297"/>
+          </a:xfrm>
+          <a:custGeom>
+            <a:avLst/>
+            <a:gdLst/>
+            <a:ahLst/>
+            <a:cxnLst/>
+            <a:rect l="l" t="t" r="r" b="b"/>
+            <a:pathLst>
+              <a:path w="9248" h="10000">
+                <a:moveTo>
+                  <a:pt x="9248" y="4701"/>
+                </a:moveTo>
+                <a:lnTo>
+                  <a:pt x="7915" y="188"/>
+                </a:lnTo>
+                <a:cubicBezTo>
+                  <a:pt x="7906" y="156"/>
+                  <a:pt x="7895" y="126"/>
+                  <a:pt x="7886" y="94"/>
+                </a:cubicBezTo>
+                <a:cubicBezTo>
+                  <a:pt x="7859" y="0"/>
+                  <a:pt x="7831" y="0"/>
+                  <a:pt x="7803" y="0"/>
+                </a:cubicBezTo>
+                <a:lnTo>
+                  <a:pt x="7275" y="0"/>
+                </a:lnTo>
+                <a:lnTo>
+                  <a:pt x="0" y="70"/>
+                </a:lnTo>
+                <a:cubicBezTo>
+                  <a:pt x="8" y="3380"/>
+                  <a:pt x="17" y="6690"/>
+                  <a:pt x="25" y="10000"/>
+                </a:cubicBezTo>
+                <a:lnTo>
+                  <a:pt x="7275" y="9966"/>
+                </a:lnTo>
+                <a:lnTo>
+                  <a:pt x="7803" y="9966"/>
+                </a:lnTo>
+                <a:cubicBezTo>
+                  <a:pt x="7831" y="9966"/>
+                  <a:pt x="7859" y="9872"/>
+                  <a:pt x="7886" y="9872"/>
+                </a:cubicBezTo>
+                <a:cubicBezTo>
+                  <a:pt x="7886" y="9778"/>
+                  <a:pt x="7915" y="9778"/>
+                  <a:pt x="7915" y="9778"/>
+                </a:cubicBezTo>
+                <a:lnTo>
+                  <a:pt x="9248" y="5265"/>
+                </a:lnTo>
+                <a:cubicBezTo>
+                  <a:pt x="9303" y="5077"/>
+                  <a:pt x="9303" y="4889"/>
+                  <a:pt x="9248" y="4701"/>
+                </a:cubicBezTo>
+                <a:close/>
+              </a:path>
+            </a:pathLst>
+          </a:custGeom>
+          <a:solidFill>
+            <a:schemeClr val="accent1"/>
+          </a:solidFill>
+          <a:ln>
+            <a:noFill/>
+          </a:ln>
+        </p:spPr>
+      </p:sp>
+      <p:sp>
+        <p:nvSpPr>
+          <p:cNvPr id="7" name="Slide Number Placeholder 6"/>
           <p:cNvSpPr>
             <a:spLocks noGrp="1"/>
           </p:cNvSpPr>
@@ -2438,7 +4836,7 @@
     </p:spTree>
     <p:extLst>
       <p:ext uri="{BB962C8B-B14F-4D97-AF65-F5344CB8AC3E}">
-        <p14:creationId xmlns:p14="http://schemas.microsoft.com/office/powerpoint/2010/main" val="4294653880"/>
+        <p14:creationId xmlns:p14="http://schemas.microsoft.com/office/powerpoint/2010/main" val="1363344780"/>
       </p:ext>
     </p:extLst>
   </p:cSld>
@@ -2467,13 +4865,7 @@
       </p:grpSpPr>
       <p:sp>
         <p:nvSpPr>
-          <p:cNvPr id="2" name="Titre 1">
-            <a:extLst>
-              <a:ext uri="{FF2B5EF4-FFF2-40B4-BE49-F238E27FC236}">
-                <a16:creationId xmlns:a16="http://schemas.microsoft.com/office/drawing/2014/main" id="{234ECAA3-380F-4F04-B3E7-1C0CE6B83695}"/>
-              </a:ext>
-            </a:extLst>
-          </p:cNvPr>
+          <p:cNvPr id="2" name="Title 1"/>
           <p:cNvSpPr>
             <a:spLocks noGrp="1"/>
           </p:cNvSpPr>
@@ -2483,15 +4875,17 @@
         </p:nvSpPr>
         <p:spPr>
           <a:xfrm>
-            <a:off x="839788" y="457200"/>
-            <a:ext cx="3932237" cy="1600200"/>
+            <a:off x="2589213" y="4800600"/>
+            <a:ext cx="8915400" cy="566738"/>
           </a:xfrm>
         </p:spPr>
         <p:txBody>
-          <a:bodyPr anchor="b"/>
+          <a:bodyPr anchor="b">
+            <a:normAutofit/>
+          </a:bodyPr>
           <a:lstStyle>
-            <a:lvl1pPr>
-              <a:defRPr sz="3200"/>
+            <a:lvl1pPr algn="l">
+              <a:defRPr sz="2400" b="0"/>
             </a:lvl1pPr>
           </a:lstStyle>
           <a:p>
@@ -2499,20 +4893,15 @@
               <a:rPr lang="fr-FR"/>
               <a:t>Modifiez le style du titre</a:t>
             </a:r>
-          </a:p>
-        </p:txBody>
-      </p:sp>
-      <p:sp>
-        <p:nvSpPr>
-          <p:cNvPr id="3" name="Espace réservé pour une image  2">
-            <a:extLst>
-              <a:ext uri="{FF2B5EF4-FFF2-40B4-BE49-F238E27FC236}">
-                <a16:creationId xmlns:a16="http://schemas.microsoft.com/office/drawing/2014/main" id="{F33292C0-4BE9-4D89-9B56-08DBB38064F8}"/>
-              </a:ext>
-            </a:extLst>
-          </p:cNvPr>
-          <p:cNvSpPr>
-            <a:spLocks noGrp="1"/>
+            <a:endParaRPr lang="en-US" dirty="0"/>
+          </a:p>
+        </p:txBody>
+      </p:sp>
+      <p:sp>
+        <p:nvSpPr>
+          <p:cNvPr id="3" name="Picture Placeholder 2"/>
+          <p:cNvSpPr>
+            <a:spLocks noGrp="1" noChangeAspect="1"/>
           </p:cNvSpPr>
           <p:nvPr>
             <p:ph type="pic" idx="1"/>
@@ -2520,118 +4909,120 @@
         </p:nvSpPr>
         <p:spPr>
           <a:xfrm>
-            <a:off x="5183188" y="987425"/>
-            <a:ext cx="6172200" cy="4873625"/>
+            <a:off x="2589212" y="634965"/>
+            <a:ext cx="8915400" cy="3854970"/>
           </a:xfrm>
         </p:spPr>
         <p:txBody>
-          <a:bodyPr/>
+          <a:bodyPr anchor="t">
+            <a:normAutofit/>
+          </a:bodyPr>
           <a:lstStyle>
-            <a:lvl1pPr marL="0" indent="0">
-              <a:buNone/>
-              <a:defRPr sz="3200"/>
-            </a:lvl1pPr>
-            <a:lvl2pPr marL="457200" indent="0">
-              <a:buNone/>
-              <a:defRPr sz="2800"/>
-            </a:lvl2pPr>
-            <a:lvl3pPr marL="914400" indent="0">
-              <a:buNone/>
-              <a:defRPr sz="2400"/>
-            </a:lvl3pPr>
-            <a:lvl4pPr marL="1371600" indent="0">
-              <a:buNone/>
-              <a:defRPr sz="2000"/>
-            </a:lvl4pPr>
-            <a:lvl5pPr marL="1828800" indent="0">
-              <a:buNone/>
-              <a:defRPr sz="2000"/>
-            </a:lvl5pPr>
-            <a:lvl6pPr marL="2286000" indent="0">
-              <a:buNone/>
-              <a:defRPr sz="2000"/>
-            </a:lvl6pPr>
-            <a:lvl7pPr marL="2743200" indent="0">
-              <a:buNone/>
-              <a:defRPr sz="2000"/>
-            </a:lvl7pPr>
-            <a:lvl8pPr marL="3200400" indent="0">
-              <a:buNone/>
-              <a:defRPr sz="2000"/>
-            </a:lvl8pPr>
-            <a:lvl9pPr marL="3657600" indent="0">
-              <a:buNone/>
-              <a:defRPr sz="2000"/>
-            </a:lvl9pPr>
-          </a:lstStyle>
-          <a:p>
-            <a:endParaRPr lang="fr-FR"/>
-          </a:p>
-        </p:txBody>
-      </p:sp>
-      <p:sp>
-        <p:nvSpPr>
-          <p:cNvPr id="4" name="Espace réservé du texte 3">
-            <a:extLst>
-              <a:ext uri="{FF2B5EF4-FFF2-40B4-BE49-F238E27FC236}">
-                <a16:creationId xmlns:a16="http://schemas.microsoft.com/office/drawing/2014/main" id="{4DB9E89B-6B8D-4D06-93B2-FC8921184BBC}"/>
-              </a:ext>
-            </a:extLst>
-          </p:cNvPr>
-          <p:cNvSpPr>
-            <a:spLocks noGrp="1"/>
-          </p:cNvSpPr>
-          <p:nvPr>
-            <p:ph type="body" sz="half" idx="2"/>
-          </p:nvPr>
-        </p:nvSpPr>
-        <p:spPr>
-          <a:xfrm>
-            <a:off x="839788" y="2057400"/>
-            <a:ext cx="3932237" cy="3811588"/>
-          </a:xfrm>
-        </p:spPr>
-        <p:txBody>
-          <a:bodyPr/>
-          <a:lstStyle>
-            <a:lvl1pPr marL="0" indent="0">
+            <a:lvl1pPr marL="0" indent="0" algn="ctr">
               <a:buNone/>
               <a:defRPr sz="1600"/>
             </a:lvl1pPr>
             <a:lvl2pPr marL="457200" indent="0">
               <a:buNone/>
-              <a:defRPr sz="1400"/>
+              <a:defRPr sz="1600"/>
             </a:lvl2pPr>
             <a:lvl3pPr marL="914400" indent="0">
               <a:buNone/>
-              <a:defRPr sz="1200"/>
+              <a:defRPr sz="1600"/>
             </a:lvl3pPr>
             <a:lvl4pPr marL="1371600" indent="0">
               <a:buNone/>
-              <a:defRPr sz="1000"/>
+              <a:defRPr sz="1600"/>
             </a:lvl4pPr>
             <a:lvl5pPr marL="1828800" indent="0">
               <a:buNone/>
-              <a:defRPr sz="1000"/>
+              <a:defRPr sz="1600"/>
             </a:lvl5pPr>
             <a:lvl6pPr marL="2286000" indent="0">
               <a:buNone/>
-              <a:defRPr sz="1000"/>
+              <a:defRPr sz="1600"/>
             </a:lvl6pPr>
             <a:lvl7pPr marL="2743200" indent="0">
               <a:buNone/>
-              <a:defRPr sz="1000"/>
+              <a:defRPr sz="1600"/>
             </a:lvl7pPr>
             <a:lvl8pPr marL="3200400" indent="0">
               <a:buNone/>
-              <a:defRPr sz="1000"/>
+              <a:defRPr sz="1600"/>
             </a:lvl8pPr>
             <a:lvl9pPr marL="3657600" indent="0">
               <a:buNone/>
-              <a:defRPr sz="1000"/>
+              <a:defRPr sz="1600"/>
             </a:lvl9pPr>
           </a:lstStyle>
           <a:p>
+            <a:r>
+              <a:rPr lang="fr-FR"/>
+              <a:t>Cliquez sur l'icône pour ajouter une image</a:t>
+            </a:r>
+            <a:endParaRPr lang="en-US" dirty="0"/>
+          </a:p>
+        </p:txBody>
+      </p:sp>
+      <p:sp>
+        <p:nvSpPr>
+          <p:cNvPr id="4" name="Text Placeholder 3"/>
+          <p:cNvSpPr>
+            <a:spLocks noGrp="1"/>
+          </p:cNvSpPr>
+          <p:nvPr>
+            <p:ph type="body" sz="half" idx="2"/>
+          </p:nvPr>
+        </p:nvSpPr>
+        <p:spPr>
+          <a:xfrm>
+            <a:off x="2589213" y="5367338"/>
+            <a:ext cx="8915400" cy="493712"/>
+          </a:xfrm>
+        </p:spPr>
+        <p:txBody>
+          <a:bodyPr>
+            <a:normAutofit/>
+          </a:bodyPr>
+          <a:lstStyle>
+            <a:lvl1pPr marL="0" indent="0">
+              <a:buNone/>
+              <a:defRPr sz="1200"/>
+            </a:lvl1pPr>
+            <a:lvl2pPr marL="457200" indent="0">
+              <a:buNone/>
+              <a:defRPr sz="1200"/>
+            </a:lvl2pPr>
+            <a:lvl3pPr marL="914400" indent="0">
+              <a:buNone/>
+              <a:defRPr sz="1000"/>
+            </a:lvl3pPr>
+            <a:lvl4pPr marL="1371600" indent="0">
+              <a:buNone/>
+              <a:defRPr sz="900"/>
+            </a:lvl4pPr>
+            <a:lvl5pPr marL="1828800" indent="0">
+              <a:buNone/>
+              <a:defRPr sz="900"/>
+            </a:lvl5pPr>
+            <a:lvl6pPr marL="2286000" indent="0">
+              <a:buNone/>
+              <a:defRPr sz="900"/>
+            </a:lvl6pPr>
+            <a:lvl7pPr marL="2743200" indent="0">
+              <a:buNone/>
+              <a:defRPr sz="900"/>
+            </a:lvl7pPr>
+            <a:lvl8pPr marL="3200400" indent="0">
+              <a:buNone/>
+              <a:defRPr sz="900"/>
+            </a:lvl8pPr>
+            <a:lvl9pPr marL="3657600" indent="0">
+              <a:buNone/>
+              <a:defRPr sz="900"/>
+            </a:lvl9pPr>
+          </a:lstStyle>
+          <a:p>
             <a:pPr lvl="0"/>
             <a:r>
               <a:rPr lang="fr-FR"/>
@@ -2642,13 +5033,7 @@
       </p:sp>
       <p:sp>
         <p:nvSpPr>
-          <p:cNvPr id="5" name="Espace réservé de la date 4">
-            <a:extLst>
-              <a:ext uri="{FF2B5EF4-FFF2-40B4-BE49-F238E27FC236}">
-                <a16:creationId xmlns:a16="http://schemas.microsoft.com/office/drawing/2014/main" id="{98724EA7-D48A-41FE-9642-B14ED2B7679B}"/>
-              </a:ext>
-            </a:extLst>
-          </p:cNvPr>
+          <p:cNvPr id="5" name="Date Placeholder 4"/>
           <p:cNvSpPr>
             <a:spLocks noGrp="1"/>
           </p:cNvSpPr>
@@ -2663,7 +5048,7 @@
           <a:p>
             <a:fld id="{7A47CF09-9538-47D9-9371-EDA44274715E}" type="datetimeFigureOut">
               <a:rPr lang="fr-FR" smtClean="0"/>
-              <a:t>26/03/2020</a:t>
+              <a:t>29/03/2020</a:t>
             </a:fld>
             <a:endParaRPr lang="fr-FR"/>
           </a:p>
@@ -2671,13 +5056,7 @@
       </p:sp>
       <p:sp>
         <p:nvSpPr>
-          <p:cNvPr id="6" name="Espace réservé du pied de page 5">
-            <a:extLst>
-              <a:ext uri="{FF2B5EF4-FFF2-40B4-BE49-F238E27FC236}">
-                <a16:creationId xmlns:a16="http://schemas.microsoft.com/office/drawing/2014/main" id="{522A9CE3-F5C3-4D66-A35F-E4AE87CDBE9E}"/>
-              </a:ext>
-            </a:extLst>
-          </p:cNvPr>
+          <p:cNvPr id="6" name="Footer Placeholder 5"/>
           <p:cNvSpPr>
             <a:spLocks noGrp="1"/>
           </p:cNvSpPr>
@@ -2696,13 +5075,89 @@
       </p:sp>
       <p:sp>
         <p:nvSpPr>
-          <p:cNvPr id="7" name="Espace réservé du numéro de diapositive 6">
-            <a:extLst>
-              <a:ext uri="{FF2B5EF4-FFF2-40B4-BE49-F238E27FC236}">
-                <a16:creationId xmlns:a16="http://schemas.microsoft.com/office/drawing/2014/main" id="{72B68E09-4122-403F-8D99-9BF11EB438FD}"/>
-              </a:ext>
-            </a:extLst>
-          </p:cNvPr>
+          <p:cNvPr id="9" name="Freeform 11"/>
+          <p:cNvSpPr/>
+          <p:nvPr/>
+        </p:nvSpPr>
+        <p:spPr bwMode="auto">
+          <a:xfrm flipV="1">
+            <a:off x="-4189" y="4911725"/>
+            <a:ext cx="1588527" cy="507297"/>
+          </a:xfrm>
+          <a:custGeom>
+            <a:avLst/>
+            <a:gdLst/>
+            <a:ahLst/>
+            <a:cxnLst/>
+            <a:rect l="l" t="t" r="r" b="b"/>
+            <a:pathLst>
+              <a:path w="9248" h="10000">
+                <a:moveTo>
+                  <a:pt x="9248" y="4701"/>
+                </a:moveTo>
+                <a:lnTo>
+                  <a:pt x="7915" y="188"/>
+                </a:lnTo>
+                <a:cubicBezTo>
+                  <a:pt x="7906" y="156"/>
+                  <a:pt x="7895" y="126"/>
+                  <a:pt x="7886" y="94"/>
+                </a:cubicBezTo>
+                <a:cubicBezTo>
+                  <a:pt x="7859" y="0"/>
+                  <a:pt x="7831" y="0"/>
+                  <a:pt x="7803" y="0"/>
+                </a:cubicBezTo>
+                <a:lnTo>
+                  <a:pt x="7275" y="0"/>
+                </a:lnTo>
+                <a:lnTo>
+                  <a:pt x="0" y="70"/>
+                </a:lnTo>
+                <a:cubicBezTo>
+                  <a:pt x="8" y="3380"/>
+                  <a:pt x="17" y="6690"/>
+                  <a:pt x="25" y="10000"/>
+                </a:cubicBezTo>
+                <a:lnTo>
+                  <a:pt x="7275" y="9966"/>
+                </a:lnTo>
+                <a:lnTo>
+                  <a:pt x="7803" y="9966"/>
+                </a:lnTo>
+                <a:cubicBezTo>
+                  <a:pt x="7831" y="9966"/>
+                  <a:pt x="7859" y="9872"/>
+                  <a:pt x="7886" y="9872"/>
+                </a:cubicBezTo>
+                <a:cubicBezTo>
+                  <a:pt x="7886" y="9778"/>
+                  <a:pt x="7915" y="9778"/>
+                  <a:pt x="7915" y="9778"/>
+                </a:cubicBezTo>
+                <a:lnTo>
+                  <a:pt x="9248" y="5265"/>
+                </a:lnTo>
+                <a:cubicBezTo>
+                  <a:pt x="9303" y="5077"/>
+                  <a:pt x="9303" y="4889"/>
+                  <a:pt x="9248" y="4701"/>
+                </a:cubicBezTo>
+                <a:close/>
+              </a:path>
+            </a:pathLst>
+          </a:custGeom>
+          <a:solidFill>
+            <a:schemeClr val="accent1"/>
+          </a:solidFill>
+          <a:ln>
+            <a:noFill/>
+          </a:ln>
+        </p:spPr>
+      </p:sp>
+      <p:sp>
+        <p:nvSpPr>
+          <p:cNvPr id="7" name="Slide Number Placeholder 6"/>
           <p:cNvSpPr>
             <a:spLocks noGrp="1"/>
           </p:cNvSpPr>
@@ -2710,7 +5165,12 @@
             <p:ph type="sldNum" sz="quarter" idx="12"/>
           </p:nvPr>
         </p:nvSpPr>
-        <p:spPr/>
+        <p:spPr>
+          <a:xfrm>
+            <a:off x="531812" y="4983087"/>
+            <a:ext cx="779767" cy="365125"/>
+          </a:xfrm>
+        </p:spPr>
         <p:txBody>
           <a:bodyPr/>
           <a:lstStyle/>
@@ -2726,7 +5186,7 @@
     </p:spTree>
     <p:extLst>
       <p:ext uri="{BB962C8B-B14F-4D97-AF65-F5344CB8AC3E}">
-        <p14:creationId xmlns:p14="http://schemas.microsoft.com/office/powerpoint/2010/main" val="4078689875"/>
+        <p14:creationId xmlns:p14="http://schemas.microsoft.com/office/powerpoint/2010/main" val="293393104"/>
       </p:ext>
     </p:extLst>
   </p:cSld>
@@ -2740,8 +5200,8 @@
 <p:sldMaster xmlns:a="http://schemas.openxmlformats.org/drawingml/2006/main" xmlns:r="http://schemas.openxmlformats.org/officeDocument/2006/relationships" xmlns:p="http://schemas.openxmlformats.org/presentationml/2006/main">
   <p:cSld>
     <p:bg>
-      <p:bgRef idx="1001">
-        <a:schemeClr val="bg1"/>
+      <p:bgRef idx="1003">
+        <a:schemeClr val="bg2"/>
       </p:bgRef>
     </p:bg>
     <p:spTree>
@@ -2758,33 +5218,1844 @@
           <a:chExt cx="0" cy="0"/>
         </a:xfrm>
       </p:grpSpPr>
-      <p:sp>
-        <p:nvSpPr>
-          <p:cNvPr id="2" name="Espace réservé du titre 1">
-            <a:extLst>
-              <a:ext uri="{FF2B5EF4-FFF2-40B4-BE49-F238E27FC236}">
-                <a16:creationId xmlns:a16="http://schemas.microsoft.com/office/drawing/2014/main" id="{C92FA170-456D-424B-9602-08A2E794C33B}"/>
-              </a:ext>
-            </a:extLst>
-          </p:cNvPr>
-          <p:cNvSpPr>
-            <a:spLocks noGrp="1"/>
-          </p:cNvSpPr>
-          <p:nvPr>
-            <p:ph type="title"/>
-          </p:nvPr>
+      <p:grpSp>
+        <p:nvGrpSpPr>
+          <p:cNvPr id="23" name="Group 22"/>
+          <p:cNvGrpSpPr/>
+          <p:nvPr/>
+        </p:nvGrpSpPr>
+        <p:grpSpPr>
+          <a:xfrm>
+            <a:off x="1" y="228600"/>
+            <a:ext cx="2851516" cy="6638628"/>
+            <a:chOff x="2487613" y="285750"/>
+            <a:chExt cx="2428875" cy="5654676"/>
+          </a:xfrm>
+        </p:grpSpPr>
+        <p:sp>
+          <p:nvSpPr>
+            <p:cNvPr id="24" name="Freeform 11"/>
+            <p:cNvSpPr/>
+            <p:nvPr/>
+          </p:nvSpPr>
+          <p:spPr bwMode="auto">
+            <a:xfrm>
+              <a:off x="2487613" y="2284413"/>
+              <a:ext cx="85725" cy="533400"/>
+            </a:xfrm>
+            <a:custGeom>
+              <a:avLst/>
+              <a:gdLst/>
+              <a:ahLst/>
+              <a:cxnLst/>
+              <a:rect l="0" t="0" r="r" b="b"/>
+              <a:pathLst>
+                <a:path w="22" h="136">
+                  <a:moveTo>
+                    <a:pt x="22" y="136"/>
+                  </a:moveTo>
+                  <a:cubicBezTo>
+                    <a:pt x="20" y="117"/>
+                    <a:pt x="19" y="99"/>
+                    <a:pt x="17" y="80"/>
+                  </a:cubicBezTo>
+                  <a:cubicBezTo>
+                    <a:pt x="11" y="54"/>
+                    <a:pt x="6" y="27"/>
+                    <a:pt x="0" y="0"/>
+                  </a:cubicBezTo>
+                  <a:cubicBezTo>
+                    <a:pt x="0" y="35"/>
+                    <a:pt x="0" y="35"/>
+                    <a:pt x="0" y="35"/>
+                  </a:cubicBezTo>
+                  <a:cubicBezTo>
+                    <a:pt x="6" y="64"/>
+                    <a:pt x="13" y="94"/>
+                    <a:pt x="20" y="124"/>
+                  </a:cubicBezTo>
+                  <a:cubicBezTo>
+                    <a:pt x="20" y="128"/>
+                    <a:pt x="21" y="132"/>
+                    <a:pt x="22" y="136"/>
+                  </a:cubicBezTo>
+                  <a:close/>
+                </a:path>
+              </a:pathLst>
+            </a:custGeom>
+            <a:solidFill>
+              <a:schemeClr val="tx2">
+                <a:alpha val="20000"/>
+              </a:schemeClr>
+            </a:solidFill>
+            <a:ln>
+              <a:noFill/>
+            </a:ln>
+          </p:spPr>
+        </p:sp>
+        <p:sp>
+          <p:nvSpPr>
+            <p:cNvPr id="25" name="Freeform 12"/>
+            <p:cNvSpPr/>
+            <p:nvPr/>
+          </p:nvSpPr>
+          <p:spPr bwMode="auto">
+            <a:xfrm>
+              <a:off x="2597151" y="2779713"/>
+              <a:ext cx="550863" cy="1978025"/>
+            </a:xfrm>
+            <a:custGeom>
+              <a:avLst/>
+              <a:gdLst/>
+              <a:ahLst/>
+              <a:cxnLst/>
+              <a:rect l="0" t="0" r="r" b="b"/>
+              <a:pathLst>
+                <a:path w="140" h="504">
+                  <a:moveTo>
+                    <a:pt x="86" y="350"/>
+                  </a:moveTo>
+                  <a:cubicBezTo>
+                    <a:pt x="103" y="402"/>
+                    <a:pt x="120" y="453"/>
+                    <a:pt x="139" y="504"/>
+                  </a:cubicBezTo>
+                  <a:cubicBezTo>
+                    <a:pt x="139" y="495"/>
+                    <a:pt x="139" y="487"/>
+                    <a:pt x="140" y="478"/>
+                  </a:cubicBezTo>
+                  <a:cubicBezTo>
+                    <a:pt x="124" y="435"/>
+                    <a:pt x="109" y="391"/>
+                    <a:pt x="95" y="347"/>
+                  </a:cubicBezTo>
+                  <a:cubicBezTo>
+                    <a:pt x="58" y="233"/>
+                    <a:pt x="27" y="117"/>
+                    <a:pt x="0" y="0"/>
+                  </a:cubicBezTo>
+                  <a:cubicBezTo>
+                    <a:pt x="2" y="20"/>
+                    <a:pt x="4" y="41"/>
+                    <a:pt x="6" y="61"/>
+                  </a:cubicBezTo>
+                  <a:cubicBezTo>
+                    <a:pt x="30" y="158"/>
+                    <a:pt x="56" y="255"/>
+                    <a:pt x="86" y="350"/>
+                  </a:cubicBezTo>
+                  <a:close/>
+                </a:path>
+              </a:pathLst>
+            </a:custGeom>
+            <a:solidFill>
+              <a:schemeClr val="tx2">
+                <a:alpha val="20000"/>
+              </a:schemeClr>
+            </a:solidFill>
+            <a:ln>
+              <a:noFill/>
+            </a:ln>
+          </p:spPr>
+        </p:sp>
+        <p:sp>
+          <p:nvSpPr>
+            <p:cNvPr id="26" name="Freeform 13"/>
+            <p:cNvSpPr/>
+            <p:nvPr/>
+          </p:nvSpPr>
+          <p:spPr bwMode="auto">
+            <a:xfrm>
+              <a:off x="3175001" y="4730750"/>
+              <a:ext cx="519113" cy="1209675"/>
+            </a:xfrm>
+            <a:custGeom>
+              <a:avLst/>
+              <a:gdLst/>
+              <a:ahLst/>
+              <a:cxnLst/>
+              <a:rect l="0" t="0" r="r" b="b"/>
+              <a:pathLst>
+                <a:path w="132" h="308">
+                  <a:moveTo>
+                    <a:pt x="8" y="22"/>
+                  </a:moveTo>
+                  <a:cubicBezTo>
+                    <a:pt x="5" y="15"/>
+                    <a:pt x="2" y="8"/>
+                    <a:pt x="0" y="0"/>
+                  </a:cubicBezTo>
+                  <a:cubicBezTo>
+                    <a:pt x="0" y="10"/>
+                    <a:pt x="0" y="19"/>
+                    <a:pt x="0" y="29"/>
+                  </a:cubicBezTo>
+                  <a:cubicBezTo>
+                    <a:pt x="21" y="85"/>
+                    <a:pt x="44" y="140"/>
+                    <a:pt x="68" y="194"/>
+                  </a:cubicBezTo>
+                  <a:cubicBezTo>
+                    <a:pt x="85" y="232"/>
+                    <a:pt x="104" y="270"/>
+                    <a:pt x="123" y="308"/>
+                  </a:cubicBezTo>
+                  <a:cubicBezTo>
+                    <a:pt x="132" y="308"/>
+                    <a:pt x="132" y="308"/>
+                    <a:pt x="132" y="308"/>
+                  </a:cubicBezTo>
+                  <a:cubicBezTo>
+                    <a:pt x="113" y="269"/>
+                    <a:pt x="94" y="230"/>
+                    <a:pt x="77" y="190"/>
+                  </a:cubicBezTo>
+                  <a:cubicBezTo>
+                    <a:pt x="52" y="135"/>
+                    <a:pt x="29" y="79"/>
+                    <a:pt x="8" y="22"/>
+                  </a:cubicBezTo>
+                  <a:close/>
+                </a:path>
+              </a:pathLst>
+            </a:custGeom>
+            <a:solidFill>
+              <a:schemeClr val="tx2">
+                <a:alpha val="20000"/>
+              </a:schemeClr>
+            </a:solidFill>
+            <a:ln>
+              <a:noFill/>
+            </a:ln>
+          </p:spPr>
+        </p:sp>
+        <p:sp>
+          <p:nvSpPr>
+            <p:cNvPr id="27" name="Freeform 14"/>
+            <p:cNvSpPr/>
+            <p:nvPr/>
+          </p:nvSpPr>
+          <p:spPr bwMode="auto">
+            <a:xfrm>
+              <a:off x="3305176" y="5630863"/>
+              <a:ext cx="146050" cy="309563"/>
+            </a:xfrm>
+            <a:custGeom>
+              <a:avLst/>
+              <a:gdLst/>
+              <a:ahLst/>
+              <a:cxnLst/>
+              <a:rect l="0" t="0" r="r" b="b"/>
+              <a:pathLst>
+                <a:path w="37" h="79">
+                  <a:moveTo>
+                    <a:pt x="28" y="79"/>
+                  </a:moveTo>
+                  <a:cubicBezTo>
+                    <a:pt x="37" y="79"/>
+                    <a:pt x="37" y="79"/>
+                    <a:pt x="37" y="79"/>
+                  </a:cubicBezTo>
+                  <a:cubicBezTo>
+                    <a:pt x="24" y="53"/>
+                    <a:pt x="12" y="27"/>
+                    <a:pt x="0" y="0"/>
+                  </a:cubicBezTo>
+                  <a:cubicBezTo>
+                    <a:pt x="8" y="27"/>
+                    <a:pt x="17" y="53"/>
+                    <a:pt x="28" y="79"/>
+                  </a:cubicBezTo>
+                  <a:close/>
+                </a:path>
+              </a:pathLst>
+            </a:custGeom>
+            <a:solidFill>
+              <a:schemeClr val="tx2">
+                <a:alpha val="20000"/>
+              </a:schemeClr>
+            </a:solidFill>
+            <a:ln>
+              <a:noFill/>
+            </a:ln>
+          </p:spPr>
+        </p:sp>
+        <p:sp>
+          <p:nvSpPr>
+            <p:cNvPr id="28" name="Freeform 15"/>
+            <p:cNvSpPr/>
+            <p:nvPr/>
+          </p:nvSpPr>
+          <p:spPr bwMode="auto">
+            <a:xfrm>
+              <a:off x="2573338" y="2817813"/>
+              <a:ext cx="700088" cy="2835275"/>
+            </a:xfrm>
+            <a:custGeom>
+              <a:avLst/>
+              <a:gdLst/>
+              <a:ahLst/>
+              <a:cxnLst/>
+              <a:rect l="0" t="0" r="r" b="b"/>
+              <a:pathLst>
+                <a:path w="178" h="722">
+                  <a:moveTo>
+                    <a:pt x="162" y="660"/>
+                  </a:moveTo>
+                  <a:cubicBezTo>
+                    <a:pt x="145" y="618"/>
+                    <a:pt x="130" y="576"/>
+                    <a:pt x="116" y="534"/>
+                  </a:cubicBezTo>
+                  <a:cubicBezTo>
+                    <a:pt x="84" y="437"/>
+                    <a:pt x="59" y="337"/>
+                    <a:pt x="40" y="236"/>
+                  </a:cubicBezTo>
+                  <a:cubicBezTo>
+                    <a:pt x="29" y="175"/>
+                    <a:pt x="20" y="113"/>
+                    <a:pt x="12" y="51"/>
+                  </a:cubicBezTo>
+                  <a:cubicBezTo>
+                    <a:pt x="8" y="34"/>
+                    <a:pt x="4" y="17"/>
+                    <a:pt x="0" y="0"/>
+                  </a:cubicBezTo>
+                  <a:cubicBezTo>
+                    <a:pt x="8" y="79"/>
+                    <a:pt x="19" y="159"/>
+                    <a:pt x="33" y="237"/>
+                  </a:cubicBezTo>
+                  <a:cubicBezTo>
+                    <a:pt x="51" y="339"/>
+                    <a:pt x="76" y="439"/>
+                    <a:pt x="107" y="537"/>
+                  </a:cubicBezTo>
+                  <a:cubicBezTo>
+                    <a:pt x="123" y="586"/>
+                    <a:pt x="141" y="634"/>
+                    <a:pt x="160" y="681"/>
+                  </a:cubicBezTo>
+                  <a:cubicBezTo>
+                    <a:pt x="166" y="695"/>
+                    <a:pt x="172" y="708"/>
+                    <a:pt x="178" y="722"/>
+                  </a:cubicBezTo>
+                  <a:cubicBezTo>
+                    <a:pt x="176" y="717"/>
+                    <a:pt x="175" y="713"/>
+                    <a:pt x="174" y="708"/>
+                  </a:cubicBezTo>
+                  <a:cubicBezTo>
+                    <a:pt x="169" y="692"/>
+                    <a:pt x="165" y="676"/>
+                    <a:pt x="162" y="660"/>
+                  </a:cubicBezTo>
+                  <a:close/>
+                </a:path>
+              </a:pathLst>
+            </a:custGeom>
+            <a:solidFill>
+              <a:schemeClr val="tx2">
+                <a:alpha val="20000"/>
+              </a:schemeClr>
+            </a:solidFill>
+            <a:ln>
+              <a:noFill/>
+            </a:ln>
+          </p:spPr>
+        </p:sp>
+        <p:sp>
+          <p:nvSpPr>
+            <p:cNvPr id="29" name="Freeform 16"/>
+            <p:cNvSpPr/>
+            <p:nvPr/>
+          </p:nvSpPr>
+          <p:spPr bwMode="auto">
+            <a:xfrm>
+              <a:off x="2506663" y="285750"/>
+              <a:ext cx="90488" cy="2493963"/>
+            </a:xfrm>
+            <a:custGeom>
+              <a:avLst/>
+              <a:gdLst/>
+              <a:ahLst/>
+              <a:cxnLst/>
+              <a:rect l="0" t="0" r="r" b="b"/>
+              <a:pathLst>
+                <a:path w="23" h="635">
+                  <a:moveTo>
+                    <a:pt x="11" y="577"/>
+                  </a:moveTo>
+                  <a:cubicBezTo>
+                    <a:pt x="12" y="581"/>
+                    <a:pt x="12" y="585"/>
+                    <a:pt x="12" y="589"/>
+                  </a:cubicBezTo>
+                  <a:cubicBezTo>
+                    <a:pt x="15" y="603"/>
+                    <a:pt x="19" y="617"/>
+                    <a:pt x="22" y="632"/>
+                  </a:cubicBezTo>
+                  <a:cubicBezTo>
+                    <a:pt x="22" y="633"/>
+                    <a:pt x="22" y="634"/>
+                    <a:pt x="23" y="635"/>
+                  </a:cubicBezTo>
+                  <a:cubicBezTo>
+                    <a:pt x="21" y="615"/>
+                    <a:pt x="19" y="596"/>
+                    <a:pt x="17" y="576"/>
+                  </a:cubicBezTo>
+                  <a:cubicBezTo>
+                    <a:pt x="9" y="474"/>
+                    <a:pt x="5" y="372"/>
+                    <a:pt x="5" y="269"/>
+                  </a:cubicBezTo>
+                  <a:cubicBezTo>
+                    <a:pt x="6" y="179"/>
+                    <a:pt x="9" y="90"/>
+                    <a:pt x="15" y="0"/>
+                  </a:cubicBezTo>
+                  <a:cubicBezTo>
+                    <a:pt x="12" y="0"/>
+                    <a:pt x="12" y="0"/>
+                    <a:pt x="12" y="0"/>
+                  </a:cubicBezTo>
+                  <a:cubicBezTo>
+                    <a:pt x="5" y="89"/>
+                    <a:pt x="2" y="179"/>
+                    <a:pt x="1" y="269"/>
+                  </a:cubicBezTo>
+                  <a:cubicBezTo>
+                    <a:pt x="0" y="372"/>
+                    <a:pt x="3" y="474"/>
+                    <a:pt x="11" y="577"/>
+                  </a:cubicBezTo>
+                  <a:close/>
+                </a:path>
+              </a:pathLst>
+            </a:custGeom>
+            <a:solidFill>
+              <a:schemeClr val="tx2">
+                <a:alpha val="20000"/>
+              </a:schemeClr>
+            </a:solidFill>
+            <a:ln>
+              <a:noFill/>
+            </a:ln>
+          </p:spPr>
+        </p:sp>
+        <p:sp>
+          <p:nvSpPr>
+            <p:cNvPr id="30" name="Freeform 17"/>
+            <p:cNvSpPr/>
+            <p:nvPr/>
+          </p:nvSpPr>
+          <p:spPr bwMode="auto">
+            <a:xfrm>
+              <a:off x="2554288" y="2598738"/>
+              <a:ext cx="66675" cy="420688"/>
+            </a:xfrm>
+            <a:custGeom>
+              <a:avLst/>
+              <a:gdLst/>
+              <a:ahLst/>
+              <a:cxnLst/>
+              <a:rect l="0" t="0" r="r" b="b"/>
+              <a:pathLst>
+                <a:path w="17" h="107">
+                  <a:moveTo>
+                    <a:pt x="0" y="0"/>
+                  </a:moveTo>
+                  <a:cubicBezTo>
+                    <a:pt x="2" y="19"/>
+                    <a:pt x="3" y="37"/>
+                    <a:pt x="5" y="56"/>
+                  </a:cubicBezTo>
+                  <a:cubicBezTo>
+                    <a:pt x="9" y="73"/>
+                    <a:pt x="13" y="90"/>
+                    <a:pt x="17" y="107"/>
+                  </a:cubicBezTo>
+                  <a:cubicBezTo>
+                    <a:pt x="15" y="87"/>
+                    <a:pt x="13" y="66"/>
+                    <a:pt x="11" y="46"/>
+                  </a:cubicBezTo>
+                  <a:cubicBezTo>
+                    <a:pt x="10" y="45"/>
+                    <a:pt x="10" y="44"/>
+                    <a:pt x="10" y="43"/>
+                  </a:cubicBezTo>
+                  <a:cubicBezTo>
+                    <a:pt x="7" y="28"/>
+                    <a:pt x="3" y="14"/>
+                    <a:pt x="0" y="0"/>
+                  </a:cubicBezTo>
+                  <a:close/>
+                </a:path>
+              </a:pathLst>
+            </a:custGeom>
+            <a:solidFill>
+              <a:schemeClr val="tx2">
+                <a:alpha val="20000"/>
+              </a:schemeClr>
+            </a:solidFill>
+            <a:ln>
+              <a:noFill/>
+            </a:ln>
+          </p:spPr>
+        </p:sp>
+        <p:sp>
+          <p:nvSpPr>
+            <p:cNvPr id="31" name="Freeform 18"/>
+            <p:cNvSpPr/>
+            <p:nvPr/>
+          </p:nvSpPr>
+          <p:spPr bwMode="auto">
+            <a:xfrm>
+              <a:off x="3143251" y="4757738"/>
+              <a:ext cx="161925" cy="873125"/>
+            </a:xfrm>
+            <a:custGeom>
+              <a:avLst/>
+              <a:gdLst/>
+              <a:ahLst/>
+              <a:cxnLst/>
+              <a:rect l="0" t="0" r="r" b="b"/>
+              <a:pathLst>
+                <a:path w="41" h="222">
+                  <a:moveTo>
+                    <a:pt x="0" y="0"/>
+                  </a:moveTo>
+                  <a:cubicBezTo>
+                    <a:pt x="0" y="31"/>
+                    <a:pt x="2" y="62"/>
+                    <a:pt x="5" y="93"/>
+                  </a:cubicBezTo>
+                  <a:cubicBezTo>
+                    <a:pt x="8" y="117"/>
+                    <a:pt x="12" y="142"/>
+                    <a:pt x="17" y="166"/>
+                  </a:cubicBezTo>
+                  <a:cubicBezTo>
+                    <a:pt x="19" y="172"/>
+                    <a:pt x="22" y="178"/>
+                    <a:pt x="24" y="184"/>
+                  </a:cubicBezTo>
+                  <a:cubicBezTo>
+                    <a:pt x="30" y="197"/>
+                    <a:pt x="35" y="209"/>
+                    <a:pt x="41" y="222"/>
+                  </a:cubicBezTo>
+                  <a:cubicBezTo>
+                    <a:pt x="40" y="219"/>
+                    <a:pt x="39" y="215"/>
+                    <a:pt x="38" y="212"/>
+                  </a:cubicBezTo>
+                  <a:cubicBezTo>
+                    <a:pt x="26" y="172"/>
+                    <a:pt x="18" y="132"/>
+                    <a:pt x="13" y="92"/>
+                  </a:cubicBezTo>
+                  <a:cubicBezTo>
+                    <a:pt x="11" y="68"/>
+                    <a:pt x="9" y="45"/>
+                    <a:pt x="8" y="22"/>
+                  </a:cubicBezTo>
+                  <a:cubicBezTo>
+                    <a:pt x="8" y="21"/>
+                    <a:pt x="7" y="20"/>
+                    <a:pt x="7" y="18"/>
+                  </a:cubicBezTo>
+                  <a:cubicBezTo>
+                    <a:pt x="5" y="12"/>
+                    <a:pt x="2" y="6"/>
+                    <a:pt x="0" y="0"/>
+                  </a:cubicBezTo>
+                  <a:close/>
+                </a:path>
+              </a:pathLst>
+            </a:custGeom>
+            <a:solidFill>
+              <a:schemeClr val="tx2">
+                <a:alpha val="20000"/>
+              </a:schemeClr>
+            </a:solidFill>
+            <a:ln>
+              <a:noFill/>
+            </a:ln>
+          </p:spPr>
+        </p:sp>
+        <p:sp>
+          <p:nvSpPr>
+            <p:cNvPr id="32" name="Freeform 19"/>
+            <p:cNvSpPr/>
+            <p:nvPr/>
+          </p:nvSpPr>
+          <p:spPr bwMode="auto">
+            <a:xfrm>
+              <a:off x="3148013" y="1282700"/>
+              <a:ext cx="1768475" cy="3448050"/>
+            </a:xfrm>
+            <a:custGeom>
+              <a:avLst/>
+              <a:gdLst/>
+              <a:ahLst/>
+              <a:cxnLst/>
+              <a:rect l="0" t="0" r="r" b="b"/>
+              <a:pathLst>
+                <a:path w="450" h="878">
+                  <a:moveTo>
+                    <a:pt x="7" y="854"/>
+                  </a:moveTo>
+                  <a:cubicBezTo>
+                    <a:pt x="10" y="772"/>
+                    <a:pt x="26" y="691"/>
+                    <a:pt x="50" y="613"/>
+                  </a:cubicBezTo>
+                  <a:cubicBezTo>
+                    <a:pt x="75" y="535"/>
+                    <a:pt x="109" y="460"/>
+                    <a:pt x="149" y="388"/>
+                  </a:cubicBezTo>
+                  <a:cubicBezTo>
+                    <a:pt x="189" y="316"/>
+                    <a:pt x="235" y="248"/>
+                    <a:pt x="285" y="183"/>
+                  </a:cubicBezTo>
+                  <a:cubicBezTo>
+                    <a:pt x="310" y="151"/>
+                    <a:pt x="337" y="119"/>
+                    <a:pt x="364" y="89"/>
+                  </a:cubicBezTo>
+                  <a:cubicBezTo>
+                    <a:pt x="378" y="74"/>
+                    <a:pt x="392" y="58"/>
+                    <a:pt x="406" y="44"/>
+                  </a:cubicBezTo>
+                  <a:cubicBezTo>
+                    <a:pt x="421" y="29"/>
+                    <a:pt x="435" y="15"/>
+                    <a:pt x="450" y="1"/>
+                  </a:cubicBezTo>
+                  <a:cubicBezTo>
+                    <a:pt x="450" y="0"/>
+                    <a:pt x="450" y="0"/>
+                    <a:pt x="450" y="0"/>
+                  </a:cubicBezTo>
+                  <a:cubicBezTo>
+                    <a:pt x="434" y="14"/>
+                    <a:pt x="420" y="28"/>
+                    <a:pt x="405" y="43"/>
+                  </a:cubicBezTo>
+                  <a:cubicBezTo>
+                    <a:pt x="391" y="57"/>
+                    <a:pt x="377" y="72"/>
+                    <a:pt x="363" y="88"/>
+                  </a:cubicBezTo>
+                  <a:cubicBezTo>
+                    <a:pt x="335" y="118"/>
+                    <a:pt x="308" y="149"/>
+                    <a:pt x="283" y="181"/>
+                  </a:cubicBezTo>
+                  <a:cubicBezTo>
+                    <a:pt x="232" y="246"/>
+                    <a:pt x="185" y="314"/>
+                    <a:pt x="145" y="386"/>
+                  </a:cubicBezTo>
+                  <a:cubicBezTo>
+                    <a:pt x="104" y="457"/>
+                    <a:pt x="70" y="533"/>
+                    <a:pt x="45" y="611"/>
+                  </a:cubicBezTo>
+                  <a:cubicBezTo>
+                    <a:pt x="19" y="690"/>
+                    <a:pt x="3" y="771"/>
+                    <a:pt x="0" y="854"/>
+                  </a:cubicBezTo>
+                  <a:cubicBezTo>
+                    <a:pt x="0" y="856"/>
+                    <a:pt x="0" y="857"/>
+                    <a:pt x="0" y="859"/>
+                  </a:cubicBezTo>
+                  <a:cubicBezTo>
+                    <a:pt x="2" y="865"/>
+                    <a:pt x="4" y="872"/>
+                    <a:pt x="7" y="878"/>
+                  </a:cubicBezTo>
+                  <a:cubicBezTo>
+                    <a:pt x="7" y="870"/>
+                    <a:pt x="7" y="862"/>
+                    <a:pt x="7" y="854"/>
+                  </a:cubicBezTo>
+                  <a:close/>
+                </a:path>
+              </a:pathLst>
+            </a:custGeom>
+            <a:solidFill>
+              <a:schemeClr val="tx2">
+                <a:alpha val="20000"/>
+              </a:schemeClr>
+            </a:solidFill>
+            <a:ln>
+              <a:noFill/>
+            </a:ln>
+          </p:spPr>
+        </p:sp>
+        <p:sp>
+          <p:nvSpPr>
+            <p:cNvPr id="33" name="Freeform 20"/>
+            <p:cNvSpPr/>
+            <p:nvPr/>
+          </p:nvSpPr>
+          <p:spPr bwMode="auto">
+            <a:xfrm>
+              <a:off x="3273426" y="5653088"/>
+              <a:ext cx="138113" cy="287338"/>
+            </a:xfrm>
+            <a:custGeom>
+              <a:avLst/>
+              <a:gdLst/>
+              <a:ahLst/>
+              <a:cxnLst/>
+              <a:rect l="0" t="0" r="r" b="b"/>
+              <a:pathLst>
+                <a:path w="35" h="73">
+                  <a:moveTo>
+                    <a:pt x="0" y="0"/>
+                  </a:moveTo>
+                  <a:cubicBezTo>
+                    <a:pt x="7" y="24"/>
+                    <a:pt x="16" y="49"/>
+                    <a:pt x="26" y="73"/>
+                  </a:cubicBezTo>
+                  <a:cubicBezTo>
+                    <a:pt x="35" y="73"/>
+                    <a:pt x="35" y="73"/>
+                    <a:pt x="35" y="73"/>
+                  </a:cubicBezTo>
+                  <a:cubicBezTo>
+                    <a:pt x="23" y="49"/>
+                    <a:pt x="11" y="24"/>
+                    <a:pt x="0" y="0"/>
+                  </a:cubicBezTo>
+                  <a:close/>
+                </a:path>
+              </a:pathLst>
+            </a:custGeom>
+            <a:solidFill>
+              <a:schemeClr val="tx2">
+                <a:alpha val="20000"/>
+              </a:schemeClr>
+            </a:solidFill>
+            <a:ln>
+              <a:noFill/>
+            </a:ln>
+          </p:spPr>
+        </p:sp>
+        <p:sp>
+          <p:nvSpPr>
+            <p:cNvPr id="34" name="Freeform 21"/>
+            <p:cNvSpPr/>
+            <p:nvPr/>
+          </p:nvSpPr>
+          <p:spPr bwMode="auto">
+            <a:xfrm>
+              <a:off x="3143251" y="4656138"/>
+              <a:ext cx="31750" cy="188913"/>
+            </a:xfrm>
+            <a:custGeom>
+              <a:avLst/>
+              <a:gdLst/>
+              <a:ahLst/>
+              <a:cxnLst/>
+              <a:rect l="0" t="0" r="r" b="b"/>
+              <a:pathLst>
+                <a:path w="8" h="48">
+                  <a:moveTo>
+                    <a:pt x="7" y="44"/>
+                  </a:moveTo>
+                  <a:cubicBezTo>
+                    <a:pt x="7" y="46"/>
+                    <a:pt x="8" y="47"/>
+                    <a:pt x="8" y="48"/>
+                  </a:cubicBezTo>
+                  <a:cubicBezTo>
+                    <a:pt x="8" y="38"/>
+                    <a:pt x="8" y="29"/>
+                    <a:pt x="8" y="19"/>
+                  </a:cubicBezTo>
+                  <a:cubicBezTo>
+                    <a:pt x="5" y="13"/>
+                    <a:pt x="3" y="6"/>
+                    <a:pt x="1" y="0"/>
+                  </a:cubicBezTo>
+                  <a:cubicBezTo>
+                    <a:pt x="0" y="9"/>
+                    <a:pt x="0" y="17"/>
+                    <a:pt x="0" y="26"/>
+                  </a:cubicBezTo>
+                  <a:cubicBezTo>
+                    <a:pt x="2" y="32"/>
+                    <a:pt x="5" y="38"/>
+                    <a:pt x="7" y="44"/>
+                  </a:cubicBezTo>
+                  <a:close/>
+                </a:path>
+              </a:pathLst>
+            </a:custGeom>
+            <a:solidFill>
+              <a:schemeClr val="tx2">
+                <a:alpha val="20000"/>
+              </a:schemeClr>
+            </a:solidFill>
+            <a:ln>
+              <a:noFill/>
+            </a:ln>
+          </p:spPr>
+        </p:sp>
+        <p:sp>
+          <p:nvSpPr>
+            <p:cNvPr id="35" name="Freeform 22"/>
+            <p:cNvSpPr/>
+            <p:nvPr/>
+          </p:nvSpPr>
+          <p:spPr bwMode="auto">
+            <a:xfrm>
+              <a:off x="3211513" y="5410200"/>
+              <a:ext cx="203200" cy="530225"/>
+            </a:xfrm>
+            <a:custGeom>
+              <a:avLst/>
+              <a:gdLst/>
+              <a:ahLst/>
+              <a:cxnLst/>
+              <a:rect l="0" t="0" r="r" b="b"/>
+              <a:pathLst>
+                <a:path w="52" h="135">
+                  <a:moveTo>
+                    <a:pt x="7" y="18"/>
+                  </a:moveTo>
+                  <a:cubicBezTo>
+                    <a:pt x="5" y="12"/>
+                    <a:pt x="2" y="6"/>
+                    <a:pt x="0" y="0"/>
+                  </a:cubicBezTo>
+                  <a:cubicBezTo>
+                    <a:pt x="3" y="16"/>
+                    <a:pt x="7" y="32"/>
+                    <a:pt x="12" y="48"/>
+                  </a:cubicBezTo>
+                  <a:cubicBezTo>
+                    <a:pt x="13" y="53"/>
+                    <a:pt x="14" y="57"/>
+                    <a:pt x="16" y="62"/>
+                  </a:cubicBezTo>
+                  <a:cubicBezTo>
+                    <a:pt x="27" y="86"/>
+                    <a:pt x="39" y="111"/>
+                    <a:pt x="51" y="135"/>
+                  </a:cubicBezTo>
+                  <a:cubicBezTo>
+                    <a:pt x="52" y="135"/>
+                    <a:pt x="52" y="135"/>
+                    <a:pt x="52" y="135"/>
+                  </a:cubicBezTo>
+                  <a:cubicBezTo>
+                    <a:pt x="41" y="109"/>
+                    <a:pt x="32" y="83"/>
+                    <a:pt x="24" y="56"/>
+                  </a:cubicBezTo>
+                  <a:cubicBezTo>
+                    <a:pt x="18" y="43"/>
+                    <a:pt x="13" y="31"/>
+                    <a:pt x="7" y="18"/>
+                  </a:cubicBezTo>
+                  <a:close/>
+                </a:path>
+              </a:pathLst>
+            </a:custGeom>
+            <a:solidFill>
+              <a:schemeClr val="tx2">
+                <a:alpha val="20000"/>
+              </a:schemeClr>
+            </a:solidFill>
+            <a:ln>
+              <a:noFill/>
+            </a:ln>
+          </p:spPr>
+        </p:sp>
+      </p:grpSp>
+      <p:grpSp>
+        <p:nvGrpSpPr>
+          <p:cNvPr id="10" name="Group 9"/>
+          <p:cNvGrpSpPr/>
+          <p:nvPr/>
+        </p:nvGrpSpPr>
+        <p:grpSpPr>
+          <a:xfrm>
+            <a:off x="27221" y="-786"/>
+            <a:ext cx="2356674" cy="6854039"/>
+            <a:chOff x="6627813" y="194833"/>
+            <a:chExt cx="1952625" cy="5678918"/>
+          </a:xfrm>
+        </p:grpSpPr>
+        <p:sp>
+          <p:nvSpPr>
+            <p:cNvPr id="11" name="Freeform 27"/>
+            <p:cNvSpPr/>
+            <p:nvPr/>
+          </p:nvSpPr>
+          <p:spPr bwMode="auto">
+            <a:xfrm>
+              <a:off x="6627813" y="194833"/>
+              <a:ext cx="409575" cy="3646488"/>
+            </a:xfrm>
+            <a:custGeom>
+              <a:avLst/>
+              <a:gdLst/>
+              <a:ahLst/>
+              <a:cxnLst/>
+              <a:rect l="0" t="0" r="r" b="b"/>
+              <a:pathLst>
+                <a:path w="103" h="920">
+                  <a:moveTo>
+                    <a:pt x="7" y="210"/>
+                  </a:moveTo>
+                  <a:cubicBezTo>
+                    <a:pt x="11" y="288"/>
+                    <a:pt x="17" y="367"/>
+                    <a:pt x="26" y="445"/>
+                  </a:cubicBezTo>
+                  <a:cubicBezTo>
+                    <a:pt x="34" y="523"/>
+                    <a:pt x="44" y="601"/>
+                    <a:pt x="57" y="679"/>
+                  </a:cubicBezTo>
+                  <a:cubicBezTo>
+                    <a:pt x="69" y="757"/>
+                    <a:pt x="84" y="834"/>
+                    <a:pt x="101" y="911"/>
+                  </a:cubicBezTo>
+                  <a:cubicBezTo>
+                    <a:pt x="102" y="914"/>
+                    <a:pt x="103" y="917"/>
+                    <a:pt x="103" y="920"/>
+                  </a:cubicBezTo>
+                  <a:cubicBezTo>
+                    <a:pt x="102" y="905"/>
+                    <a:pt x="100" y="889"/>
+                    <a:pt x="99" y="874"/>
+                  </a:cubicBezTo>
+                  <a:cubicBezTo>
+                    <a:pt x="99" y="871"/>
+                    <a:pt x="99" y="868"/>
+                    <a:pt x="99" y="866"/>
+                  </a:cubicBezTo>
+                  <a:cubicBezTo>
+                    <a:pt x="85" y="803"/>
+                    <a:pt x="73" y="741"/>
+                    <a:pt x="63" y="678"/>
+                  </a:cubicBezTo>
+                  <a:cubicBezTo>
+                    <a:pt x="50" y="600"/>
+                    <a:pt x="39" y="523"/>
+                    <a:pt x="30" y="444"/>
+                  </a:cubicBezTo>
+                  <a:cubicBezTo>
+                    <a:pt x="21" y="366"/>
+                    <a:pt x="14" y="288"/>
+                    <a:pt x="9" y="209"/>
+                  </a:cubicBezTo>
+                  <a:cubicBezTo>
+                    <a:pt x="7" y="170"/>
+                    <a:pt x="5" y="131"/>
+                    <a:pt x="3" y="92"/>
+                  </a:cubicBezTo>
+                  <a:cubicBezTo>
+                    <a:pt x="2" y="61"/>
+                    <a:pt x="1" y="31"/>
+                    <a:pt x="1" y="0"/>
+                  </a:cubicBezTo>
+                  <a:cubicBezTo>
+                    <a:pt x="0" y="0"/>
+                    <a:pt x="0" y="0"/>
+                    <a:pt x="0" y="0"/>
+                  </a:cubicBezTo>
+                  <a:cubicBezTo>
+                    <a:pt x="0" y="31"/>
+                    <a:pt x="1" y="61"/>
+                    <a:pt x="1" y="92"/>
+                  </a:cubicBezTo>
+                  <a:cubicBezTo>
+                    <a:pt x="3" y="131"/>
+                    <a:pt x="4" y="170"/>
+                    <a:pt x="7" y="210"/>
+                  </a:cubicBezTo>
+                  <a:close/>
+                </a:path>
+              </a:pathLst>
+            </a:custGeom>
+            <a:solidFill>
+              <a:schemeClr val="tx2"/>
+            </a:solidFill>
+            <a:ln>
+              <a:noFill/>
+            </a:ln>
+          </p:spPr>
+        </p:sp>
+        <p:sp>
+          <p:nvSpPr>
+            <p:cNvPr id="12" name="Freeform 28"/>
+            <p:cNvSpPr/>
+            <p:nvPr/>
+          </p:nvSpPr>
+          <p:spPr bwMode="auto">
+            <a:xfrm>
+              <a:off x="7061201" y="3771900"/>
+              <a:ext cx="350838" cy="1309688"/>
+            </a:xfrm>
+            <a:custGeom>
+              <a:avLst/>
+              <a:gdLst/>
+              <a:ahLst/>
+              <a:cxnLst/>
+              <a:rect l="0" t="0" r="r" b="b"/>
+              <a:pathLst>
+                <a:path w="88" h="330">
+                  <a:moveTo>
+                    <a:pt x="53" y="229"/>
+                  </a:moveTo>
+                  <a:cubicBezTo>
+                    <a:pt x="64" y="263"/>
+                    <a:pt x="75" y="297"/>
+                    <a:pt x="88" y="330"/>
+                  </a:cubicBezTo>
+                  <a:cubicBezTo>
+                    <a:pt x="88" y="323"/>
+                    <a:pt x="88" y="315"/>
+                    <a:pt x="88" y="308"/>
+                  </a:cubicBezTo>
+                  <a:cubicBezTo>
+                    <a:pt x="88" y="307"/>
+                    <a:pt x="88" y="305"/>
+                    <a:pt x="88" y="304"/>
+                  </a:cubicBezTo>
+                  <a:cubicBezTo>
+                    <a:pt x="79" y="278"/>
+                    <a:pt x="70" y="252"/>
+                    <a:pt x="62" y="226"/>
+                  </a:cubicBezTo>
+                  <a:cubicBezTo>
+                    <a:pt x="38" y="152"/>
+                    <a:pt x="17" y="76"/>
+                    <a:pt x="0" y="0"/>
+                  </a:cubicBezTo>
+                  <a:cubicBezTo>
+                    <a:pt x="2" y="21"/>
+                    <a:pt x="4" y="42"/>
+                    <a:pt x="7" y="63"/>
+                  </a:cubicBezTo>
+                  <a:cubicBezTo>
+                    <a:pt x="21" y="119"/>
+                    <a:pt x="36" y="174"/>
+                    <a:pt x="53" y="229"/>
+                  </a:cubicBezTo>
+                  <a:close/>
+                </a:path>
+              </a:pathLst>
+            </a:custGeom>
+            <a:solidFill>
+              <a:schemeClr val="tx2"/>
+            </a:solidFill>
+            <a:ln>
+              <a:noFill/>
+            </a:ln>
+          </p:spPr>
+        </p:sp>
+        <p:sp>
+          <p:nvSpPr>
+            <p:cNvPr id="13" name="Freeform 29"/>
+            <p:cNvSpPr/>
+            <p:nvPr/>
+          </p:nvSpPr>
+          <p:spPr bwMode="auto">
+            <a:xfrm>
+              <a:off x="7439026" y="5053013"/>
+              <a:ext cx="357188" cy="820738"/>
+            </a:xfrm>
+            <a:custGeom>
+              <a:avLst/>
+              <a:gdLst/>
+              <a:ahLst/>
+              <a:cxnLst/>
+              <a:rect l="0" t="0" r="r" b="b"/>
+              <a:pathLst>
+                <a:path w="90" h="207">
+                  <a:moveTo>
+                    <a:pt x="6" y="15"/>
+                  </a:moveTo>
+                  <a:cubicBezTo>
+                    <a:pt x="4" y="10"/>
+                    <a:pt x="2" y="5"/>
+                    <a:pt x="0" y="0"/>
+                  </a:cubicBezTo>
+                  <a:cubicBezTo>
+                    <a:pt x="0" y="9"/>
+                    <a:pt x="0" y="19"/>
+                    <a:pt x="1" y="29"/>
+                  </a:cubicBezTo>
+                  <a:cubicBezTo>
+                    <a:pt x="14" y="62"/>
+                    <a:pt x="27" y="95"/>
+                    <a:pt x="42" y="127"/>
+                  </a:cubicBezTo>
+                  <a:cubicBezTo>
+                    <a:pt x="54" y="154"/>
+                    <a:pt x="67" y="181"/>
+                    <a:pt x="80" y="207"/>
+                  </a:cubicBezTo>
+                  <a:cubicBezTo>
+                    <a:pt x="90" y="207"/>
+                    <a:pt x="90" y="207"/>
+                    <a:pt x="90" y="207"/>
+                  </a:cubicBezTo>
+                  <a:cubicBezTo>
+                    <a:pt x="76" y="180"/>
+                    <a:pt x="63" y="152"/>
+                    <a:pt x="50" y="123"/>
+                  </a:cubicBezTo>
+                  <a:cubicBezTo>
+                    <a:pt x="34" y="88"/>
+                    <a:pt x="20" y="51"/>
+                    <a:pt x="6" y="15"/>
+                  </a:cubicBezTo>
+                  <a:close/>
+                </a:path>
+              </a:pathLst>
+            </a:custGeom>
+            <a:solidFill>
+              <a:schemeClr val="tx2"/>
+            </a:solidFill>
+            <a:ln>
+              <a:noFill/>
+            </a:ln>
+          </p:spPr>
+        </p:sp>
+        <p:sp>
+          <p:nvSpPr>
+            <p:cNvPr id="14" name="Freeform 30"/>
+            <p:cNvSpPr/>
+            <p:nvPr/>
+          </p:nvSpPr>
+          <p:spPr bwMode="auto">
+            <a:xfrm>
+              <a:off x="7037388" y="3811588"/>
+              <a:ext cx="457200" cy="1852613"/>
+            </a:xfrm>
+            <a:custGeom>
+              <a:avLst/>
+              <a:gdLst/>
+              <a:ahLst/>
+              <a:cxnLst/>
+              <a:rect l="0" t="0" r="r" b="b"/>
+              <a:pathLst>
+                <a:path w="115" h="467">
+                  <a:moveTo>
+                    <a:pt x="101" y="409"/>
+                  </a:moveTo>
+                  <a:cubicBezTo>
+                    <a:pt x="93" y="388"/>
+                    <a:pt x="85" y="366"/>
+                    <a:pt x="78" y="344"/>
+                  </a:cubicBezTo>
+                  <a:cubicBezTo>
+                    <a:pt x="57" y="281"/>
+                    <a:pt x="41" y="216"/>
+                    <a:pt x="29" y="151"/>
+                  </a:cubicBezTo>
+                  <a:cubicBezTo>
+                    <a:pt x="22" y="119"/>
+                    <a:pt x="17" y="86"/>
+                    <a:pt x="13" y="53"/>
+                  </a:cubicBezTo>
+                  <a:cubicBezTo>
+                    <a:pt x="9" y="35"/>
+                    <a:pt x="4" y="18"/>
+                    <a:pt x="0" y="0"/>
+                  </a:cubicBezTo>
+                  <a:cubicBezTo>
+                    <a:pt x="5" y="51"/>
+                    <a:pt x="12" y="102"/>
+                    <a:pt x="21" y="152"/>
+                  </a:cubicBezTo>
+                  <a:cubicBezTo>
+                    <a:pt x="33" y="218"/>
+                    <a:pt x="49" y="283"/>
+                    <a:pt x="69" y="347"/>
+                  </a:cubicBezTo>
+                  <a:cubicBezTo>
+                    <a:pt x="79" y="378"/>
+                    <a:pt x="90" y="410"/>
+                    <a:pt x="103" y="441"/>
+                  </a:cubicBezTo>
+                  <a:cubicBezTo>
+                    <a:pt x="107" y="449"/>
+                    <a:pt x="111" y="458"/>
+                    <a:pt x="115" y="467"/>
+                  </a:cubicBezTo>
+                  <a:cubicBezTo>
+                    <a:pt x="114" y="464"/>
+                    <a:pt x="113" y="461"/>
+                    <a:pt x="112" y="458"/>
+                  </a:cubicBezTo>
+                  <a:cubicBezTo>
+                    <a:pt x="108" y="442"/>
+                    <a:pt x="104" y="425"/>
+                    <a:pt x="101" y="409"/>
+                  </a:cubicBezTo>
+                  <a:close/>
+                </a:path>
+              </a:pathLst>
+            </a:custGeom>
+            <a:solidFill>
+              <a:schemeClr val="tx2"/>
+            </a:solidFill>
+            <a:ln>
+              <a:noFill/>
+            </a:ln>
+          </p:spPr>
+        </p:sp>
+        <p:sp>
+          <p:nvSpPr>
+            <p:cNvPr id="15" name="Freeform 31"/>
+            <p:cNvSpPr/>
+            <p:nvPr/>
+          </p:nvSpPr>
+          <p:spPr bwMode="auto">
+            <a:xfrm>
+              <a:off x="6992938" y="1263650"/>
+              <a:ext cx="144463" cy="2508250"/>
+            </a:xfrm>
+            <a:custGeom>
+              <a:avLst/>
+              <a:gdLst/>
+              <a:ahLst/>
+              <a:cxnLst/>
+              <a:rect l="0" t="0" r="r" b="b"/>
+              <a:pathLst>
+                <a:path w="36" h="633">
+                  <a:moveTo>
+                    <a:pt x="17" y="633"/>
+                  </a:moveTo>
+                  <a:cubicBezTo>
+                    <a:pt x="15" y="621"/>
+                    <a:pt x="14" y="609"/>
+                    <a:pt x="13" y="597"/>
+                  </a:cubicBezTo>
+                  <a:cubicBezTo>
+                    <a:pt x="8" y="530"/>
+                    <a:pt x="5" y="464"/>
+                    <a:pt x="5" y="398"/>
+                  </a:cubicBezTo>
+                  <a:cubicBezTo>
+                    <a:pt x="5" y="331"/>
+                    <a:pt x="8" y="265"/>
+                    <a:pt x="13" y="198"/>
+                  </a:cubicBezTo>
+                  <a:cubicBezTo>
+                    <a:pt x="15" y="165"/>
+                    <a:pt x="18" y="132"/>
+                    <a:pt x="22" y="99"/>
+                  </a:cubicBezTo>
+                  <a:cubicBezTo>
+                    <a:pt x="26" y="66"/>
+                    <a:pt x="30" y="33"/>
+                    <a:pt x="36" y="0"/>
+                  </a:cubicBezTo>
+                  <a:cubicBezTo>
+                    <a:pt x="35" y="0"/>
+                    <a:pt x="35" y="0"/>
+                    <a:pt x="35" y="0"/>
+                  </a:cubicBezTo>
+                  <a:cubicBezTo>
+                    <a:pt x="29" y="33"/>
+                    <a:pt x="24" y="66"/>
+                    <a:pt x="20" y="99"/>
+                  </a:cubicBezTo>
+                  <a:cubicBezTo>
+                    <a:pt x="16" y="132"/>
+                    <a:pt x="13" y="165"/>
+                    <a:pt x="10" y="198"/>
+                  </a:cubicBezTo>
+                  <a:cubicBezTo>
+                    <a:pt x="4" y="264"/>
+                    <a:pt x="1" y="331"/>
+                    <a:pt x="1" y="398"/>
+                  </a:cubicBezTo>
+                  <a:cubicBezTo>
+                    <a:pt x="0" y="461"/>
+                    <a:pt x="2" y="525"/>
+                    <a:pt x="7" y="589"/>
+                  </a:cubicBezTo>
+                  <a:cubicBezTo>
+                    <a:pt x="10" y="603"/>
+                    <a:pt x="13" y="618"/>
+                    <a:pt x="16" y="632"/>
+                  </a:cubicBezTo>
+                  <a:cubicBezTo>
+                    <a:pt x="16" y="632"/>
+                    <a:pt x="17" y="633"/>
+                    <a:pt x="17" y="633"/>
+                  </a:cubicBezTo>
+                  <a:close/>
+                </a:path>
+              </a:pathLst>
+            </a:custGeom>
+            <a:solidFill>
+              <a:schemeClr val="tx2"/>
+            </a:solidFill>
+            <a:ln>
+              <a:noFill/>
+            </a:ln>
+          </p:spPr>
+        </p:sp>
+        <p:sp>
+          <p:nvSpPr>
+            <p:cNvPr id="16" name="Freeform 32"/>
+            <p:cNvSpPr/>
+            <p:nvPr/>
+          </p:nvSpPr>
+          <p:spPr bwMode="auto">
+            <a:xfrm>
+              <a:off x="7526338" y="5640388"/>
+              <a:ext cx="111125" cy="233363"/>
+            </a:xfrm>
+            <a:custGeom>
+              <a:avLst/>
+              <a:gdLst/>
+              <a:ahLst/>
+              <a:cxnLst/>
+              <a:rect l="0" t="0" r="r" b="b"/>
+              <a:pathLst>
+                <a:path w="28" h="59">
+                  <a:moveTo>
+                    <a:pt x="22" y="59"/>
+                  </a:moveTo>
+                  <a:cubicBezTo>
+                    <a:pt x="28" y="59"/>
+                    <a:pt x="28" y="59"/>
+                    <a:pt x="28" y="59"/>
+                  </a:cubicBezTo>
+                  <a:cubicBezTo>
+                    <a:pt x="18" y="40"/>
+                    <a:pt x="9" y="20"/>
+                    <a:pt x="0" y="0"/>
+                  </a:cubicBezTo>
+                  <a:cubicBezTo>
+                    <a:pt x="6" y="20"/>
+                    <a:pt x="13" y="40"/>
+                    <a:pt x="22" y="59"/>
+                  </a:cubicBezTo>
+                  <a:close/>
+                </a:path>
+              </a:pathLst>
+            </a:custGeom>
+            <a:solidFill>
+              <a:schemeClr val="tx2"/>
+            </a:solidFill>
+            <a:ln>
+              <a:noFill/>
+            </a:ln>
+          </p:spPr>
+        </p:sp>
+        <p:sp>
+          <p:nvSpPr>
+            <p:cNvPr id="17" name="Freeform 33"/>
+            <p:cNvSpPr/>
+            <p:nvPr/>
+          </p:nvSpPr>
+          <p:spPr bwMode="auto">
+            <a:xfrm>
+              <a:off x="7021513" y="3598863"/>
+              <a:ext cx="68263" cy="423863"/>
+            </a:xfrm>
+            <a:custGeom>
+              <a:avLst/>
+              <a:gdLst/>
+              <a:ahLst/>
+              <a:cxnLst/>
+              <a:rect l="0" t="0" r="r" b="b"/>
+              <a:pathLst>
+                <a:path w="17" h="107">
+                  <a:moveTo>
+                    <a:pt x="4" y="54"/>
+                  </a:moveTo>
+                  <a:cubicBezTo>
+                    <a:pt x="8" y="72"/>
+                    <a:pt x="13" y="89"/>
+                    <a:pt x="17" y="107"/>
+                  </a:cubicBezTo>
+                  <a:cubicBezTo>
+                    <a:pt x="14" y="86"/>
+                    <a:pt x="12" y="65"/>
+                    <a:pt x="10" y="44"/>
+                  </a:cubicBezTo>
+                  <a:cubicBezTo>
+                    <a:pt x="10" y="44"/>
+                    <a:pt x="9" y="43"/>
+                    <a:pt x="9" y="43"/>
+                  </a:cubicBezTo>
+                  <a:cubicBezTo>
+                    <a:pt x="6" y="29"/>
+                    <a:pt x="3" y="14"/>
+                    <a:pt x="0" y="0"/>
+                  </a:cubicBezTo>
+                  <a:cubicBezTo>
+                    <a:pt x="0" y="2"/>
+                    <a:pt x="0" y="5"/>
+                    <a:pt x="0" y="8"/>
+                  </a:cubicBezTo>
+                  <a:cubicBezTo>
+                    <a:pt x="1" y="23"/>
+                    <a:pt x="3" y="39"/>
+                    <a:pt x="4" y="54"/>
+                  </a:cubicBezTo>
+                  <a:close/>
+                </a:path>
+              </a:pathLst>
+            </a:custGeom>
+            <a:solidFill>
+              <a:schemeClr val="tx2"/>
+            </a:solidFill>
+            <a:ln>
+              <a:noFill/>
+            </a:ln>
+          </p:spPr>
+        </p:sp>
+        <p:sp>
+          <p:nvSpPr>
+            <p:cNvPr id="18" name="Freeform 34"/>
+            <p:cNvSpPr/>
+            <p:nvPr/>
+          </p:nvSpPr>
+          <p:spPr bwMode="auto">
+            <a:xfrm>
+              <a:off x="7412038" y="2801938"/>
+              <a:ext cx="1168400" cy="2251075"/>
+            </a:xfrm>
+            <a:custGeom>
+              <a:avLst/>
+              <a:gdLst/>
+              <a:ahLst/>
+              <a:cxnLst/>
+              <a:rect l="0" t="0" r="r" b="b"/>
+              <a:pathLst>
+                <a:path w="294" h="568">
+                  <a:moveTo>
+                    <a:pt x="8" y="553"/>
+                  </a:moveTo>
+                  <a:cubicBezTo>
+                    <a:pt x="9" y="501"/>
+                    <a:pt x="19" y="448"/>
+                    <a:pt x="35" y="397"/>
+                  </a:cubicBezTo>
+                  <a:cubicBezTo>
+                    <a:pt x="51" y="347"/>
+                    <a:pt x="73" y="298"/>
+                    <a:pt x="99" y="252"/>
+                  </a:cubicBezTo>
+                  <a:cubicBezTo>
+                    <a:pt x="124" y="205"/>
+                    <a:pt x="154" y="161"/>
+                    <a:pt x="187" y="119"/>
+                  </a:cubicBezTo>
+                  <a:cubicBezTo>
+                    <a:pt x="203" y="98"/>
+                    <a:pt x="220" y="77"/>
+                    <a:pt x="238" y="58"/>
+                  </a:cubicBezTo>
+                  <a:cubicBezTo>
+                    <a:pt x="247" y="48"/>
+                    <a:pt x="256" y="38"/>
+                    <a:pt x="265" y="28"/>
+                  </a:cubicBezTo>
+                  <a:cubicBezTo>
+                    <a:pt x="274" y="19"/>
+                    <a:pt x="284" y="9"/>
+                    <a:pt x="294" y="0"/>
+                  </a:cubicBezTo>
+                  <a:cubicBezTo>
+                    <a:pt x="293" y="0"/>
+                    <a:pt x="293" y="0"/>
+                    <a:pt x="293" y="0"/>
+                  </a:cubicBezTo>
+                  <a:cubicBezTo>
+                    <a:pt x="283" y="9"/>
+                    <a:pt x="273" y="18"/>
+                    <a:pt x="264" y="27"/>
+                  </a:cubicBezTo>
+                  <a:cubicBezTo>
+                    <a:pt x="255" y="37"/>
+                    <a:pt x="246" y="47"/>
+                    <a:pt x="237" y="56"/>
+                  </a:cubicBezTo>
+                  <a:cubicBezTo>
+                    <a:pt x="218" y="76"/>
+                    <a:pt x="201" y="96"/>
+                    <a:pt x="185" y="117"/>
+                  </a:cubicBezTo>
+                  <a:cubicBezTo>
+                    <a:pt x="151" y="159"/>
+                    <a:pt x="121" y="203"/>
+                    <a:pt x="95" y="249"/>
+                  </a:cubicBezTo>
+                  <a:cubicBezTo>
+                    <a:pt x="68" y="296"/>
+                    <a:pt x="46" y="345"/>
+                    <a:pt x="30" y="396"/>
+                  </a:cubicBezTo>
+                  <a:cubicBezTo>
+                    <a:pt x="13" y="445"/>
+                    <a:pt x="3" y="497"/>
+                    <a:pt x="0" y="549"/>
+                  </a:cubicBezTo>
+                  <a:cubicBezTo>
+                    <a:pt x="3" y="555"/>
+                    <a:pt x="5" y="561"/>
+                    <a:pt x="7" y="568"/>
+                  </a:cubicBezTo>
+                  <a:cubicBezTo>
+                    <a:pt x="7" y="563"/>
+                    <a:pt x="7" y="558"/>
+                    <a:pt x="8" y="553"/>
+                  </a:cubicBezTo>
+                  <a:close/>
+                </a:path>
+              </a:pathLst>
+            </a:custGeom>
+            <a:solidFill>
+              <a:schemeClr val="tx2"/>
+            </a:solidFill>
+            <a:ln>
+              <a:noFill/>
+            </a:ln>
+          </p:spPr>
+        </p:sp>
+        <p:sp>
+          <p:nvSpPr>
+            <p:cNvPr id="19" name="Freeform 35"/>
+            <p:cNvSpPr/>
+            <p:nvPr/>
+          </p:nvSpPr>
+          <p:spPr bwMode="auto">
+            <a:xfrm>
+              <a:off x="7494588" y="5664200"/>
+              <a:ext cx="100013" cy="209550"/>
+            </a:xfrm>
+            <a:custGeom>
+              <a:avLst/>
+              <a:gdLst/>
+              <a:ahLst/>
+              <a:cxnLst/>
+              <a:rect l="0" t="0" r="r" b="b"/>
+              <a:pathLst>
+                <a:path w="25" h="53">
+                  <a:moveTo>
+                    <a:pt x="0" y="0"/>
+                  </a:moveTo>
+                  <a:cubicBezTo>
+                    <a:pt x="5" y="18"/>
+                    <a:pt x="12" y="36"/>
+                    <a:pt x="19" y="53"/>
+                  </a:cubicBezTo>
+                  <a:cubicBezTo>
+                    <a:pt x="25" y="53"/>
+                    <a:pt x="25" y="53"/>
+                    <a:pt x="25" y="53"/>
+                  </a:cubicBezTo>
+                  <a:cubicBezTo>
+                    <a:pt x="16" y="36"/>
+                    <a:pt x="8" y="18"/>
+                    <a:pt x="0" y="0"/>
+                  </a:cubicBezTo>
+                  <a:close/>
+                </a:path>
+              </a:pathLst>
+            </a:custGeom>
+            <a:solidFill>
+              <a:schemeClr val="tx2"/>
+            </a:solidFill>
+            <a:ln>
+              <a:noFill/>
+            </a:ln>
+          </p:spPr>
+        </p:sp>
+        <p:sp>
+          <p:nvSpPr>
+            <p:cNvPr id="20" name="Freeform 36"/>
+            <p:cNvSpPr/>
+            <p:nvPr/>
+          </p:nvSpPr>
+          <p:spPr bwMode="auto">
+            <a:xfrm>
+              <a:off x="7412038" y="5081588"/>
+              <a:ext cx="114300" cy="558800"/>
+            </a:xfrm>
+            <a:custGeom>
+              <a:avLst/>
+              <a:gdLst/>
+              <a:ahLst/>
+              <a:cxnLst/>
+              <a:rect l="0" t="0" r="r" b="b"/>
+              <a:pathLst>
+                <a:path w="29" h="141">
+                  <a:moveTo>
+                    <a:pt x="0" y="0"/>
+                  </a:moveTo>
+                  <a:cubicBezTo>
+                    <a:pt x="0" y="30"/>
+                    <a:pt x="2" y="60"/>
+                    <a:pt x="7" y="89"/>
+                  </a:cubicBezTo>
+                  <a:cubicBezTo>
+                    <a:pt x="11" y="98"/>
+                    <a:pt x="14" y="108"/>
+                    <a:pt x="18" y="117"/>
+                  </a:cubicBezTo>
+                  <a:cubicBezTo>
+                    <a:pt x="22" y="125"/>
+                    <a:pt x="25" y="133"/>
+                    <a:pt x="29" y="141"/>
+                  </a:cubicBezTo>
+                  <a:cubicBezTo>
+                    <a:pt x="28" y="139"/>
+                    <a:pt x="28" y="137"/>
+                    <a:pt x="27" y="135"/>
+                  </a:cubicBezTo>
+                  <a:cubicBezTo>
+                    <a:pt x="16" y="98"/>
+                    <a:pt x="10" y="60"/>
+                    <a:pt x="8" y="22"/>
+                  </a:cubicBezTo>
+                  <a:cubicBezTo>
+                    <a:pt x="7" y="18"/>
+                    <a:pt x="5" y="15"/>
+                    <a:pt x="4" y="11"/>
+                  </a:cubicBezTo>
+                  <a:cubicBezTo>
+                    <a:pt x="2" y="7"/>
+                    <a:pt x="1" y="3"/>
+                    <a:pt x="0" y="0"/>
+                  </a:cubicBezTo>
+                  <a:close/>
+                </a:path>
+              </a:pathLst>
+            </a:custGeom>
+            <a:solidFill>
+              <a:schemeClr val="tx2"/>
+            </a:solidFill>
+            <a:ln>
+              <a:noFill/>
+            </a:ln>
+          </p:spPr>
+        </p:sp>
+        <p:sp>
+          <p:nvSpPr>
+            <p:cNvPr id="21" name="Freeform 37"/>
+            <p:cNvSpPr/>
+            <p:nvPr/>
+          </p:nvSpPr>
+          <p:spPr bwMode="auto">
+            <a:xfrm>
+              <a:off x="7412038" y="4978400"/>
+              <a:ext cx="31750" cy="188913"/>
+            </a:xfrm>
+            <a:custGeom>
+              <a:avLst/>
+              <a:gdLst/>
+              <a:ahLst/>
+              <a:cxnLst/>
+              <a:rect l="0" t="0" r="r" b="b"/>
+              <a:pathLst>
+                <a:path w="8" h="48">
+                  <a:moveTo>
+                    <a:pt x="0" y="26"/>
+                  </a:moveTo>
+                  <a:cubicBezTo>
+                    <a:pt x="1" y="29"/>
+                    <a:pt x="2" y="33"/>
+                    <a:pt x="4" y="37"/>
+                  </a:cubicBezTo>
+                  <a:cubicBezTo>
+                    <a:pt x="5" y="41"/>
+                    <a:pt x="7" y="44"/>
+                    <a:pt x="8" y="48"/>
+                  </a:cubicBezTo>
+                  <a:cubicBezTo>
+                    <a:pt x="7" y="38"/>
+                    <a:pt x="7" y="28"/>
+                    <a:pt x="7" y="19"/>
+                  </a:cubicBezTo>
+                  <a:cubicBezTo>
+                    <a:pt x="5" y="12"/>
+                    <a:pt x="3" y="6"/>
+                    <a:pt x="0" y="0"/>
+                  </a:cubicBezTo>
+                  <a:cubicBezTo>
+                    <a:pt x="0" y="1"/>
+                    <a:pt x="0" y="3"/>
+                    <a:pt x="0" y="4"/>
+                  </a:cubicBezTo>
+                  <a:cubicBezTo>
+                    <a:pt x="0" y="11"/>
+                    <a:pt x="0" y="19"/>
+                    <a:pt x="0" y="26"/>
+                  </a:cubicBezTo>
+                  <a:close/>
+                </a:path>
+              </a:pathLst>
+            </a:custGeom>
+            <a:solidFill>
+              <a:schemeClr val="tx2"/>
+            </a:solidFill>
+            <a:ln>
+              <a:noFill/>
+            </a:ln>
+          </p:spPr>
+        </p:sp>
+        <p:sp>
+          <p:nvSpPr>
+            <p:cNvPr id="22" name="Freeform 38"/>
+            <p:cNvSpPr/>
+            <p:nvPr/>
+          </p:nvSpPr>
+          <p:spPr bwMode="auto">
+            <a:xfrm>
+              <a:off x="7439026" y="5434013"/>
+              <a:ext cx="174625" cy="439738"/>
+            </a:xfrm>
+            <a:custGeom>
+              <a:avLst/>
+              <a:gdLst/>
+              <a:ahLst/>
+              <a:cxnLst/>
+              <a:rect l="0" t="0" r="r" b="b"/>
+              <a:pathLst>
+                <a:path w="44" h="111">
+                  <a:moveTo>
+                    <a:pt x="11" y="28"/>
+                  </a:moveTo>
+                  <a:cubicBezTo>
+                    <a:pt x="7" y="19"/>
+                    <a:pt x="4" y="9"/>
+                    <a:pt x="0" y="0"/>
+                  </a:cubicBezTo>
+                  <a:cubicBezTo>
+                    <a:pt x="3" y="16"/>
+                    <a:pt x="7" y="33"/>
+                    <a:pt x="11" y="49"/>
+                  </a:cubicBezTo>
+                  <a:cubicBezTo>
+                    <a:pt x="12" y="52"/>
+                    <a:pt x="13" y="55"/>
+                    <a:pt x="14" y="58"/>
+                  </a:cubicBezTo>
+                  <a:cubicBezTo>
+                    <a:pt x="22" y="76"/>
+                    <a:pt x="30" y="94"/>
+                    <a:pt x="39" y="111"/>
+                  </a:cubicBezTo>
+                  <a:cubicBezTo>
+                    <a:pt x="44" y="111"/>
+                    <a:pt x="44" y="111"/>
+                    <a:pt x="44" y="111"/>
+                  </a:cubicBezTo>
+                  <a:cubicBezTo>
+                    <a:pt x="35" y="92"/>
+                    <a:pt x="28" y="72"/>
+                    <a:pt x="22" y="52"/>
+                  </a:cubicBezTo>
+                  <a:cubicBezTo>
+                    <a:pt x="18" y="44"/>
+                    <a:pt x="15" y="36"/>
+                    <a:pt x="11" y="28"/>
+                  </a:cubicBezTo>
+                  <a:close/>
+                </a:path>
+              </a:pathLst>
+            </a:custGeom>
+            <a:solidFill>
+              <a:schemeClr val="tx2"/>
+            </a:solidFill>
+            <a:ln>
+              <a:noFill/>
+            </a:ln>
+          </p:spPr>
+        </p:sp>
+      </p:grpSp>
+      <p:sp>
+        <p:nvSpPr>
+          <p:cNvPr id="7" name="Rectangle 6"/>
+          <p:cNvSpPr/>
+          <p:nvPr/>
         </p:nvSpPr>
         <p:spPr>
           <a:xfrm>
-            <a:off x="838200" y="365125"/>
-            <a:ext cx="10515600" cy="1325563"/>
+            <a:off x="0" y="0"/>
+            <a:ext cx="182880" cy="6858000"/>
+          </a:xfrm>
+          <a:prstGeom prst="rect">
+            <a:avLst/>
+          </a:prstGeom>
+          <a:solidFill>
+            <a:schemeClr val="tx2"/>
+          </a:solidFill>
+          <a:ln>
+            <a:noFill/>
+          </a:ln>
+          <a:effectLst/>
+        </p:spPr>
+        <p:style>
+          <a:lnRef idx="1">
+            <a:schemeClr val="accent1"/>
+          </a:lnRef>
+          <a:fillRef idx="3">
+            <a:schemeClr val="accent1"/>
+          </a:fillRef>
+          <a:effectRef idx="2">
+            <a:schemeClr val="accent1"/>
+          </a:effectRef>
+          <a:fontRef idx="minor">
+            <a:schemeClr val="lt1"/>
+          </a:fontRef>
+        </p:style>
+      </p:sp>
+      <p:sp>
+        <p:nvSpPr>
+          <p:cNvPr id="2" name="Title Placeholder 1"/>
+          <p:cNvSpPr>
+            <a:spLocks noGrp="1"/>
+          </p:cNvSpPr>
+          <p:nvPr>
+            <p:ph type="title"/>
+          </p:nvPr>
+        </p:nvSpPr>
+        <p:spPr>
+          <a:xfrm>
+            <a:off x="2592924" y="624110"/>
+            <a:ext cx="8911687" cy="1280890"/>
           </a:xfrm>
           <a:prstGeom prst="rect">
             <a:avLst/>
           </a:prstGeom>
         </p:spPr>
         <p:txBody>
-          <a:bodyPr vert="horz" lIns="91440" tIns="45720" rIns="91440" bIns="45720" rtlCol="0" anchor="ctr">
+          <a:bodyPr vert="horz" lIns="91440" tIns="45720" rIns="91440" bIns="45720" rtlCol="0" anchor="t">
             <a:normAutofit/>
           </a:bodyPr>
           <a:lstStyle/>
@@ -2793,18 +7064,13 @@
               <a:rPr lang="fr-FR"/>
               <a:t>Modifiez le style du titre</a:t>
             </a:r>
-          </a:p>
-        </p:txBody>
-      </p:sp>
-      <p:sp>
-        <p:nvSpPr>
-          <p:cNvPr id="3" name="Espace réservé du texte 2">
-            <a:extLst>
-              <a:ext uri="{FF2B5EF4-FFF2-40B4-BE49-F238E27FC236}">
-                <a16:creationId xmlns:a16="http://schemas.microsoft.com/office/drawing/2014/main" id="{10B7CD30-1738-461B-9500-0931972AE4DA}"/>
-              </a:ext>
-            </a:extLst>
-          </p:cNvPr>
+            <a:endParaRPr lang="en-US" dirty="0"/>
+          </a:p>
+        </p:txBody>
+      </p:sp>
+      <p:sp>
+        <p:nvSpPr>
+          <p:cNvPr id="3" name="Text Placeholder 2"/>
           <p:cNvSpPr>
             <a:spLocks noGrp="1"/>
           </p:cNvSpPr>
@@ -2814,8 +7080,8 @@
         </p:nvSpPr>
         <p:spPr>
           <a:xfrm>
-            <a:off x="838200" y="1825625"/>
-            <a:ext cx="10515600" cy="4351338"/>
+            <a:off x="2589212" y="2133600"/>
+            <a:ext cx="8915400" cy="3886200"/>
           </a:xfrm>
           <a:prstGeom prst="rect">
             <a:avLst/>
@@ -2860,18 +7126,13 @@
               <a:rPr lang="fr-FR"/>
               <a:t>Cinquième niveau</a:t>
             </a:r>
-          </a:p>
-        </p:txBody>
-      </p:sp>
-      <p:sp>
-        <p:nvSpPr>
-          <p:cNvPr id="4" name="Espace réservé de la date 3">
-            <a:extLst>
-              <a:ext uri="{FF2B5EF4-FFF2-40B4-BE49-F238E27FC236}">
-                <a16:creationId xmlns:a16="http://schemas.microsoft.com/office/drawing/2014/main" id="{BB69E444-BEE1-4F1A-A0E4-C2C33FBD2B82}"/>
-              </a:ext>
-            </a:extLst>
-          </p:cNvPr>
+            <a:endParaRPr lang="en-US" dirty="0"/>
+          </a:p>
+        </p:txBody>
+      </p:sp>
+      <p:sp>
+        <p:nvSpPr>
+          <p:cNvPr id="4" name="Date Placeholder 3"/>
           <p:cNvSpPr>
             <a:spLocks noGrp="1"/>
           </p:cNvSpPr>
@@ -2881,8 +7142,8 @@
         </p:nvSpPr>
         <p:spPr>
           <a:xfrm>
-            <a:off x="838200" y="6356350"/>
-            <a:ext cx="2743200" cy="365125"/>
+            <a:off x="10361612" y="6130437"/>
+            <a:ext cx="1146283" cy="370396"/>
           </a:xfrm>
           <a:prstGeom prst="rect">
             <a:avLst/>
@@ -2891,8 +7152,8 @@
         <p:txBody>
           <a:bodyPr vert="horz" lIns="91440" tIns="45720" rIns="91440" bIns="45720" rtlCol="0" anchor="ctr"/>
           <a:lstStyle>
-            <a:lvl1pPr algn="l">
-              <a:defRPr sz="1200">
+            <a:lvl1pPr algn="r">
+              <a:defRPr sz="900">
                 <a:solidFill>
                   <a:schemeClr val="tx1">
                     <a:tint val="75000"/>
@@ -2904,7 +7165,7 @@
           <a:p>
             <a:fld id="{7A47CF09-9538-47D9-9371-EDA44274715E}" type="datetimeFigureOut">
               <a:rPr lang="fr-FR" smtClean="0"/>
-              <a:t>26/03/2020</a:t>
+              <a:t>29/03/2020</a:t>
             </a:fld>
             <a:endParaRPr lang="fr-FR"/>
           </a:p>
@@ -2912,13 +7173,7 @@
       </p:sp>
       <p:sp>
         <p:nvSpPr>
-          <p:cNvPr id="5" name="Espace réservé du pied de page 4">
-            <a:extLst>
-              <a:ext uri="{FF2B5EF4-FFF2-40B4-BE49-F238E27FC236}">
-                <a16:creationId xmlns:a16="http://schemas.microsoft.com/office/drawing/2014/main" id="{779EB8D4-C30F-49BB-BA9F-1E4183060223}"/>
-              </a:ext>
-            </a:extLst>
-          </p:cNvPr>
+          <p:cNvPr id="5" name="Footer Placeholder 4"/>
           <p:cNvSpPr>
             <a:spLocks noGrp="1"/>
           </p:cNvSpPr>
@@ -2928,8 +7183,8 @@
         </p:nvSpPr>
         <p:spPr>
           <a:xfrm>
-            <a:off x="4038600" y="6356350"/>
-            <a:ext cx="4114800" cy="365125"/>
+            <a:off x="2589212" y="6135808"/>
+            <a:ext cx="7619999" cy="365125"/>
           </a:xfrm>
           <a:prstGeom prst="rect">
             <a:avLst/>
@@ -2938,8 +7193,8 @@
         <p:txBody>
           <a:bodyPr vert="horz" lIns="91440" tIns="45720" rIns="91440" bIns="45720" rtlCol="0" anchor="ctr"/>
           <a:lstStyle>
-            <a:lvl1pPr algn="ctr">
-              <a:defRPr sz="1200">
+            <a:lvl1pPr algn="l">
+              <a:defRPr sz="900">
                 <a:solidFill>
                   <a:schemeClr val="tx1">
                     <a:tint val="75000"/>
@@ -2955,13 +7210,7 @@
       </p:sp>
       <p:sp>
         <p:nvSpPr>
-          <p:cNvPr id="6" name="Espace réservé du numéro de diapositive 5">
-            <a:extLst>
-              <a:ext uri="{FF2B5EF4-FFF2-40B4-BE49-F238E27FC236}">
-                <a16:creationId xmlns:a16="http://schemas.microsoft.com/office/drawing/2014/main" id="{12EBBA3E-44D5-498E-B585-8908807D2AF6}"/>
-              </a:ext>
-            </a:extLst>
-          </p:cNvPr>
+          <p:cNvPr id="6" name="Slide Number Placeholder 5"/>
           <p:cNvSpPr>
             <a:spLocks noGrp="1"/>
           </p:cNvSpPr>
@@ -2969,10 +7218,10 @@
             <p:ph type="sldNum" sz="quarter" idx="4"/>
           </p:nvPr>
         </p:nvSpPr>
-        <p:spPr>
+        <p:spPr bwMode="gray">
           <a:xfrm>
-            <a:off x="8610600" y="6356350"/>
-            <a:ext cx="2743200" cy="365125"/>
+            <a:off x="531812" y="787782"/>
+            <a:ext cx="779767" cy="365125"/>
           </a:xfrm>
           <a:prstGeom prst="rect">
             <a:avLst/>
@@ -2982,11 +7231,9 @@
           <a:bodyPr vert="horz" lIns="91440" tIns="45720" rIns="91440" bIns="45720" rtlCol="0" anchor="ctr"/>
           <a:lstStyle>
             <a:lvl1pPr algn="r">
-              <a:defRPr sz="1200">
+              <a:defRPr sz="2000">
                 <a:solidFill>
-                  <a:schemeClr val="tx1">
-                    <a:tint val="75000"/>
-                  </a:schemeClr>
+                  <a:srgbClr val="FEFFFF"/>
                 </a:solidFill>
               </a:defRPr>
             </a:lvl1pPr>
@@ -3003,55 +7250,329 @@
     </p:spTree>
     <p:extLst>
       <p:ext uri="{BB962C8B-B14F-4D97-AF65-F5344CB8AC3E}">
-        <p14:creationId xmlns:p14="http://schemas.microsoft.com/office/powerpoint/2010/main" val="1245227563"/>
+        <p14:creationId xmlns:p14="http://schemas.microsoft.com/office/powerpoint/2010/main" val="1682389469"/>
       </p:ext>
     </p:extLst>
   </p:cSld>
   <p:clrMap bg1="lt1" tx1="dk1" bg2="lt2" tx2="dk2" accent1="accent1" accent2="accent2" accent3="accent3" accent4="accent4" accent5="accent5" accent6="accent6" hlink="hlink" folHlink="folHlink"/>
   <p:sldLayoutIdLst>
-    <p:sldLayoutId id="2147483649" r:id="rId1"/>
-    <p:sldLayoutId id="2147483650" r:id="rId2"/>
-    <p:sldLayoutId id="2147483651" r:id="rId3"/>
-    <p:sldLayoutId id="2147483652" r:id="rId4"/>
-    <p:sldLayoutId id="2147483653" r:id="rId5"/>
-    <p:sldLayoutId id="2147483654" r:id="rId6"/>
-    <p:sldLayoutId id="2147483655" r:id="rId7"/>
-    <p:sldLayoutId id="2147483656" r:id="rId8"/>
-    <p:sldLayoutId id="2147483657" r:id="rId9"/>
-    <p:sldLayoutId id="2147483658" r:id="rId10"/>
-    <p:sldLayoutId id="2147483659" r:id="rId11"/>
+    <p:sldLayoutId id="2147483726" r:id="rId1"/>
+    <p:sldLayoutId id="2147483727" r:id="rId2"/>
+    <p:sldLayoutId id="2147483728" r:id="rId3"/>
+    <p:sldLayoutId id="2147483729" r:id="rId4"/>
+    <p:sldLayoutId id="2147483730" r:id="rId5"/>
+    <p:sldLayoutId id="2147483731" r:id="rId6"/>
+    <p:sldLayoutId id="2147483732" r:id="rId7"/>
+    <p:sldLayoutId id="2147483733" r:id="rId8"/>
+    <p:sldLayoutId id="2147483734" r:id="rId9"/>
+    <p:sldLayoutId id="2147483735" r:id="rId10"/>
+    <p:sldLayoutId id="2147483736" r:id="rId11"/>
+    <p:sldLayoutId id="2147483737" r:id="rId12"/>
+    <p:sldLayoutId id="2147483738" r:id="rId13"/>
+    <p:sldLayoutId id="2147483739" r:id="rId14"/>
+    <p:sldLayoutId id="2147483740" r:id="rId15"/>
+    <p:sldLayoutId id="2147483741" r:id="rId16"/>
   </p:sldLayoutIdLst>
   <p:txStyles>
     <p:titleStyle>
-      <a:lvl1pPr algn="l" defTabSz="914400" rtl="0" eaLnBrk="1" latinLnBrk="0" hangingPunct="1">
-        <a:lnSpc>
-          <a:spcPct val="90000"/>
-        </a:lnSpc>
+      <a:lvl1pPr algn="l" defTabSz="457200" rtl="0" eaLnBrk="1" latinLnBrk="0" hangingPunct="1">
         <a:spcBef>
           <a:spcPct val="0"/>
         </a:spcBef>
         <a:buNone/>
-        <a:defRPr sz="4400" kern="1200">
+        <a:defRPr sz="3600" kern="1200">
           <a:solidFill>
-            <a:schemeClr val="tx1"/>
+            <a:schemeClr val="tx1">
+              <a:lumMod val="85000"/>
+              <a:lumOff val="15000"/>
+            </a:schemeClr>
           </a:solidFill>
           <a:latin typeface="+mj-lt"/>
           <a:ea typeface="+mj-ea"/>
           <a:cs typeface="+mj-cs"/>
         </a:defRPr>
       </a:lvl1pPr>
+      <a:lvl2pPr eaLnBrk="1" hangingPunct="1">
+        <a:defRPr>
+          <a:solidFill>
+            <a:schemeClr val="tx2"/>
+          </a:solidFill>
+        </a:defRPr>
+      </a:lvl2pPr>
+      <a:lvl3pPr eaLnBrk="1" hangingPunct="1">
+        <a:defRPr>
+          <a:solidFill>
+            <a:schemeClr val="tx2"/>
+          </a:solidFill>
+        </a:defRPr>
+      </a:lvl3pPr>
+      <a:lvl4pPr eaLnBrk="1" hangingPunct="1">
+        <a:defRPr>
+          <a:solidFill>
+            <a:schemeClr val="tx2"/>
+          </a:solidFill>
+        </a:defRPr>
+      </a:lvl4pPr>
+      <a:lvl5pPr eaLnBrk="1" hangingPunct="1">
+        <a:defRPr>
+          <a:solidFill>
+            <a:schemeClr val="tx2"/>
+          </a:solidFill>
+        </a:defRPr>
+      </a:lvl5pPr>
+      <a:lvl6pPr eaLnBrk="1" hangingPunct="1">
+        <a:defRPr>
+          <a:solidFill>
+            <a:schemeClr val="tx2"/>
+          </a:solidFill>
+        </a:defRPr>
+      </a:lvl6pPr>
+      <a:lvl7pPr eaLnBrk="1" hangingPunct="1">
+        <a:defRPr>
+          <a:solidFill>
+            <a:schemeClr val="tx2"/>
+          </a:solidFill>
+        </a:defRPr>
+      </a:lvl7pPr>
+      <a:lvl8pPr eaLnBrk="1" hangingPunct="1">
+        <a:defRPr>
+          <a:solidFill>
+            <a:schemeClr val="tx2"/>
+          </a:solidFill>
+        </a:defRPr>
+      </a:lvl8pPr>
+      <a:lvl9pPr eaLnBrk="1" hangingPunct="1">
+        <a:defRPr>
+          <a:solidFill>
+            <a:schemeClr val="tx2"/>
+          </a:solidFill>
+        </a:defRPr>
+      </a:lvl9pPr>
     </p:titleStyle>
     <p:bodyStyle>
-      <a:lvl1pPr marL="228600" indent="-228600" algn="l" defTabSz="914400" rtl="0" eaLnBrk="1" latinLnBrk="0" hangingPunct="1">
-        <a:lnSpc>
-          <a:spcPct val="90000"/>
-        </a:lnSpc>
+      <a:lvl1pPr marL="342900" indent="-342900" algn="l" defTabSz="457200" rtl="0" eaLnBrk="1" latinLnBrk="0" hangingPunct="1">
         <a:spcBef>
           <a:spcPts val="1000"/>
         </a:spcBef>
-        <a:buFont typeface="Arial" panose="020B0604020202020204" pitchFamily="34" charset="0"/>
-        <a:buChar char="•"/>
-        <a:defRPr sz="2800" kern="1200">
+        <a:spcAft>
+          <a:spcPts val="0"/>
+        </a:spcAft>
+        <a:buClr>
+          <a:schemeClr val="accent1"/>
+        </a:buClr>
+        <a:buFont typeface="Wingdings 3" charset="2"/>
+        <a:buChar char=""/>
+        <a:defRPr sz="1800" kern="1200">
+          <a:solidFill>
+            <a:schemeClr val="tx1">
+              <a:lumMod val="75000"/>
+              <a:lumOff val="25000"/>
+            </a:schemeClr>
+          </a:solidFill>
+          <a:latin typeface="+mn-lt"/>
+          <a:ea typeface="+mn-ea"/>
+          <a:cs typeface="+mn-cs"/>
+        </a:defRPr>
+      </a:lvl1pPr>
+      <a:lvl2pPr marL="742950" indent="-285750" algn="l" defTabSz="457200" rtl="0" eaLnBrk="1" latinLnBrk="0" hangingPunct="1">
+        <a:spcBef>
+          <a:spcPts val="1000"/>
+        </a:spcBef>
+        <a:spcAft>
+          <a:spcPts val="0"/>
+        </a:spcAft>
+        <a:buClr>
+          <a:schemeClr val="accent1"/>
+        </a:buClr>
+        <a:buFont typeface="Wingdings 3" charset="2"/>
+        <a:buChar char=""/>
+        <a:defRPr sz="1600" kern="1200">
+          <a:solidFill>
+            <a:schemeClr val="tx1">
+              <a:lumMod val="75000"/>
+              <a:lumOff val="25000"/>
+            </a:schemeClr>
+          </a:solidFill>
+          <a:latin typeface="+mn-lt"/>
+          <a:ea typeface="+mn-ea"/>
+          <a:cs typeface="+mn-cs"/>
+        </a:defRPr>
+      </a:lvl2pPr>
+      <a:lvl3pPr marL="1143000" indent="-228600" algn="l" defTabSz="457200" rtl="0" eaLnBrk="1" latinLnBrk="0" hangingPunct="1">
+        <a:spcBef>
+          <a:spcPts val="1000"/>
+        </a:spcBef>
+        <a:spcAft>
+          <a:spcPts val="0"/>
+        </a:spcAft>
+        <a:buClr>
+          <a:schemeClr val="accent1"/>
+        </a:buClr>
+        <a:buFont typeface="Wingdings 3" charset="2"/>
+        <a:buChar char=""/>
+        <a:defRPr sz="1400" kern="1200">
+          <a:solidFill>
+            <a:schemeClr val="tx1">
+              <a:lumMod val="75000"/>
+              <a:lumOff val="25000"/>
+            </a:schemeClr>
+          </a:solidFill>
+          <a:latin typeface="+mn-lt"/>
+          <a:ea typeface="+mn-ea"/>
+          <a:cs typeface="+mn-cs"/>
+        </a:defRPr>
+      </a:lvl3pPr>
+      <a:lvl4pPr marL="1600200" indent="-228600" algn="l" defTabSz="457200" rtl="0" eaLnBrk="1" latinLnBrk="0" hangingPunct="1">
+        <a:spcBef>
+          <a:spcPts val="1000"/>
+        </a:spcBef>
+        <a:spcAft>
+          <a:spcPts val="0"/>
+        </a:spcAft>
+        <a:buClr>
+          <a:schemeClr val="accent1"/>
+        </a:buClr>
+        <a:buFont typeface="Wingdings 3" charset="2"/>
+        <a:buChar char=""/>
+        <a:defRPr sz="1200" kern="1200">
+          <a:solidFill>
+            <a:schemeClr val="tx1">
+              <a:lumMod val="75000"/>
+              <a:lumOff val="25000"/>
+            </a:schemeClr>
+          </a:solidFill>
+          <a:latin typeface="+mn-lt"/>
+          <a:ea typeface="+mn-ea"/>
+          <a:cs typeface="+mn-cs"/>
+        </a:defRPr>
+      </a:lvl4pPr>
+      <a:lvl5pPr marL="2057400" indent="-228600" algn="l" defTabSz="457200" rtl="0" eaLnBrk="1" latinLnBrk="0" hangingPunct="1">
+        <a:spcBef>
+          <a:spcPts val="1000"/>
+        </a:spcBef>
+        <a:spcAft>
+          <a:spcPts val="0"/>
+        </a:spcAft>
+        <a:buClr>
+          <a:schemeClr val="accent1"/>
+        </a:buClr>
+        <a:buFont typeface="Wingdings 3" charset="2"/>
+        <a:buChar char=""/>
+        <a:defRPr sz="1200" kern="1200">
+          <a:solidFill>
+            <a:schemeClr val="tx1">
+              <a:lumMod val="75000"/>
+              <a:lumOff val="25000"/>
+            </a:schemeClr>
+          </a:solidFill>
+          <a:latin typeface="+mn-lt"/>
+          <a:ea typeface="+mn-ea"/>
+          <a:cs typeface="+mn-cs"/>
+        </a:defRPr>
+      </a:lvl5pPr>
+      <a:lvl6pPr marL="2514600" indent="-228600" algn="l" defTabSz="457200" rtl="0" eaLnBrk="1" latinLnBrk="0" hangingPunct="1">
+        <a:spcBef>
+          <a:spcPts val="1000"/>
+        </a:spcBef>
+        <a:spcAft>
+          <a:spcPts val="0"/>
+        </a:spcAft>
+        <a:buClr>
+          <a:schemeClr val="accent1"/>
+        </a:buClr>
+        <a:buFont typeface="Wingdings 3" charset="2"/>
+        <a:buChar char=""/>
+        <a:defRPr sz="1200" kern="1200">
+          <a:solidFill>
+            <a:schemeClr val="tx1">
+              <a:lumMod val="75000"/>
+              <a:lumOff val="25000"/>
+            </a:schemeClr>
+          </a:solidFill>
+          <a:latin typeface="+mn-lt"/>
+          <a:ea typeface="+mn-ea"/>
+          <a:cs typeface="+mn-cs"/>
+        </a:defRPr>
+      </a:lvl6pPr>
+      <a:lvl7pPr marL="2971800" indent="-228600" algn="l" defTabSz="457200" rtl="0" eaLnBrk="1" latinLnBrk="0" hangingPunct="1">
+        <a:spcBef>
+          <a:spcPts val="1000"/>
+        </a:spcBef>
+        <a:spcAft>
+          <a:spcPts val="0"/>
+        </a:spcAft>
+        <a:buClr>
+          <a:schemeClr val="accent1"/>
+        </a:buClr>
+        <a:buFont typeface="Wingdings 3" charset="2"/>
+        <a:buChar char=""/>
+        <a:defRPr sz="1200" kern="1200">
+          <a:solidFill>
+            <a:schemeClr val="tx1">
+              <a:lumMod val="75000"/>
+              <a:lumOff val="25000"/>
+            </a:schemeClr>
+          </a:solidFill>
+          <a:latin typeface="+mn-lt"/>
+          <a:ea typeface="+mn-ea"/>
+          <a:cs typeface="+mn-cs"/>
+        </a:defRPr>
+      </a:lvl7pPr>
+      <a:lvl8pPr marL="3429000" indent="-228600" algn="l" defTabSz="457200" rtl="0" eaLnBrk="1" latinLnBrk="0" hangingPunct="1">
+        <a:spcBef>
+          <a:spcPts val="1000"/>
+        </a:spcBef>
+        <a:spcAft>
+          <a:spcPts val="0"/>
+        </a:spcAft>
+        <a:buClr>
+          <a:schemeClr val="accent1"/>
+        </a:buClr>
+        <a:buFont typeface="Wingdings 3" charset="2"/>
+        <a:buChar char=""/>
+        <a:defRPr sz="1200" kern="1200">
+          <a:solidFill>
+            <a:schemeClr val="tx1">
+              <a:lumMod val="75000"/>
+              <a:lumOff val="25000"/>
+            </a:schemeClr>
+          </a:solidFill>
+          <a:latin typeface="+mn-lt"/>
+          <a:ea typeface="+mn-ea"/>
+          <a:cs typeface="+mn-cs"/>
+        </a:defRPr>
+      </a:lvl8pPr>
+      <a:lvl9pPr marL="3886200" indent="-228600" algn="l" defTabSz="457200" rtl="0" eaLnBrk="1" latinLnBrk="0" hangingPunct="1">
+        <a:spcBef>
+          <a:spcPts val="1000"/>
+        </a:spcBef>
+        <a:spcAft>
+          <a:spcPts val="0"/>
+        </a:spcAft>
+        <a:buClr>
+          <a:schemeClr val="accent1"/>
+        </a:buClr>
+        <a:buFont typeface="Wingdings 3" charset="2"/>
+        <a:buChar char=""/>
+        <a:defRPr sz="1200" kern="1200">
+          <a:solidFill>
+            <a:schemeClr val="tx1">
+              <a:lumMod val="75000"/>
+              <a:lumOff val="25000"/>
+            </a:schemeClr>
+          </a:solidFill>
+          <a:latin typeface="+mn-lt"/>
+          <a:ea typeface="+mn-ea"/>
+          <a:cs typeface="+mn-cs"/>
+        </a:defRPr>
+      </a:lvl9pPr>
+    </p:bodyStyle>
+    <p:otherStyle>
+      <a:defPPr>
+        <a:defRPr lang="en-US"/>
+      </a:defPPr>
+      <a:lvl1pPr marL="0" algn="l" defTabSz="457200" rtl="0" eaLnBrk="1" latinLnBrk="0" hangingPunct="1">
+        <a:defRPr sz="1800" kern="1200">
           <a:solidFill>
             <a:schemeClr val="tx1"/>
           </a:solidFill>
@@ -3060,16 +7581,8 @@
           <a:cs typeface="+mn-cs"/>
         </a:defRPr>
       </a:lvl1pPr>
-      <a:lvl2pPr marL="685800" indent="-228600" algn="l" defTabSz="914400" rtl="0" eaLnBrk="1" latinLnBrk="0" hangingPunct="1">
-        <a:lnSpc>
-          <a:spcPct val="90000"/>
-        </a:lnSpc>
-        <a:spcBef>
-          <a:spcPts val="500"/>
-        </a:spcBef>
-        <a:buFont typeface="Arial" panose="020B0604020202020204" pitchFamily="34" charset="0"/>
-        <a:buChar char="•"/>
-        <a:defRPr sz="2400" kern="1200">
+      <a:lvl2pPr marL="457200" algn="l" defTabSz="457200" rtl="0" eaLnBrk="1" latinLnBrk="0" hangingPunct="1">
+        <a:defRPr sz="1800" kern="1200">
           <a:solidFill>
             <a:schemeClr val="tx1"/>
           </a:solidFill>
@@ -3078,16 +7591,8 @@
           <a:cs typeface="+mn-cs"/>
         </a:defRPr>
       </a:lvl2pPr>
-      <a:lvl3pPr marL="1143000" indent="-228600" algn="l" defTabSz="914400" rtl="0" eaLnBrk="1" latinLnBrk="0" hangingPunct="1">
-        <a:lnSpc>
-          <a:spcPct val="90000"/>
-        </a:lnSpc>
-        <a:spcBef>
-          <a:spcPts val="500"/>
-        </a:spcBef>
-        <a:buFont typeface="Arial" panose="020B0604020202020204" pitchFamily="34" charset="0"/>
-        <a:buChar char="•"/>
-        <a:defRPr sz="2000" kern="1200">
+      <a:lvl3pPr marL="914400" algn="l" defTabSz="457200" rtl="0" eaLnBrk="1" latinLnBrk="0" hangingPunct="1">
+        <a:defRPr sz="1800" kern="1200">
           <a:solidFill>
             <a:schemeClr val="tx1"/>
           </a:solidFill>
@@ -3096,15 +7601,7 @@
           <a:cs typeface="+mn-cs"/>
         </a:defRPr>
       </a:lvl3pPr>
-      <a:lvl4pPr marL="1600200" indent="-228600" algn="l" defTabSz="914400" rtl="0" eaLnBrk="1" latinLnBrk="0" hangingPunct="1">
-        <a:lnSpc>
-          <a:spcPct val="90000"/>
-        </a:lnSpc>
-        <a:spcBef>
-          <a:spcPts val="500"/>
-        </a:spcBef>
-        <a:buFont typeface="Arial" panose="020B0604020202020204" pitchFamily="34" charset="0"/>
-        <a:buChar char="•"/>
+      <a:lvl4pPr marL="1371600" algn="l" defTabSz="457200" rtl="0" eaLnBrk="1" latinLnBrk="0" hangingPunct="1">
         <a:defRPr sz="1800" kern="1200">
           <a:solidFill>
             <a:schemeClr val="tx1"/>
@@ -3114,15 +7611,7 @@
           <a:cs typeface="+mn-cs"/>
         </a:defRPr>
       </a:lvl4pPr>
-      <a:lvl5pPr marL="2057400" indent="-228600" algn="l" defTabSz="914400" rtl="0" eaLnBrk="1" latinLnBrk="0" hangingPunct="1">
-        <a:lnSpc>
-          <a:spcPct val="90000"/>
-        </a:lnSpc>
-        <a:spcBef>
-          <a:spcPts val="500"/>
-        </a:spcBef>
-        <a:buFont typeface="Arial" panose="020B0604020202020204" pitchFamily="34" charset="0"/>
-        <a:buChar char="•"/>
+      <a:lvl5pPr marL="1828800" algn="l" defTabSz="457200" rtl="0" eaLnBrk="1" latinLnBrk="0" hangingPunct="1">
         <a:defRPr sz="1800" kern="1200">
           <a:solidFill>
             <a:schemeClr val="tx1"/>
@@ -3132,15 +7621,7 @@
           <a:cs typeface="+mn-cs"/>
         </a:defRPr>
       </a:lvl5pPr>
-      <a:lvl6pPr marL="2514600" indent="-228600" algn="l" defTabSz="914400" rtl="0" eaLnBrk="1" latinLnBrk="0" hangingPunct="1">
-        <a:lnSpc>
-          <a:spcPct val="90000"/>
-        </a:lnSpc>
-        <a:spcBef>
-          <a:spcPts val="500"/>
-        </a:spcBef>
-        <a:buFont typeface="Arial" panose="020B0604020202020204" pitchFamily="34" charset="0"/>
-        <a:buChar char="•"/>
+      <a:lvl6pPr marL="2286000" algn="l" defTabSz="457200" rtl="0" eaLnBrk="1" latinLnBrk="0" hangingPunct="1">
         <a:defRPr sz="1800" kern="1200">
           <a:solidFill>
             <a:schemeClr val="tx1"/>
@@ -3150,15 +7631,7 @@
           <a:cs typeface="+mn-cs"/>
         </a:defRPr>
       </a:lvl6pPr>
-      <a:lvl7pPr marL="2971800" indent="-228600" algn="l" defTabSz="914400" rtl="0" eaLnBrk="1" latinLnBrk="0" hangingPunct="1">
-        <a:lnSpc>
-          <a:spcPct val="90000"/>
-        </a:lnSpc>
-        <a:spcBef>
-          <a:spcPts val="500"/>
-        </a:spcBef>
-        <a:buFont typeface="Arial" panose="020B0604020202020204" pitchFamily="34" charset="0"/>
-        <a:buChar char="•"/>
+      <a:lvl7pPr marL="2743200" algn="l" defTabSz="457200" rtl="0" eaLnBrk="1" latinLnBrk="0" hangingPunct="1">
         <a:defRPr sz="1800" kern="1200">
           <a:solidFill>
             <a:schemeClr val="tx1"/>
@@ -3168,15 +7641,7 @@
           <a:cs typeface="+mn-cs"/>
         </a:defRPr>
       </a:lvl7pPr>
-      <a:lvl8pPr marL="3429000" indent="-228600" algn="l" defTabSz="914400" rtl="0" eaLnBrk="1" latinLnBrk="0" hangingPunct="1">
-        <a:lnSpc>
-          <a:spcPct val="90000"/>
-        </a:lnSpc>
-        <a:spcBef>
-          <a:spcPts val="500"/>
-        </a:spcBef>
-        <a:buFont typeface="Arial" panose="020B0604020202020204" pitchFamily="34" charset="0"/>
-        <a:buChar char="•"/>
+      <a:lvl8pPr marL="3200400" algn="l" defTabSz="457200" rtl="0" eaLnBrk="1" latinLnBrk="0" hangingPunct="1">
         <a:defRPr sz="1800" kern="1200">
           <a:solidFill>
             <a:schemeClr val="tx1"/>
@@ -3186,110 +7651,7 @@
           <a:cs typeface="+mn-cs"/>
         </a:defRPr>
       </a:lvl8pPr>
-      <a:lvl9pPr marL="3886200" indent="-228600" algn="l" defTabSz="914400" rtl="0" eaLnBrk="1" latinLnBrk="0" hangingPunct="1">
-        <a:lnSpc>
-          <a:spcPct val="90000"/>
-        </a:lnSpc>
-        <a:spcBef>
-          <a:spcPts val="500"/>
-        </a:spcBef>
-        <a:buFont typeface="Arial" panose="020B0604020202020204" pitchFamily="34" charset="0"/>
-        <a:buChar char="•"/>
-        <a:defRPr sz="1800" kern="1200">
-          <a:solidFill>
-            <a:schemeClr val="tx1"/>
-          </a:solidFill>
-          <a:latin typeface="+mn-lt"/>
-          <a:ea typeface="+mn-ea"/>
-          <a:cs typeface="+mn-cs"/>
-        </a:defRPr>
-      </a:lvl9pPr>
-    </p:bodyStyle>
-    <p:otherStyle>
-      <a:defPPr>
-        <a:defRPr lang="fr-FR"/>
-      </a:defPPr>
-      <a:lvl1pPr marL="0" algn="l" defTabSz="914400" rtl="0" eaLnBrk="1" latinLnBrk="0" hangingPunct="1">
-        <a:defRPr sz="1800" kern="1200">
-          <a:solidFill>
-            <a:schemeClr val="tx1"/>
-          </a:solidFill>
-          <a:latin typeface="+mn-lt"/>
-          <a:ea typeface="+mn-ea"/>
-          <a:cs typeface="+mn-cs"/>
-        </a:defRPr>
-      </a:lvl1pPr>
-      <a:lvl2pPr marL="457200" algn="l" defTabSz="914400" rtl="0" eaLnBrk="1" latinLnBrk="0" hangingPunct="1">
-        <a:defRPr sz="1800" kern="1200">
-          <a:solidFill>
-            <a:schemeClr val="tx1"/>
-          </a:solidFill>
-          <a:latin typeface="+mn-lt"/>
-          <a:ea typeface="+mn-ea"/>
-          <a:cs typeface="+mn-cs"/>
-        </a:defRPr>
-      </a:lvl2pPr>
-      <a:lvl3pPr marL="914400" algn="l" defTabSz="914400" rtl="0" eaLnBrk="1" latinLnBrk="0" hangingPunct="1">
-        <a:defRPr sz="1800" kern="1200">
-          <a:solidFill>
-            <a:schemeClr val="tx1"/>
-          </a:solidFill>
-          <a:latin typeface="+mn-lt"/>
-          <a:ea typeface="+mn-ea"/>
-          <a:cs typeface="+mn-cs"/>
-        </a:defRPr>
-      </a:lvl3pPr>
-      <a:lvl4pPr marL="1371600" algn="l" defTabSz="914400" rtl="0" eaLnBrk="1" latinLnBrk="0" hangingPunct="1">
-        <a:defRPr sz="1800" kern="1200">
-          <a:solidFill>
-            <a:schemeClr val="tx1"/>
-          </a:solidFill>
-          <a:latin typeface="+mn-lt"/>
-          <a:ea typeface="+mn-ea"/>
-          <a:cs typeface="+mn-cs"/>
-        </a:defRPr>
-      </a:lvl4pPr>
-      <a:lvl5pPr marL="1828800" algn="l" defTabSz="914400" rtl="0" eaLnBrk="1" latinLnBrk="0" hangingPunct="1">
-        <a:defRPr sz="1800" kern="1200">
-          <a:solidFill>
-            <a:schemeClr val="tx1"/>
-          </a:solidFill>
-          <a:latin typeface="+mn-lt"/>
-          <a:ea typeface="+mn-ea"/>
-          <a:cs typeface="+mn-cs"/>
-        </a:defRPr>
-      </a:lvl5pPr>
-      <a:lvl6pPr marL="2286000" algn="l" defTabSz="914400" rtl="0" eaLnBrk="1" latinLnBrk="0" hangingPunct="1">
-        <a:defRPr sz="1800" kern="1200">
-          <a:solidFill>
-            <a:schemeClr val="tx1"/>
-          </a:solidFill>
-          <a:latin typeface="+mn-lt"/>
-          <a:ea typeface="+mn-ea"/>
-          <a:cs typeface="+mn-cs"/>
-        </a:defRPr>
-      </a:lvl6pPr>
-      <a:lvl7pPr marL="2743200" algn="l" defTabSz="914400" rtl="0" eaLnBrk="1" latinLnBrk="0" hangingPunct="1">
-        <a:defRPr sz="1800" kern="1200">
-          <a:solidFill>
-            <a:schemeClr val="tx1"/>
-          </a:solidFill>
-          <a:latin typeface="+mn-lt"/>
-          <a:ea typeface="+mn-ea"/>
-          <a:cs typeface="+mn-cs"/>
-        </a:defRPr>
-      </a:lvl7pPr>
-      <a:lvl8pPr marL="3200400" algn="l" defTabSz="914400" rtl="0" eaLnBrk="1" latinLnBrk="0" hangingPunct="1">
-        <a:defRPr sz="1800" kern="1200">
-          <a:solidFill>
-            <a:schemeClr val="tx1"/>
-          </a:solidFill>
-          <a:latin typeface="+mn-lt"/>
-          <a:ea typeface="+mn-ea"/>
-          <a:cs typeface="+mn-cs"/>
-        </a:defRPr>
-      </a:lvl8pPr>
-      <a:lvl9pPr marL="3657600" algn="l" defTabSz="914400" rtl="0" eaLnBrk="1" latinLnBrk="0" hangingPunct="1">
+      <a:lvl9pPr marL="3657600" algn="l" defTabSz="457200" rtl="0" eaLnBrk="1" latinLnBrk="0" hangingPunct="1">
         <a:defRPr sz="1800" kern="1200">
           <a:solidFill>
             <a:schemeClr val="tx1"/>
@@ -3342,7 +7704,11 @@
           <a:bodyPr/>
           <a:lstStyle/>
           <a:p>
-            <a:endParaRPr lang="fr-FR"/>
+            <a:pPr algn="ctr"/>
+            <a:r>
+              <a:rPr lang="fr-FR" dirty="0"/>
+              <a:t>REVUE DE PROJET N°1</a:t>
+            </a:r>
           </a:p>
         </p:txBody>
       </p:sp>
@@ -3364,10 +7730,51 @@
         </p:nvSpPr>
         <p:spPr/>
         <p:txBody>
-          <a:bodyPr/>
+          <a:bodyPr>
+            <a:normAutofit/>
+          </a:bodyPr>
           <a:lstStyle/>
           <a:p>
-            <a:endParaRPr lang="fr-FR"/>
+            <a:pPr algn="ctr"/>
+            <a:r>
+              <a:rPr lang="fr-FR" sz="2400" dirty="0"/>
+              <a:t>Pager Mobile de Taches (PMT)</a:t>
+            </a:r>
+          </a:p>
+        </p:txBody>
+      </p:sp>
+      <p:sp>
+        <p:nvSpPr>
+          <p:cNvPr id="4" name="ZoneTexte 3">
+            <a:extLst>
+              <a:ext uri="{FF2B5EF4-FFF2-40B4-BE49-F238E27FC236}">
+                <a16:creationId xmlns:a16="http://schemas.microsoft.com/office/drawing/2014/main" id="{2E311C8A-5087-419F-AD9F-2F967A81F472}"/>
+              </a:ext>
+            </a:extLst>
+          </p:cNvPr>
+          <p:cNvSpPr txBox="1"/>
+          <p:nvPr/>
+        </p:nvSpPr>
+        <p:spPr>
+          <a:xfrm>
+            <a:off x="136478" y="4484991"/>
+            <a:ext cx="1422184" cy="584775"/>
+          </a:xfrm>
+          <a:prstGeom prst="rect">
+            <a:avLst/>
+          </a:prstGeom>
+          <a:noFill/>
+        </p:spPr>
+        <p:txBody>
+          <a:bodyPr wrap="none" rtlCol="0">
+            <a:spAutoFit/>
+          </a:bodyPr>
+          <a:lstStyle/>
+          <a:p>
+            <a:r>
+              <a:rPr lang="fr-FR" sz="3200" dirty="0"/>
+              <a:t>CSG 2</a:t>
+            </a:r>
           </a:p>
         </p:txBody>
       </p:sp>
@@ -3384,10 +7791,1037 @@
 </p:sld>
 </file>
 
+<file path=ppt/slides/slide2.xml><?xml version="1.0" encoding="utf-8"?>
+<p:sld xmlns:a="http://schemas.openxmlformats.org/drawingml/2006/main" xmlns:r="http://schemas.openxmlformats.org/officeDocument/2006/relationships" xmlns:p="http://schemas.openxmlformats.org/presentationml/2006/main">
+  <p:cSld>
+    <p:spTree>
+      <p:nvGrpSpPr>
+        <p:cNvPr id="1" name=""/>
+        <p:cNvGrpSpPr/>
+        <p:nvPr/>
+      </p:nvGrpSpPr>
+      <p:grpSpPr>
+        <a:xfrm>
+          <a:off x="0" y="0"/>
+          <a:ext cx="0" cy="0"/>
+          <a:chOff x="0" y="0"/>
+          <a:chExt cx="0" cy="0"/>
+        </a:xfrm>
+      </p:grpSpPr>
+      <p:sp>
+        <p:nvSpPr>
+          <p:cNvPr id="2" name="Titre 1">
+            <a:extLst>
+              <a:ext uri="{FF2B5EF4-FFF2-40B4-BE49-F238E27FC236}">
+                <a16:creationId xmlns:a16="http://schemas.microsoft.com/office/drawing/2014/main" id="{3C223DFC-10DA-45EB-993C-BA192D11DC22}"/>
+              </a:ext>
+            </a:extLst>
+          </p:cNvPr>
+          <p:cNvSpPr>
+            <a:spLocks noGrp="1"/>
+          </p:cNvSpPr>
+          <p:nvPr>
+            <p:ph type="title"/>
+          </p:nvPr>
+        </p:nvSpPr>
+        <p:spPr/>
+        <p:txBody>
+          <a:bodyPr/>
+          <a:lstStyle/>
+          <a:p>
+            <a:pPr algn="ctr"/>
+            <a:r>
+              <a:rPr lang="fr-FR" dirty="0"/>
+              <a:t>Problématique</a:t>
+            </a:r>
+          </a:p>
+        </p:txBody>
+      </p:sp>
+      <p:sp>
+        <p:nvSpPr>
+          <p:cNvPr id="3" name="Espace réservé du contenu 2">
+            <a:extLst>
+              <a:ext uri="{FF2B5EF4-FFF2-40B4-BE49-F238E27FC236}">
+                <a16:creationId xmlns:a16="http://schemas.microsoft.com/office/drawing/2014/main" id="{22B7E44E-733D-4D1C-AD84-18A66EC9E3DF}"/>
+              </a:ext>
+            </a:extLst>
+          </p:cNvPr>
+          <p:cNvSpPr>
+            <a:spLocks noGrp="1"/>
+          </p:cNvSpPr>
+          <p:nvPr>
+            <p:ph idx="1"/>
+          </p:nvPr>
+        </p:nvSpPr>
+        <p:spPr/>
+        <p:txBody>
+          <a:bodyPr>
+            <a:normAutofit/>
+          </a:bodyPr>
+          <a:lstStyle/>
+          <a:p>
+            <a:r>
+              <a:rPr lang="fr-FR" sz="4000" dirty="0"/>
+              <a:t>L’hôtel SALAKO souhait attribuer des tâches à leur employés en fonction du besoin du client d’après leur position GPS </a:t>
+            </a:r>
+          </a:p>
+        </p:txBody>
+      </p:sp>
+      <p:sp>
+        <p:nvSpPr>
+          <p:cNvPr id="5" name="Rectangle 4">
+            <a:extLst>
+              <a:ext uri="{FF2B5EF4-FFF2-40B4-BE49-F238E27FC236}">
+                <a16:creationId xmlns:a16="http://schemas.microsoft.com/office/drawing/2014/main" id="{13F6C509-572A-436E-A1B8-A7CB0610569B}"/>
+              </a:ext>
+            </a:extLst>
+          </p:cNvPr>
+          <p:cNvSpPr/>
+          <p:nvPr/>
+        </p:nvSpPr>
+        <p:spPr>
+          <a:xfrm>
+            <a:off x="174266" y="802890"/>
+            <a:ext cx="1111202" cy="461665"/>
+          </a:xfrm>
+          <a:prstGeom prst="rect">
+            <a:avLst/>
+          </a:prstGeom>
+        </p:spPr>
+        <p:txBody>
+          <a:bodyPr wrap="none">
+            <a:spAutoFit/>
+          </a:bodyPr>
+          <a:lstStyle/>
+          <a:p>
+            <a:r>
+              <a:rPr lang="fr-FR" sz="2400" dirty="0"/>
+              <a:t>CSG 2</a:t>
+            </a:r>
+          </a:p>
+        </p:txBody>
+      </p:sp>
+    </p:spTree>
+    <p:extLst>
+      <p:ext uri="{BB962C8B-B14F-4D97-AF65-F5344CB8AC3E}">
+        <p14:creationId xmlns:p14="http://schemas.microsoft.com/office/powerpoint/2010/main" val="717210722"/>
+      </p:ext>
+    </p:extLst>
+  </p:cSld>
+  <p:clrMapOvr>
+    <a:masterClrMapping/>
+  </p:clrMapOvr>
+</p:sld>
+</file>
+
+<file path=ppt/slides/slide3.xml><?xml version="1.0" encoding="utf-8"?>
+<p:sld xmlns:a="http://schemas.openxmlformats.org/drawingml/2006/main" xmlns:r="http://schemas.openxmlformats.org/officeDocument/2006/relationships" xmlns:p="http://schemas.openxmlformats.org/presentationml/2006/main">
+  <p:cSld>
+    <p:spTree>
+      <p:nvGrpSpPr>
+        <p:cNvPr id="1" name=""/>
+        <p:cNvGrpSpPr/>
+        <p:nvPr/>
+      </p:nvGrpSpPr>
+      <p:grpSpPr>
+        <a:xfrm>
+          <a:off x="0" y="0"/>
+          <a:ext cx="0" cy="0"/>
+          <a:chOff x="0" y="0"/>
+          <a:chExt cx="0" cy="0"/>
+        </a:xfrm>
+      </p:grpSpPr>
+      <p:sp>
+        <p:nvSpPr>
+          <p:cNvPr id="2" name="Titre 1">
+            <a:extLst>
+              <a:ext uri="{FF2B5EF4-FFF2-40B4-BE49-F238E27FC236}">
+                <a16:creationId xmlns:a16="http://schemas.microsoft.com/office/drawing/2014/main" id="{A7A44787-ACE5-4968-8339-539401A72AB9}"/>
+              </a:ext>
+            </a:extLst>
+          </p:cNvPr>
+          <p:cNvSpPr>
+            <a:spLocks noGrp="1"/>
+          </p:cNvSpPr>
+          <p:nvPr>
+            <p:ph type="title"/>
+          </p:nvPr>
+        </p:nvSpPr>
+        <p:spPr/>
+        <p:txBody>
+          <a:bodyPr/>
+          <a:lstStyle/>
+          <a:p>
+            <a:pPr algn="ctr"/>
+            <a:r>
+              <a:rPr lang="fr-FR" dirty="0"/>
+              <a:t>Synoptique</a:t>
+            </a:r>
+          </a:p>
+        </p:txBody>
+      </p:sp>
+      <p:pic>
+        <p:nvPicPr>
+          <p:cNvPr id="4" name="Image 8">
+            <a:extLst>
+              <a:ext uri="{FF2B5EF4-FFF2-40B4-BE49-F238E27FC236}">
+                <a16:creationId xmlns:a16="http://schemas.microsoft.com/office/drawing/2014/main" id="{8EEE2C98-7102-4462-9540-A22C65610D65}"/>
+              </a:ext>
+            </a:extLst>
+          </p:cNvPr>
+          <p:cNvPicPr>
+            <a:picLocks noGrp="1" noChangeAspect="1" noChangeArrowheads="1"/>
+          </p:cNvPicPr>
+          <p:nvPr>
+            <p:ph idx="1"/>
+          </p:nvPr>
+        </p:nvPicPr>
+        <p:blipFill>
+          <a:blip r:embed="rId2">
+            <a:extLst>
+              <a:ext uri="{28A0092B-C50C-407E-A947-70E740481C1C}">
+                <a14:useLocalDpi xmlns:a14="http://schemas.microsoft.com/office/drawing/2010/main" val="0"/>
+              </a:ext>
+            </a:extLst>
+          </a:blip>
+          <a:srcRect/>
+          <a:stretch>
+            <a:fillRect/>
+          </a:stretch>
+        </p:blipFill>
+        <p:spPr>
+          <a:xfrm>
+            <a:off x="2775995" y="2133600"/>
+            <a:ext cx="8541835" cy="3778250"/>
+          </a:xfrm>
+          <a:noFill/>
+          <a:ln/>
+        </p:spPr>
+      </p:pic>
+      <p:sp>
+        <p:nvSpPr>
+          <p:cNvPr id="5" name="ZoneTexte 4">
+            <a:extLst>
+              <a:ext uri="{FF2B5EF4-FFF2-40B4-BE49-F238E27FC236}">
+                <a16:creationId xmlns:a16="http://schemas.microsoft.com/office/drawing/2014/main" id="{E82C1C1A-F97C-4582-A020-9EEF1D55FD2B}"/>
+              </a:ext>
+            </a:extLst>
+          </p:cNvPr>
+          <p:cNvSpPr txBox="1"/>
+          <p:nvPr/>
+        </p:nvSpPr>
+        <p:spPr>
+          <a:xfrm>
+            <a:off x="212035" y="768626"/>
+            <a:ext cx="1111202" cy="461665"/>
+          </a:xfrm>
+          <a:prstGeom prst="rect">
+            <a:avLst/>
+          </a:prstGeom>
+          <a:noFill/>
+        </p:spPr>
+        <p:txBody>
+          <a:bodyPr wrap="none" rtlCol="0">
+            <a:spAutoFit/>
+          </a:bodyPr>
+          <a:lstStyle/>
+          <a:p>
+            <a:r>
+              <a:rPr lang="fr-FR" sz="2400" dirty="0"/>
+              <a:t>CSG 2</a:t>
+            </a:r>
+          </a:p>
+        </p:txBody>
+      </p:sp>
+    </p:spTree>
+    <p:extLst>
+      <p:ext uri="{BB962C8B-B14F-4D97-AF65-F5344CB8AC3E}">
+        <p14:creationId xmlns:p14="http://schemas.microsoft.com/office/powerpoint/2010/main" val="3719514083"/>
+      </p:ext>
+    </p:extLst>
+  </p:cSld>
+  <p:clrMapOvr>
+    <a:masterClrMapping/>
+  </p:clrMapOvr>
+</p:sld>
+</file>
+
+<file path=ppt/slides/slide4.xml><?xml version="1.0" encoding="utf-8"?>
+<p:sld xmlns:a="http://schemas.openxmlformats.org/drawingml/2006/main" xmlns:r="http://schemas.openxmlformats.org/officeDocument/2006/relationships" xmlns:p="http://schemas.openxmlformats.org/presentationml/2006/main">
+  <p:cSld>
+    <p:spTree>
+      <p:nvGrpSpPr>
+        <p:cNvPr id="1" name=""/>
+        <p:cNvGrpSpPr/>
+        <p:nvPr/>
+      </p:nvGrpSpPr>
+      <p:grpSpPr>
+        <a:xfrm>
+          <a:off x="0" y="0"/>
+          <a:ext cx="0" cy="0"/>
+          <a:chOff x="0" y="0"/>
+          <a:chExt cx="0" cy="0"/>
+        </a:xfrm>
+      </p:grpSpPr>
+      <p:sp>
+        <p:nvSpPr>
+          <p:cNvPr id="2" name="Titre 1">
+            <a:extLst>
+              <a:ext uri="{FF2B5EF4-FFF2-40B4-BE49-F238E27FC236}">
+                <a16:creationId xmlns:a16="http://schemas.microsoft.com/office/drawing/2014/main" id="{4638653C-2355-435F-AADE-0C0EAF685348}"/>
+              </a:ext>
+            </a:extLst>
+          </p:cNvPr>
+          <p:cNvSpPr>
+            <a:spLocks noGrp="1"/>
+          </p:cNvSpPr>
+          <p:nvPr>
+            <p:ph type="title"/>
+          </p:nvPr>
+        </p:nvSpPr>
+        <p:spPr/>
+        <p:txBody>
+          <a:bodyPr/>
+          <a:lstStyle/>
+          <a:p>
+            <a:pPr algn="ctr"/>
+            <a:r>
+              <a:rPr lang="fr-FR" dirty="0"/>
+              <a:t>Cas d’utilisation</a:t>
+            </a:r>
+          </a:p>
+        </p:txBody>
+      </p:sp>
+      <p:pic>
+        <p:nvPicPr>
+          <p:cNvPr id="4" name="Image 12">
+            <a:extLst>
+              <a:ext uri="{FF2B5EF4-FFF2-40B4-BE49-F238E27FC236}">
+                <a16:creationId xmlns:a16="http://schemas.microsoft.com/office/drawing/2014/main" id="{0BD2FFE6-5F89-4BAC-A30A-429CAF900876}"/>
+              </a:ext>
+            </a:extLst>
+          </p:cNvPr>
+          <p:cNvPicPr>
+            <a:picLocks noGrp="1" noChangeAspect="1" noChangeArrowheads="1"/>
+          </p:cNvPicPr>
+          <p:nvPr>
+            <p:ph idx="1"/>
+          </p:nvPr>
+        </p:nvPicPr>
+        <p:blipFill>
+          <a:blip r:embed="rId2">
+            <a:extLst>
+              <a:ext uri="{28A0092B-C50C-407E-A947-70E740481C1C}">
+                <a14:useLocalDpi xmlns:a14="http://schemas.microsoft.com/office/drawing/2010/main" val="0"/>
+              </a:ext>
+            </a:extLst>
+          </a:blip>
+          <a:srcRect/>
+          <a:stretch>
+            <a:fillRect/>
+          </a:stretch>
+        </p:blipFill>
+        <p:spPr bwMode="auto">
+          <a:xfrm>
+            <a:off x="3851143" y="2133600"/>
+            <a:ext cx="6391539" cy="3778250"/>
+          </a:xfrm>
+          <a:prstGeom prst="rect">
+            <a:avLst/>
+          </a:prstGeom>
+          <a:noFill/>
+          <a:ln>
+            <a:noFill/>
+          </a:ln>
+          <a:extLst>
+            <a:ext uri="{909E8E84-426E-40DD-AFC4-6F175D3DCCD1}">
+              <a14:hiddenFill xmlns:a14="http://schemas.microsoft.com/office/drawing/2010/main">
+                <a:solidFill>
+                  <a:srgbClr val="FFFFFF"/>
+                </a:solidFill>
+              </a14:hiddenFill>
+            </a:ext>
+            <a:ext uri="{91240B29-F687-4F45-9708-019B960494DF}">
+              <a14:hiddenLine xmlns:a14="http://schemas.microsoft.com/office/drawing/2010/main" w="9525">
+                <a:solidFill>
+                  <a:srgbClr val="000000"/>
+                </a:solidFill>
+                <a:miter lim="800000"/>
+                <a:headEnd/>
+                <a:tailEnd/>
+              </a14:hiddenLine>
+            </a:ext>
+          </a:extLst>
+        </p:spPr>
+      </p:pic>
+    </p:spTree>
+    <p:extLst>
+      <p:ext uri="{BB962C8B-B14F-4D97-AF65-F5344CB8AC3E}">
+        <p14:creationId xmlns:p14="http://schemas.microsoft.com/office/powerpoint/2010/main" val="3247394274"/>
+      </p:ext>
+    </p:extLst>
+  </p:cSld>
+  <p:clrMapOvr>
+    <a:masterClrMapping/>
+  </p:clrMapOvr>
+</p:sld>
+</file>
+
+<file path=ppt/slides/slide5.xml><?xml version="1.0" encoding="utf-8"?>
+<p:sld xmlns:a="http://schemas.openxmlformats.org/drawingml/2006/main" xmlns:r="http://schemas.openxmlformats.org/officeDocument/2006/relationships" xmlns:p="http://schemas.openxmlformats.org/presentationml/2006/main">
+  <p:cSld>
+    <p:spTree>
+      <p:nvGrpSpPr>
+        <p:cNvPr id="1" name=""/>
+        <p:cNvGrpSpPr/>
+        <p:nvPr/>
+      </p:nvGrpSpPr>
+      <p:grpSpPr>
+        <a:xfrm>
+          <a:off x="0" y="0"/>
+          <a:ext cx="0" cy="0"/>
+          <a:chOff x="0" y="0"/>
+          <a:chExt cx="0" cy="0"/>
+        </a:xfrm>
+      </p:grpSpPr>
+      <p:sp>
+        <p:nvSpPr>
+          <p:cNvPr id="2" name="Titre 1">
+            <a:extLst>
+              <a:ext uri="{FF2B5EF4-FFF2-40B4-BE49-F238E27FC236}">
+                <a16:creationId xmlns:a16="http://schemas.microsoft.com/office/drawing/2014/main" id="{0E649983-A0A2-4288-B742-1CAF28E06320}"/>
+              </a:ext>
+            </a:extLst>
+          </p:cNvPr>
+          <p:cNvSpPr>
+            <a:spLocks noGrp="1"/>
+          </p:cNvSpPr>
+          <p:nvPr>
+            <p:ph type="title"/>
+          </p:nvPr>
+        </p:nvSpPr>
+        <p:spPr/>
+        <p:txBody>
+          <a:bodyPr/>
+          <a:lstStyle/>
+          <a:p>
+            <a:pPr algn="ctr"/>
+            <a:r>
+              <a:rPr lang="fr-FR" dirty="0"/>
+              <a:t>Les outils utilisés</a:t>
+            </a:r>
+          </a:p>
+        </p:txBody>
+      </p:sp>
+      <p:sp>
+        <p:nvSpPr>
+          <p:cNvPr id="3" name="Espace réservé du contenu 2">
+            <a:extLst>
+              <a:ext uri="{FF2B5EF4-FFF2-40B4-BE49-F238E27FC236}">
+                <a16:creationId xmlns:a16="http://schemas.microsoft.com/office/drawing/2014/main" id="{E3CBF052-AE56-447D-BD4C-BFFFCB5707F0}"/>
+              </a:ext>
+            </a:extLst>
+          </p:cNvPr>
+          <p:cNvSpPr>
+            <a:spLocks noGrp="1"/>
+          </p:cNvSpPr>
+          <p:nvPr>
+            <p:ph idx="1"/>
+          </p:nvPr>
+        </p:nvSpPr>
+        <p:spPr/>
+        <p:txBody>
+          <a:bodyPr>
+            <a:normAutofit/>
+          </a:bodyPr>
+          <a:lstStyle/>
+          <a:p>
+            <a:pPr lvl="1"/>
+            <a:r>
+              <a:rPr lang="fr-FR" sz="3000" dirty="0"/>
+              <a:t>Arduino</a:t>
+            </a:r>
+          </a:p>
+          <a:p>
+            <a:pPr marL="0" indent="0">
+              <a:buNone/>
+            </a:pPr>
+            <a:endParaRPr lang="fr-FR" sz="3200" dirty="0"/>
+          </a:p>
+          <a:p>
+            <a:pPr lvl="1"/>
+            <a:r>
+              <a:rPr lang="fr-FR" sz="3000" dirty="0"/>
+              <a:t>Doxygène</a:t>
+            </a:r>
+          </a:p>
+          <a:p>
+            <a:pPr marL="457200" lvl="1" indent="0">
+              <a:buNone/>
+            </a:pPr>
+            <a:endParaRPr lang="fr-FR" sz="3000" dirty="0"/>
+          </a:p>
+          <a:p>
+            <a:pPr lvl="1"/>
+            <a:r>
+              <a:rPr lang="fr-FR" sz="3000" dirty="0"/>
+              <a:t>Git</a:t>
+            </a:r>
+            <a:endParaRPr lang="fr-FR" sz="3200" dirty="0"/>
+          </a:p>
+          <a:p>
+            <a:pPr marL="0" indent="0">
+              <a:buNone/>
+            </a:pPr>
+            <a:endParaRPr lang="fr-FR" sz="3200" dirty="0"/>
+          </a:p>
+        </p:txBody>
+      </p:sp>
+      <p:sp>
+        <p:nvSpPr>
+          <p:cNvPr id="4" name="ZoneTexte 3">
+            <a:extLst>
+              <a:ext uri="{FF2B5EF4-FFF2-40B4-BE49-F238E27FC236}">
+                <a16:creationId xmlns:a16="http://schemas.microsoft.com/office/drawing/2014/main" id="{1286AE84-48C7-4A09-81FE-1A822FFCC0DE}"/>
+              </a:ext>
+            </a:extLst>
+          </p:cNvPr>
+          <p:cNvSpPr txBox="1"/>
+          <p:nvPr/>
+        </p:nvSpPr>
+        <p:spPr>
+          <a:xfrm>
+            <a:off x="131787" y="802890"/>
+            <a:ext cx="1111202" cy="461665"/>
+          </a:xfrm>
+          <a:prstGeom prst="rect">
+            <a:avLst/>
+          </a:prstGeom>
+          <a:noFill/>
+        </p:spPr>
+        <p:txBody>
+          <a:bodyPr wrap="none" rtlCol="0">
+            <a:spAutoFit/>
+          </a:bodyPr>
+          <a:lstStyle/>
+          <a:p>
+            <a:r>
+              <a:rPr lang="fr-FR" sz="2400" dirty="0"/>
+              <a:t>CSG 2</a:t>
+            </a:r>
+          </a:p>
+        </p:txBody>
+      </p:sp>
+    </p:spTree>
+    <p:extLst>
+      <p:ext uri="{BB962C8B-B14F-4D97-AF65-F5344CB8AC3E}">
+        <p14:creationId xmlns:p14="http://schemas.microsoft.com/office/powerpoint/2010/main" val="4151749349"/>
+      </p:ext>
+    </p:extLst>
+  </p:cSld>
+  <p:clrMapOvr>
+    <a:masterClrMapping/>
+  </p:clrMapOvr>
+</p:sld>
+</file>
+
+<file path=ppt/slides/slide6.xml><?xml version="1.0" encoding="utf-8"?>
+<p:sld xmlns:a="http://schemas.openxmlformats.org/drawingml/2006/main" xmlns:r="http://schemas.openxmlformats.org/officeDocument/2006/relationships" xmlns:p="http://schemas.openxmlformats.org/presentationml/2006/main">
+  <p:cSld>
+    <p:spTree>
+      <p:nvGrpSpPr>
+        <p:cNvPr id="1" name=""/>
+        <p:cNvGrpSpPr/>
+        <p:nvPr/>
+      </p:nvGrpSpPr>
+      <p:grpSpPr>
+        <a:xfrm>
+          <a:off x="0" y="0"/>
+          <a:ext cx="0" cy="0"/>
+          <a:chOff x="0" y="0"/>
+          <a:chExt cx="0" cy="0"/>
+        </a:xfrm>
+      </p:grpSpPr>
+      <p:sp>
+        <p:nvSpPr>
+          <p:cNvPr id="2" name="Titre 1">
+            <a:extLst>
+              <a:ext uri="{FF2B5EF4-FFF2-40B4-BE49-F238E27FC236}">
+                <a16:creationId xmlns:a16="http://schemas.microsoft.com/office/drawing/2014/main" id="{048C0D93-D952-4529-A109-D8814F40A10A}"/>
+              </a:ext>
+            </a:extLst>
+          </p:cNvPr>
+          <p:cNvSpPr>
+            <a:spLocks noGrp="1"/>
+          </p:cNvSpPr>
+          <p:nvPr>
+            <p:ph type="title"/>
+          </p:nvPr>
+        </p:nvSpPr>
+        <p:spPr/>
+        <p:txBody>
+          <a:bodyPr/>
+          <a:lstStyle/>
+          <a:p>
+            <a:pPr algn="ctr"/>
+            <a:r>
+              <a:rPr lang="fr-FR" dirty="0"/>
+              <a:t>Travail demandé</a:t>
+            </a:r>
+          </a:p>
+        </p:txBody>
+      </p:sp>
+      <p:sp>
+        <p:nvSpPr>
+          <p:cNvPr id="3" name="Espace réservé du contenu 2">
+            <a:extLst>
+              <a:ext uri="{FF2B5EF4-FFF2-40B4-BE49-F238E27FC236}">
+                <a16:creationId xmlns:a16="http://schemas.microsoft.com/office/drawing/2014/main" id="{1018AB36-B570-4F22-85BF-5F641F1241C4}"/>
+              </a:ext>
+            </a:extLst>
+          </p:cNvPr>
+          <p:cNvSpPr>
+            <a:spLocks noGrp="1"/>
+          </p:cNvSpPr>
+          <p:nvPr>
+            <p:ph idx="1"/>
+          </p:nvPr>
+        </p:nvSpPr>
+        <p:spPr/>
+        <p:txBody>
+          <a:bodyPr>
+            <a:normAutofit lnSpcReduction="10000"/>
+          </a:bodyPr>
+          <a:lstStyle/>
+          <a:p>
+            <a:r>
+              <a:rPr lang="fr-FR" sz="3200" dirty="0"/>
+              <a:t>Etudiant 3</a:t>
+            </a:r>
+          </a:p>
+          <a:p>
+            <a:pPr marL="0" indent="0">
+              <a:buNone/>
+            </a:pPr>
+            <a:endParaRPr lang="fr-FR" sz="3200" dirty="0"/>
+          </a:p>
+          <a:p>
+            <a:pPr lvl="1">
+              <a:buFont typeface="Wingdings" panose="05000000000000000000" pitchFamily="2" charset="2"/>
+              <a:buChar char="q"/>
+            </a:pPr>
+            <a:r>
+              <a:rPr lang="fr-FR" altLang="en-US" sz="2400" dirty="0"/>
+              <a:t>Réaliser un applicatif permettant de générer un bruit sur le pager.</a:t>
+            </a:r>
+          </a:p>
+          <a:p>
+            <a:pPr lvl="1">
+              <a:buFont typeface="Wingdings" panose="05000000000000000000" pitchFamily="2" charset="2"/>
+              <a:buChar char="q"/>
+            </a:pPr>
+            <a:r>
+              <a:rPr lang="fr-FR" altLang="en-US" sz="2400" dirty="0"/>
+              <a:t>Réaliser un applicatif permettant de recevoir un message Lora sur le Pager</a:t>
+            </a:r>
+          </a:p>
+          <a:p>
+            <a:pPr lvl="1">
+              <a:lnSpc>
+                <a:spcPct val="90000"/>
+              </a:lnSpc>
+              <a:buFont typeface="Wingdings" panose="05000000000000000000" pitchFamily="2" charset="2"/>
+              <a:buChar char="q"/>
+            </a:pPr>
+            <a:r>
+              <a:rPr lang="fr-FR" altLang="en-US" sz="2400" dirty="0"/>
+              <a:t>Réalisation de l’IHM Superviseur :</a:t>
+            </a:r>
+          </a:p>
+          <a:p>
+            <a:pPr lvl="2">
+              <a:lnSpc>
+                <a:spcPct val="90000"/>
+              </a:lnSpc>
+              <a:buFont typeface="Arial" panose="020B0604020202020204" pitchFamily="34" charset="0"/>
+              <a:buChar char="‒"/>
+            </a:pPr>
+            <a:r>
+              <a:rPr lang="fr-FR" altLang="en-US" sz="2400" dirty="0"/>
+              <a:t>Scenario superviseur ENVOYER message (Cible)</a:t>
+            </a:r>
+          </a:p>
+          <a:p>
+            <a:pPr marL="857250" lvl="2" indent="0">
+              <a:buNone/>
+            </a:pPr>
+            <a:endParaRPr lang="fr-FR" sz="1800" dirty="0"/>
+          </a:p>
+        </p:txBody>
+      </p:sp>
+      <p:sp>
+        <p:nvSpPr>
+          <p:cNvPr id="4" name="ZoneTexte 3">
+            <a:extLst>
+              <a:ext uri="{FF2B5EF4-FFF2-40B4-BE49-F238E27FC236}">
+                <a16:creationId xmlns:a16="http://schemas.microsoft.com/office/drawing/2014/main" id="{98ABAE26-5E6C-44DD-BA29-B5811FAD2C34}"/>
+              </a:ext>
+            </a:extLst>
+          </p:cNvPr>
+          <p:cNvSpPr txBox="1"/>
+          <p:nvPr/>
+        </p:nvSpPr>
+        <p:spPr>
+          <a:xfrm>
+            <a:off x="174266" y="802890"/>
+            <a:ext cx="1111202" cy="461665"/>
+          </a:xfrm>
+          <a:prstGeom prst="rect">
+            <a:avLst/>
+          </a:prstGeom>
+          <a:noFill/>
+        </p:spPr>
+        <p:txBody>
+          <a:bodyPr wrap="none" rtlCol="0">
+            <a:spAutoFit/>
+          </a:bodyPr>
+          <a:lstStyle/>
+          <a:p>
+            <a:r>
+              <a:rPr lang="fr-FR" sz="2400" dirty="0"/>
+              <a:t>CSG 2</a:t>
+            </a:r>
+          </a:p>
+        </p:txBody>
+      </p:sp>
+    </p:spTree>
+    <p:extLst>
+      <p:ext uri="{BB962C8B-B14F-4D97-AF65-F5344CB8AC3E}">
+        <p14:creationId xmlns:p14="http://schemas.microsoft.com/office/powerpoint/2010/main" val="2813911121"/>
+      </p:ext>
+    </p:extLst>
+  </p:cSld>
+  <p:clrMapOvr>
+    <a:masterClrMapping/>
+  </p:clrMapOvr>
+</p:sld>
+</file>
+
+<file path=ppt/slides/slide7.xml><?xml version="1.0" encoding="utf-8"?>
+<p:sld xmlns:a="http://schemas.openxmlformats.org/drawingml/2006/main" xmlns:r="http://schemas.openxmlformats.org/officeDocument/2006/relationships" xmlns:p="http://schemas.openxmlformats.org/presentationml/2006/main">
+  <p:cSld>
+    <p:spTree>
+      <p:nvGrpSpPr>
+        <p:cNvPr id="1" name=""/>
+        <p:cNvGrpSpPr/>
+        <p:nvPr/>
+      </p:nvGrpSpPr>
+      <p:grpSpPr>
+        <a:xfrm>
+          <a:off x="0" y="0"/>
+          <a:ext cx="0" cy="0"/>
+          <a:chOff x="0" y="0"/>
+          <a:chExt cx="0" cy="0"/>
+        </a:xfrm>
+      </p:grpSpPr>
+      <p:sp>
+        <p:nvSpPr>
+          <p:cNvPr id="2" name="Titre 1">
+            <a:extLst>
+              <a:ext uri="{FF2B5EF4-FFF2-40B4-BE49-F238E27FC236}">
+                <a16:creationId xmlns:a16="http://schemas.microsoft.com/office/drawing/2014/main" id="{FA88001B-419B-4770-9169-631ACA77F2CE}"/>
+              </a:ext>
+            </a:extLst>
+          </p:cNvPr>
+          <p:cNvSpPr>
+            <a:spLocks noGrp="1"/>
+          </p:cNvSpPr>
+          <p:nvPr>
+            <p:ph type="title"/>
+          </p:nvPr>
+        </p:nvSpPr>
+        <p:spPr/>
+        <p:txBody>
+          <a:bodyPr/>
+          <a:lstStyle/>
+          <a:p>
+            <a:pPr algn="ctr"/>
+            <a:r>
+              <a:rPr lang="fr-FR" dirty="0"/>
+              <a:t>Test</a:t>
+            </a:r>
+          </a:p>
+        </p:txBody>
+      </p:sp>
+      <p:sp>
+        <p:nvSpPr>
+          <p:cNvPr id="3" name="Espace réservé du contenu 2">
+            <a:extLst>
+              <a:ext uri="{FF2B5EF4-FFF2-40B4-BE49-F238E27FC236}">
+                <a16:creationId xmlns:a16="http://schemas.microsoft.com/office/drawing/2014/main" id="{3D01556D-0576-4F35-86BA-411F85516233}"/>
+              </a:ext>
+            </a:extLst>
+          </p:cNvPr>
+          <p:cNvSpPr>
+            <a:spLocks noGrp="1"/>
+          </p:cNvSpPr>
+          <p:nvPr>
+            <p:ph idx="1"/>
+          </p:nvPr>
+        </p:nvSpPr>
+        <p:spPr/>
+        <p:txBody>
+          <a:bodyPr>
+            <a:normAutofit/>
+          </a:bodyPr>
+          <a:lstStyle/>
+          <a:p>
+            <a:r>
+              <a:rPr lang="fr-FR" sz="3200" dirty="0"/>
+              <a:t>Etudiant 3</a:t>
+            </a:r>
+          </a:p>
+          <a:p>
+            <a:pPr marL="0" indent="0">
+              <a:buNone/>
+            </a:pPr>
+            <a:endParaRPr lang="fr-FR" sz="3200" dirty="0"/>
+          </a:p>
+          <a:p>
+            <a:pPr lvl="1">
+              <a:buFont typeface="Wingdings" panose="05000000000000000000" pitchFamily="2" charset="2"/>
+              <a:buChar char="q"/>
+            </a:pPr>
+            <a:r>
+              <a:rPr lang="fr-FR" altLang="en-US" sz="2400" dirty="0"/>
+              <a:t>Rédiger les tests unitaires d’écriture écran</a:t>
+            </a:r>
+          </a:p>
+          <a:p>
+            <a:pPr lvl="1">
+              <a:buFont typeface="Wingdings" panose="05000000000000000000" pitchFamily="2" charset="2"/>
+              <a:buChar char="q"/>
+            </a:pPr>
+            <a:r>
+              <a:rPr lang="fr-FR" altLang="en-US" sz="2400" dirty="0"/>
+              <a:t>Rédiger les tests unitaires des GPIOS</a:t>
+            </a:r>
+          </a:p>
+          <a:p>
+            <a:pPr lvl="1">
+              <a:buFont typeface="Wingdings" panose="05000000000000000000" pitchFamily="2" charset="2"/>
+              <a:buChar char="q"/>
+            </a:pPr>
+            <a:r>
+              <a:rPr lang="fr-FR" altLang="en-US" sz="2400" dirty="0"/>
+              <a:t>Effectuer les tests unitaires de validation du GPS</a:t>
+            </a:r>
+          </a:p>
+          <a:p>
+            <a:pPr marL="457200" lvl="1" indent="0">
+              <a:buNone/>
+            </a:pPr>
+            <a:endParaRPr lang="fr-FR" sz="2400" dirty="0"/>
+          </a:p>
+        </p:txBody>
+      </p:sp>
+      <p:sp>
+        <p:nvSpPr>
+          <p:cNvPr id="4" name="ZoneTexte 3">
+            <a:extLst>
+              <a:ext uri="{FF2B5EF4-FFF2-40B4-BE49-F238E27FC236}">
+                <a16:creationId xmlns:a16="http://schemas.microsoft.com/office/drawing/2014/main" id="{D6ABCE2F-8816-4AD2-98F3-CF0F02E320B6}"/>
+              </a:ext>
+            </a:extLst>
+          </p:cNvPr>
+          <p:cNvSpPr txBox="1"/>
+          <p:nvPr/>
+        </p:nvSpPr>
+        <p:spPr>
+          <a:xfrm>
+            <a:off x="174266" y="802890"/>
+            <a:ext cx="1111202" cy="461665"/>
+          </a:xfrm>
+          <a:prstGeom prst="rect">
+            <a:avLst/>
+          </a:prstGeom>
+          <a:noFill/>
+        </p:spPr>
+        <p:txBody>
+          <a:bodyPr wrap="none" rtlCol="0">
+            <a:spAutoFit/>
+          </a:bodyPr>
+          <a:lstStyle/>
+          <a:p>
+            <a:r>
+              <a:rPr lang="fr-FR" sz="2400" dirty="0"/>
+              <a:t>CSG 2</a:t>
+            </a:r>
+          </a:p>
+        </p:txBody>
+      </p:sp>
+    </p:spTree>
+    <p:extLst>
+      <p:ext uri="{BB962C8B-B14F-4D97-AF65-F5344CB8AC3E}">
+        <p14:creationId xmlns:p14="http://schemas.microsoft.com/office/powerpoint/2010/main" val="578886545"/>
+      </p:ext>
+    </p:extLst>
+  </p:cSld>
+  <p:clrMapOvr>
+    <a:masterClrMapping/>
+  </p:clrMapOvr>
+</p:sld>
+</file>
+
+<file path=ppt/slides/slide8.xml><?xml version="1.0" encoding="utf-8"?>
+<p:sld xmlns:a="http://schemas.openxmlformats.org/drawingml/2006/main" xmlns:r="http://schemas.openxmlformats.org/officeDocument/2006/relationships" xmlns:p="http://schemas.openxmlformats.org/presentationml/2006/main">
+  <p:cSld>
+    <p:spTree>
+      <p:nvGrpSpPr>
+        <p:cNvPr id="1" name=""/>
+        <p:cNvGrpSpPr/>
+        <p:nvPr/>
+      </p:nvGrpSpPr>
+      <p:grpSpPr>
+        <a:xfrm>
+          <a:off x="0" y="0"/>
+          <a:ext cx="0" cy="0"/>
+          <a:chOff x="0" y="0"/>
+          <a:chExt cx="0" cy="0"/>
+        </a:xfrm>
+      </p:grpSpPr>
+      <p:sp>
+        <p:nvSpPr>
+          <p:cNvPr id="2" name="Titre 1">
+            <a:extLst>
+              <a:ext uri="{FF2B5EF4-FFF2-40B4-BE49-F238E27FC236}">
+                <a16:creationId xmlns:a16="http://schemas.microsoft.com/office/drawing/2014/main" id="{368FA8E5-856D-4B47-B5C4-3489E95FF821}"/>
+              </a:ext>
+            </a:extLst>
+          </p:cNvPr>
+          <p:cNvSpPr>
+            <a:spLocks noGrp="1"/>
+          </p:cNvSpPr>
+          <p:nvPr>
+            <p:ph type="title"/>
+          </p:nvPr>
+        </p:nvSpPr>
+        <p:spPr/>
+        <p:txBody>
+          <a:bodyPr/>
+          <a:lstStyle/>
+          <a:p>
+            <a:pPr algn="ctr"/>
+            <a:r>
+              <a:rPr lang="fr-FR" dirty="0"/>
+              <a:t>Mes recherches</a:t>
+            </a:r>
+          </a:p>
+        </p:txBody>
+      </p:sp>
+      <p:sp>
+        <p:nvSpPr>
+          <p:cNvPr id="3" name="Espace réservé du contenu 2">
+            <a:extLst>
+              <a:ext uri="{FF2B5EF4-FFF2-40B4-BE49-F238E27FC236}">
+                <a16:creationId xmlns:a16="http://schemas.microsoft.com/office/drawing/2014/main" id="{E990682F-0C39-4BB9-B310-2475A531F227}"/>
+              </a:ext>
+            </a:extLst>
+          </p:cNvPr>
+          <p:cNvSpPr>
+            <a:spLocks noGrp="1"/>
+          </p:cNvSpPr>
+          <p:nvPr>
+            <p:ph idx="1"/>
+          </p:nvPr>
+        </p:nvSpPr>
+        <p:spPr/>
+        <p:txBody>
+          <a:bodyPr>
+            <a:normAutofit/>
+          </a:bodyPr>
+          <a:lstStyle/>
+          <a:p>
+            <a:r>
+              <a:rPr lang="fr-FR" sz="2400" dirty="0">
+                <a:solidFill>
+                  <a:schemeClr val="tx1"/>
+                </a:solidFill>
+              </a:rPr>
+              <a:t>Comment générer un son sur haut parleur Arduino</a:t>
+            </a:r>
+          </a:p>
+          <a:p>
+            <a:endParaRPr lang="fr-FR" sz="2400" dirty="0">
+              <a:solidFill>
+                <a:schemeClr val="tx1"/>
+              </a:solidFill>
+            </a:endParaRPr>
+          </a:p>
+          <a:p>
+            <a:r>
+              <a:rPr lang="fr-FR" sz="2400" dirty="0">
+                <a:solidFill>
+                  <a:schemeClr val="tx1"/>
+                </a:solidFill>
+              </a:rPr>
+              <a:t>La communication entre LoRa</a:t>
+            </a:r>
+          </a:p>
+        </p:txBody>
+      </p:sp>
+      <p:sp>
+        <p:nvSpPr>
+          <p:cNvPr id="4" name="ZoneTexte 3">
+            <a:extLst>
+              <a:ext uri="{FF2B5EF4-FFF2-40B4-BE49-F238E27FC236}">
+                <a16:creationId xmlns:a16="http://schemas.microsoft.com/office/drawing/2014/main" id="{C234BDB9-432F-484D-97CC-8620149CE1BE}"/>
+              </a:ext>
+            </a:extLst>
+          </p:cNvPr>
+          <p:cNvSpPr txBox="1"/>
+          <p:nvPr/>
+        </p:nvSpPr>
+        <p:spPr>
+          <a:xfrm>
+            <a:off x="131787" y="802890"/>
+            <a:ext cx="1111202" cy="461665"/>
+          </a:xfrm>
+          <a:prstGeom prst="rect">
+            <a:avLst/>
+          </a:prstGeom>
+          <a:noFill/>
+        </p:spPr>
+        <p:txBody>
+          <a:bodyPr wrap="none" rtlCol="0">
+            <a:spAutoFit/>
+          </a:bodyPr>
+          <a:lstStyle/>
+          <a:p>
+            <a:r>
+              <a:rPr lang="fr-FR" sz="2400" dirty="0"/>
+              <a:t>CSG 2</a:t>
+            </a:r>
+          </a:p>
+        </p:txBody>
+      </p:sp>
+    </p:spTree>
+    <p:extLst>
+      <p:ext uri="{BB962C8B-B14F-4D97-AF65-F5344CB8AC3E}">
+        <p14:creationId xmlns:p14="http://schemas.microsoft.com/office/powerpoint/2010/main" val="3214525361"/>
+      </p:ext>
+    </p:extLst>
+  </p:cSld>
+  <p:clrMapOvr>
+    <a:masterClrMapping/>
+  </p:clrMapOvr>
+</p:sld>
+</file>
+
 <file path=ppt/theme/theme1.xml><?xml version="1.0" encoding="utf-8"?>
-<a:theme xmlns:a="http://schemas.openxmlformats.org/drawingml/2006/main" name="Thème Office">
+<a:theme xmlns:a="http://schemas.openxmlformats.org/drawingml/2006/main" name="Brin">
   <a:themeElements>
-    <a:clrScheme name="Office">
+    <a:clrScheme name="Brin">
       <a:dk1>
         <a:sysClr val="windowText" lastClr="000000"/>
       </a:dk1>
@@ -3395,100 +8829,48 @@
         <a:sysClr val="window" lastClr="FFFFFF"/>
       </a:lt1>
       <a:dk2>
-        <a:srgbClr val="44546A"/>
+        <a:srgbClr val="766F54"/>
       </a:dk2>
       <a:lt2>
-        <a:srgbClr val="E7E6E6"/>
+        <a:srgbClr val="E3EACF"/>
       </a:lt2>
       <a:accent1>
-        <a:srgbClr val="4472C4"/>
+        <a:srgbClr val="A53010"/>
       </a:accent1>
       <a:accent2>
-        <a:srgbClr val="ED7D31"/>
+        <a:srgbClr val="DE7E18"/>
       </a:accent2>
       <a:accent3>
-        <a:srgbClr val="A5A5A5"/>
+        <a:srgbClr val="9F8351"/>
       </a:accent3>
       <a:accent4>
-        <a:srgbClr val="FFC000"/>
+        <a:srgbClr val="728653"/>
       </a:accent4>
       <a:accent5>
-        <a:srgbClr val="5B9BD5"/>
+        <a:srgbClr val="92AA4C"/>
       </a:accent5>
       <a:accent6>
-        <a:srgbClr val="70AD47"/>
+        <a:srgbClr val="6AAC91"/>
       </a:accent6>
       <a:hlink>
-        <a:srgbClr val="0563C1"/>
+        <a:srgbClr val="FB4A18"/>
       </a:hlink>
       <a:folHlink>
-        <a:srgbClr val="954F72"/>
+        <a:srgbClr val="FB9318"/>
       </a:folHlink>
     </a:clrScheme>
-    <a:fontScheme name="Office">
+    <a:fontScheme name="Brin">
       <a:majorFont>
-        <a:latin typeface="Calibri Light" panose="020F0302020204030204"/>
+        <a:latin typeface="Century Gothic" panose="020B0502020202020204"/>
         <a:ea typeface=""/>
         <a:cs typeface=""/>
-        <a:font script="Jpan" typeface="游ゴシック Light"/>
-        <a:font script="Hang" typeface="맑은 고딕"/>
-        <a:font script="Hans" typeface="等线 Light"/>
-        <a:font script="Hant" typeface="新細明體"/>
-        <a:font script="Arab" typeface="Times New Roman"/>
-        <a:font script="Hebr" typeface="Times New Roman"/>
-        <a:font script="Thai" typeface="Angsana New"/>
-        <a:font script="Ethi" typeface="Nyala"/>
-        <a:font script="Beng" typeface="Vrinda"/>
-        <a:font script="Gujr" typeface="Shruti"/>
-        <a:font script="Khmr" typeface="MoolBoran"/>
-        <a:font script="Knda" typeface="Tunga"/>
-        <a:font script="Guru" typeface="Raavi"/>
-        <a:font script="Cans" typeface="Euphemia"/>
-        <a:font script="Cher" typeface="Plantagenet Cherokee"/>
-        <a:font script="Yiii" typeface="Microsoft Yi Baiti"/>
-        <a:font script="Tibt" typeface="Microsoft Himalaya"/>
-        <a:font script="Thaa" typeface="MV Boli"/>
-        <a:font script="Deva" typeface="Mangal"/>
-        <a:font script="Telu" typeface="Gautami"/>
-        <a:font script="Taml" typeface="Latha"/>
-        <a:font script="Syrc" typeface="Estrangelo Edessa"/>
-        <a:font script="Orya" typeface="Kalinga"/>
-        <a:font script="Mlym" typeface="Kartika"/>
-        <a:font script="Laoo" typeface="DokChampa"/>
-        <a:font script="Sinh" typeface="Iskoola Pota"/>
-        <a:font script="Mong" typeface="Mongolian Baiti"/>
-        <a:font script="Viet" typeface="Times New Roman"/>
-        <a:font script="Uigh" typeface="Microsoft Uighur"/>
-        <a:font script="Geor" typeface="Sylfaen"/>
-        <a:font script="Armn" typeface="Arial"/>
-        <a:font script="Bugi" typeface="Leelawadee UI"/>
-        <a:font script="Bopo" typeface="Microsoft JhengHei"/>
-        <a:font script="Java" typeface="Javanese Text"/>
-        <a:font script="Lisu" typeface="Segoe UI"/>
-        <a:font script="Mymr" typeface="Myanmar Text"/>
-        <a:font script="Nkoo" typeface="Ebrima"/>
-        <a:font script="Olck" typeface="Nirmala UI"/>
-        <a:font script="Osma" typeface="Ebrima"/>
-        <a:font script="Phag" typeface="Phagspa"/>
-        <a:font script="Syrn" typeface="Estrangelo Edessa"/>
-        <a:font script="Syrj" typeface="Estrangelo Edessa"/>
-        <a:font script="Syre" typeface="Estrangelo Edessa"/>
-        <a:font script="Sora" typeface="Nirmala UI"/>
-        <a:font script="Tale" typeface="Microsoft Tai Le"/>
-        <a:font script="Talu" typeface="Microsoft New Tai Lue"/>
-        <a:font script="Tfng" typeface="Ebrima"/>
-      </a:majorFont>
-      <a:minorFont>
-        <a:latin typeface="Calibri" panose="020F0502020204030204"/>
-        <a:ea typeface=""/>
-        <a:cs typeface=""/>
-        <a:font script="Jpan" typeface="游ゴシック"/>
-        <a:font script="Hang" typeface="맑은 고딕"/>
-        <a:font script="Hans" typeface="等线"/>
-        <a:font script="Hant" typeface="新細明體"/>
-        <a:font script="Arab" typeface="Arial"/>
-        <a:font script="Hebr" typeface="Arial"/>
-        <a:font script="Thai" typeface="Cordia New"/>
+        <a:font script="Jpan" typeface="メイリオ"/>
+        <a:font script="Hang" typeface="HY중고딕"/>
+        <a:font script="Hans" typeface="幼圆"/>
+        <a:font script="Hant" typeface="微軟正黑體"/>
+        <a:font script="Arab" typeface="Tahoma"/>
+        <a:font script="Hebr" typeface="Gisha"/>
+        <a:font script="Thai" typeface="DilleniaUPC"/>
         <a:font script="Ethi" typeface="Nyala"/>
         <a:font script="Beng" typeface="Vrinda"/>
         <a:font script="Gujr" typeface="Shruti"/>
@@ -3509,30 +8891,121 @@
         <a:font script="Laoo" typeface="DokChampa"/>
         <a:font script="Sinh" typeface="Iskoola Pota"/>
         <a:font script="Mong" typeface="Mongolian Baiti"/>
-        <a:font script="Viet" typeface="Arial"/>
+        <a:font script="Viet" typeface="Tahoma"/>
         <a:font script="Uigh" typeface="Microsoft Uighur"/>
         <a:font script="Geor" typeface="Sylfaen"/>
-        <a:font script="Armn" typeface="Arial"/>
-        <a:font script="Bugi" typeface="Leelawadee UI"/>
-        <a:font script="Bopo" typeface="Microsoft JhengHei"/>
-        <a:font script="Java" typeface="Javanese Text"/>
-        <a:font script="Lisu" typeface="Segoe UI"/>
-        <a:font script="Mymr" typeface="Myanmar Text"/>
-        <a:font script="Nkoo" typeface="Ebrima"/>
-        <a:font script="Olck" typeface="Nirmala UI"/>
-        <a:font script="Osma" typeface="Ebrima"/>
-        <a:font script="Phag" typeface="Phagspa"/>
-        <a:font script="Syrn" typeface="Estrangelo Edessa"/>
-        <a:font script="Syrj" typeface="Estrangelo Edessa"/>
-        <a:font script="Syre" typeface="Estrangelo Edessa"/>
-        <a:font script="Sora" typeface="Nirmala UI"/>
-        <a:font script="Tale" typeface="Microsoft Tai Le"/>
-        <a:font script="Talu" typeface="Microsoft New Tai Lue"/>
-        <a:font script="Tfng" typeface="Ebrima"/>
+      </a:majorFont>
+      <a:minorFont>
+        <a:latin typeface="Century Gothic" panose="020B0502020202020204"/>
+        <a:ea typeface=""/>
+        <a:cs typeface=""/>
+        <a:font script="Jpan" typeface="メイリオ"/>
+        <a:font script="Hang" typeface="HY중고딕"/>
+        <a:font script="Hans" typeface="幼圆"/>
+        <a:font script="Hant" typeface="微軟正黑體"/>
+        <a:font script="Arab" typeface="Tahoma"/>
+        <a:font script="Hebr" typeface="Gisha"/>
+        <a:font script="Thai" typeface="DilleniaUPC"/>
+        <a:font script="Ethi" typeface="Nyala"/>
+        <a:font script="Beng" typeface="Vrinda"/>
+        <a:font script="Gujr" typeface="Shruti"/>
+        <a:font script="Khmr" typeface="DaunPenh"/>
+        <a:font script="Knda" typeface="Tunga"/>
+        <a:font script="Guru" typeface="Raavi"/>
+        <a:font script="Cans" typeface="Euphemia"/>
+        <a:font script="Cher" typeface="Plantagenet Cherokee"/>
+        <a:font script="Yiii" typeface="Microsoft Yi Baiti"/>
+        <a:font script="Tibt" typeface="Microsoft Himalaya"/>
+        <a:font script="Thaa" typeface="MV Boli"/>
+        <a:font script="Deva" typeface="Mangal"/>
+        <a:font script="Telu" typeface="Gautami"/>
+        <a:font script="Taml" typeface="Latha"/>
+        <a:font script="Syrc" typeface="Estrangelo Edessa"/>
+        <a:font script="Orya" typeface="Kalinga"/>
+        <a:font script="Mlym" typeface="Kartika"/>
+        <a:font script="Laoo" typeface="DokChampa"/>
+        <a:font script="Sinh" typeface="Iskoola Pota"/>
+        <a:font script="Mong" typeface="Mongolian Baiti"/>
+        <a:font script="Viet" typeface="Tahoma"/>
+        <a:font script="Uigh" typeface="Microsoft Uighur"/>
+        <a:font script="Geor" typeface="Sylfaen"/>
       </a:minorFont>
     </a:fontScheme>
-    <a:fmtScheme name="Office">
+    <a:fmtScheme name="Brin">
       <a:fillStyleLst>
+        <a:solidFill>
+          <a:schemeClr val="phClr"/>
+        </a:solidFill>
+        <a:solidFill>
+          <a:schemeClr val="phClr">
+            <a:tint val="70000"/>
+            <a:lumMod val="104000"/>
+          </a:schemeClr>
+        </a:solidFill>
+        <a:gradFill rotWithShape="1">
+          <a:gsLst>
+            <a:gs pos="0">
+              <a:schemeClr val="phClr">
+                <a:tint val="96000"/>
+                <a:lumMod val="104000"/>
+              </a:schemeClr>
+            </a:gs>
+            <a:gs pos="100000">
+              <a:schemeClr val="phClr">
+                <a:shade val="98000"/>
+                <a:lumMod val="94000"/>
+              </a:schemeClr>
+            </a:gs>
+          </a:gsLst>
+          <a:lin ang="5400000" scaled="0"/>
+        </a:gradFill>
+      </a:fillStyleLst>
+      <a:lnStyleLst>
+        <a:ln w="9525" cap="rnd" cmpd="sng" algn="ctr">
+          <a:solidFill>
+            <a:schemeClr val="phClr">
+              <a:shade val="90000"/>
+            </a:schemeClr>
+          </a:solidFill>
+          <a:prstDash val="solid"/>
+        </a:ln>
+        <a:ln w="15875" cap="rnd" cmpd="sng" algn="ctr">
+          <a:solidFill>
+            <a:schemeClr val="phClr"/>
+          </a:solidFill>
+          <a:prstDash val="solid"/>
+        </a:ln>
+        <a:ln w="22225" cap="rnd" cmpd="sng" algn="ctr">
+          <a:solidFill>
+            <a:schemeClr val="phClr"/>
+          </a:solidFill>
+          <a:prstDash val="solid"/>
+        </a:ln>
+      </a:lnStyleLst>
+      <a:effectStyleLst>
+        <a:effectStyle>
+          <a:effectLst/>
+        </a:effectStyle>
+        <a:effectStyle>
+          <a:effectLst>
+            <a:outerShdw blurRad="38100" dist="25400" dir="5400000" rotWithShape="0">
+              <a:srgbClr val="000000">
+                <a:alpha val="25000"/>
+              </a:srgbClr>
+            </a:outerShdw>
+          </a:effectLst>
+        </a:effectStyle>
+        <a:effectStyle>
+          <a:effectLst>
+            <a:outerShdw blurRad="50800" dist="38100" dir="5400000" rotWithShape="0">
+              <a:srgbClr val="000000">
+                <a:alpha val="60000"/>
+              </a:srgbClr>
+            </a:outerShdw>
+          </a:effectLst>
+        </a:effectStyle>
+      </a:effectStyleLst>
+      <a:bgFillStyleLst>
         <a:solidFill>
           <a:schemeClr val="phClr"/>
         </a:solidFill>
@@ -3540,23 +9013,15 @@
           <a:gsLst>
             <a:gs pos="0">
               <a:schemeClr val="phClr">
-                <a:lumMod val="110000"/>
-                <a:satMod val="105000"/>
-                <a:tint val="67000"/>
-              </a:schemeClr>
-            </a:gs>
-            <a:gs pos="50000">
-              <a:schemeClr val="phClr">
-                <a:lumMod val="105000"/>
-                <a:satMod val="103000"/>
-                <a:tint val="73000"/>
+                <a:tint val="90000"/>
+                <a:lumMod val="120000"/>
               </a:schemeClr>
             </a:gs>
             <a:gs pos="100000">
               <a:schemeClr val="phClr">
-                <a:lumMod val="105000"/>
-                <a:satMod val="109000"/>
-                <a:tint val="81000"/>
+                <a:shade val="98000"/>
+                <a:satMod val="120000"/>
+                <a:lumMod val="98000"/>
               </a:schemeClr>
             </a:gs>
           </a:gsLst>
@@ -3566,105 +9031,22 @@
           <a:gsLst>
             <a:gs pos="0">
               <a:schemeClr val="phClr">
-                <a:satMod val="103000"/>
-                <a:lumMod val="102000"/>
-                <a:tint val="94000"/>
-              </a:schemeClr>
-            </a:gs>
-            <a:gs pos="50000">
-              <a:schemeClr val="phClr">
-                <a:satMod val="110000"/>
-                <a:lumMod val="100000"/>
-                <a:shade val="100000"/>
+                <a:tint val="90000"/>
+                <a:satMod val="92000"/>
+                <a:lumMod val="120000"/>
               </a:schemeClr>
             </a:gs>
             <a:gs pos="100000">
               <a:schemeClr val="phClr">
-                <a:lumMod val="99000"/>
+                <a:shade val="98000"/>
                 <a:satMod val="120000"/>
-                <a:shade val="78000"/>
+                <a:lumMod val="98000"/>
               </a:schemeClr>
             </a:gs>
           </a:gsLst>
-          <a:lin ang="5400000" scaled="0"/>
-        </a:gradFill>
-      </a:fillStyleLst>
-      <a:lnStyleLst>
-        <a:ln w="6350" cap="flat" cmpd="sng" algn="ctr">
-          <a:solidFill>
-            <a:schemeClr val="phClr"/>
-          </a:solidFill>
-          <a:prstDash val="solid"/>
-          <a:miter lim="800000"/>
-        </a:ln>
-        <a:ln w="12700" cap="flat" cmpd="sng" algn="ctr">
-          <a:solidFill>
-            <a:schemeClr val="phClr"/>
-          </a:solidFill>
-          <a:prstDash val="solid"/>
-          <a:miter lim="800000"/>
-        </a:ln>
-        <a:ln w="19050" cap="flat" cmpd="sng" algn="ctr">
-          <a:solidFill>
-            <a:schemeClr val="phClr"/>
-          </a:solidFill>
-          <a:prstDash val="solid"/>
-          <a:miter lim="800000"/>
-        </a:ln>
-      </a:lnStyleLst>
-      <a:effectStyleLst>
-        <a:effectStyle>
-          <a:effectLst/>
-        </a:effectStyle>
-        <a:effectStyle>
-          <a:effectLst/>
-        </a:effectStyle>
-        <a:effectStyle>
-          <a:effectLst>
-            <a:outerShdw blurRad="57150" dist="19050" dir="5400000" algn="ctr" rotWithShape="0">
-              <a:srgbClr val="000000">
-                <a:alpha val="63000"/>
-              </a:srgbClr>
-            </a:outerShdw>
-          </a:effectLst>
-        </a:effectStyle>
-      </a:effectStyleLst>
-      <a:bgFillStyleLst>
-        <a:solidFill>
-          <a:schemeClr val="phClr"/>
-        </a:solidFill>
-        <a:solidFill>
-          <a:schemeClr val="phClr">
-            <a:tint val="95000"/>
-            <a:satMod val="170000"/>
-          </a:schemeClr>
-        </a:solidFill>
-        <a:gradFill rotWithShape="1">
-          <a:gsLst>
-            <a:gs pos="0">
-              <a:schemeClr val="phClr">
-                <a:tint val="93000"/>
-                <a:satMod val="150000"/>
-                <a:shade val="98000"/>
-                <a:lumMod val="102000"/>
-              </a:schemeClr>
-            </a:gs>
-            <a:gs pos="50000">
-              <a:schemeClr val="phClr">
-                <a:tint val="98000"/>
-                <a:satMod val="130000"/>
-                <a:shade val="90000"/>
-                <a:lumMod val="103000"/>
-              </a:schemeClr>
-            </a:gs>
-            <a:gs pos="100000">
-              <a:schemeClr val="phClr">
-                <a:shade val="63000"/>
-                <a:satMod val="120000"/>
-              </a:schemeClr>
-            </a:gs>
-          </a:gsLst>
-          <a:lin ang="5400000" scaled="0"/>
+          <a:path path="circle">
+            <a:fillToRect l="50000" t="50000" r="100000" b="100000"/>
+          </a:path>
         </a:gradFill>
       </a:bgFillStyleLst>
     </a:fmtScheme>
@@ -3673,7 +9055,7 @@
   <a:extraClrSchemeLst/>
   <a:extLst>
     <a:ext uri="{05A4C25C-085E-4340-85A3-A5531E510DB2}">
-      <thm15:themeFamily xmlns:thm15="http://schemas.microsoft.com/office/thememl/2012/main" name="Office Theme" id="{62F939B6-93AF-4DB8-9C6B-D6C7DFDC589F}" vid="{4A3C46E8-61CC-4603-A589-7422A47A8E4A}"/>
+      <thm15:themeFamily xmlns:thm15="http://schemas.microsoft.com/office/thememl/2012/main" name="Wisp" id="{7CB32D59-10C0-40DD-B7BD-2E94284A981C}" vid="{24B1A44C-C006-48B2-A4D7-E5549B3D8CD4}"/>
     </a:ext>
   </a:extLst>
 </a:theme>

--- a/e3/doc/2020_csg2-PMT-E3-rev-1.pptx
+++ b/e3/doc/2020_csg2-PMT-E3-rev-1.pptx
@@ -7,12 +7,12 @@
   <p:sldIdLst>
     <p:sldId id="256" r:id="rId2"/>
     <p:sldId id="257" r:id="rId3"/>
-    <p:sldId id="265" r:id="rId4"/>
-    <p:sldId id="266" r:id="rId5"/>
-    <p:sldId id="263" r:id="rId6"/>
-    <p:sldId id="259" r:id="rId7"/>
-    <p:sldId id="260" r:id="rId8"/>
-    <p:sldId id="264" r:id="rId9"/>
+    <p:sldId id="266" r:id="rId4"/>
+    <p:sldId id="263" r:id="rId5"/>
+    <p:sldId id="259" r:id="rId6"/>
+    <p:sldId id="260" r:id="rId7"/>
+    <p:sldId id="264" r:id="rId8"/>
+    <p:sldId id="267" r:id="rId9"/>
   </p:sldIdLst>
   <p:sldSz cx="12192000" cy="6858000"/>
   <p:notesSz cx="6858000" cy="9144000"/>
@@ -307,7 +307,7 @@
           <a:p>
             <a:fld id="{7A47CF09-9538-47D9-9371-EDA44274715E}" type="datetimeFigureOut">
               <a:rPr lang="fr-FR" smtClean="0"/>
-              <a:t>29/03/2020</a:t>
+              <a:t>30/03/2020</a:t>
             </a:fld>
             <a:endParaRPr lang="fr-FR"/>
           </a:p>
@@ -645,7 +645,7 @@
           <a:p>
             <a:fld id="{7A47CF09-9538-47D9-9371-EDA44274715E}" type="datetimeFigureOut">
               <a:rPr lang="fr-FR" smtClean="0"/>
-              <a:t>29/03/2020</a:t>
+              <a:t>30/03/2020</a:t>
             </a:fld>
             <a:endParaRPr lang="fr-FR"/>
           </a:p>
@@ -1046,7 +1046,7 @@
           <a:p>
             <a:fld id="{7A47CF09-9538-47D9-9371-EDA44274715E}" type="datetimeFigureOut">
               <a:rPr lang="fr-FR" smtClean="0"/>
-              <a:t>29/03/2020</a:t>
+              <a:t>30/03/2020</a:t>
             </a:fld>
             <a:endParaRPr lang="fr-FR"/>
           </a:p>
@@ -1382,7 +1382,7 @@
           <a:p>
             <a:fld id="{7A47CF09-9538-47D9-9371-EDA44274715E}" type="datetimeFigureOut">
               <a:rPr lang="fr-FR" smtClean="0"/>
-              <a:t>29/03/2020</a:t>
+              <a:t>30/03/2020</a:t>
             </a:fld>
             <a:endParaRPr lang="fr-FR"/>
           </a:p>
@@ -1702,7 +1702,7 @@
           <a:p>
             <a:fld id="{7A47CF09-9538-47D9-9371-EDA44274715E}" type="datetimeFigureOut">
               <a:rPr lang="fr-FR" smtClean="0"/>
-              <a:t>29/03/2020</a:t>
+              <a:t>30/03/2020</a:t>
             </a:fld>
             <a:endParaRPr lang="fr-FR"/>
           </a:p>
@@ -2098,7 +2098,7 @@
           <a:p>
             <a:fld id="{7A47CF09-9538-47D9-9371-EDA44274715E}" type="datetimeFigureOut">
               <a:rPr lang="fr-FR" smtClean="0"/>
-              <a:t>29/03/2020</a:t>
+              <a:t>30/03/2020</a:t>
             </a:fld>
             <a:endParaRPr lang="fr-FR"/>
           </a:p>
@@ -2355,7 +2355,7 @@
           <a:p>
             <a:fld id="{7A47CF09-9538-47D9-9371-EDA44274715E}" type="datetimeFigureOut">
               <a:rPr lang="fr-FR" smtClean="0"/>
-              <a:t>29/03/2020</a:t>
+              <a:t>30/03/2020</a:t>
             </a:fld>
             <a:endParaRPr lang="fr-FR"/>
           </a:p>
@@ -2617,7 +2617,7 @@
           <a:p>
             <a:fld id="{7A47CF09-9538-47D9-9371-EDA44274715E}" type="datetimeFigureOut">
               <a:rPr lang="fr-FR" smtClean="0"/>
-              <a:t>29/03/2020</a:t>
+              <a:t>30/03/2020</a:t>
             </a:fld>
             <a:endParaRPr lang="fr-FR"/>
           </a:p>
@@ -2879,7 +2879,7 @@
           <a:p>
             <a:fld id="{7A47CF09-9538-47D9-9371-EDA44274715E}" type="datetimeFigureOut">
               <a:rPr lang="fr-FR" smtClean="0"/>
-              <a:t>29/03/2020</a:t>
+              <a:t>30/03/2020</a:t>
             </a:fld>
             <a:endParaRPr lang="fr-FR"/>
           </a:p>
@@ -3208,7 +3208,7 @@
           <a:p>
             <a:fld id="{7A47CF09-9538-47D9-9371-EDA44274715E}" type="datetimeFigureOut">
               <a:rPr lang="fr-FR" smtClean="0"/>
-              <a:t>29/03/2020</a:t>
+              <a:t>30/03/2020</a:t>
             </a:fld>
             <a:endParaRPr lang="fr-FR"/>
           </a:p>
@@ -3531,7 +3531,7 @@
           <a:p>
             <a:fld id="{7A47CF09-9538-47D9-9371-EDA44274715E}" type="datetimeFigureOut">
               <a:rPr lang="fr-FR" smtClean="0"/>
-              <a:t>29/03/2020</a:t>
+              <a:t>30/03/2020</a:t>
             </a:fld>
             <a:endParaRPr lang="fr-FR"/>
           </a:p>
@@ -3988,7 +3988,7 @@
           <a:p>
             <a:fld id="{7A47CF09-9538-47D9-9371-EDA44274715E}" type="datetimeFigureOut">
               <a:rPr lang="fr-FR" smtClean="0"/>
-              <a:t>29/03/2020</a:t>
+              <a:t>30/03/2020</a:t>
             </a:fld>
             <a:endParaRPr lang="fr-FR"/>
           </a:p>
@@ -4193,7 +4193,7 @@
           <a:p>
             <a:fld id="{7A47CF09-9538-47D9-9371-EDA44274715E}" type="datetimeFigureOut">
               <a:rPr lang="fr-FR" smtClean="0"/>
-              <a:t>29/03/2020</a:t>
+              <a:t>30/03/2020</a:t>
             </a:fld>
             <a:endParaRPr lang="fr-FR"/>
           </a:p>
@@ -4370,7 +4370,7 @@
           <a:p>
             <a:fld id="{7A47CF09-9538-47D9-9371-EDA44274715E}" type="datetimeFigureOut">
               <a:rPr lang="fr-FR" smtClean="0"/>
-              <a:t>29/03/2020</a:t>
+              <a:t>30/03/2020</a:t>
             </a:fld>
             <a:endParaRPr lang="fr-FR"/>
           </a:p>
@@ -4703,7 +4703,7 @@
           <a:p>
             <a:fld id="{7A47CF09-9538-47D9-9371-EDA44274715E}" type="datetimeFigureOut">
               <a:rPr lang="fr-FR" smtClean="0"/>
-              <a:t>29/03/2020</a:t>
+              <a:t>30/03/2020</a:t>
             </a:fld>
             <a:endParaRPr lang="fr-FR"/>
           </a:p>
@@ -5048,7 +5048,7 @@
           <a:p>
             <a:fld id="{7A47CF09-9538-47D9-9371-EDA44274715E}" type="datetimeFigureOut">
               <a:rPr lang="fr-FR" smtClean="0"/>
-              <a:t>29/03/2020</a:t>
+              <a:t>30/03/2020</a:t>
             </a:fld>
             <a:endParaRPr lang="fr-FR"/>
           </a:p>
@@ -7165,7 +7165,7 @@
           <a:p>
             <a:fld id="{7A47CF09-9538-47D9-9371-EDA44274715E}" type="datetimeFigureOut">
               <a:rPr lang="fr-FR" smtClean="0"/>
-              <a:t>29/03/2020</a:t>
+              <a:t>30/03/2020</a:t>
             </a:fld>
             <a:endParaRPr lang="fr-FR"/>
           </a:p>
@@ -7788,6 +7788,14 @@
   <p:clrMapOvr>
     <a:masterClrMapping/>
   </p:clrMapOvr>
+  <mc:AlternateContent xmlns:mc="http://schemas.openxmlformats.org/markup-compatibility/2006">
+    <mc:Choice xmlns:p14="http://schemas.microsoft.com/office/powerpoint/2010/main" Requires="p14">
+      <p:transition spd="slow" p14:dur="2000" advTm="15491"/>
+    </mc:Choice>
+    <mc:Fallback>
+      <p:transition spd="slow" advTm="15491"/>
+    </mc:Fallback>
+  </mc:AlternateContent>
 </p:sld>
 </file>
 
@@ -7911,142 +7919,18 @@
   <p:clrMapOvr>
     <a:masterClrMapping/>
   </p:clrMapOvr>
+  <mc:AlternateContent xmlns:mc="http://schemas.openxmlformats.org/markup-compatibility/2006">
+    <mc:Choice xmlns:p14="http://schemas.microsoft.com/office/powerpoint/2010/main" Requires="p14">
+      <p:transition spd="slow" p14:dur="2000" advTm="1344"/>
+    </mc:Choice>
+    <mc:Fallback>
+      <p:transition spd="slow" advTm="1344"/>
+    </mc:Fallback>
+  </mc:AlternateContent>
 </p:sld>
 </file>
 
 <file path=ppt/slides/slide3.xml><?xml version="1.0" encoding="utf-8"?>
-<p:sld xmlns:a="http://schemas.openxmlformats.org/drawingml/2006/main" xmlns:r="http://schemas.openxmlformats.org/officeDocument/2006/relationships" xmlns:p="http://schemas.openxmlformats.org/presentationml/2006/main">
-  <p:cSld>
-    <p:spTree>
-      <p:nvGrpSpPr>
-        <p:cNvPr id="1" name=""/>
-        <p:cNvGrpSpPr/>
-        <p:nvPr/>
-      </p:nvGrpSpPr>
-      <p:grpSpPr>
-        <a:xfrm>
-          <a:off x="0" y="0"/>
-          <a:ext cx="0" cy="0"/>
-          <a:chOff x="0" y="0"/>
-          <a:chExt cx="0" cy="0"/>
-        </a:xfrm>
-      </p:grpSpPr>
-      <p:sp>
-        <p:nvSpPr>
-          <p:cNvPr id="2" name="Titre 1">
-            <a:extLst>
-              <a:ext uri="{FF2B5EF4-FFF2-40B4-BE49-F238E27FC236}">
-                <a16:creationId xmlns:a16="http://schemas.microsoft.com/office/drawing/2014/main" id="{A7A44787-ACE5-4968-8339-539401A72AB9}"/>
-              </a:ext>
-            </a:extLst>
-          </p:cNvPr>
-          <p:cNvSpPr>
-            <a:spLocks noGrp="1"/>
-          </p:cNvSpPr>
-          <p:nvPr>
-            <p:ph type="title"/>
-          </p:nvPr>
-        </p:nvSpPr>
-        <p:spPr/>
-        <p:txBody>
-          <a:bodyPr/>
-          <a:lstStyle/>
-          <a:p>
-            <a:pPr algn="ctr"/>
-            <a:r>
-              <a:rPr lang="fr-FR" dirty="0"/>
-              <a:t>Synoptique</a:t>
-            </a:r>
-          </a:p>
-        </p:txBody>
-      </p:sp>
-      <p:pic>
-        <p:nvPicPr>
-          <p:cNvPr id="4" name="Image 8">
-            <a:extLst>
-              <a:ext uri="{FF2B5EF4-FFF2-40B4-BE49-F238E27FC236}">
-                <a16:creationId xmlns:a16="http://schemas.microsoft.com/office/drawing/2014/main" id="{8EEE2C98-7102-4462-9540-A22C65610D65}"/>
-              </a:ext>
-            </a:extLst>
-          </p:cNvPr>
-          <p:cNvPicPr>
-            <a:picLocks noGrp="1" noChangeAspect="1" noChangeArrowheads="1"/>
-          </p:cNvPicPr>
-          <p:nvPr>
-            <p:ph idx="1"/>
-          </p:nvPr>
-        </p:nvPicPr>
-        <p:blipFill>
-          <a:blip r:embed="rId2">
-            <a:extLst>
-              <a:ext uri="{28A0092B-C50C-407E-A947-70E740481C1C}">
-                <a14:useLocalDpi xmlns:a14="http://schemas.microsoft.com/office/drawing/2010/main" val="0"/>
-              </a:ext>
-            </a:extLst>
-          </a:blip>
-          <a:srcRect/>
-          <a:stretch>
-            <a:fillRect/>
-          </a:stretch>
-        </p:blipFill>
-        <p:spPr>
-          <a:xfrm>
-            <a:off x="2775995" y="2133600"/>
-            <a:ext cx="8541835" cy="3778250"/>
-          </a:xfrm>
-          <a:noFill/>
-          <a:ln/>
-        </p:spPr>
-      </p:pic>
-      <p:sp>
-        <p:nvSpPr>
-          <p:cNvPr id="5" name="ZoneTexte 4">
-            <a:extLst>
-              <a:ext uri="{FF2B5EF4-FFF2-40B4-BE49-F238E27FC236}">
-                <a16:creationId xmlns:a16="http://schemas.microsoft.com/office/drawing/2014/main" id="{E82C1C1A-F97C-4582-A020-9EEF1D55FD2B}"/>
-              </a:ext>
-            </a:extLst>
-          </p:cNvPr>
-          <p:cNvSpPr txBox="1"/>
-          <p:nvPr/>
-        </p:nvSpPr>
-        <p:spPr>
-          <a:xfrm>
-            <a:off x="212035" y="768626"/>
-            <a:ext cx="1111202" cy="461665"/>
-          </a:xfrm>
-          <a:prstGeom prst="rect">
-            <a:avLst/>
-          </a:prstGeom>
-          <a:noFill/>
-        </p:spPr>
-        <p:txBody>
-          <a:bodyPr wrap="none" rtlCol="0">
-            <a:spAutoFit/>
-          </a:bodyPr>
-          <a:lstStyle/>
-          <a:p>
-            <a:r>
-              <a:rPr lang="fr-FR" sz="2400" dirty="0"/>
-              <a:t>CSG 2</a:t>
-            </a:r>
-          </a:p>
-        </p:txBody>
-      </p:sp>
-    </p:spTree>
-    <p:extLst>
-      <p:ext uri="{BB962C8B-B14F-4D97-AF65-F5344CB8AC3E}">
-        <p14:creationId xmlns:p14="http://schemas.microsoft.com/office/powerpoint/2010/main" val="3719514083"/>
-      </p:ext>
-    </p:extLst>
-  </p:cSld>
-  <p:clrMapOvr>
-    <a:masterClrMapping/>
-  </p:clrMapOvr>
-</p:sld>
-</file>
-
-<file path=ppt/slides/slide4.xml><?xml version="1.0" encoding="utf-8"?>
 <p:sld xmlns:a="http://schemas.openxmlformats.org/drawingml/2006/main" xmlns:r="http://schemas.openxmlformats.org/officeDocument/2006/relationships" xmlns:p="http://schemas.openxmlformats.org/presentationml/2006/main">
   <p:cSld>
     <p:spTree>
@@ -8164,6 +8048,180 @@
   <p:clrMapOvr>
     <a:masterClrMapping/>
   </p:clrMapOvr>
+  <mc:AlternateContent xmlns:mc="http://schemas.openxmlformats.org/markup-compatibility/2006">
+    <mc:Choice xmlns:p14="http://schemas.microsoft.com/office/powerpoint/2010/main" Requires="p14">
+      <p:transition spd="slow" p14:dur="2000" advTm="820"/>
+    </mc:Choice>
+    <mc:Fallback>
+      <p:transition spd="slow" advTm="820"/>
+    </mc:Fallback>
+  </mc:AlternateContent>
+</p:sld>
+</file>
+
+<file path=ppt/slides/slide4.xml><?xml version="1.0" encoding="utf-8"?>
+<p:sld xmlns:a="http://schemas.openxmlformats.org/drawingml/2006/main" xmlns:r="http://schemas.openxmlformats.org/officeDocument/2006/relationships" xmlns:p="http://schemas.openxmlformats.org/presentationml/2006/main">
+  <p:cSld>
+    <p:spTree>
+      <p:nvGrpSpPr>
+        <p:cNvPr id="1" name=""/>
+        <p:cNvGrpSpPr/>
+        <p:nvPr/>
+      </p:nvGrpSpPr>
+      <p:grpSpPr>
+        <a:xfrm>
+          <a:off x="0" y="0"/>
+          <a:ext cx="0" cy="0"/>
+          <a:chOff x="0" y="0"/>
+          <a:chExt cx="0" cy="0"/>
+        </a:xfrm>
+      </p:grpSpPr>
+      <p:sp>
+        <p:nvSpPr>
+          <p:cNvPr id="2" name="Titre 1">
+            <a:extLst>
+              <a:ext uri="{FF2B5EF4-FFF2-40B4-BE49-F238E27FC236}">
+                <a16:creationId xmlns:a16="http://schemas.microsoft.com/office/drawing/2014/main" id="{0E649983-A0A2-4288-B742-1CAF28E06320}"/>
+              </a:ext>
+            </a:extLst>
+          </p:cNvPr>
+          <p:cNvSpPr>
+            <a:spLocks noGrp="1"/>
+          </p:cNvSpPr>
+          <p:nvPr>
+            <p:ph type="title"/>
+          </p:nvPr>
+        </p:nvSpPr>
+        <p:spPr/>
+        <p:txBody>
+          <a:bodyPr/>
+          <a:lstStyle/>
+          <a:p>
+            <a:pPr algn="ctr"/>
+            <a:r>
+              <a:rPr lang="fr-FR" dirty="0"/>
+              <a:t>Les outils utilisés</a:t>
+            </a:r>
+          </a:p>
+        </p:txBody>
+      </p:sp>
+      <p:sp>
+        <p:nvSpPr>
+          <p:cNvPr id="3" name="Espace réservé du contenu 2">
+            <a:extLst>
+              <a:ext uri="{FF2B5EF4-FFF2-40B4-BE49-F238E27FC236}">
+                <a16:creationId xmlns:a16="http://schemas.microsoft.com/office/drawing/2014/main" id="{E3CBF052-AE56-447D-BD4C-BFFFCB5707F0}"/>
+              </a:ext>
+            </a:extLst>
+          </p:cNvPr>
+          <p:cNvSpPr>
+            <a:spLocks noGrp="1"/>
+          </p:cNvSpPr>
+          <p:nvPr>
+            <p:ph idx="1"/>
+          </p:nvPr>
+        </p:nvSpPr>
+        <p:spPr/>
+        <p:txBody>
+          <a:bodyPr>
+            <a:normAutofit/>
+          </a:bodyPr>
+          <a:lstStyle/>
+          <a:p>
+            <a:pPr lvl="1"/>
+            <a:r>
+              <a:rPr lang="fr-FR" sz="3000" dirty="0"/>
+              <a:t>Arduino IDE</a:t>
+            </a:r>
+          </a:p>
+          <a:p>
+            <a:pPr marL="0" indent="0">
+              <a:buNone/>
+            </a:pPr>
+            <a:endParaRPr lang="fr-FR" sz="3200" dirty="0"/>
+          </a:p>
+          <a:p>
+            <a:pPr lvl="1"/>
+            <a:r>
+              <a:rPr lang="fr-FR" sz="3000" dirty="0"/>
+              <a:t>Doxygène</a:t>
+            </a:r>
+          </a:p>
+          <a:p>
+            <a:pPr marL="457200" lvl="1" indent="0">
+              <a:buNone/>
+            </a:pPr>
+            <a:endParaRPr lang="fr-FR" sz="3000" dirty="0"/>
+          </a:p>
+          <a:p>
+            <a:pPr lvl="1"/>
+            <a:r>
+              <a:rPr lang="fr-FR" sz="3000" dirty="0"/>
+              <a:t>Git</a:t>
+            </a:r>
+            <a:endParaRPr lang="fr-FR" sz="3200" dirty="0"/>
+          </a:p>
+          <a:p>
+            <a:pPr marL="0" indent="0">
+              <a:buNone/>
+            </a:pPr>
+            <a:endParaRPr lang="fr-FR" sz="3200" dirty="0"/>
+          </a:p>
+        </p:txBody>
+      </p:sp>
+      <p:sp>
+        <p:nvSpPr>
+          <p:cNvPr id="4" name="ZoneTexte 3">
+            <a:extLst>
+              <a:ext uri="{FF2B5EF4-FFF2-40B4-BE49-F238E27FC236}">
+                <a16:creationId xmlns:a16="http://schemas.microsoft.com/office/drawing/2014/main" id="{1286AE84-48C7-4A09-81FE-1A822FFCC0DE}"/>
+              </a:ext>
+            </a:extLst>
+          </p:cNvPr>
+          <p:cNvSpPr txBox="1"/>
+          <p:nvPr/>
+        </p:nvSpPr>
+        <p:spPr>
+          <a:xfrm>
+            <a:off x="131787" y="802890"/>
+            <a:ext cx="1111202" cy="461665"/>
+          </a:xfrm>
+          <a:prstGeom prst="rect">
+            <a:avLst/>
+          </a:prstGeom>
+          <a:noFill/>
+        </p:spPr>
+        <p:txBody>
+          <a:bodyPr wrap="none" rtlCol="0">
+            <a:spAutoFit/>
+          </a:bodyPr>
+          <a:lstStyle/>
+          <a:p>
+            <a:r>
+              <a:rPr lang="fr-FR" sz="2400" dirty="0"/>
+              <a:t>CSG 2</a:t>
+            </a:r>
+          </a:p>
+        </p:txBody>
+      </p:sp>
+    </p:spTree>
+    <p:extLst>
+      <p:ext uri="{BB962C8B-B14F-4D97-AF65-F5344CB8AC3E}">
+        <p14:creationId xmlns:p14="http://schemas.microsoft.com/office/powerpoint/2010/main" val="4151749349"/>
+      </p:ext>
+    </p:extLst>
+  </p:cSld>
+  <p:clrMapOvr>
+    <a:masterClrMapping/>
+  </p:clrMapOvr>
+  <mc:AlternateContent xmlns:mc="http://schemas.openxmlformats.org/markup-compatibility/2006">
+    <mc:Choice xmlns:p14="http://schemas.microsoft.com/office/powerpoint/2010/main" Requires="p14">
+      <p:transition spd="slow" p14:dur="2000" advTm="1324"/>
+    </mc:Choice>
+    <mc:Fallback>
+      <p:transition spd="slow" advTm="1324"/>
+    </mc:Fallback>
+  </mc:AlternateContent>
 </p:sld>
 </file>
 
@@ -8189,7 +8247,7 @@
           <p:cNvPr id="2" name="Titre 1">
             <a:extLst>
               <a:ext uri="{FF2B5EF4-FFF2-40B4-BE49-F238E27FC236}">
-                <a16:creationId xmlns:a16="http://schemas.microsoft.com/office/drawing/2014/main" id="{0E649983-A0A2-4288-B742-1CAF28E06320}"/>
+                <a16:creationId xmlns:a16="http://schemas.microsoft.com/office/drawing/2014/main" id="{048C0D93-D952-4529-A109-D8814F40A10A}"/>
               </a:ext>
             </a:extLst>
           </p:cNvPr>
@@ -8208,7 +8266,7 @@
             <a:pPr algn="ctr"/>
             <a:r>
               <a:rPr lang="fr-FR" dirty="0"/>
-              <a:t>Les outils utilisés</a:t>
+              <a:t>Travail demandé</a:t>
             </a:r>
           </a:p>
         </p:txBody>
@@ -8218,7 +8276,7 @@
           <p:cNvPr id="3" name="Espace réservé du contenu 2">
             <a:extLst>
               <a:ext uri="{FF2B5EF4-FFF2-40B4-BE49-F238E27FC236}">
-                <a16:creationId xmlns:a16="http://schemas.microsoft.com/office/drawing/2014/main" id="{E3CBF052-AE56-447D-BD4C-BFFFCB5707F0}"/>
+                <a16:creationId xmlns:a16="http://schemas.microsoft.com/office/drawing/2014/main" id="{1018AB36-B570-4F22-85BF-5F641F1241C4}"/>
               </a:ext>
             </a:extLst>
           </p:cNvPr>
@@ -8232,14 +8290,13 @@
         <p:spPr/>
         <p:txBody>
           <a:bodyPr>
-            <a:normAutofit/>
+            <a:normAutofit lnSpcReduction="10000"/>
           </a:bodyPr>
           <a:lstStyle/>
           <a:p>
-            <a:pPr lvl="1"/>
-            <a:r>
-              <a:rPr lang="fr-FR" sz="3000" dirty="0"/>
-              <a:t>Arduino</a:t>
+            <a:r>
+              <a:rPr lang="fr-FR" sz="3200" dirty="0"/>
+              <a:t>Etudiant 3</a:t>
             </a:r>
           </a:p>
           <a:p>
@@ -8249,31 +8306,56 @@
             <a:endParaRPr lang="fr-FR" sz="3200" dirty="0"/>
           </a:p>
           <a:p>
-            <a:pPr lvl="1"/>
-            <a:r>
-              <a:rPr lang="fr-FR" sz="3000" dirty="0"/>
-              <a:t>Doxygène</a:t>
-            </a:r>
-          </a:p>
-          <a:p>
-            <a:pPr marL="457200" lvl="1" indent="0">
-              <a:buNone/>
+            <a:pPr lvl="1">
+              <a:buFont typeface="Wingdings" panose="05000000000000000000" pitchFamily="2" charset="2"/>
+              <a:buChar char="q"/>
             </a:pPr>
-            <a:endParaRPr lang="fr-FR" sz="3000" dirty="0"/>
-          </a:p>
-          <a:p>
-            <a:pPr lvl="1"/>
-            <a:r>
-              <a:rPr lang="fr-FR" sz="3000" dirty="0"/>
-              <a:t>Git</a:t>
-            </a:r>
-            <a:endParaRPr lang="fr-FR" sz="3200" dirty="0"/>
-          </a:p>
-          <a:p>
-            <a:pPr marL="0" indent="0">
-              <a:buNone/>
+            <a:r>
+              <a:rPr lang="fr-FR" altLang="en-US" sz="2400" dirty="0"/>
+              <a:t>Réaliser un applicatif permettant de générer un bruit sur le pager.</a:t>
+            </a:r>
+          </a:p>
+          <a:p>
+            <a:pPr lvl="1">
+              <a:buFont typeface="Wingdings" panose="05000000000000000000" pitchFamily="2" charset="2"/>
+              <a:buChar char="q"/>
             </a:pPr>
-            <a:endParaRPr lang="fr-FR" sz="3200" dirty="0"/>
+            <a:r>
+              <a:rPr lang="fr-FR" altLang="en-US" sz="2400" dirty="0"/>
+              <a:t>Réaliser un applicatif permettant de recevoir un message Lora sur le Pager</a:t>
+            </a:r>
+          </a:p>
+          <a:p>
+            <a:pPr lvl="1">
+              <a:lnSpc>
+                <a:spcPct val="90000"/>
+              </a:lnSpc>
+              <a:buFont typeface="Wingdings" panose="05000000000000000000" pitchFamily="2" charset="2"/>
+              <a:buChar char="q"/>
+            </a:pPr>
+            <a:r>
+              <a:rPr lang="fr-FR" altLang="en-US" sz="2400" dirty="0"/>
+              <a:t>Réalisation de l’IHM Superviseur :</a:t>
+            </a:r>
+          </a:p>
+          <a:p>
+            <a:pPr lvl="2">
+              <a:lnSpc>
+                <a:spcPct val="90000"/>
+              </a:lnSpc>
+              <a:buFont typeface="Arial" panose="020B0604020202020204" pitchFamily="34" charset="0"/>
+              <a:buChar char="‒"/>
+            </a:pPr>
+            <a:r>
+              <a:rPr lang="fr-FR" altLang="en-US" sz="2400" dirty="0"/>
+              <a:t>Scenario superviseur ENVOYER message (Cible)</a:t>
+            </a:r>
+          </a:p>
+          <a:p>
+            <a:pPr marL="857250" lvl="2" indent="0">
+              <a:buNone/>
+            </a:pPr>
+            <a:endParaRPr lang="fr-FR" sz="1800" dirty="0"/>
           </a:p>
         </p:txBody>
       </p:sp>
@@ -8282,7 +8364,7 @@
           <p:cNvPr id="4" name="ZoneTexte 3">
             <a:extLst>
               <a:ext uri="{FF2B5EF4-FFF2-40B4-BE49-F238E27FC236}">
-                <a16:creationId xmlns:a16="http://schemas.microsoft.com/office/drawing/2014/main" id="{1286AE84-48C7-4A09-81FE-1A822FFCC0DE}"/>
+                <a16:creationId xmlns:a16="http://schemas.microsoft.com/office/drawing/2014/main" id="{98ABAE26-5E6C-44DD-BA29-B5811FAD2C34}"/>
               </a:ext>
             </a:extLst>
           </p:cNvPr>
@@ -8291,7 +8373,7 @@
         </p:nvSpPr>
         <p:spPr>
           <a:xfrm>
-            <a:off x="131787" y="802890"/>
+            <a:off x="174266" y="802890"/>
             <a:ext cx="1111202" cy="461665"/>
           </a:xfrm>
           <a:prstGeom prst="rect">
@@ -8315,13 +8397,21 @@
     </p:spTree>
     <p:extLst>
       <p:ext uri="{BB962C8B-B14F-4D97-AF65-F5344CB8AC3E}">
-        <p14:creationId xmlns:p14="http://schemas.microsoft.com/office/powerpoint/2010/main" val="4151749349"/>
+        <p14:creationId xmlns:p14="http://schemas.microsoft.com/office/powerpoint/2010/main" val="2813911121"/>
       </p:ext>
     </p:extLst>
   </p:cSld>
   <p:clrMapOvr>
     <a:masterClrMapping/>
   </p:clrMapOvr>
+  <mc:AlternateContent xmlns:mc="http://schemas.openxmlformats.org/markup-compatibility/2006">
+    <mc:Choice xmlns:p14="http://schemas.microsoft.com/office/powerpoint/2010/main" Requires="p14">
+      <p:transition spd="slow" p14:dur="2000" advTm="352"/>
+    </mc:Choice>
+    <mc:Fallback>
+      <p:transition spd="slow" advTm="352"/>
+    </mc:Fallback>
+  </mc:AlternateContent>
 </p:sld>
 </file>
 
@@ -8347,7 +8437,7 @@
           <p:cNvPr id="2" name="Titre 1">
             <a:extLst>
               <a:ext uri="{FF2B5EF4-FFF2-40B4-BE49-F238E27FC236}">
-                <a16:creationId xmlns:a16="http://schemas.microsoft.com/office/drawing/2014/main" id="{048C0D93-D952-4529-A109-D8814F40A10A}"/>
+                <a16:creationId xmlns:a16="http://schemas.microsoft.com/office/drawing/2014/main" id="{FA88001B-419B-4770-9169-631ACA77F2CE}"/>
               </a:ext>
             </a:extLst>
           </p:cNvPr>
@@ -8376,7 +8466,7 @@
           <p:cNvPr id="3" name="Espace réservé du contenu 2">
             <a:extLst>
               <a:ext uri="{FF2B5EF4-FFF2-40B4-BE49-F238E27FC236}">
-                <a16:creationId xmlns:a16="http://schemas.microsoft.com/office/drawing/2014/main" id="{1018AB36-B570-4F22-85BF-5F641F1241C4}"/>
+                <a16:creationId xmlns:a16="http://schemas.microsoft.com/office/drawing/2014/main" id="{3D01556D-0576-4F35-86BA-411F85516233}"/>
               </a:ext>
             </a:extLst>
           </p:cNvPr>
@@ -8390,7 +8480,7 @@
         <p:spPr/>
         <p:txBody>
           <a:bodyPr>
-            <a:normAutofit lnSpcReduction="10000"/>
+            <a:normAutofit/>
           </a:bodyPr>
           <a:lstStyle/>
           <a:p>
@@ -8412,7 +8502,7 @@
             </a:pPr>
             <a:r>
               <a:rPr lang="fr-FR" altLang="en-US" sz="2400" dirty="0"/>
-              <a:t>Réaliser un applicatif permettant de générer un bruit sur le pager.</a:t>
+              <a:t>Rédiger les tests unitaires d’écriture écran</a:t>
             </a:r>
           </a:p>
           <a:p>
@@ -8422,40 +8512,24 @@
             </a:pPr>
             <a:r>
               <a:rPr lang="fr-FR" altLang="en-US" sz="2400" dirty="0"/>
-              <a:t>Réaliser un applicatif permettant de recevoir un message Lora sur le Pager</a:t>
+              <a:t>Rédiger les tests unitaires des GPIOS</a:t>
             </a:r>
           </a:p>
           <a:p>
             <a:pPr lvl="1">
-              <a:lnSpc>
-                <a:spcPct val="90000"/>
-              </a:lnSpc>
               <a:buFont typeface="Wingdings" panose="05000000000000000000" pitchFamily="2" charset="2"/>
               <a:buChar char="q"/>
             </a:pPr>
             <a:r>
               <a:rPr lang="fr-FR" altLang="en-US" sz="2400" dirty="0"/>
-              <a:t>Réalisation de l’IHM Superviseur :</a:t>
-            </a:r>
-          </a:p>
-          <a:p>
-            <a:pPr lvl="2">
-              <a:lnSpc>
-                <a:spcPct val="90000"/>
-              </a:lnSpc>
-              <a:buFont typeface="Arial" panose="020B0604020202020204" pitchFamily="34" charset="0"/>
-              <a:buChar char="‒"/>
+              <a:t>Effectuer les tests unitaires de validation du GPS</a:t>
+            </a:r>
+          </a:p>
+          <a:p>
+            <a:pPr marL="457200" lvl="1" indent="0">
+              <a:buNone/>
             </a:pPr>
-            <a:r>
-              <a:rPr lang="fr-FR" altLang="en-US" sz="2400" dirty="0"/>
-              <a:t>Scenario superviseur ENVOYER message (Cible)</a:t>
-            </a:r>
-          </a:p>
-          <a:p>
-            <a:pPr marL="857250" lvl="2" indent="0">
-              <a:buNone/>
-            </a:pPr>
-            <a:endParaRPr lang="fr-FR" sz="1800" dirty="0"/>
+            <a:endParaRPr lang="fr-FR" sz="2400" dirty="0"/>
           </a:p>
         </p:txBody>
       </p:sp>
@@ -8464,7 +8538,7 @@
           <p:cNvPr id="4" name="ZoneTexte 3">
             <a:extLst>
               <a:ext uri="{FF2B5EF4-FFF2-40B4-BE49-F238E27FC236}">
-                <a16:creationId xmlns:a16="http://schemas.microsoft.com/office/drawing/2014/main" id="{98ABAE26-5E6C-44DD-BA29-B5811FAD2C34}"/>
+                <a16:creationId xmlns:a16="http://schemas.microsoft.com/office/drawing/2014/main" id="{D6ABCE2F-8816-4AD2-98F3-CF0F02E320B6}"/>
               </a:ext>
             </a:extLst>
           </p:cNvPr>
@@ -8497,13 +8571,21 @@
     </p:spTree>
     <p:extLst>
       <p:ext uri="{BB962C8B-B14F-4D97-AF65-F5344CB8AC3E}">
-        <p14:creationId xmlns:p14="http://schemas.microsoft.com/office/powerpoint/2010/main" val="2813911121"/>
+        <p14:creationId xmlns:p14="http://schemas.microsoft.com/office/powerpoint/2010/main" val="578886545"/>
       </p:ext>
     </p:extLst>
   </p:cSld>
   <p:clrMapOvr>
     <a:masterClrMapping/>
   </p:clrMapOvr>
+  <mc:AlternateContent xmlns:mc="http://schemas.openxmlformats.org/markup-compatibility/2006">
+    <mc:Choice xmlns:p14="http://schemas.microsoft.com/office/powerpoint/2010/main" Requires="p14">
+      <p:transition spd="slow" p14:dur="2000" advTm="902"/>
+    </mc:Choice>
+    <mc:Fallback>
+      <p:transition spd="slow" advTm="902"/>
+    </mc:Fallback>
+  </mc:AlternateContent>
 </p:sld>
 </file>
 
@@ -8529,7 +8611,7 @@
           <p:cNvPr id="2" name="Titre 1">
             <a:extLst>
               <a:ext uri="{FF2B5EF4-FFF2-40B4-BE49-F238E27FC236}">
-                <a16:creationId xmlns:a16="http://schemas.microsoft.com/office/drawing/2014/main" id="{FA88001B-419B-4770-9169-631ACA77F2CE}"/>
+                <a16:creationId xmlns:a16="http://schemas.microsoft.com/office/drawing/2014/main" id="{368FA8E5-856D-4B47-B5C4-3489E95FF821}"/>
               </a:ext>
             </a:extLst>
           </p:cNvPr>
@@ -8548,7 +8630,7 @@
             <a:pPr algn="ctr"/>
             <a:r>
               <a:rPr lang="fr-FR" dirty="0"/>
-              <a:t>Test</a:t>
+              <a:t>Mes recherches</a:t>
             </a:r>
           </a:p>
         </p:txBody>
@@ -8558,7 +8640,7 @@
           <p:cNvPr id="3" name="Espace réservé du contenu 2">
             <a:extLst>
               <a:ext uri="{FF2B5EF4-FFF2-40B4-BE49-F238E27FC236}">
-                <a16:creationId xmlns:a16="http://schemas.microsoft.com/office/drawing/2014/main" id="{3D01556D-0576-4F35-86BA-411F85516233}"/>
+                <a16:creationId xmlns:a16="http://schemas.microsoft.com/office/drawing/2014/main" id="{E990682F-0C39-4BB9-B310-2475A531F227}"/>
               </a:ext>
             </a:extLst>
           </p:cNvPr>
@@ -8577,51 +8659,77 @@
           <a:lstStyle/>
           <a:p>
             <a:r>
-              <a:rPr lang="fr-FR" sz="3200" dirty="0"/>
-              <a:t>Etudiant 3</a:t>
-            </a:r>
-          </a:p>
-          <a:p>
-            <a:pPr marL="0" indent="0">
-              <a:buNone/>
-            </a:pPr>
-            <a:endParaRPr lang="fr-FR" sz="3200" dirty="0"/>
-          </a:p>
-          <a:p>
-            <a:pPr lvl="1">
-              <a:buFont typeface="Wingdings" panose="05000000000000000000" pitchFamily="2" charset="2"/>
-              <a:buChar char="q"/>
-            </a:pPr>
-            <a:r>
-              <a:rPr lang="fr-FR" altLang="en-US" sz="2400" dirty="0"/>
-              <a:t>Rédiger les tests unitaires d’écriture écran</a:t>
-            </a:r>
-          </a:p>
-          <a:p>
-            <a:pPr lvl="1">
-              <a:buFont typeface="Wingdings" panose="05000000000000000000" pitchFamily="2" charset="2"/>
-              <a:buChar char="q"/>
-            </a:pPr>
-            <a:r>
-              <a:rPr lang="fr-FR" altLang="en-US" sz="2400" dirty="0"/>
-              <a:t>Rédiger les tests unitaires des GPIOS</a:t>
-            </a:r>
-          </a:p>
-          <a:p>
-            <a:pPr lvl="1">
-              <a:buFont typeface="Wingdings" panose="05000000000000000000" pitchFamily="2" charset="2"/>
-              <a:buChar char="q"/>
-            </a:pPr>
-            <a:r>
-              <a:rPr lang="fr-FR" altLang="en-US" sz="2400" dirty="0"/>
-              <a:t>Effectuer les tests unitaires de validation du GPS</a:t>
-            </a:r>
-          </a:p>
-          <a:p>
-            <a:pPr marL="457200" lvl="1" indent="0">
-              <a:buNone/>
-            </a:pPr>
-            <a:endParaRPr lang="fr-FR" sz="2400" dirty="0"/>
+              <a:rPr lang="fr-FR" sz="2400" dirty="0">
+                <a:solidFill>
+                  <a:schemeClr val="tx1"/>
+                </a:solidFill>
+              </a:rPr>
+              <a:t>Comment connecter l’ESP32 en </a:t>
+            </a:r>
+            <a:r>
+              <a:rPr lang="fr-FR" sz="2400" dirty="0" err="1">
+                <a:solidFill>
+                  <a:schemeClr val="tx1"/>
+                </a:solidFill>
+              </a:rPr>
+              <a:t>WiFi</a:t>
+            </a:r>
+            <a:endParaRPr lang="fr-FR" sz="2400" dirty="0">
+              <a:solidFill>
+                <a:schemeClr val="tx1"/>
+              </a:solidFill>
+            </a:endParaRPr>
+          </a:p>
+          <a:p>
+            <a:endParaRPr lang="fr-FR" sz="2400" dirty="0">
+              <a:solidFill>
+                <a:schemeClr val="tx1"/>
+              </a:solidFill>
+            </a:endParaRPr>
+          </a:p>
+          <a:p>
+            <a:r>
+              <a:rPr lang="fr-FR" sz="2400" dirty="0">
+                <a:solidFill>
+                  <a:schemeClr val="tx1"/>
+                </a:solidFill>
+              </a:rPr>
+              <a:t>Allumer une LED</a:t>
+            </a:r>
+          </a:p>
+          <a:p>
+            <a:endParaRPr lang="fr-FR" sz="2400" dirty="0">
+              <a:solidFill>
+                <a:schemeClr val="tx1"/>
+              </a:solidFill>
+            </a:endParaRPr>
+          </a:p>
+          <a:p>
+            <a:r>
+              <a:rPr lang="fr-FR" sz="2400" dirty="0">
+                <a:solidFill>
+                  <a:schemeClr val="tx1"/>
+                </a:solidFill>
+              </a:rPr>
+              <a:t>Comment générer un son sur haut parleur Arduino</a:t>
+            </a:r>
+          </a:p>
+          <a:p>
+            <a:endParaRPr lang="fr-FR" sz="2400" dirty="0">
+              <a:solidFill>
+                <a:schemeClr val="tx1"/>
+              </a:solidFill>
+            </a:endParaRPr>
+          </a:p>
+          <a:p>
+            <a:r>
+              <a:rPr lang="fr-FR" sz="2400" dirty="0">
+                <a:solidFill>
+                  <a:schemeClr val="tx1"/>
+                </a:solidFill>
+              </a:rPr>
+              <a:t>La communication entre LoRa</a:t>
+            </a:r>
           </a:p>
         </p:txBody>
       </p:sp>
@@ -8630,7 +8738,7 @@
           <p:cNvPr id="4" name="ZoneTexte 3">
             <a:extLst>
               <a:ext uri="{FF2B5EF4-FFF2-40B4-BE49-F238E27FC236}">
-                <a16:creationId xmlns:a16="http://schemas.microsoft.com/office/drawing/2014/main" id="{D6ABCE2F-8816-4AD2-98F3-CF0F02E320B6}"/>
+                <a16:creationId xmlns:a16="http://schemas.microsoft.com/office/drawing/2014/main" id="{C234BDB9-432F-484D-97CC-8620149CE1BE}"/>
               </a:ext>
             </a:extLst>
           </p:cNvPr>
@@ -8639,7 +8747,7 @@
         </p:nvSpPr>
         <p:spPr>
           <a:xfrm>
-            <a:off x="174266" y="802890"/>
+            <a:off x="131787" y="802890"/>
             <a:ext cx="1111202" cy="461665"/>
           </a:xfrm>
           <a:prstGeom prst="rect">
@@ -8663,13 +8771,21 @@
     </p:spTree>
     <p:extLst>
       <p:ext uri="{BB962C8B-B14F-4D97-AF65-F5344CB8AC3E}">
-        <p14:creationId xmlns:p14="http://schemas.microsoft.com/office/powerpoint/2010/main" val="578886545"/>
+        <p14:creationId xmlns:p14="http://schemas.microsoft.com/office/powerpoint/2010/main" val="3214525361"/>
       </p:ext>
     </p:extLst>
   </p:cSld>
   <p:clrMapOvr>
     <a:masterClrMapping/>
   </p:clrMapOvr>
+  <mc:AlternateContent xmlns:mc="http://schemas.openxmlformats.org/markup-compatibility/2006">
+    <mc:Choice xmlns:p14="http://schemas.microsoft.com/office/powerpoint/2010/main" Requires="p14">
+      <p:transition spd="slow" p14:dur="2000" advTm="929"/>
+    </mc:Choice>
+    <mc:Fallback>
+      <p:transition spd="slow" advTm="929"/>
+    </mc:Fallback>
+  </mc:AlternateContent>
 </p:sld>
 </file>
 
@@ -8695,7 +8811,7 @@
           <p:cNvPr id="2" name="Titre 1">
             <a:extLst>
               <a:ext uri="{FF2B5EF4-FFF2-40B4-BE49-F238E27FC236}">
-                <a16:creationId xmlns:a16="http://schemas.microsoft.com/office/drawing/2014/main" id="{368FA8E5-856D-4B47-B5C4-3489E95FF821}"/>
+                <a16:creationId xmlns:a16="http://schemas.microsoft.com/office/drawing/2014/main" id="{7126BE61-FEBF-401D-BA40-5AD66A0087FD}"/>
               </a:ext>
             </a:extLst>
           </p:cNvPr>
@@ -8703,79 +8819,78 @@
             <a:spLocks noGrp="1"/>
           </p:cNvSpPr>
           <p:nvPr>
-            <p:ph type="title"/>
-          </p:nvPr>
-        </p:nvSpPr>
-        <p:spPr/>
+            <p:ph type="title" idx="4294967295"/>
+          </p:nvPr>
+        </p:nvSpPr>
+        <p:spPr>
+          <a:xfrm>
+            <a:off x="2813501" y="0"/>
+            <a:ext cx="8912225" cy="1281112"/>
+          </a:xfrm>
+        </p:spPr>
         <p:txBody>
           <a:bodyPr/>
           <a:lstStyle/>
           <a:p>
             <a:pPr algn="ctr"/>
             <a:r>
-              <a:rPr lang="fr-FR" dirty="0"/>
-              <a:t>Mes recherches</a:t>
-            </a:r>
-          </a:p>
-        </p:txBody>
-      </p:sp>
-      <p:sp>
-        <p:nvSpPr>
-          <p:cNvPr id="3" name="Espace réservé du contenu 2">
+              <a:rPr lang="fr-FR" dirty="0" err="1"/>
+              <a:t>Projet_WiFi</a:t>
+            </a:r>
+            <a:endParaRPr lang="fr-FR" dirty="0"/>
+          </a:p>
+        </p:txBody>
+      </p:sp>
+      <p:pic>
+        <p:nvPicPr>
+          <p:cNvPr id="5" name="Espace réservé du contenu 4">
             <a:extLst>
               <a:ext uri="{FF2B5EF4-FFF2-40B4-BE49-F238E27FC236}">
-                <a16:creationId xmlns:a16="http://schemas.microsoft.com/office/drawing/2014/main" id="{E990682F-0C39-4BB9-B310-2475A531F227}"/>
+                <a16:creationId xmlns:a16="http://schemas.microsoft.com/office/drawing/2014/main" id="{5809C06E-AB8E-4FB5-A7EC-57DB7064E384}"/>
               </a:ext>
             </a:extLst>
           </p:cNvPr>
-          <p:cNvSpPr>
-            <a:spLocks noGrp="1"/>
-          </p:cNvSpPr>
-          <p:nvPr>
-            <p:ph idx="1"/>
-          </p:nvPr>
-        </p:nvSpPr>
-        <p:spPr/>
-        <p:txBody>
-          <a:bodyPr>
-            <a:normAutofit/>
-          </a:bodyPr>
-          <a:lstStyle/>
-          <a:p>
-            <a:r>
-              <a:rPr lang="fr-FR" sz="2400" dirty="0">
-                <a:solidFill>
-                  <a:schemeClr val="tx1"/>
-                </a:solidFill>
-              </a:rPr>
-              <a:t>Comment générer un son sur haut parleur Arduino</a:t>
-            </a:r>
-          </a:p>
-          <a:p>
-            <a:endParaRPr lang="fr-FR" sz="2400" dirty="0">
-              <a:solidFill>
-                <a:schemeClr val="tx1"/>
-              </a:solidFill>
-            </a:endParaRPr>
-          </a:p>
-          <a:p>
-            <a:r>
-              <a:rPr lang="fr-FR" sz="2400" dirty="0">
-                <a:solidFill>
-                  <a:schemeClr val="tx1"/>
-                </a:solidFill>
-              </a:rPr>
-              <a:t>La communication entre LoRa</a:t>
-            </a:r>
-          </a:p>
-        </p:txBody>
-      </p:sp>
-      <p:sp>
-        <p:nvSpPr>
-          <p:cNvPr id="4" name="ZoneTexte 3">
+          <p:cNvPicPr>
+            <a:picLocks noGrp="1" noChangeAspect="1"/>
+          </p:cNvPicPr>
+          <p:nvPr>
+            <p:ph sz="half" idx="4294967295"/>
+          </p:nvPr>
+        </p:nvPicPr>
+        <p:blipFill>
+          <a:blip r:embed="rId2">
+            <a:extLst>
+              <a:ext uri="{BEBA8EAE-BF5A-486C-A8C5-ECC9F3942E4B}">
+                <a14:imgProps xmlns:a14="http://schemas.microsoft.com/office/drawing/2010/main">
+                  <a14:imgLayer r:embed="rId3">
+                    <a14:imgEffect>
+                      <a14:saturation sat="400000"/>
+                    </a14:imgEffect>
+                  </a14:imgLayer>
+                </a14:imgProps>
+              </a:ext>
+              <a:ext uri="{28A0092B-C50C-407E-A947-70E740481C1C}">
+                <a14:useLocalDpi xmlns:a14="http://schemas.microsoft.com/office/drawing/2010/main" val="0"/>
+              </a:ext>
+            </a:extLst>
+          </a:blip>
+          <a:stretch>
+            <a:fillRect/>
+          </a:stretch>
+        </p:blipFill>
+        <p:spPr>
+          <a:xfrm>
+            <a:off x="5208104" y="1905000"/>
+            <a:ext cx="4123021" cy="4784517"/>
+          </a:xfrm>
+        </p:spPr>
+      </p:pic>
+      <p:sp>
+        <p:nvSpPr>
+          <p:cNvPr id="11" name="ZoneTexte 10">
             <a:extLst>
               <a:ext uri="{FF2B5EF4-FFF2-40B4-BE49-F238E27FC236}">
-                <a16:creationId xmlns:a16="http://schemas.microsoft.com/office/drawing/2014/main" id="{C234BDB9-432F-484D-97CC-8620149CE1BE}"/>
+                <a16:creationId xmlns:a16="http://schemas.microsoft.com/office/drawing/2014/main" id="{76F33C87-38EA-49C2-BA08-09D990CC538A}"/>
               </a:ext>
             </a:extLst>
           </p:cNvPr>
@@ -8784,7 +8899,7 @@
         </p:nvSpPr>
         <p:spPr>
           <a:xfrm>
-            <a:off x="131787" y="802890"/>
+            <a:off x="119271" y="731133"/>
             <a:ext cx="1111202" cy="461665"/>
           </a:xfrm>
           <a:prstGeom prst="rect">
@@ -8800,7 +8915,7 @@
           <a:p>
             <a:r>
               <a:rPr lang="fr-FR" sz="2400" dirty="0"/>
-              <a:t>CSG 2</a:t>
+              <a:t>CGS 2</a:t>
             </a:r>
           </a:p>
         </p:txBody>
@@ -8808,13 +8923,21 @@
     </p:spTree>
     <p:extLst>
       <p:ext uri="{BB962C8B-B14F-4D97-AF65-F5344CB8AC3E}">
-        <p14:creationId xmlns:p14="http://schemas.microsoft.com/office/powerpoint/2010/main" val="3214525361"/>
+        <p14:creationId xmlns:p14="http://schemas.microsoft.com/office/powerpoint/2010/main" val="2384141040"/>
       </p:ext>
     </p:extLst>
   </p:cSld>
   <p:clrMapOvr>
     <a:masterClrMapping/>
   </p:clrMapOvr>
+  <mc:AlternateContent xmlns:mc="http://schemas.openxmlformats.org/markup-compatibility/2006">
+    <mc:Choice xmlns:p14="http://schemas.microsoft.com/office/powerpoint/2010/main" Requires="p14">
+      <p:transition spd="slow" p14:dur="2000" advTm="944"/>
+    </mc:Choice>
+    <mc:Fallback>
+      <p:transition spd="slow" advTm="944"/>
+    </mc:Fallback>
+  </mc:AlternateContent>
 </p:sld>
 </file>
 
